--- a/I2C/I2C_implementation_Summary.pptx
+++ b/I2C/I2C_implementation_Summary.pptx
@@ -9,6 +9,7 @@
     <p:sldId id="265" r:id="rId3"/>
     <p:sldId id="257" r:id="rId4"/>
     <p:sldId id="267" r:id="rId5"/>
+    <p:sldId id="282" r:id="rId6"/>
   </p:sldIdLst>
   <p:sldSz cx="9144000" cy="5143500" type="screen16x9"/>
   <p:notesSz cx="6858000" cy="9144000"/>
@@ -157,6 +158,58 @@
     </p:ext>
   </p:extLst>
 </p:presentation>
+</file>
+
+<file path=ppt/ink/ink1.xml><?xml version="1.0" encoding="utf-8"?>
+<inkml:ink xmlns:inkml="http://www.w3.org/2003/InkML">
+  <inkml:definitions>
+    <inkml:context xml:id="ctx0">
+      <inkml:inkSource xml:id="inkSrc0">
+        <inkml:traceFormat>
+          <inkml:channel name="X" type="integer" max="1920" units="cm"/>
+          <inkml:channel name="Y" type="integer" max="1080" units="cm"/>
+          <inkml:channel name="T" type="integer" max="2.14748E9" units="dev"/>
+        </inkml:traceFormat>
+        <inkml:channelProperties>
+          <inkml:channelProperty channel="X" name="resolution" value="62.13592" units="1/cm"/>
+          <inkml:channelProperty channel="Y" name="resolution" value="62.06897" units="1/cm"/>
+          <inkml:channelProperty channel="T" name="resolution" value="1" units="1/dev"/>
+        </inkml:channelProperties>
+      </inkml:inkSource>
+      <inkml:timestamp xml:id="ts0" timeString="2021-02-13T12:49:58.090"/>
+    </inkml:context>
+    <inkml:brush xml:id="br0">
+      <inkml:brushProperty name="width" value="0.05292" units="cm"/>
+      <inkml:brushProperty name="height" value="0.05292" units="cm"/>
+      <inkml:brushProperty name="color" value="#FF0000"/>
+    </inkml:brush>
+  </inkml:definitions>
+  <inkml:trace contextRef="#ctx0" brushRef="#br0">8453 4617 0,'14'26'109,"-1"-12"-93,-13-1 31,0 13-16,0-12 0,0-1 1,0 0-1,0 13-31,13 1 16,-13-14 15,0 14-31,0-14 15,0 0 1,0 0 0,0 27 15,0-27 16,13 0-32,1 1 1,25 12 0,-39-13-1,0 1 1</inkml:trace>
+  <inkml:trace contextRef="#ctx0" brushRef="#br0" timeOffset="2777.45">9988 4670 0,'13'0'47,"14"0"-47,-14 0 16,0 0-1,0 0 48,1 13 78,-1-13-141,0 13 15,0 1 1,1 12 15,-14-13 16,13 0-47,-13 14 31,0-14-15,0 0-1,0 1 1,0 25 0,0-25-1,0 12 1,0-13-16,-27 0 16,14 1-1,0-1 1,0 0 124,13 0-61,39-13-64,14 0 1,-26 0-1,-14 0 1,27 0 15,-27 0-15,0 0 15,0 0-15,14 0-1,-1 0 1,-13 0 0</inkml:trace>
+  <inkml:trace contextRef="#ctx0" brushRef="#br0" timeOffset="5446.64">11483 4551 0,'13'0'109,"27"0"-109,-27 0 16,14 0-16,12 0 15,-12 0 1,52 0-1,-66 0 1,14 0 31,-14 0-16,0 0 32,-13 13-48,0 14 17,-13-14-17,0 0 1,0 0-1,-1 0 1,1 1 0,0 12 15,-14-13-15,1-13-1,13 14 1,-1-1 15,14 0 219,14-13-234,-1 0 62,40 13-78,-40-13 15,27 0 1,-27 13 0,0-13-16,27 27 15,-27-27 1,27 13 46,-27 0-30,0-13-32,0 14 47,-13-1-32,0 0 16,0 0-15,0 1-16,0 12 16,0-13-16,0 27 15,-13-27 1,0 0 0,-40 14-1,40-14 16,-14-13-15,-25 13 0,25-13 15,14 0-15,-27 0-1,-13 0 1,40 0-1,-27 0 110,27 0-125,0 0 16,-14 0 0</inkml:trace>
+  <inkml:trace contextRef="#ctx0" brushRef="#br0" timeOffset="8791.12">13031 4524 0,'0'40'63,"0"-27"-63,-13 14 16,13-1-1,-27 14-15,1 13 31,26-40 141,0 0-156,0 0-16,-14 27 31,14-27 0,-13 27-15,53-40 187,-14 0-187,27 0-1,-26 0 1,-14 0 93,-13-13-30,0-14 14,0 14-77,0 40 281,0-14-282,0 13-15,0-12 16,0 12 0,0 0-1,0-12 1,0-1 0,0 0 77,0 14-77,0-14 0,0 0-1</inkml:trace>
+  <inkml:trace contextRef="#ctx0" brushRef="#br0" timeOffset="11984.51">14473 4524 0,'13'0'125,"0"0"-125,0 0 16,14 0 15,-14 0 0,14-13 63,-14 0 0,0 13 31,0 0-110,0 0 1,-26 0 203,0 0-204,-13 13 1,-1-13 0,14 0-1,-40 13-15,26 14 32,-39-14-17,53-13 1,0 13-1,0 1 17,13 12 155,0-13-171,13 14-16,13 12 31,-26-25-15,14-1 93,-1-13-78,13 0 1,-13-13-17,1 13 1,39 0-16,-27 0 31,14 0-15,-27 0-16,13 0 15,27 0 32,-39 0-31,-1 0 46,0 0-62,-13 13 16,0 0 0,0 40-1,0-40 1,0 0-1,0 1 1,-26 25 15,12-39-31,1 14 16,-13-1 0,-1-13-1,14 13 1,0-13 15,-40 0-15,-53 0-1,27 40 1,65-40 0,-12 0 15,13 0 47</inkml:trace>
+  <inkml:trace contextRef="#ctx0" brushRef="#br0" timeOffset="14303.21">16060 4485 0,'0'53'31,"0"-40"-31,0 0 32,-13 14-17,13-14 1,0 0 15,0 0-15,0 0 46,0 14-46,0-14-1,0 0 48,0 1-47,13 38-16,0-38 31,1-1-16,12 0 95,-13-13-95,1 0-15,12 0 16,14 27 0,-27-27-1,13 0 48,-12-14-48,-1 1 1,-13 0 31,0 0-16,0-1 47,0 1 63,0 0-125,-13-13 15,-1 26 0,-12 0-31,13 0 16,-1 0-1,1 0-15,-53 0 16,53 0 0</inkml:trace>
+  <inkml:trace contextRef="#ctx0" brushRef="#br0" timeOffset="16680.11">17370 4564 0,'40'0'110,"-14"0"-95,0 0 1,41 0 0,-41 13 187,-26 1-188,0 12 1,0-13 0,0 27-1,0-14 1,0 14-1,0-27-15,0 0 32,0 1-17,0 12 1,0-13 0,0 1 15</inkml:trace>
+  <inkml:trace contextRef="#ctx0" brushRef="#br0" timeOffset="19319.02">19037 4551 0,'-13'-13'16,"-1"13"15,1 0 0,0 13-15,13 0 0,0 0-1,0 27 1,0-27-1,0 0 1,0 1 0,0 12-1,26 1 188,1-1-187,12-26 0,-25 13-1,-1 0 95,-13 1-95,13-1 1,-13 0 0,0 14-16,0-1 31,0-13-16,0 14 1,0-14-16,0 13 31,-40 27-15,27-39-16,-13-1 31,-1-13 0,14 13-31,-66 14 16,52-27 15,-12 0-15,25 0 0,-12 0-1,13 0 16,-1 0 16,14-14-31,0-25 15,14 25-15,-1 1-1,0 0-15,40-27 16,-13 27 15,-14 0-15,-13 0 31,1-1-16,12-12-15,-13 13-1,1-1 1,-1 1 0,-13 0-1,39-27-15,-25 14 31,-14 13-31,13-14 16,0-39 15,0 40-15,14 12 0,-1-39-1,-12 14 1,-14 25 15,0 1 125,-14 13-140,1 0 0,0 0 46,0 0-46,-1 13 15,-25 14 47,25 13-47,1-27-15,0 0 0,0 14-16,0-27 15,-1 13 16,1 0 16</inkml:trace>
+  <inkml:trace contextRef="#ctx0" brushRef="#br0" timeOffset="21728.93">20730 4419 0,'0'-53'0,"0"39"15,-13 1 1,-27 0 0,14-27-1,-1 40 1,14 0-1,-40 0 1,40 0 0,0 0-16,-27 0 15,27 0 1,0 0 0,-14 0 15,-13 40-16,40-27 1,0 0 0,0 1 15,0 39-15,0-40-1,0 13 1,0 14-1,0-27 1,0 0-16,14 1 16,-1 12-1,0-13 1,0-13 0,14 14-1,12-14 1,-25 0-1,-1 0 17,27 0-17,-14 0-15,1-27 16,-1-13 0,-26 27 77,0 0-46,0 0-31,0-1-1,26-12 79,-26 13-78,14-14-16,-14 1 31,0 52 157,0-12-188,13 25 15,-13-12 1,0-14-1,0 0-15,0 40 16,0-40 0,13 67-1,0-67 1,-13 13 15,14 14-15,-14 13-1,0-27 1,0 27 0,0-13 15,0-27-31,0 27 31,0-14-15,0-12-1</inkml:trace>
+  <inkml:trace contextRef="#ctx0" brushRef="#br0" timeOffset="25999.77">8506 5689 0,'-13'0'62,"13"13"-46,0 13-1,0-13-15,0 1 16,0 25 0,0 14-1,0-13 1,0 13 0,0-13-1,0-27 1</inkml:trace>
+  <inkml:trace contextRef="#ctx0" brushRef="#br0" timeOffset="27792.34">9869 5689 0,'0'13'63,"13"0"-48,-13 0-15,0 0 16,0 14 0,13 13-16,-13-27 15,53 27 1,-26 26-1,26-53 17,-40-13-17,0 13 1,14 0 0,26-13-1,-27 0 1,27 0-1,-27 0 1,1-26 0,-14-14-1,27-52 1,-40 39 0,0-13-1,0 26 1,0 0 15,0 14-15,0-1 15,0 1 47,-13 26-47,-40 0-15,39 0-16,-65 13 16,66 0 30,0-13-14,-14 0-17,1 13-15,12-13 16,-39 27 15,40-14 16,0 0-16,13 14 32,0-14-48,0 0 1,0 1 0,0 12-1,0-13-15,0 53 32,0-52-17,0 12 1</inkml:trace>
+  <inkml:trace contextRef="#ctx0" brushRef="#br0" timeOffset="28623.88">11271 5689 0,'0'0'0,"0"13"94,13 0-78,-13 0-16,0 27 15,0-27 1,0 0 0,14 14-1,-14-1 1,0-12 0,0-1-1</inkml:trace>
+  <inkml:trace contextRef="#ctx0" brushRef="#br0" timeOffset="30198.78">13110 5636 0,'-13'0'109,"13"26"-93,0-13-1,0 14-15,0 12 16,0 28-1,26-1 1,1-27 0,-1-12-1,-13-14 32,14-13-31,-14 0-1,14 0 1,-1 0 0,14 0-1,-27-13 1,0 0 15,-13-27-31,27 14 16,-1-41-1,-13 14 1,-13 27 0,0 0-1,0-1 17,0 14-17,0-14 1,0 1-1,0 13 1,0-14 0,-13 27-1,-27-13 1,14 13 0,0 0 30,12 0-46,-12 0 16,13 0 0,-1 0-1,1 0 48,0 0-48,-27 13-15,27 0 16,0 14 0,-14-1 46,14-12-46,13-1-1,-13 0 1,13 0-16,-13 27 31,-1-14-31,-12 14 32</inkml:trace>
+  <inkml:trace contextRef="#ctx0" brushRef="#br0" timeOffset="31016.04">14235 5622 0,'13'0'46,"-13"14"-14,0 12-17,0-13 1,0 1 0,0 25-1,0-12 1,0-14-1,0 27 1,0-27 0,0 0-1,0 0 1</inkml:trace>
+  <inkml:trace contextRef="#ctx0" brushRef="#br0" timeOffset="32984.19">15597 5675 0,'13'14'78,"-13"-1"-62,14 0-16,-1 0 15,0 14 64,27 12-79,-27-39 15,27 14 1,-14-14-1,-13 0 32,1 0-31,-1 0 0,53 0-1,-53-14 1,-13 1-1,13-27 1,-13 14 0,0-27-1,0 40 1,0 0 0,0-27-1,0 13 1,-39-12-1,26 12 1,-40-39 0,39 53-1,1 13 17,-27-13-17,14 13 1,-27 0-1,-26 0 1,52 0-16,-26 0 16,40 0-16,0 0 15,-27 26 1,27-13 0,0 27-1,13-27 48,0 1-32,0 25-15,0-26 15,0 1 0,0-1-15,13 0-1,13 14 1,-12-14 0,12 13-1,-13-12 1,1 12-1,-1-13 1,0 0 0,0 1-1,1-1 17,-1 27-17,0-27 1,40 13-1,-40-26 1,27 14 0,-27-14 171,0 0-187,27 0 16,0 0-1,-1 0 1</inkml:trace>
+  <inkml:trace contextRef="#ctx0" brushRef="#br0" timeOffset="33887.08">17410 5609 0,'13'0'16,"-13"13"31,0 1-31,0-1-1,0 53 1,0-13-1,0-27 1,0 14 0,0-13-1,0 12 1</inkml:trace>
+  <inkml:trace contextRef="#ctx0" brushRef="#br0" timeOffset="35279.54">18772 5503 0,'0'14'47,"0"-1"-31,0 13-1,0-13 1,0 1-16,0 52 16,0-40-1,0 40 1,0-26-1,0-27 1,0 1 0,0-1 15,13 0 0,27-13-15,-27 0-1,53 0 1,-26 0 0,26-13-1,-39-27 1,39-26 0,-13-27-1,-27 67 1,-12-14-1,-14 27 1,0 0 0,0-14-1,0 14 1,0 0 0,0-14 15,-40 1-16,-26 26 1,13 0 0,-53 0-1,27 0 1,12 0 0,54 0-16,0 0 15,-27 0 1,14 0-1,13 0 17,-1 13-17,14 14 32,-13-14-31,0 0-1</inkml:trace>
+  <inkml:trace contextRef="#ctx0" brushRef="#br0" timeOffset="38161.22">20743 5728 0,'0'13'62,"0"1"-62,0 39 16,0 26 0,0-53-1,0 27 1,0-39-16,0 52 16,40-40-1,-14 1 1,1-1 15,-1-26-15,14 0-1,-27 0 1,67-53 0,-27-13-1,0-27 16,-40 41-15,-13 38 0,0 1 15,0 0-15,0 0-1,0-1-15,0 1 31,0 0-15,0 0 0,-13 13-1,-1 0 17,1 0-17,-13 0 1,12 0-16,1 0 15,0 0 17,-14 0-17,1 0 1,-27 0 0,40 0-1,0 0 16,-1 0-15,-12 0 15,13 0-31,-1 0 16,1 13 0,0 13 15,13-12 0,0 25-15,0-12-1,-13-14 1,0 0 0,13 0 15,0 1-16</inkml:trace>
+  <inkml:trace contextRef="#ctx0" brushRef="#br0" timeOffset="39608.89">22000 5781 0,'13'0'78,"-13"13"-62,0 14-1,27-1-15,-14-12 16,-13 38-16,13 1 16,-13-13-1,0 0 16,0-27-15</inkml:trace>
+  <inkml:trace contextRef="#ctx0" brushRef="#br0" timeOffset="41698.18">6628 5861 0,'13'13'125,"0"0"-109,1-13 0,-1 0-1,53 0 1,-13-53-1,-27 40-15,14-40 16,-27 26 0,14 1-1,-27 0 1,0-14 0,0 13-1,-14-39 1,1 53-1,0-13 1,-14 12 0,1 1-1,-14 13 1,14 0 15,-40 0-15,26 0-1,0 0 17,1 13-17,12 1 1,14 25 0,13-26 15,0 1-16,0-1-15,0 13 16,0 1 0,0 13-1,0-1-15,0 1 16,0 0 15,13 13-15,0-40-1,-13 0 1,14 13 0,-1 1-1,0-14 32,14-13-47,39 27 16,0-27-1,-40 0 1,-12 0 0,12 0-1,-13 0 1,0 0 46,1-14-62,-1 1 16,0 0 0,0 0-1,1-1 79,-14-25-16</inkml:trace>
+  <inkml:trace contextRef="#ctx0" brushRef="#br0" timeOffset="44200.1">6800 6324 0,'-27'13'140,"14"0"-124,0 13 0,13-12-1,0 25 1,0-25-1,0-1 1,0 27 0,0-27-1,0 0 63,40-13-78,-27 0 16,0 0-16,27 0 16,-14 0-1,1 0-15,-14 0 16,0 0 0,0 0 109,27 0-110,-27 0 1,0 13-16,1 0 15,-14 14 1,0-14 0,0 0-1,0 27 1,0-27 15,-14 27 16,1-40-31,0 0 77,0 0-93,-14 0 0,14 13 16,0 0 0,0-13 15,-14 0-15,14 0-16,0 0 15,-1 0 16,-12-13-15,13 13 0,0 0-1,-1-26 63</inkml:trace>
+  <inkml:trace contextRef="#ctx0" brushRef="#br0" timeOffset="47027.91">20717 6760 0,'0'13'63,"0"1"-63,0-1 16,0 0-16,0 53 15,0 14 16,0-14-15,0-13 0,0-27-1,0-13 1,0 14 46,0-14-62,-13-26 110,13-27-95,-14 27-15,14-14 16,0-39 0,0 13-1,0-13 1,0 53 0,0-14-1,0 1 1,14-14-1,-1 1 1,0 25 47,0 1-32,1 13-31,-1 0 15,0-13 1,0 13 0,14 0 15,-14 0 0,0 0-15,0 0-1,27 0 1,-27 0-16,1 40 16,-14-27-1,13 13-15,-13 1 16,13 26 0,-13-40-1,0 40 16,0-27-15,0-12 0,0 12 15,0-13-15,0 0-1,0 1 1,0 12 187,0-13-187,0 14-1,0 13-15,0-27 16,0 26-1,40 28 1,-40-28 0,-14-52 187,-12-40-172,26 40-31</inkml:trace>
+  <inkml:trace contextRef="#ctx0" brushRef="#br0" timeOffset="47865.1">20677 6998 0,'-13'0'94,"26"0"-48,0 0-30,1 0-16,39 0 16,-27 0-1,-13 0 1,27 0 0,-14-13-1,1 13 16,-14-13-15</inkml:trace>
+  <inkml:trace contextRef="#ctx0" brushRef="#br0" timeOffset="48810.41">22291 6641 0,'0'13'47,"0"40"-31,0-40-1,0 54-15,-26 38 16,26-25 0,0 26-1,0-53 16,0-40-31,0 26 16,0-78 156</inkml:trace>
+  <inkml:trace contextRef="#ctx0" brushRef="#br0" timeOffset="50390.5">22251 6707 0,'14'0'16,"-1"0"15,13 0-15,-12 0-1,-1-13 1,0 13 46,14 0-30,-14 0-1,13 0-16,14 0 48,-14 0-47,-12 0 15,12 0-16,-13 0 17,-13 13-1,0 0 0,0 14-15,0-14-16,0 0 47,0 1-16,0 12 0,0-13 16,-13 0 31,-13-13-62,12 14-16,-12-1 15,-27 27 1,27-27 0,-14 0-1,27-13 1,-1 13 0,-12 1-16,13-1 15,-14 0 16</inkml:trace>
+</inkml:ink>
 </file>
 
 <file path=ppt/slideLayouts/slideLayout1.xml><?xml version="1.0" encoding="utf-8"?>
@@ -2953,7 +3006,7 @@
               </a14:hiddenLine>
             </a:ext>
             <a:ext uri="{FAA26D3D-D897-4be2-8F04-BA451C77F1D7}">
-              <ma14:placeholderFlag xmlns="" xmlns:ma14="http://schemas.microsoft.com/office/mac/drawingml/2011/main" val="1"/>
+              <ma14:placeholderFlag xmlns:ma14="http://schemas.microsoft.com/office/mac/drawingml/2011/main" xmlns="" val="1"/>
             </a:ext>
           </a:extLst>
         </p:spPr>
@@ -3336,14 +3389,14 @@
           </a:ln>
           <a:extLst>
             <a:ext uri="{909E8E84-426E-40dd-AFC4-6F175D3DCCD1}">
-              <a14:hiddenFill xmlns="" xmlns:a14="http://schemas.microsoft.com/office/drawing/2010/main">
+              <a14:hiddenFill xmlns:a14="http://schemas.microsoft.com/office/drawing/2010/main" xmlns="">
                 <a:solidFill>
                   <a:srgbClr val="FFFFFF"/>
                 </a:solidFill>
               </a14:hiddenFill>
             </a:ext>
             <a:ext uri="{91240B29-F687-4f45-9708-019B960494DF}">
-              <a14:hiddenLine xmlns="" xmlns:a14="http://schemas.microsoft.com/office/drawing/2010/main" w="9525">
+              <a14:hiddenLine xmlns:a14="http://schemas.microsoft.com/office/drawing/2010/main" xmlns="" w="9525">
                 <a:solidFill>
                   <a:srgbClr val="000000"/>
                 </a:solidFill>
@@ -3446,7 +3499,7 @@
               </a14:hiddenLine>
             </a:ext>
             <a:ext uri="{FAA26D3D-D897-4be2-8F04-BA451C77F1D7}">
-              <ma14:placeholderFlag xmlns="" xmlns:ma14="http://schemas.microsoft.com/office/mac/drawingml/2011/main" val="1"/>
+              <ma14:placeholderFlag xmlns:ma14="http://schemas.microsoft.com/office/mac/drawingml/2011/main" xmlns="" val="1"/>
             </a:ext>
           </a:extLst>
         </p:spPr>
@@ -3673,14 +3726,14 @@
           </a:ln>
           <a:extLst>
             <a:ext uri="{909E8E84-426E-40dd-AFC4-6F175D3DCCD1}">
-              <a14:hiddenFill xmlns="" xmlns:a14="http://schemas.microsoft.com/office/drawing/2010/main">
+              <a14:hiddenFill xmlns:a14="http://schemas.microsoft.com/office/drawing/2010/main" xmlns="">
                 <a:solidFill>
                   <a:srgbClr val="FFFFFF"/>
                 </a:solidFill>
               </a14:hiddenFill>
             </a:ext>
             <a:ext uri="{91240B29-F687-4f45-9708-019B960494DF}">
-              <a14:hiddenLine xmlns="" xmlns:a14="http://schemas.microsoft.com/office/drawing/2010/main" w="9525">
+              <a14:hiddenLine xmlns:a14="http://schemas.microsoft.com/office/drawing/2010/main" xmlns="" w="9525">
                 <a:solidFill>
                   <a:srgbClr val="000000"/>
                 </a:solidFill>
@@ -3881,14 +3934,14 @@
           </a:ln>
           <a:extLst>
             <a:ext uri="{909E8E84-426E-40dd-AFC4-6F175D3DCCD1}">
-              <a14:hiddenFill xmlns="" xmlns:a14="http://schemas.microsoft.com/office/drawing/2010/main">
+              <a14:hiddenFill xmlns:a14="http://schemas.microsoft.com/office/drawing/2010/main" xmlns="">
                 <a:solidFill>
                   <a:srgbClr val="FFFFFF"/>
                 </a:solidFill>
               </a14:hiddenFill>
             </a:ext>
             <a:ext uri="{91240B29-F687-4f45-9708-019B960494DF}">
-              <a14:hiddenLine xmlns="" xmlns:a14="http://schemas.microsoft.com/office/drawing/2010/main" w="9525">
+              <a14:hiddenLine xmlns:a14="http://schemas.microsoft.com/office/drawing/2010/main" xmlns="" w="9525">
                 <a:solidFill>
                   <a:srgbClr val="000000"/>
                 </a:solidFill>
@@ -4031,14 +4084,14 @@
           </a:ln>
           <a:extLst>
             <a:ext uri="{909E8E84-426E-40dd-AFC4-6F175D3DCCD1}">
-              <a14:hiddenFill xmlns:a14="http://schemas.microsoft.com/office/drawing/2010/main" xmlns="">
+              <a14:hiddenFill xmlns="" xmlns:a14="http://schemas.microsoft.com/office/drawing/2010/main">
                 <a:solidFill>
                   <a:srgbClr val="FFFFFF"/>
                 </a:solidFill>
               </a14:hiddenFill>
             </a:ext>
             <a:ext uri="{91240B29-F687-4f45-9708-019B960494DF}">
-              <a14:hiddenLine xmlns:a14="http://schemas.microsoft.com/office/drawing/2010/main" xmlns="" w="9525">
+              <a14:hiddenLine xmlns="" xmlns:a14="http://schemas.microsoft.com/office/drawing/2010/main" w="9525">
                 <a:solidFill>
                   <a:srgbClr val="000000"/>
                 </a:solidFill>
@@ -4369,7 +4422,7 @@
               </a14:hiddenLine>
             </a:ext>
             <a:ext uri="{FAA26D3D-D897-4be2-8F04-BA451C77F1D7}">
-              <ma14:placeholderFlag xmlns="" xmlns:ma14="http://schemas.microsoft.com/office/mac/drawingml/2011/main" val="1"/>
+              <ma14:placeholderFlag xmlns:ma14="http://schemas.microsoft.com/office/mac/drawingml/2011/main" xmlns="" val="1"/>
             </a:ext>
           </a:extLst>
         </p:spPr>
@@ -4575,7 +4628,7 @@
           </a:ln>
           <a:extLst>
             <a:ext uri="{FAA26D3D-D897-4be2-8F04-BA451C77F1D7}">
-              <ma14:placeholderFlag xmlns="" xmlns:ma14="http://schemas.microsoft.com/office/mac/drawingml/2011/main" val="1"/>
+              <ma14:placeholderFlag xmlns:ma14="http://schemas.microsoft.com/office/mac/drawingml/2011/main" xmlns="" val="1"/>
             </a:ext>
           </a:extLst>
         </p:spPr>
@@ -4948,7 +5001,7 @@
               </a14:hiddenLine>
             </a:ext>
             <a:ext uri="{FAA26D3D-D897-4be2-8F04-BA451C77F1D7}">
-              <ma14:placeholderFlag xmlns="" xmlns:ma14="http://schemas.microsoft.com/office/mac/drawingml/2011/main" val="1"/>
+              <ma14:placeholderFlag xmlns:ma14="http://schemas.microsoft.com/office/mac/drawingml/2011/main" xmlns="" val="1"/>
             </a:ext>
           </a:extLst>
         </p:spPr>
@@ -5528,7 +5581,7 @@
           </a:ln>
           <a:extLst>
             <a:ext uri="{FAA26D3D-D897-4be2-8F04-BA451C77F1D7}">
-              <ma14:placeholderFlag xmlns="" xmlns:ma14="http://schemas.microsoft.com/office/mac/drawingml/2011/main" val="1"/>
+              <ma14:placeholderFlag xmlns:ma14="http://schemas.microsoft.com/office/mac/drawingml/2011/main" xmlns="" val="1"/>
             </a:ext>
           </a:extLst>
         </p:spPr>
@@ -5835,7 +5888,7 @@
           </a:ln>
           <a:extLst>
             <a:ext uri="{FAA26D3D-D897-4be2-8F04-BA451C77F1D7}">
-              <ma14:placeholderFlag xmlns="" xmlns:ma14="http://schemas.microsoft.com/office/mac/drawingml/2011/main" val="1"/>
+              <ma14:placeholderFlag xmlns:ma14="http://schemas.microsoft.com/office/mac/drawingml/2011/main" xmlns="" val="1"/>
             </a:ext>
           </a:extLst>
         </p:spPr>
@@ -6106,7 +6159,7 @@
           </a:ln>
           <a:extLst>
             <a:ext uri="{FAA26D3D-D897-4be2-8F04-BA451C77F1D7}">
-              <ma14:placeholderFlag xmlns="" xmlns:ma14="http://schemas.microsoft.com/office/mac/drawingml/2011/main" val="1"/>
+              <ma14:placeholderFlag xmlns:ma14="http://schemas.microsoft.com/office/mac/drawingml/2011/main" xmlns="" val="1"/>
             </a:ext>
           </a:extLst>
         </p:spPr>
@@ -6349,7 +6402,7 @@
               </a14:hiddenLine>
             </a:ext>
             <a:ext uri="{FAA26D3D-D897-4be2-8F04-BA451C77F1D7}">
-              <ma14:placeholderFlag xmlns="" xmlns:ma14="http://schemas.microsoft.com/office/mac/drawingml/2011/main" val="1"/>
+              <ma14:placeholderFlag xmlns:ma14="http://schemas.microsoft.com/office/mac/drawingml/2011/main" xmlns="" val="1"/>
             </a:ext>
           </a:extLst>
         </p:spPr>
@@ -6628,7 +6681,7 @@
               </a14:hiddenLine>
             </a:ext>
             <a:ext uri="{FAA26D3D-D897-4be2-8F04-BA451C77F1D7}">
-              <ma14:placeholderFlag xmlns="" xmlns:ma14="http://schemas.microsoft.com/office/mac/drawingml/2011/main" val="1"/>
+              <ma14:placeholderFlag xmlns:ma14="http://schemas.microsoft.com/office/mac/drawingml/2011/main" xmlns="" val="1"/>
             </a:ext>
           </a:extLst>
         </p:spPr>
@@ -6901,7 +6954,7 @@
               </a14:hiddenLine>
             </a:ext>
             <a:ext uri="{FAA26D3D-D897-4be2-8F04-BA451C77F1D7}">
-              <ma14:placeholderFlag xmlns="" xmlns:ma14="http://schemas.microsoft.com/office/mac/drawingml/2011/main" val="1"/>
+              <ma14:placeholderFlag xmlns:ma14="http://schemas.microsoft.com/office/mac/drawingml/2011/main" xmlns="" val="1"/>
             </a:ext>
           </a:extLst>
         </p:spPr>
@@ -9424,7 +9477,7 @@
           <a:p>
             <a:fld id="{193A7D5E-D396-4762-A45A-E4DCF79C016E}" type="datetimeFigureOut">
               <a:rPr lang="en-US" smtClean="0"/>
-              <a:t>1/31/2021</a:t>
+              <a:t>2/13/2021</a:t>
             </a:fld>
             <a:endParaRPr lang="en-US"/>
           </a:p>
@@ -9622,7 +9675,7 @@
           <a:p>
             <a:fld id="{193A7D5E-D396-4762-A45A-E4DCF79C016E}" type="datetimeFigureOut">
               <a:rPr lang="en-US" smtClean="0"/>
-              <a:t>1/31/2021</a:t>
+              <a:t>2/13/2021</a:t>
             </a:fld>
             <a:endParaRPr lang="en-US"/>
           </a:p>
@@ -9897,7 +9950,7 @@
           <a:p>
             <a:fld id="{193A7D5E-D396-4762-A45A-E4DCF79C016E}" type="datetimeFigureOut">
               <a:rPr lang="en-US" smtClean="0"/>
-              <a:t>1/31/2021</a:t>
+              <a:t>2/13/2021</a:t>
             </a:fld>
             <a:endParaRPr lang="en-US"/>
           </a:p>
@@ -10289,7 +10342,7 @@
           <a:p>
             <a:fld id="{193A7D5E-D396-4762-A45A-E4DCF79C016E}" type="datetimeFigureOut">
               <a:rPr lang="en-US" smtClean="0"/>
-              <a:t>1/31/2021</a:t>
+              <a:t>2/13/2021</a:t>
             </a:fld>
             <a:endParaRPr lang="en-US"/>
           </a:p>
@@ -10701,7 +10754,7 @@
           <a:p>
             <a:fld id="{193A7D5E-D396-4762-A45A-E4DCF79C016E}" type="datetimeFigureOut">
               <a:rPr lang="en-US" smtClean="0"/>
-              <a:t>1/31/2021</a:t>
+              <a:t>2/13/2021</a:t>
             </a:fld>
             <a:endParaRPr lang="en-US"/>
           </a:p>
@@ -10842,7 +10895,7 @@
           <a:p>
             <a:fld id="{193A7D5E-D396-4762-A45A-E4DCF79C016E}" type="datetimeFigureOut">
               <a:rPr lang="en-US" smtClean="0"/>
-              <a:t>1/31/2021</a:t>
+              <a:t>2/13/2021</a:t>
             </a:fld>
             <a:endParaRPr lang="en-US"/>
           </a:p>
@@ -10955,7 +11008,7 @@
           <a:p>
             <a:fld id="{193A7D5E-D396-4762-A45A-E4DCF79C016E}" type="datetimeFigureOut">
               <a:rPr lang="en-US" smtClean="0"/>
-              <a:t>1/31/2021</a:t>
+              <a:t>2/13/2021</a:t>
             </a:fld>
             <a:endParaRPr lang="en-US"/>
           </a:p>
@@ -11266,7 +11319,7 @@
           <a:p>
             <a:fld id="{193A7D5E-D396-4762-A45A-E4DCF79C016E}" type="datetimeFigureOut">
               <a:rPr lang="en-US" smtClean="0"/>
-              <a:t>1/31/2021</a:t>
+              <a:t>2/13/2021</a:t>
             </a:fld>
             <a:endParaRPr lang="en-US"/>
           </a:p>
@@ -11554,7 +11607,7 @@
           <a:p>
             <a:fld id="{193A7D5E-D396-4762-A45A-E4DCF79C016E}" type="datetimeFigureOut">
               <a:rPr lang="en-US" smtClean="0"/>
-              <a:t>1/31/2021</a:t>
+              <a:t>2/13/2021</a:t>
             </a:fld>
             <a:endParaRPr lang="en-US"/>
           </a:p>
@@ -11752,7 +11805,7 @@
           <a:p>
             <a:fld id="{193A7D5E-D396-4762-A45A-E4DCF79C016E}" type="datetimeFigureOut">
               <a:rPr lang="en-US" smtClean="0"/>
-              <a:t>1/31/2021</a:t>
+              <a:t>2/13/2021</a:t>
             </a:fld>
             <a:endParaRPr lang="en-US"/>
           </a:p>
@@ -11960,7 +12013,7 @@
           <a:p>
             <a:fld id="{193A7D5E-D396-4762-A45A-E4DCF79C016E}" type="datetimeFigureOut">
               <a:rPr lang="en-US" smtClean="0"/>
-              <a:t>1/31/2021</a:t>
+              <a:t>2/13/2021</a:t>
             </a:fld>
             <a:endParaRPr lang="en-US"/>
           </a:p>
@@ -13057,7 +13110,7 @@
               </a14:hiddenLine>
             </a:ext>
             <a:ext uri="{FAA26D3D-D897-4be2-8F04-BA451C77F1D7}">
-              <ma14:placeholderFlag xmlns="" xmlns:ma14="http://schemas.microsoft.com/office/mac/drawingml/2011/main" val="1"/>
+              <ma14:placeholderFlag xmlns:ma14="http://schemas.microsoft.com/office/mac/drawingml/2011/main" xmlns="" val="1"/>
             </a:ext>
           </a:extLst>
         </p:spPr>
@@ -13812,7 +13865,7 @@
           <a:p>
             <a:fld id="{193A7D5E-D396-4762-A45A-E4DCF79C016E}" type="datetimeFigureOut">
               <a:rPr lang="en-US" smtClean="0"/>
-              <a:t>1/31/2021</a:t>
+              <a:t>2/13/2021</a:t>
             </a:fld>
             <a:endParaRPr lang="en-US"/>
           </a:p>
@@ -15016,7 +15069,7 @@
 </file>
 
 <file path=ppt/slides/slide3.xml><?xml version="1.0" encoding="utf-8"?>
-<p:sld xmlns:a="http://schemas.openxmlformats.org/drawingml/2006/main" xmlns:r="http://schemas.openxmlformats.org/officeDocument/2006/relationships" xmlns:p="http://schemas.openxmlformats.org/presentationml/2006/main">
+<p:sld xmlns:a="http://schemas.openxmlformats.org/drawingml/2006/main" xmlns:r="http://schemas.openxmlformats.org/officeDocument/2006/relationships" xmlns:p="http://schemas.openxmlformats.org/presentationml/2006/main" show="0">
   <p:cSld>
     <p:spTree>
       <p:nvGrpSpPr>
@@ -17748,6 +17801,685 @@
     <p:extLst>
       <p:ext uri="{BB962C8B-B14F-4D97-AF65-F5344CB8AC3E}">
         <p14:creationId xmlns:p14="http://schemas.microsoft.com/office/powerpoint/2010/main" val="2733106043"/>
+      </p:ext>
+    </p:extLst>
+  </p:cSld>
+  <p:clrMapOvr>
+    <a:masterClrMapping/>
+  </p:clrMapOvr>
+</p:sld>
+</file>
+
+<file path=ppt/slides/slide4.xml><?xml version="1.0" encoding="utf-8"?>
+<p:sld xmlns:a="http://schemas.openxmlformats.org/drawingml/2006/main" xmlns:r="http://schemas.openxmlformats.org/officeDocument/2006/relationships" xmlns:p="http://schemas.openxmlformats.org/presentationml/2006/main">
+  <p:cSld>
+    <p:spTree>
+      <p:nvGrpSpPr>
+        <p:cNvPr id="1" name=""/>
+        <p:cNvGrpSpPr/>
+        <p:nvPr/>
+      </p:nvGrpSpPr>
+      <p:grpSpPr>
+        <a:xfrm>
+          <a:off x="0" y="0"/>
+          <a:ext cx="0" cy="0"/>
+          <a:chOff x="0" y="0"/>
+          <a:chExt cx="0" cy="0"/>
+        </a:xfrm>
+      </p:grpSpPr>
+      <p:pic>
+        <p:nvPicPr>
+          <p:cNvPr id="3" name="Picture 2">
+            <a:extLst>
+              <a:ext uri="{FF2B5EF4-FFF2-40B4-BE49-F238E27FC236}">
+                <a16:creationId xmlns:a16="http://schemas.microsoft.com/office/drawing/2014/main" id="{460D997F-CF66-46D8-986C-B615DCEFFDF6}"/>
+              </a:ext>
+            </a:extLst>
+          </p:cNvPr>
+          <p:cNvPicPr>
+            <a:picLocks noChangeAspect="1"/>
+          </p:cNvPicPr>
+          <p:nvPr/>
+        </p:nvPicPr>
+        <p:blipFill>
+          <a:blip r:embed="rId2"/>
+          <a:stretch>
+            <a:fillRect/>
+          </a:stretch>
+        </p:blipFill>
+        <p:spPr>
+          <a:xfrm>
+            <a:off x="0" y="724234"/>
+            <a:ext cx="9144000" cy="2102713"/>
+          </a:xfrm>
+          <a:prstGeom prst="rect">
+            <a:avLst/>
+          </a:prstGeom>
+        </p:spPr>
+      </p:pic>
+      <p:cxnSp>
+        <p:nvCxnSpPr>
+          <p:cNvPr id="5" name="Straight Connector 4">
+            <a:extLst>
+              <a:ext uri="{FF2B5EF4-FFF2-40B4-BE49-F238E27FC236}">
+                <a16:creationId xmlns:a16="http://schemas.microsoft.com/office/drawing/2014/main" id="{10252BED-8989-485F-B2DD-E0A61CDDD8AE}"/>
+              </a:ext>
+            </a:extLst>
+          </p:cNvPr>
+          <p:cNvCxnSpPr/>
+          <p:nvPr/>
+        </p:nvCxnSpPr>
+        <p:spPr>
+          <a:xfrm>
+            <a:off x="2128345" y="1775590"/>
+            <a:ext cx="0" cy="1442545"/>
+          </a:xfrm>
+          <a:prstGeom prst="line">
+            <a:avLst/>
+          </a:prstGeom>
+          <a:ln w="12700">
+            <a:solidFill>
+              <a:srgbClr val="FF0000"/>
+            </a:solidFill>
+          </a:ln>
+        </p:spPr>
+        <p:style>
+          <a:lnRef idx="1">
+            <a:schemeClr val="accent1"/>
+          </a:lnRef>
+          <a:fillRef idx="0">
+            <a:schemeClr val="accent1"/>
+          </a:fillRef>
+          <a:effectRef idx="0">
+            <a:schemeClr val="accent1"/>
+          </a:effectRef>
+          <a:fontRef idx="minor">
+            <a:schemeClr val="tx1"/>
+          </a:fontRef>
+        </p:style>
+      </p:cxnSp>
+      <p:cxnSp>
+        <p:nvCxnSpPr>
+          <p:cNvPr id="6" name="Straight Connector 5">
+            <a:extLst>
+              <a:ext uri="{FF2B5EF4-FFF2-40B4-BE49-F238E27FC236}">
+                <a16:creationId xmlns:a16="http://schemas.microsoft.com/office/drawing/2014/main" id="{A196DB49-60D8-4D71-A86E-A027FE6FAB0B}"/>
+              </a:ext>
+            </a:extLst>
+          </p:cNvPr>
+          <p:cNvCxnSpPr/>
+          <p:nvPr/>
+        </p:nvCxnSpPr>
+        <p:spPr>
+          <a:xfrm>
+            <a:off x="2687145" y="1775590"/>
+            <a:ext cx="0" cy="1442545"/>
+          </a:xfrm>
+          <a:prstGeom prst="line">
+            <a:avLst/>
+          </a:prstGeom>
+          <a:ln w="12700">
+            <a:solidFill>
+              <a:srgbClr val="FF0000"/>
+            </a:solidFill>
+          </a:ln>
+        </p:spPr>
+        <p:style>
+          <a:lnRef idx="1">
+            <a:schemeClr val="accent1"/>
+          </a:lnRef>
+          <a:fillRef idx="0">
+            <a:schemeClr val="accent1"/>
+          </a:fillRef>
+          <a:effectRef idx="0">
+            <a:schemeClr val="accent1"/>
+          </a:effectRef>
+          <a:fontRef idx="minor">
+            <a:schemeClr val="tx1"/>
+          </a:fontRef>
+        </p:style>
+      </p:cxnSp>
+      <p:cxnSp>
+        <p:nvCxnSpPr>
+          <p:cNvPr id="7" name="Straight Connector 6">
+            <a:extLst>
+              <a:ext uri="{FF2B5EF4-FFF2-40B4-BE49-F238E27FC236}">
+                <a16:creationId xmlns:a16="http://schemas.microsoft.com/office/drawing/2014/main" id="{1363FF80-AC37-4BFE-822B-6D8B8E52A48B}"/>
+              </a:ext>
+            </a:extLst>
+          </p:cNvPr>
+          <p:cNvCxnSpPr/>
+          <p:nvPr/>
+        </p:nvCxnSpPr>
+        <p:spPr>
+          <a:xfrm>
+            <a:off x="3250178" y="1775589"/>
+            <a:ext cx="0" cy="1442545"/>
+          </a:xfrm>
+          <a:prstGeom prst="line">
+            <a:avLst/>
+          </a:prstGeom>
+          <a:ln w="12700">
+            <a:solidFill>
+              <a:srgbClr val="FF0000"/>
+            </a:solidFill>
+          </a:ln>
+        </p:spPr>
+        <p:style>
+          <a:lnRef idx="1">
+            <a:schemeClr val="accent1"/>
+          </a:lnRef>
+          <a:fillRef idx="0">
+            <a:schemeClr val="accent1"/>
+          </a:fillRef>
+          <a:effectRef idx="0">
+            <a:schemeClr val="accent1"/>
+          </a:effectRef>
+          <a:fontRef idx="minor">
+            <a:schemeClr val="tx1"/>
+          </a:fontRef>
+        </p:style>
+      </p:cxnSp>
+      <p:cxnSp>
+        <p:nvCxnSpPr>
+          <p:cNvPr id="8" name="Straight Connector 7">
+            <a:extLst>
+              <a:ext uri="{FF2B5EF4-FFF2-40B4-BE49-F238E27FC236}">
+                <a16:creationId xmlns:a16="http://schemas.microsoft.com/office/drawing/2014/main" id="{203FD3B3-FE90-4B84-B43E-EE53F1B6BCB6}"/>
+              </a:ext>
+            </a:extLst>
+          </p:cNvPr>
+          <p:cNvCxnSpPr/>
+          <p:nvPr/>
+        </p:nvCxnSpPr>
+        <p:spPr>
+          <a:xfrm>
+            <a:off x="3821679" y="1741722"/>
+            <a:ext cx="0" cy="1442545"/>
+          </a:xfrm>
+          <a:prstGeom prst="line">
+            <a:avLst/>
+          </a:prstGeom>
+          <a:ln w="12700">
+            <a:solidFill>
+              <a:srgbClr val="FF0000"/>
+            </a:solidFill>
+          </a:ln>
+        </p:spPr>
+        <p:style>
+          <a:lnRef idx="1">
+            <a:schemeClr val="accent1"/>
+          </a:lnRef>
+          <a:fillRef idx="0">
+            <a:schemeClr val="accent1"/>
+          </a:fillRef>
+          <a:effectRef idx="0">
+            <a:schemeClr val="accent1"/>
+          </a:effectRef>
+          <a:fontRef idx="minor">
+            <a:schemeClr val="tx1"/>
+          </a:fontRef>
+        </p:style>
+      </p:cxnSp>
+      <p:cxnSp>
+        <p:nvCxnSpPr>
+          <p:cNvPr id="9" name="Straight Connector 8">
+            <a:extLst>
+              <a:ext uri="{FF2B5EF4-FFF2-40B4-BE49-F238E27FC236}">
+                <a16:creationId xmlns:a16="http://schemas.microsoft.com/office/drawing/2014/main" id="{23C46B43-B893-45FD-8663-49B7232A37D6}"/>
+              </a:ext>
+            </a:extLst>
+          </p:cNvPr>
+          <p:cNvCxnSpPr/>
+          <p:nvPr/>
+        </p:nvCxnSpPr>
+        <p:spPr>
+          <a:xfrm>
+            <a:off x="4372012" y="1741722"/>
+            <a:ext cx="0" cy="1442545"/>
+          </a:xfrm>
+          <a:prstGeom prst="line">
+            <a:avLst/>
+          </a:prstGeom>
+          <a:ln w="12700">
+            <a:solidFill>
+              <a:srgbClr val="FF0000"/>
+            </a:solidFill>
+          </a:ln>
+        </p:spPr>
+        <p:style>
+          <a:lnRef idx="1">
+            <a:schemeClr val="accent1"/>
+          </a:lnRef>
+          <a:fillRef idx="0">
+            <a:schemeClr val="accent1"/>
+          </a:fillRef>
+          <a:effectRef idx="0">
+            <a:schemeClr val="accent1"/>
+          </a:effectRef>
+          <a:fontRef idx="minor">
+            <a:schemeClr val="tx1"/>
+          </a:fontRef>
+        </p:style>
+      </p:cxnSp>
+      <p:cxnSp>
+        <p:nvCxnSpPr>
+          <p:cNvPr id="10" name="Straight Connector 9">
+            <a:extLst>
+              <a:ext uri="{FF2B5EF4-FFF2-40B4-BE49-F238E27FC236}">
+                <a16:creationId xmlns:a16="http://schemas.microsoft.com/office/drawing/2014/main" id="{2B4FCEB1-5344-46CD-AF03-35432A66083B}"/>
+              </a:ext>
+            </a:extLst>
+          </p:cNvPr>
+          <p:cNvCxnSpPr/>
+          <p:nvPr/>
+        </p:nvCxnSpPr>
+        <p:spPr>
+          <a:xfrm>
+            <a:off x="4926578" y="1741721"/>
+            <a:ext cx="0" cy="1442545"/>
+          </a:xfrm>
+          <a:prstGeom prst="line">
+            <a:avLst/>
+          </a:prstGeom>
+          <a:ln w="12700">
+            <a:solidFill>
+              <a:srgbClr val="FF0000"/>
+            </a:solidFill>
+          </a:ln>
+        </p:spPr>
+        <p:style>
+          <a:lnRef idx="1">
+            <a:schemeClr val="accent1"/>
+          </a:lnRef>
+          <a:fillRef idx="0">
+            <a:schemeClr val="accent1"/>
+          </a:fillRef>
+          <a:effectRef idx="0">
+            <a:schemeClr val="accent1"/>
+          </a:effectRef>
+          <a:fontRef idx="minor">
+            <a:schemeClr val="tx1"/>
+          </a:fontRef>
+        </p:style>
+      </p:cxnSp>
+      <p:cxnSp>
+        <p:nvCxnSpPr>
+          <p:cNvPr id="11" name="Straight Connector 10">
+            <a:extLst>
+              <a:ext uri="{FF2B5EF4-FFF2-40B4-BE49-F238E27FC236}">
+                <a16:creationId xmlns:a16="http://schemas.microsoft.com/office/drawing/2014/main" id="{16808760-DAC0-430F-B774-AF8C1C37A23C}"/>
+              </a:ext>
+            </a:extLst>
+          </p:cNvPr>
+          <p:cNvCxnSpPr/>
+          <p:nvPr/>
+        </p:nvCxnSpPr>
+        <p:spPr>
+          <a:xfrm>
+            <a:off x="5489611" y="1741720"/>
+            <a:ext cx="0" cy="1442545"/>
+          </a:xfrm>
+          <a:prstGeom prst="line">
+            <a:avLst/>
+          </a:prstGeom>
+          <a:ln w="12700">
+            <a:solidFill>
+              <a:srgbClr val="FF0000"/>
+            </a:solidFill>
+          </a:ln>
+        </p:spPr>
+        <p:style>
+          <a:lnRef idx="1">
+            <a:schemeClr val="accent1"/>
+          </a:lnRef>
+          <a:fillRef idx="0">
+            <a:schemeClr val="accent1"/>
+          </a:fillRef>
+          <a:effectRef idx="0">
+            <a:schemeClr val="accent1"/>
+          </a:effectRef>
+          <a:fontRef idx="minor">
+            <a:schemeClr val="tx1"/>
+          </a:fontRef>
+        </p:style>
+      </p:cxnSp>
+      <p:cxnSp>
+        <p:nvCxnSpPr>
+          <p:cNvPr id="12" name="Straight Connector 11">
+            <a:extLst>
+              <a:ext uri="{FF2B5EF4-FFF2-40B4-BE49-F238E27FC236}">
+                <a16:creationId xmlns:a16="http://schemas.microsoft.com/office/drawing/2014/main" id="{2F5A12B0-1E62-4FC2-ADF2-357C285F135F}"/>
+              </a:ext>
+            </a:extLst>
+          </p:cNvPr>
+          <p:cNvCxnSpPr/>
+          <p:nvPr/>
+        </p:nvCxnSpPr>
+        <p:spPr>
+          <a:xfrm>
+            <a:off x="6048411" y="1741719"/>
+            <a:ext cx="0" cy="1442545"/>
+          </a:xfrm>
+          <a:prstGeom prst="line">
+            <a:avLst/>
+          </a:prstGeom>
+          <a:ln w="12700">
+            <a:solidFill>
+              <a:srgbClr val="FF0000"/>
+            </a:solidFill>
+          </a:ln>
+        </p:spPr>
+        <p:style>
+          <a:lnRef idx="1">
+            <a:schemeClr val="accent1"/>
+          </a:lnRef>
+          <a:fillRef idx="0">
+            <a:schemeClr val="accent1"/>
+          </a:fillRef>
+          <a:effectRef idx="0">
+            <a:schemeClr val="accent1"/>
+          </a:effectRef>
+          <a:fontRef idx="minor">
+            <a:schemeClr val="tx1"/>
+          </a:fontRef>
+        </p:style>
+      </p:cxnSp>
+      <p:cxnSp>
+        <p:nvCxnSpPr>
+          <p:cNvPr id="13" name="Straight Connector 12">
+            <a:extLst>
+              <a:ext uri="{FF2B5EF4-FFF2-40B4-BE49-F238E27FC236}">
+                <a16:creationId xmlns:a16="http://schemas.microsoft.com/office/drawing/2014/main" id="{F0774017-276E-4307-85FF-8CDDE3F8E12F}"/>
+              </a:ext>
+            </a:extLst>
+          </p:cNvPr>
+          <p:cNvCxnSpPr/>
+          <p:nvPr/>
+        </p:nvCxnSpPr>
+        <p:spPr>
+          <a:xfrm>
+            <a:off x="6607211" y="1741719"/>
+            <a:ext cx="0" cy="1442545"/>
+          </a:xfrm>
+          <a:prstGeom prst="line">
+            <a:avLst/>
+          </a:prstGeom>
+          <a:ln w="12700">
+            <a:solidFill>
+              <a:srgbClr val="FF0000"/>
+            </a:solidFill>
+          </a:ln>
+        </p:spPr>
+        <p:style>
+          <a:lnRef idx="1">
+            <a:schemeClr val="accent1"/>
+          </a:lnRef>
+          <a:fillRef idx="0">
+            <a:schemeClr val="accent1"/>
+          </a:fillRef>
+          <a:effectRef idx="0">
+            <a:schemeClr val="accent1"/>
+          </a:effectRef>
+          <a:fontRef idx="minor">
+            <a:schemeClr val="tx1"/>
+          </a:fontRef>
+        </p:style>
+      </p:cxnSp>
+      <p:cxnSp>
+        <p:nvCxnSpPr>
+          <p:cNvPr id="14" name="Straight Connector 13">
+            <a:extLst>
+              <a:ext uri="{FF2B5EF4-FFF2-40B4-BE49-F238E27FC236}">
+                <a16:creationId xmlns:a16="http://schemas.microsoft.com/office/drawing/2014/main" id="{1B4BDD60-9908-4CC8-8272-D13ECDC31CFA}"/>
+              </a:ext>
+            </a:extLst>
+          </p:cNvPr>
+          <p:cNvCxnSpPr/>
+          <p:nvPr/>
+        </p:nvCxnSpPr>
+        <p:spPr>
+          <a:xfrm>
+            <a:off x="7170244" y="1741719"/>
+            <a:ext cx="0" cy="1442545"/>
+          </a:xfrm>
+          <a:prstGeom prst="line">
+            <a:avLst/>
+          </a:prstGeom>
+          <a:ln w="12700">
+            <a:solidFill>
+              <a:srgbClr val="FF0000"/>
+            </a:solidFill>
+          </a:ln>
+        </p:spPr>
+        <p:style>
+          <a:lnRef idx="1">
+            <a:schemeClr val="accent1"/>
+          </a:lnRef>
+          <a:fillRef idx="0">
+            <a:schemeClr val="accent1"/>
+          </a:fillRef>
+          <a:effectRef idx="0">
+            <a:schemeClr val="accent1"/>
+          </a:effectRef>
+          <a:fontRef idx="minor">
+            <a:schemeClr val="tx1"/>
+          </a:fontRef>
+        </p:style>
+      </p:cxnSp>
+      <p:cxnSp>
+        <p:nvCxnSpPr>
+          <p:cNvPr id="15" name="Straight Connector 14">
+            <a:extLst>
+              <a:ext uri="{FF2B5EF4-FFF2-40B4-BE49-F238E27FC236}">
+                <a16:creationId xmlns:a16="http://schemas.microsoft.com/office/drawing/2014/main" id="{CA90D8AB-5F67-43B6-BB51-D9118E4C0E57}"/>
+              </a:ext>
+            </a:extLst>
+          </p:cNvPr>
+          <p:cNvCxnSpPr/>
+          <p:nvPr/>
+        </p:nvCxnSpPr>
+        <p:spPr>
+          <a:xfrm>
+            <a:off x="7733277" y="1741719"/>
+            <a:ext cx="0" cy="1442545"/>
+          </a:xfrm>
+          <a:prstGeom prst="line">
+            <a:avLst/>
+          </a:prstGeom>
+          <a:ln w="12700">
+            <a:solidFill>
+              <a:srgbClr val="FF0000"/>
+            </a:solidFill>
+          </a:ln>
+        </p:spPr>
+        <p:style>
+          <a:lnRef idx="1">
+            <a:schemeClr val="accent1"/>
+          </a:lnRef>
+          <a:fillRef idx="0">
+            <a:schemeClr val="accent1"/>
+          </a:fillRef>
+          <a:effectRef idx="0">
+            <a:schemeClr val="accent1"/>
+          </a:effectRef>
+          <a:fontRef idx="minor">
+            <a:schemeClr val="tx1"/>
+          </a:fontRef>
+        </p:style>
+      </p:cxnSp>
+      <p:cxnSp>
+        <p:nvCxnSpPr>
+          <p:cNvPr id="16" name="Straight Connector 15">
+            <a:extLst>
+              <a:ext uri="{FF2B5EF4-FFF2-40B4-BE49-F238E27FC236}">
+                <a16:creationId xmlns:a16="http://schemas.microsoft.com/office/drawing/2014/main" id="{B369316A-EBA4-438C-976E-9C4C32F26A33}"/>
+              </a:ext>
+            </a:extLst>
+          </p:cNvPr>
+          <p:cNvCxnSpPr/>
+          <p:nvPr/>
+        </p:nvCxnSpPr>
+        <p:spPr>
+          <a:xfrm>
+            <a:off x="8296310" y="1741718"/>
+            <a:ext cx="0" cy="1442545"/>
+          </a:xfrm>
+          <a:prstGeom prst="line">
+            <a:avLst/>
+          </a:prstGeom>
+          <a:ln w="12700">
+            <a:solidFill>
+              <a:srgbClr val="FF0000"/>
+            </a:solidFill>
+          </a:ln>
+        </p:spPr>
+        <p:style>
+          <a:lnRef idx="1">
+            <a:schemeClr val="accent1"/>
+          </a:lnRef>
+          <a:fillRef idx="0">
+            <a:schemeClr val="accent1"/>
+          </a:fillRef>
+          <a:effectRef idx="0">
+            <a:schemeClr val="accent1"/>
+          </a:effectRef>
+          <a:fontRef idx="minor">
+            <a:schemeClr val="tx1"/>
+          </a:fontRef>
+        </p:style>
+      </p:cxnSp>
+      <p:cxnSp>
+        <p:nvCxnSpPr>
+          <p:cNvPr id="17" name="Straight Connector 16">
+            <a:extLst>
+              <a:ext uri="{FF2B5EF4-FFF2-40B4-BE49-F238E27FC236}">
+                <a16:creationId xmlns:a16="http://schemas.microsoft.com/office/drawing/2014/main" id="{2BB0BA8F-0E4A-45C0-B0BF-87BF37315A39}"/>
+              </a:ext>
+            </a:extLst>
+          </p:cNvPr>
+          <p:cNvCxnSpPr/>
+          <p:nvPr/>
+        </p:nvCxnSpPr>
+        <p:spPr>
+          <a:xfrm>
+            <a:off x="8723877" y="1775589"/>
+            <a:ext cx="0" cy="1442545"/>
+          </a:xfrm>
+          <a:prstGeom prst="line">
+            <a:avLst/>
+          </a:prstGeom>
+          <a:ln w="12700">
+            <a:solidFill>
+              <a:srgbClr val="FF0000"/>
+            </a:solidFill>
+          </a:ln>
+        </p:spPr>
+        <p:style>
+          <a:lnRef idx="1">
+            <a:schemeClr val="accent1"/>
+          </a:lnRef>
+          <a:fillRef idx="0">
+            <a:schemeClr val="accent1"/>
+          </a:fillRef>
+          <a:effectRef idx="0">
+            <a:schemeClr val="accent1"/>
+          </a:effectRef>
+          <a:fontRef idx="minor">
+            <a:schemeClr val="tx1"/>
+          </a:fontRef>
+        </p:style>
+      </p:cxnSp>
+      <mc:AlternateContent xmlns:mc="http://schemas.openxmlformats.org/markup-compatibility/2006">
+        <mc:Choice xmlns:p14="http://schemas.microsoft.com/office/powerpoint/2010/main" Requires="p14">
+          <p:contentPart p14:bwMode="auto" r:id="rId3">
+            <p14:nvContentPartPr>
+              <p14:cNvPr id="18" name="Ink 17">
+                <a:extLst>
+                  <a:ext uri="{FF2B5EF4-FFF2-40B4-BE49-F238E27FC236}">
+                    <a16:creationId xmlns:a16="http://schemas.microsoft.com/office/drawing/2014/main" id="{25C59AF8-1DE6-40E7-AFA6-4A16C8A52C7D}"/>
+                  </a:ext>
+                </a:extLst>
+              </p14:cNvPr>
+              <p14:cNvContentPartPr/>
+              <p14:nvPr/>
+            </p14:nvContentPartPr>
+            <p14:xfrm>
+              <a:off x="2347920" y="1542960"/>
+              <a:ext cx="5762880" cy="1081440"/>
+            </p14:xfrm>
+          </p:contentPart>
+        </mc:Choice>
+        <mc:Fallback>
+          <p:pic>
+            <p:nvPicPr>
+              <p:cNvPr id="18" name="Ink 17">
+                <a:extLst>
+                  <a:ext uri="{FF2B5EF4-FFF2-40B4-BE49-F238E27FC236}">
+                    <a16:creationId xmlns:a16="http://schemas.microsoft.com/office/drawing/2014/main" id="{25C59AF8-1DE6-40E7-AFA6-4A16C8A52C7D}"/>
+                  </a:ext>
+                </a:extLst>
+              </p:cNvPr>
+              <p:cNvPicPr/>
+              <p:nvPr/>
+            </p:nvPicPr>
+            <p:blipFill>
+              <a:blip r:embed="rId4"/>
+              <a:stretch>
+                <a:fillRect/>
+              </a:stretch>
+            </p:blipFill>
+            <p:spPr>
+              <a:xfrm>
+                <a:off x="2338560" y="1533600"/>
+                <a:ext cx="5781600" cy="1100160"/>
+              </a:xfrm>
+              <a:prstGeom prst="rect">
+                <a:avLst/>
+              </a:prstGeom>
+            </p:spPr>
+          </p:pic>
+        </mc:Fallback>
+      </mc:AlternateContent>
+      <p:sp>
+        <p:nvSpPr>
+          <p:cNvPr id="19" name="TextBox 18">
+            <a:extLst>
+              <a:ext uri="{FF2B5EF4-FFF2-40B4-BE49-F238E27FC236}">
+                <a16:creationId xmlns:a16="http://schemas.microsoft.com/office/drawing/2014/main" id="{CC64F8BD-698C-40BD-9933-388124E8CAF8}"/>
+              </a:ext>
+            </a:extLst>
+          </p:cNvPr>
+          <p:cNvSpPr txBox="1"/>
+          <p:nvPr/>
+        </p:nvSpPr>
+        <p:spPr>
+          <a:xfrm>
+            <a:off x="118836" y="13890"/>
+            <a:ext cx="2362199" cy="369332"/>
+          </a:xfrm>
+          <a:prstGeom prst="rect">
+            <a:avLst/>
+          </a:prstGeom>
+          <a:noFill/>
+        </p:spPr>
+        <p:txBody>
+          <a:bodyPr wrap="square" rtlCol="0">
+            <a:spAutoFit/>
+          </a:bodyPr>
+          <a:lstStyle/>
+          <a:p>
+            <a:r>
+              <a:rPr lang="en-US" dirty="0"/>
+              <a:t>I2C Master</a:t>
+            </a:r>
+          </a:p>
+        </p:txBody>
+      </p:sp>
+    </p:spTree>
+    <p:extLst>
+      <p:ext uri="{BB962C8B-B14F-4D97-AF65-F5344CB8AC3E}">
+        <p14:creationId xmlns:p14="http://schemas.microsoft.com/office/powerpoint/2010/main" val="3449446057"/>
       </p:ext>
     </p:extLst>
   </p:cSld>

--- a/I2C/I2C_implementation_Summary.pptx
+++ b/I2C/I2C_implementation_Summary.pptx
@@ -8,8 +8,12 @@
   <p:sldIdLst>
     <p:sldId id="265" r:id="rId3"/>
     <p:sldId id="257" r:id="rId4"/>
-    <p:sldId id="267" r:id="rId5"/>
-    <p:sldId id="282" r:id="rId6"/>
+    <p:sldId id="283" r:id="rId5"/>
+    <p:sldId id="285" r:id="rId6"/>
+    <p:sldId id="297" r:id="rId7"/>
+    <p:sldId id="298" r:id="rId8"/>
+    <p:sldId id="284" r:id="rId9"/>
+    <p:sldId id="267" r:id="rId10"/>
   </p:sldIdLst>
   <p:sldSz cx="9144000" cy="5143500" type="screen16x9"/>
   <p:notesSz cx="6858000" cy="9144000"/>
@@ -158,58 +162,6 @@
     </p:ext>
   </p:extLst>
 </p:presentation>
-</file>
-
-<file path=ppt/ink/ink1.xml><?xml version="1.0" encoding="utf-8"?>
-<inkml:ink xmlns:inkml="http://www.w3.org/2003/InkML">
-  <inkml:definitions>
-    <inkml:context xml:id="ctx0">
-      <inkml:inkSource xml:id="inkSrc0">
-        <inkml:traceFormat>
-          <inkml:channel name="X" type="integer" max="1920" units="cm"/>
-          <inkml:channel name="Y" type="integer" max="1080" units="cm"/>
-          <inkml:channel name="T" type="integer" max="2.14748E9" units="dev"/>
-        </inkml:traceFormat>
-        <inkml:channelProperties>
-          <inkml:channelProperty channel="X" name="resolution" value="62.13592" units="1/cm"/>
-          <inkml:channelProperty channel="Y" name="resolution" value="62.06897" units="1/cm"/>
-          <inkml:channelProperty channel="T" name="resolution" value="1" units="1/dev"/>
-        </inkml:channelProperties>
-      </inkml:inkSource>
-      <inkml:timestamp xml:id="ts0" timeString="2021-02-13T12:49:58.090"/>
-    </inkml:context>
-    <inkml:brush xml:id="br0">
-      <inkml:brushProperty name="width" value="0.05292" units="cm"/>
-      <inkml:brushProperty name="height" value="0.05292" units="cm"/>
-      <inkml:brushProperty name="color" value="#FF0000"/>
-    </inkml:brush>
-  </inkml:definitions>
-  <inkml:trace contextRef="#ctx0" brushRef="#br0">8453 4617 0,'14'26'109,"-1"-12"-93,-13-1 31,0 13-16,0-12 0,0-1 1,0 0-1,0 13-31,13 1 16,-13-14 15,0 14-31,0-14 15,0 0 1,0 0 0,0 27 15,0-27 16,13 0-32,1 1 1,25 12 0,-39-13-1,0 1 1</inkml:trace>
-  <inkml:trace contextRef="#ctx0" brushRef="#br0" timeOffset="2777.45">9988 4670 0,'13'0'47,"14"0"-47,-14 0 16,0 0-1,0 0 48,1 13 78,-1-13-141,0 13 15,0 1 1,1 12 15,-14-13 16,13 0-47,-13 14 31,0-14-15,0 0-1,0 1 1,0 25 0,0-25-1,0 12 1,0-13-16,-27 0 16,14 1-1,0-1 1,0 0 124,13 0-61,39-13-64,14 0 1,-26 0-1,-14 0 1,27 0 15,-27 0-15,0 0 15,0 0-15,14 0-1,-1 0 1,-13 0 0</inkml:trace>
-  <inkml:trace contextRef="#ctx0" brushRef="#br0" timeOffset="5446.64">11483 4551 0,'13'0'109,"27"0"-109,-27 0 16,14 0-16,12 0 15,-12 0 1,52 0-1,-66 0 1,14 0 31,-14 0-16,0 0 32,-13 13-48,0 14 17,-13-14-17,0 0 1,0 0-1,-1 0 1,1 1 0,0 12 15,-14-13-15,1-13-1,13 14 1,-1-1 15,14 0 219,14-13-234,-1 0 62,40 13-78,-40-13 15,27 0 1,-27 13 0,0-13-16,27 27 15,-27-27 1,27 13 46,-27 0-30,0-13-32,0 14 47,-13-1-32,0 0 16,0 0-15,0 1-16,0 12 16,0-13-16,0 27 15,-13-27 1,0 0 0,-40 14-1,40-14 16,-14-13-15,-25 13 0,25-13 15,14 0-15,-27 0-1,-13 0 1,40 0-1,-27 0 110,27 0-125,0 0 16,-14 0 0</inkml:trace>
-  <inkml:trace contextRef="#ctx0" brushRef="#br0" timeOffset="8791.12">13031 4524 0,'0'40'63,"0"-27"-63,-13 14 16,13-1-1,-27 14-15,1 13 31,26-40 141,0 0-156,0 0-16,-14 27 31,14-27 0,-13 27-15,53-40 187,-14 0-187,27 0-1,-26 0 1,-14 0 93,-13-13-30,0-14 14,0 14-77,0 40 281,0-14-282,0 13-15,0-12 16,0 12 0,0 0-1,0-12 1,0-1 0,0 0 77,0 14-77,0-14 0,0 0-1</inkml:trace>
-  <inkml:trace contextRef="#ctx0" brushRef="#br0" timeOffset="11984.51">14473 4524 0,'13'0'125,"0"0"-125,0 0 16,14 0 15,-14 0 0,14-13 63,-14 0 0,0 13 31,0 0-110,0 0 1,-26 0 203,0 0-204,-13 13 1,-1-13 0,14 0-1,-40 13-15,26 14 32,-39-14-17,53-13 1,0 13-1,0 1 17,13 12 155,0-13-171,13 14-16,13 12 31,-26-25-15,14-1 93,-1-13-78,13 0 1,-13-13-17,1 13 1,39 0-16,-27 0 31,14 0-15,-27 0-16,13 0 15,27 0 32,-39 0-31,-1 0 46,0 0-62,-13 13 16,0 0 0,0 40-1,0-40 1,0 0-1,0 1 1,-26 25 15,12-39-31,1 14 16,-13-1 0,-1-13-1,14 13 1,0-13 15,-40 0-15,-53 0-1,27 40 1,65-40 0,-12 0 15,13 0 47</inkml:trace>
-  <inkml:trace contextRef="#ctx0" brushRef="#br0" timeOffset="14303.21">16060 4485 0,'0'53'31,"0"-40"-31,0 0 32,-13 14-17,13-14 1,0 0 15,0 0-15,0 0 46,0 14-46,0-14-1,0 0 48,0 1-47,13 38-16,0-38 31,1-1-16,12 0 95,-13-13-95,1 0-15,12 0 16,14 27 0,-27-27-1,13 0 48,-12-14-48,-1 1 1,-13 0 31,0 0-16,0-1 47,0 1 63,0 0-125,-13-13 15,-1 26 0,-12 0-31,13 0 16,-1 0-1,1 0-15,-53 0 16,53 0 0</inkml:trace>
-  <inkml:trace contextRef="#ctx0" brushRef="#br0" timeOffset="16680.11">17370 4564 0,'40'0'110,"-14"0"-95,0 0 1,41 0 0,-41 13 187,-26 1-188,0 12 1,0-13 0,0 27-1,0-14 1,0 14-1,0-27-15,0 0 32,0 1-17,0 12 1,0-13 0,0 1 15</inkml:trace>
-  <inkml:trace contextRef="#ctx0" brushRef="#br0" timeOffset="19319.02">19037 4551 0,'-13'-13'16,"-1"13"15,1 0 0,0 13-15,13 0 0,0 0-1,0 27 1,0-27-1,0 0 1,0 1 0,0 12-1,26 1 188,1-1-187,12-26 0,-25 13-1,-1 0 95,-13 1-95,13-1 1,-13 0 0,0 14-16,0-1 31,0-13-16,0 14 1,0-14-16,0 13 31,-40 27-15,27-39-16,-13-1 31,-1-13 0,14 13-31,-66 14 16,52-27 15,-12 0-15,25 0 0,-12 0-1,13 0 16,-1 0 16,14-14-31,0-25 15,14 25-15,-1 1-1,0 0-15,40-27 16,-13 27 15,-14 0-15,-13 0 31,1-1-16,12-12-15,-13 13-1,1-1 1,-1 1 0,-13 0-1,39-27-15,-25 14 31,-14 13-31,13-14 16,0-39 15,0 40-15,14 12 0,-1-39-1,-12 14 1,-14 25 15,0 1 125,-14 13-140,1 0 0,0 0 46,0 0-46,-1 13 15,-25 14 47,25 13-47,1-27-15,0 0 0,0 14-16,0-27 15,-1 13 16,1 0 16</inkml:trace>
-  <inkml:trace contextRef="#ctx0" brushRef="#br0" timeOffset="21728.93">20730 4419 0,'0'-53'0,"0"39"15,-13 1 1,-27 0 0,14-27-1,-1 40 1,14 0-1,-40 0 1,40 0 0,0 0-16,-27 0 15,27 0 1,0 0 0,-14 0 15,-13 40-16,40-27 1,0 0 0,0 1 15,0 39-15,0-40-1,0 13 1,0 14-1,0-27 1,0 0-16,14 1 16,-1 12-1,0-13 1,0-13 0,14 14-1,12-14 1,-25 0-1,-1 0 17,27 0-17,-14 0-15,1-27 16,-1-13 0,-26 27 77,0 0-46,0 0-31,0-1-1,26-12 79,-26 13-78,14-14-16,-14 1 31,0 52 157,0-12-188,13 25 15,-13-12 1,0-14-1,0 0-15,0 40 16,0-40 0,13 67-1,0-67 1,-13 13 15,14 14-15,-14 13-1,0-27 1,0 27 0,0-13 15,0-27-31,0 27 31,0-14-15,0-12-1</inkml:trace>
-  <inkml:trace contextRef="#ctx0" brushRef="#br0" timeOffset="25999.77">8506 5689 0,'-13'0'62,"13"13"-46,0 13-1,0-13-15,0 1 16,0 25 0,0 14-1,0-13 1,0 13 0,0-13-1,0-27 1</inkml:trace>
-  <inkml:trace contextRef="#ctx0" brushRef="#br0" timeOffset="27792.34">9869 5689 0,'0'13'63,"13"0"-48,-13 0-15,0 0 16,0 14 0,13 13-16,-13-27 15,53 27 1,-26 26-1,26-53 17,-40-13-17,0 13 1,14 0 0,26-13-1,-27 0 1,27 0-1,-27 0 1,1-26 0,-14-14-1,27-52 1,-40 39 0,0-13-1,0 26 1,0 0 15,0 14-15,0-1 15,0 1 47,-13 26-47,-40 0-15,39 0-16,-65 13 16,66 0 30,0-13-14,-14 0-17,1 13-15,12-13 16,-39 27 15,40-14 16,0 0-16,13 14 32,0-14-48,0 0 1,0 1 0,0 12-1,0-13-15,0 53 32,0-52-17,0 12 1</inkml:trace>
-  <inkml:trace contextRef="#ctx0" brushRef="#br0" timeOffset="28623.88">11271 5689 0,'0'0'0,"0"13"94,13 0-78,-13 0-16,0 27 15,0-27 1,0 0 0,14 14-1,-14-1 1,0-12 0,0-1-1</inkml:trace>
-  <inkml:trace contextRef="#ctx0" brushRef="#br0" timeOffset="30198.78">13110 5636 0,'-13'0'109,"13"26"-93,0-13-1,0 14-15,0 12 16,0 28-1,26-1 1,1-27 0,-1-12-1,-13-14 32,14-13-31,-14 0-1,14 0 1,-1 0 0,14 0-1,-27-13 1,0 0 15,-13-27-31,27 14 16,-1-41-1,-13 14 1,-13 27 0,0 0-1,0-1 17,0 14-17,0-14 1,0 1-1,0 13 1,0-14 0,-13 27-1,-27-13 1,14 13 0,0 0 30,12 0-46,-12 0 16,13 0 0,-1 0-1,1 0 48,0 0-48,-27 13-15,27 0 16,0 14 0,-14-1 46,14-12-46,13-1-1,-13 0 1,13 0-16,-13 27 31,-1-14-31,-12 14 32</inkml:trace>
-  <inkml:trace contextRef="#ctx0" brushRef="#br0" timeOffset="31016.04">14235 5622 0,'13'0'46,"-13"14"-14,0 12-17,0-13 1,0 1 0,0 25-1,0-12 1,0-14-1,0 27 1,0-27 0,0 0-1,0 0 1</inkml:trace>
-  <inkml:trace contextRef="#ctx0" brushRef="#br0" timeOffset="32984.19">15597 5675 0,'13'14'78,"-13"-1"-62,14 0-16,-1 0 15,0 14 64,27 12-79,-27-39 15,27 14 1,-14-14-1,-13 0 32,1 0-31,-1 0 0,53 0-1,-53-14 1,-13 1-1,13-27 1,-13 14 0,0-27-1,0 40 1,0 0 0,0-27-1,0 13 1,-39-12-1,26 12 1,-40-39 0,39 53-1,1 13 17,-27-13-17,14 13 1,-27 0-1,-26 0 1,52 0-16,-26 0 16,40 0-16,0 0 15,-27 26 1,27-13 0,0 27-1,13-27 48,0 1-32,0 25-15,0-26 15,0 1 0,0-1-15,13 0-1,13 14 1,-12-14 0,12 13-1,-13-12 1,1 12-1,-1-13 1,0 0 0,0 1-1,1-1 17,-1 27-17,0-27 1,40 13-1,-40-26 1,27 14 0,-27-14 171,0 0-187,27 0 16,0 0-1,-1 0 1</inkml:trace>
-  <inkml:trace contextRef="#ctx0" brushRef="#br0" timeOffset="33887.08">17410 5609 0,'13'0'16,"-13"13"31,0 1-31,0-1-1,0 53 1,0-13-1,0-27 1,0 14 0,0-13-1,0 12 1</inkml:trace>
-  <inkml:trace contextRef="#ctx0" brushRef="#br0" timeOffset="35279.54">18772 5503 0,'0'14'47,"0"-1"-31,0 13-1,0-13 1,0 1-16,0 52 16,0-40-1,0 40 1,0-26-1,0-27 1,0 1 0,0-1 15,13 0 0,27-13-15,-27 0-1,53 0 1,-26 0 0,26-13-1,-39-27 1,39-26 0,-13-27-1,-27 67 1,-12-14-1,-14 27 1,0 0 0,0-14-1,0 14 1,0 0 0,0-14 15,-40 1-16,-26 26 1,13 0 0,-53 0-1,27 0 1,12 0 0,54 0-16,0 0 15,-27 0 1,14 0-1,13 0 17,-1 13-17,14 14 32,-13-14-31,0 0-1</inkml:trace>
-  <inkml:trace contextRef="#ctx0" brushRef="#br0" timeOffset="38161.22">20743 5728 0,'0'13'62,"0"1"-62,0 39 16,0 26 0,0-53-1,0 27 1,0-39-16,0 52 16,40-40-1,-14 1 1,1-1 15,-1-26-15,14 0-1,-27 0 1,67-53 0,-27-13-1,0-27 16,-40 41-15,-13 38 0,0 1 15,0 0-15,0 0-1,0-1-15,0 1 31,0 0-15,0 0 0,-13 13-1,-1 0 17,1 0-17,-13 0 1,12 0-16,1 0 15,0 0 17,-14 0-17,1 0 1,-27 0 0,40 0-1,0 0 16,-1 0-15,-12 0 15,13 0-31,-1 0 16,1 13 0,0 13 15,13-12 0,0 25-15,0-12-1,-13-14 1,0 0 0,13 0 15,0 1-16</inkml:trace>
-  <inkml:trace contextRef="#ctx0" brushRef="#br0" timeOffset="39608.89">22000 5781 0,'13'0'78,"-13"13"-62,0 14-1,27-1-15,-14-12 16,-13 38-16,13 1 16,-13-13-1,0 0 16,0-27-15</inkml:trace>
-  <inkml:trace contextRef="#ctx0" brushRef="#br0" timeOffset="41698.18">6628 5861 0,'13'13'125,"0"0"-109,1-13 0,-1 0-1,53 0 1,-13-53-1,-27 40-15,14-40 16,-27 26 0,14 1-1,-27 0 1,0-14 0,0 13-1,-14-39 1,1 53-1,0-13 1,-14 12 0,1 1-1,-14 13 1,14 0 15,-40 0-15,26 0-1,0 0 17,1 13-17,12 1 1,14 25 0,13-26 15,0 1-16,0-1-15,0 13 16,0 1 0,0 13-1,0-1-15,0 1 16,0 0 15,13 13-15,0-40-1,-13 0 1,14 13 0,-1 1-1,0-14 32,14-13-47,39 27 16,0-27-1,-40 0 1,-12 0 0,12 0-1,-13 0 1,0 0 46,1-14-62,-1 1 16,0 0 0,0 0-1,1-1 79,-14-25-16</inkml:trace>
-  <inkml:trace contextRef="#ctx0" brushRef="#br0" timeOffset="44200.1">6800 6324 0,'-27'13'140,"14"0"-124,0 13 0,13-12-1,0 25 1,0-25-1,0-1 1,0 27 0,0-27-1,0 0 63,40-13-78,-27 0 16,0 0-16,27 0 16,-14 0-1,1 0-15,-14 0 16,0 0 0,0 0 109,27 0-110,-27 0 1,0 13-16,1 0 15,-14 14 1,0-14 0,0 0-1,0 27 1,0-27 15,-14 27 16,1-40-31,0 0 77,0 0-93,-14 0 0,14 13 16,0 0 0,0-13 15,-14 0-15,14 0-16,0 0 15,-1 0 16,-12-13-15,13 13 0,0 0-1,-1-26 63</inkml:trace>
-  <inkml:trace contextRef="#ctx0" brushRef="#br0" timeOffset="47027.91">20717 6760 0,'0'13'63,"0"1"-63,0-1 16,0 0-16,0 53 15,0 14 16,0-14-15,0-13 0,0-27-1,0-13 1,0 14 46,0-14-62,-13-26 110,13-27-95,-14 27-15,14-14 16,0-39 0,0 13-1,0-13 1,0 53 0,0-14-1,0 1 1,14-14-1,-1 1 1,0 25 47,0 1-32,1 13-31,-1 0 15,0-13 1,0 13 0,14 0 15,-14 0 0,0 0-15,0 0-1,27 0 1,-27 0-16,1 40 16,-14-27-1,13 13-15,-13 1 16,13 26 0,-13-40-1,0 40 16,0-27-15,0-12 0,0 12 15,0-13-15,0 0-1,0 1 1,0 12 187,0-13-187,0 14-1,0 13-15,0-27 16,0 26-1,40 28 1,-40-28 0,-14-52 187,-12-40-172,26 40-31</inkml:trace>
-  <inkml:trace contextRef="#ctx0" brushRef="#br0" timeOffset="47865.1">20677 6998 0,'-13'0'94,"26"0"-48,0 0-30,1 0-16,39 0 16,-27 0-1,-13 0 1,27 0 0,-14-13-1,1 13 16,-14-13-15</inkml:trace>
-  <inkml:trace contextRef="#ctx0" brushRef="#br0" timeOffset="48810.41">22291 6641 0,'0'13'47,"0"40"-31,0-40-1,0 54-15,-26 38 16,26-25 0,0 26-1,0-53 16,0-40-31,0 26 16,0-78 156</inkml:trace>
-  <inkml:trace contextRef="#ctx0" brushRef="#br0" timeOffset="50390.5">22251 6707 0,'14'0'16,"-1"0"15,13 0-15,-12 0-1,-1-13 1,0 13 46,14 0-30,-14 0-1,13 0-16,14 0 48,-14 0-47,-12 0 15,12 0-16,-13 0 17,-13 13-1,0 0 0,0 14-15,0-14-16,0 0 47,0 1-16,0 12 0,0-13 16,-13 0 31,-13-13-62,12 14-16,-12-1 15,-27 27 1,27-27 0,-14 0-1,27-13 1,-1 13 0,-12 1-16,13-1 15,-14 0 16</inkml:trace>
-</inkml:ink>
 </file>
 
 <file path=ppt/slideLayouts/slideLayout1.xml><?xml version="1.0" encoding="utf-8"?>
@@ -9477,7 +9429,7 @@
           <a:p>
             <a:fld id="{193A7D5E-D396-4762-A45A-E4DCF79C016E}" type="datetimeFigureOut">
               <a:rPr lang="en-US" smtClean="0"/>
-              <a:t>2/13/2021</a:t>
+              <a:t>2/14/2021</a:t>
             </a:fld>
             <a:endParaRPr lang="en-US"/>
           </a:p>
@@ -9675,7 +9627,7 @@
           <a:p>
             <a:fld id="{193A7D5E-D396-4762-A45A-E4DCF79C016E}" type="datetimeFigureOut">
               <a:rPr lang="en-US" smtClean="0"/>
-              <a:t>2/13/2021</a:t>
+              <a:t>2/14/2021</a:t>
             </a:fld>
             <a:endParaRPr lang="en-US"/>
           </a:p>
@@ -9950,7 +9902,7 @@
           <a:p>
             <a:fld id="{193A7D5E-D396-4762-A45A-E4DCF79C016E}" type="datetimeFigureOut">
               <a:rPr lang="en-US" smtClean="0"/>
-              <a:t>2/13/2021</a:t>
+              <a:t>2/14/2021</a:t>
             </a:fld>
             <a:endParaRPr lang="en-US"/>
           </a:p>
@@ -10342,7 +10294,7 @@
           <a:p>
             <a:fld id="{193A7D5E-D396-4762-A45A-E4DCF79C016E}" type="datetimeFigureOut">
               <a:rPr lang="en-US" smtClean="0"/>
-              <a:t>2/13/2021</a:t>
+              <a:t>2/14/2021</a:t>
             </a:fld>
             <a:endParaRPr lang="en-US"/>
           </a:p>
@@ -10754,7 +10706,7 @@
           <a:p>
             <a:fld id="{193A7D5E-D396-4762-A45A-E4DCF79C016E}" type="datetimeFigureOut">
               <a:rPr lang="en-US" smtClean="0"/>
-              <a:t>2/13/2021</a:t>
+              <a:t>2/14/2021</a:t>
             </a:fld>
             <a:endParaRPr lang="en-US"/>
           </a:p>
@@ -10895,7 +10847,7 @@
           <a:p>
             <a:fld id="{193A7D5E-D396-4762-A45A-E4DCF79C016E}" type="datetimeFigureOut">
               <a:rPr lang="en-US" smtClean="0"/>
-              <a:t>2/13/2021</a:t>
+              <a:t>2/14/2021</a:t>
             </a:fld>
             <a:endParaRPr lang="en-US"/>
           </a:p>
@@ -11008,7 +10960,7 @@
           <a:p>
             <a:fld id="{193A7D5E-D396-4762-A45A-E4DCF79C016E}" type="datetimeFigureOut">
               <a:rPr lang="en-US" smtClean="0"/>
-              <a:t>2/13/2021</a:t>
+              <a:t>2/14/2021</a:t>
             </a:fld>
             <a:endParaRPr lang="en-US"/>
           </a:p>
@@ -11319,7 +11271,7 @@
           <a:p>
             <a:fld id="{193A7D5E-D396-4762-A45A-E4DCF79C016E}" type="datetimeFigureOut">
               <a:rPr lang="en-US" smtClean="0"/>
-              <a:t>2/13/2021</a:t>
+              <a:t>2/14/2021</a:t>
             </a:fld>
             <a:endParaRPr lang="en-US"/>
           </a:p>
@@ -11607,7 +11559,7 @@
           <a:p>
             <a:fld id="{193A7D5E-D396-4762-A45A-E4DCF79C016E}" type="datetimeFigureOut">
               <a:rPr lang="en-US" smtClean="0"/>
-              <a:t>2/13/2021</a:t>
+              <a:t>2/14/2021</a:t>
             </a:fld>
             <a:endParaRPr lang="en-US"/>
           </a:p>
@@ -11805,7 +11757,7 @@
           <a:p>
             <a:fld id="{193A7D5E-D396-4762-A45A-E4DCF79C016E}" type="datetimeFigureOut">
               <a:rPr lang="en-US" smtClean="0"/>
-              <a:t>2/13/2021</a:t>
+              <a:t>2/14/2021</a:t>
             </a:fld>
             <a:endParaRPr lang="en-US"/>
           </a:p>
@@ -12013,7 +11965,7 @@
           <a:p>
             <a:fld id="{193A7D5E-D396-4762-A45A-E4DCF79C016E}" type="datetimeFigureOut">
               <a:rPr lang="en-US" smtClean="0"/>
-              <a:t>2/13/2021</a:t>
+              <a:t>2/14/2021</a:t>
             </a:fld>
             <a:endParaRPr lang="en-US"/>
           </a:p>
@@ -13865,7 +13817,7 @@
           <a:p>
             <a:fld id="{193A7D5E-D396-4762-A45A-E4DCF79C016E}" type="datetimeFigureOut">
               <a:rPr lang="en-US" smtClean="0"/>
-              <a:t>2/13/2021</a:t>
+              <a:t>2/14/2021</a:t>
             </a:fld>
             <a:endParaRPr lang="en-US"/>
           </a:p>
@@ -14398,8 +14350,8 @@
         </p:nvSpPr>
         <p:spPr>
           <a:xfrm>
-            <a:off x="3070487" y="1387021"/>
-            <a:ext cx="1186544" cy="2369457"/>
+            <a:off x="784225" y="892628"/>
+            <a:ext cx="1186544" cy="1785252"/>
           </a:xfrm>
           <a:prstGeom prst="rect">
             <a:avLst/>
@@ -14447,7 +14399,7 @@
         </p:nvCxnSpPr>
         <p:spPr>
           <a:xfrm>
-            <a:off x="3146687" y="1829707"/>
+            <a:off x="860425" y="1103993"/>
             <a:ext cx="914400" cy="638628"/>
           </a:xfrm>
           <a:prstGeom prst="bentConnector3">
@@ -14490,7 +14442,7 @@
         </p:nvCxnSpPr>
         <p:spPr>
           <a:xfrm flipV="1">
-            <a:off x="4772287" y="1829707"/>
+            <a:off x="2486025" y="1103993"/>
             <a:ext cx="914400" cy="638628"/>
           </a:xfrm>
           <a:prstGeom prst="bentConnector3">
@@ -14531,7 +14483,7 @@
         </p:nvSpPr>
         <p:spPr>
           <a:xfrm>
-            <a:off x="2286262" y="1873250"/>
+            <a:off x="0" y="1147536"/>
             <a:ext cx="689429" cy="307777"/>
           </a:xfrm>
           <a:prstGeom prst="rect">
@@ -14568,7 +14520,7 @@
         </p:nvSpPr>
         <p:spPr>
           <a:xfrm>
-            <a:off x="2286262" y="2773135"/>
+            <a:off x="0" y="2047421"/>
             <a:ext cx="689429" cy="307777"/>
           </a:xfrm>
           <a:prstGeom prst="rect">
@@ -14605,7 +14557,7 @@
         </p:nvCxnSpPr>
         <p:spPr>
           <a:xfrm>
-            <a:off x="3146687" y="3135992"/>
+            <a:off x="860425" y="2410278"/>
             <a:ext cx="827314" cy="0"/>
           </a:xfrm>
           <a:prstGeom prst="line">
@@ -14646,7 +14598,7 @@
         </p:nvCxnSpPr>
         <p:spPr>
           <a:xfrm>
-            <a:off x="4859373" y="3135992"/>
+            <a:off x="2573111" y="2410278"/>
             <a:ext cx="827314" cy="0"/>
           </a:xfrm>
           <a:prstGeom prst="line">
@@ -14687,7 +14639,7 @@
         </p:nvSpPr>
         <p:spPr>
           <a:xfrm>
-            <a:off x="3128545" y="2766660"/>
+            <a:off x="842283" y="2040946"/>
             <a:ext cx="631371" cy="253916"/>
           </a:xfrm>
           <a:prstGeom prst="rect">
@@ -14724,7 +14676,7 @@
         </p:nvSpPr>
         <p:spPr>
           <a:xfrm>
-            <a:off x="4917429" y="2766660"/>
+            <a:off x="2631167" y="2040946"/>
             <a:ext cx="631371" cy="253916"/>
           </a:xfrm>
           <a:prstGeom prst="rect">
@@ -14761,8 +14713,8 @@
         </p:nvSpPr>
         <p:spPr>
           <a:xfrm>
-            <a:off x="4727837" y="1387021"/>
-            <a:ext cx="1186544" cy="2369457"/>
+            <a:off x="2441575" y="892628"/>
+            <a:ext cx="1186544" cy="1785252"/>
           </a:xfrm>
           <a:prstGeom prst="rect">
             <a:avLst/>
@@ -14810,7 +14762,7 @@
         </p:nvSpPr>
         <p:spPr>
           <a:xfrm>
-            <a:off x="3070487" y="4199164"/>
+            <a:off x="744763" y="3115723"/>
             <a:ext cx="1136644" cy="560614"/>
           </a:xfrm>
           <a:prstGeom prst="rect">
@@ -14881,7 +14833,7 @@
         </p:nvCxnSpPr>
         <p:spPr>
           <a:xfrm>
-            <a:off x="3673736" y="3757989"/>
+            <a:off x="1348012" y="2674548"/>
             <a:ext cx="0" cy="434528"/>
           </a:xfrm>
           <a:prstGeom prst="straightConnector1">
@@ -14923,7 +14875,7 @@
         </p:nvSpPr>
         <p:spPr>
           <a:xfrm>
-            <a:off x="4777737" y="4211864"/>
+            <a:off x="2452013" y="3128423"/>
             <a:ext cx="1136644" cy="560614"/>
           </a:xfrm>
           <a:prstGeom prst="rect">
@@ -14994,7 +14946,7 @@
         </p:nvCxnSpPr>
         <p:spPr>
           <a:xfrm>
-            <a:off x="5321109" y="3764636"/>
+            <a:off x="2995385" y="2681195"/>
             <a:ext cx="0" cy="434528"/>
           </a:xfrm>
           <a:prstGeom prst="straightConnector1">
@@ -15040,18 +14992,218 @@
         </p:nvSpPr>
         <p:spPr>
           <a:xfrm>
-            <a:off x="543983" y="117106"/>
-            <a:ext cx="7886700" cy="994172"/>
+            <a:off x="117737" y="104015"/>
+            <a:ext cx="7886700" cy="534013"/>
           </a:xfrm>
         </p:spPr>
         <p:txBody>
-          <a:bodyPr/>
+          <a:bodyPr>
+            <a:normAutofit fontScale="90000"/>
+          </a:bodyPr>
           <a:lstStyle/>
           <a:p>
             <a:r>
               <a:rPr lang="en-US" dirty="0"/>
-              <a:t>Start-Stop Indication</a:t>
-            </a:r>
+              <a:t>Overview of I2C</a:t>
+            </a:r>
+          </a:p>
+        </p:txBody>
+      </p:sp>
+      <p:sp>
+        <p:nvSpPr>
+          <p:cNvPr id="17" name="Rectangle 16">
+            <a:extLst>
+              <a:ext uri="{FF2B5EF4-FFF2-40B4-BE49-F238E27FC236}">
+                <a16:creationId xmlns:a16="http://schemas.microsoft.com/office/drawing/2014/main" id="{0B9FA5BA-12B9-452D-9B00-A54BF8E642EF}"/>
+              </a:ext>
+            </a:extLst>
+          </p:cNvPr>
+          <p:cNvSpPr/>
+          <p:nvPr/>
+        </p:nvSpPr>
+        <p:spPr>
+          <a:xfrm>
+            <a:off x="3810001" y="858419"/>
+            <a:ext cx="5065473" cy="2458095"/>
+          </a:xfrm>
+          <a:prstGeom prst="rect">
+            <a:avLst/>
+          </a:prstGeom>
+        </p:spPr>
+        <p:style>
+          <a:lnRef idx="2">
+            <a:schemeClr val="accent6"/>
+          </a:lnRef>
+          <a:fillRef idx="1">
+            <a:schemeClr val="lt1"/>
+          </a:fillRef>
+          <a:effectRef idx="0">
+            <a:schemeClr val="accent6"/>
+          </a:effectRef>
+          <a:fontRef idx="minor">
+            <a:schemeClr val="dk1"/>
+          </a:fontRef>
+        </p:style>
+        <p:txBody>
+          <a:bodyPr rtlCol="0" anchor="ctr"/>
+          <a:lstStyle/>
+          <a:p>
+            <a:pPr marL="285750" indent="-285750">
+              <a:buFont typeface="Arial" panose="020B0604020202020204" pitchFamily="34" charset="0"/>
+              <a:buChar char="•"/>
+            </a:pPr>
+            <a:r>
+              <a:rPr lang="en-US" sz="1000" b="1" u="sng" dirty="0"/>
+              <a:t>Note</a:t>
+            </a:r>
+          </a:p>
+          <a:p>
+            <a:pPr marL="285750" indent="-285750">
+              <a:buFont typeface="Arial" panose="020B0604020202020204" pitchFamily="34" charset="0"/>
+              <a:buChar char="•"/>
+            </a:pPr>
+            <a:r>
+              <a:rPr lang="en-US" sz="1000" b="1" dirty="0"/>
+              <a:t>Data Handling</a:t>
+            </a:r>
+          </a:p>
+          <a:p>
+            <a:pPr marL="742950" lvl="1" indent="-285750">
+              <a:buFont typeface="Arial" panose="020B0604020202020204" pitchFamily="34" charset="0"/>
+              <a:buChar char="•"/>
+            </a:pPr>
+            <a:r>
+              <a:rPr lang="en-US" sz="1000" b="1" dirty="0"/>
+              <a:t>SDA should change during </a:t>
+            </a:r>
+            <a:r>
+              <a:rPr lang="en-US" sz="1000" b="1" dirty="0" err="1"/>
+              <a:t>negedge</a:t>
+            </a:r>
+            <a:r>
+              <a:rPr lang="en-US" sz="1000" b="1" dirty="0"/>
+              <a:t> of SCL and remain constant during </a:t>
+            </a:r>
+            <a:r>
+              <a:rPr lang="en-US" sz="1000" b="1" dirty="0" err="1"/>
+              <a:t>Posedge</a:t>
+            </a:r>
+            <a:r>
+              <a:rPr lang="en-US" sz="1000" b="1" dirty="0"/>
+              <a:t> of SCL</a:t>
+            </a:r>
+          </a:p>
+          <a:p>
+            <a:pPr marL="742950" lvl="1" indent="-285750">
+              <a:buFont typeface="Arial" panose="020B0604020202020204" pitchFamily="34" charset="0"/>
+              <a:buChar char="•"/>
+            </a:pPr>
+            <a:r>
+              <a:rPr lang="en-US" sz="1000" b="1" dirty="0"/>
+              <a:t>When SCL = 1, Start Stop transition should occur on SDA</a:t>
+            </a:r>
+          </a:p>
+          <a:p>
+            <a:pPr marL="1200150" lvl="2" indent="-285750">
+              <a:buFont typeface="Arial" panose="020B0604020202020204" pitchFamily="34" charset="0"/>
+              <a:buChar char="•"/>
+            </a:pPr>
+            <a:r>
+              <a:rPr lang="en-US" sz="1000" b="1" dirty="0"/>
+              <a:t>SDA = 1 to 0 </a:t>
+            </a:r>
+            <a:r>
+              <a:rPr lang="en-US" sz="1000" b="1" dirty="0">
+                <a:sym typeface="Wingdings" panose="05000000000000000000" pitchFamily="2" charset="2"/>
+              </a:rPr>
+              <a:t> Start</a:t>
+            </a:r>
+          </a:p>
+          <a:p>
+            <a:pPr marL="1200150" lvl="2" indent="-285750">
+              <a:buFont typeface="Arial" panose="020B0604020202020204" pitchFamily="34" charset="0"/>
+              <a:buChar char="•"/>
+            </a:pPr>
+            <a:r>
+              <a:rPr lang="en-US" sz="1000" b="1" dirty="0">
+                <a:sym typeface="Wingdings" panose="05000000000000000000" pitchFamily="2" charset="2"/>
+              </a:rPr>
+              <a:t>SDA = 0 to 1  Stop</a:t>
+            </a:r>
+            <a:endParaRPr lang="en-US" sz="1000" b="1" dirty="0"/>
+          </a:p>
+          <a:p>
+            <a:pPr marL="285750" indent="-285750">
+              <a:buFont typeface="Arial" panose="020B0604020202020204" pitchFamily="34" charset="0"/>
+              <a:buChar char="•"/>
+            </a:pPr>
+            <a:r>
+              <a:rPr lang="en-US" sz="1000" b="1" dirty="0"/>
+              <a:t>Ninth clock pulse from master = acknowledgement</a:t>
+            </a:r>
+          </a:p>
+          <a:p>
+            <a:pPr marL="285750" indent="-285750">
+              <a:buFont typeface="Arial" panose="020B0604020202020204" pitchFamily="34" charset="0"/>
+              <a:buChar char="•"/>
+            </a:pPr>
+            <a:r>
+              <a:rPr lang="en-US" sz="1000" b="1" dirty="0"/>
+              <a:t>ACK signal working</a:t>
+            </a:r>
+          </a:p>
+          <a:p>
+            <a:pPr marL="742950" lvl="1" indent="-285750">
+              <a:buFont typeface="Arial" panose="020B0604020202020204" pitchFamily="34" charset="0"/>
+              <a:buChar char="•"/>
+            </a:pPr>
+            <a:r>
+              <a:rPr lang="en-US" sz="1000" b="1" dirty="0"/>
+              <a:t>Tx releases SDA Line during ACK Clock </a:t>
+            </a:r>
+            <a:r>
+              <a:rPr lang="en-US" sz="1000" b="1" dirty="0">
+                <a:sym typeface="Wingdings" panose="05000000000000000000" pitchFamily="2" charset="2"/>
+              </a:rPr>
+              <a:t> 9</a:t>
+            </a:r>
+            <a:r>
+              <a:rPr lang="en-US" sz="1000" b="1" baseline="30000" dirty="0">
+                <a:sym typeface="Wingdings" panose="05000000000000000000" pitchFamily="2" charset="2"/>
+              </a:rPr>
+              <a:t>th</a:t>
+            </a:r>
+            <a:r>
+              <a:rPr lang="en-US" sz="1000" b="1" dirty="0">
+                <a:sym typeface="Wingdings" panose="05000000000000000000" pitchFamily="2" charset="2"/>
+              </a:rPr>
+              <a:t> clock</a:t>
+            </a:r>
+          </a:p>
+          <a:p>
+            <a:pPr marL="742950" lvl="1" indent="-285750">
+              <a:buFont typeface="Arial" panose="020B0604020202020204" pitchFamily="34" charset="0"/>
+              <a:buChar char="•"/>
+            </a:pPr>
+            <a:r>
+              <a:rPr lang="en-US" sz="1000" b="1" dirty="0">
+                <a:sym typeface="Wingdings" panose="05000000000000000000" pitchFamily="2" charset="2"/>
+              </a:rPr>
+              <a:t>Rx can pull SDA Line to Low and remains Low during the HIGH period of this clock</a:t>
+            </a:r>
+          </a:p>
+          <a:p>
+            <a:pPr marL="742950" lvl="1" indent="-285750">
+              <a:buFont typeface="Arial" panose="020B0604020202020204" pitchFamily="34" charset="0"/>
+              <a:buChar char="•"/>
+            </a:pPr>
+            <a:r>
+              <a:rPr lang="en-US" sz="1000" b="1" dirty="0">
+                <a:sym typeface="Wingdings" panose="05000000000000000000" pitchFamily="2" charset="2"/>
+              </a:rPr>
+              <a:t>When this High is detected it is called as NACK</a:t>
+            </a:r>
+            <a:endParaRPr lang="en-US" sz="1000" b="1" dirty="0"/>
           </a:p>
         </p:txBody>
       </p:sp>
@@ -15069,6 +15221,645 @@
 </file>
 
 <file path=ppt/slides/slide3.xml><?xml version="1.0" encoding="utf-8"?>
+<p:sld xmlns:a="http://schemas.openxmlformats.org/drawingml/2006/main" xmlns:r="http://schemas.openxmlformats.org/officeDocument/2006/relationships" xmlns:p="http://schemas.openxmlformats.org/presentationml/2006/main">
+  <p:cSld>
+    <p:spTree>
+      <p:nvGrpSpPr>
+        <p:cNvPr id="1" name=""/>
+        <p:cNvGrpSpPr/>
+        <p:nvPr/>
+      </p:nvGrpSpPr>
+      <p:grpSpPr>
+        <a:xfrm>
+          <a:off x="0" y="0"/>
+          <a:ext cx="0" cy="0"/>
+          <a:chOff x="0" y="0"/>
+          <a:chExt cx="0" cy="0"/>
+        </a:xfrm>
+      </p:grpSpPr>
+      <p:sp>
+        <p:nvSpPr>
+          <p:cNvPr id="2" name="Title 1">
+            <a:extLst>
+              <a:ext uri="{FF2B5EF4-FFF2-40B4-BE49-F238E27FC236}">
+                <a16:creationId xmlns:a16="http://schemas.microsoft.com/office/drawing/2014/main" id="{D4EB3EFE-4104-48E3-90EC-84D5ACCD27D5}"/>
+              </a:ext>
+            </a:extLst>
+          </p:cNvPr>
+          <p:cNvSpPr>
+            <a:spLocks noGrp="1"/>
+          </p:cNvSpPr>
+          <p:nvPr>
+            <p:ph type="title"/>
+          </p:nvPr>
+        </p:nvSpPr>
+        <p:spPr>
+          <a:xfrm>
+            <a:off x="154858" y="116114"/>
+            <a:ext cx="6555921" cy="408327"/>
+          </a:xfrm>
+        </p:spPr>
+        <p:txBody>
+          <a:bodyPr>
+            <a:noAutofit/>
+          </a:bodyPr>
+          <a:lstStyle/>
+          <a:p>
+            <a:r>
+              <a:rPr lang="en-US" sz="2000" dirty="0"/>
+              <a:t>Sample Waveforms from Datasheet</a:t>
+            </a:r>
+          </a:p>
+        </p:txBody>
+      </p:sp>
+      <p:pic>
+        <p:nvPicPr>
+          <p:cNvPr id="3" name="Picture 2" descr="Diagram&#10;&#10;Description automatically generated">
+            <a:extLst>
+              <a:ext uri="{FF2B5EF4-FFF2-40B4-BE49-F238E27FC236}">
+                <a16:creationId xmlns:a16="http://schemas.microsoft.com/office/drawing/2014/main" id="{54C1E2B2-BEFD-418F-BA4F-A5F0F234F410}"/>
+              </a:ext>
+            </a:extLst>
+          </p:cNvPr>
+          <p:cNvPicPr>
+            <a:picLocks noChangeAspect="1"/>
+          </p:cNvPicPr>
+          <p:nvPr/>
+        </p:nvPicPr>
+        <p:blipFill>
+          <a:blip r:embed="rId2"/>
+          <a:stretch>
+            <a:fillRect/>
+          </a:stretch>
+        </p:blipFill>
+        <p:spPr>
+          <a:xfrm>
+            <a:off x="0" y="524441"/>
+            <a:ext cx="5617029" cy="1797449"/>
+          </a:xfrm>
+          <a:prstGeom prst="rect">
+            <a:avLst/>
+          </a:prstGeom>
+        </p:spPr>
+      </p:pic>
+      <p:pic>
+        <p:nvPicPr>
+          <p:cNvPr id="4" name="Picture 3">
+            <a:extLst>
+              <a:ext uri="{FF2B5EF4-FFF2-40B4-BE49-F238E27FC236}">
+                <a16:creationId xmlns:a16="http://schemas.microsoft.com/office/drawing/2014/main" id="{CF0E338F-F1D5-4145-8EBF-9A70773248D0}"/>
+              </a:ext>
+            </a:extLst>
+          </p:cNvPr>
+          <p:cNvPicPr>
+            <a:picLocks noChangeAspect="1"/>
+          </p:cNvPicPr>
+          <p:nvPr/>
+        </p:nvPicPr>
+        <p:blipFill>
+          <a:blip r:embed="rId3"/>
+          <a:stretch>
+            <a:fillRect/>
+          </a:stretch>
+        </p:blipFill>
+        <p:spPr>
+          <a:xfrm>
+            <a:off x="5765363" y="1248213"/>
+            <a:ext cx="3226971" cy="1102216"/>
+          </a:xfrm>
+          <a:prstGeom prst="rect">
+            <a:avLst/>
+          </a:prstGeom>
+        </p:spPr>
+      </p:pic>
+      <p:pic>
+        <p:nvPicPr>
+          <p:cNvPr id="5" name="Picture 4">
+            <a:extLst>
+              <a:ext uri="{FF2B5EF4-FFF2-40B4-BE49-F238E27FC236}">
+                <a16:creationId xmlns:a16="http://schemas.microsoft.com/office/drawing/2014/main" id="{D5A6E67C-97AA-4600-921C-C5CB1217E8A2}"/>
+              </a:ext>
+            </a:extLst>
+          </p:cNvPr>
+          <p:cNvPicPr>
+            <a:picLocks noChangeAspect="1"/>
+          </p:cNvPicPr>
+          <p:nvPr/>
+        </p:nvPicPr>
+        <p:blipFill>
+          <a:blip r:embed="rId4"/>
+          <a:stretch>
+            <a:fillRect/>
+          </a:stretch>
+        </p:blipFill>
+        <p:spPr>
+          <a:xfrm>
+            <a:off x="5662157" y="0"/>
+            <a:ext cx="3326985" cy="1132099"/>
+          </a:xfrm>
+          <a:prstGeom prst="rect">
+            <a:avLst/>
+          </a:prstGeom>
+        </p:spPr>
+      </p:pic>
+      <p:pic>
+        <p:nvPicPr>
+          <p:cNvPr id="6" name="Picture 5" descr="Diagram&#10;&#10;Description automatically generated with medium confidence">
+            <a:extLst>
+              <a:ext uri="{FF2B5EF4-FFF2-40B4-BE49-F238E27FC236}">
+                <a16:creationId xmlns:a16="http://schemas.microsoft.com/office/drawing/2014/main" id="{79EFC370-94F6-452E-AAF1-A44A5727F459}"/>
+              </a:ext>
+            </a:extLst>
+          </p:cNvPr>
+          <p:cNvPicPr>
+            <a:picLocks noChangeAspect="1"/>
+          </p:cNvPicPr>
+          <p:nvPr/>
+        </p:nvPicPr>
+        <p:blipFill>
+          <a:blip r:embed="rId5"/>
+          <a:stretch>
+            <a:fillRect/>
+          </a:stretch>
+        </p:blipFill>
+        <p:spPr>
+          <a:xfrm>
+            <a:off x="326571" y="2787291"/>
+            <a:ext cx="4696843" cy="1831768"/>
+          </a:xfrm>
+          <a:prstGeom prst="rect">
+            <a:avLst/>
+          </a:prstGeom>
+          <a:ln>
+            <a:solidFill>
+              <a:schemeClr val="tx1"/>
+            </a:solidFill>
+          </a:ln>
+        </p:spPr>
+      </p:pic>
+      <p:pic>
+        <p:nvPicPr>
+          <p:cNvPr id="7" name="Picture 6" descr="Box and whisker chart&#10;&#10;Description automatically generated with medium confidence">
+            <a:extLst>
+              <a:ext uri="{FF2B5EF4-FFF2-40B4-BE49-F238E27FC236}">
+                <a16:creationId xmlns:a16="http://schemas.microsoft.com/office/drawing/2014/main" id="{7F6D8E88-DE7A-4FE9-8F6D-C3BA4DF0437A}"/>
+              </a:ext>
+            </a:extLst>
+          </p:cNvPr>
+          <p:cNvPicPr>
+            <a:picLocks noChangeAspect="1"/>
+          </p:cNvPicPr>
+          <p:nvPr/>
+        </p:nvPicPr>
+        <p:blipFill>
+          <a:blip r:embed="rId6"/>
+          <a:stretch>
+            <a:fillRect/>
+          </a:stretch>
+        </p:blipFill>
+        <p:spPr>
+          <a:xfrm>
+            <a:off x="5210059" y="2727716"/>
+            <a:ext cx="3585485" cy="1891343"/>
+          </a:xfrm>
+          <a:prstGeom prst="rect">
+            <a:avLst/>
+          </a:prstGeom>
+          <a:ln>
+            <a:solidFill>
+              <a:schemeClr val="tx1"/>
+            </a:solidFill>
+          </a:ln>
+        </p:spPr>
+      </p:pic>
+    </p:spTree>
+    <p:extLst>
+      <p:ext uri="{BB962C8B-B14F-4D97-AF65-F5344CB8AC3E}">
+        <p14:creationId xmlns:p14="http://schemas.microsoft.com/office/powerpoint/2010/main" val="193190838"/>
+      </p:ext>
+    </p:extLst>
+  </p:cSld>
+  <p:clrMapOvr>
+    <a:masterClrMapping/>
+  </p:clrMapOvr>
+</p:sld>
+</file>
+
+<file path=ppt/slides/slide4.xml><?xml version="1.0" encoding="utf-8"?>
+<p:sld xmlns:a="http://schemas.openxmlformats.org/drawingml/2006/main" xmlns:r="http://schemas.openxmlformats.org/officeDocument/2006/relationships" xmlns:p="http://schemas.openxmlformats.org/presentationml/2006/main">
+  <p:cSld>
+    <p:spTree>
+      <p:nvGrpSpPr>
+        <p:cNvPr id="1" name=""/>
+        <p:cNvGrpSpPr/>
+        <p:nvPr/>
+      </p:nvGrpSpPr>
+      <p:grpSpPr>
+        <a:xfrm>
+          <a:off x="0" y="0"/>
+          <a:ext cx="0" cy="0"/>
+          <a:chOff x="0" y="0"/>
+          <a:chExt cx="0" cy="0"/>
+        </a:xfrm>
+      </p:grpSpPr>
+      <p:sp>
+        <p:nvSpPr>
+          <p:cNvPr id="2" name="Title 1">
+            <a:extLst>
+              <a:ext uri="{FF2B5EF4-FFF2-40B4-BE49-F238E27FC236}">
+                <a16:creationId xmlns:a16="http://schemas.microsoft.com/office/drawing/2014/main" id="{6352DD0E-4492-489B-9D83-264B25D6ECF3}"/>
+              </a:ext>
+            </a:extLst>
+          </p:cNvPr>
+          <p:cNvSpPr>
+            <a:spLocks noGrp="1"/>
+          </p:cNvSpPr>
+          <p:nvPr>
+            <p:ph type="title"/>
+          </p:nvPr>
+        </p:nvSpPr>
+        <p:spPr/>
+        <p:txBody>
+          <a:bodyPr/>
+          <a:lstStyle/>
+          <a:p>
+            <a:r>
+              <a:rPr lang="en-US" dirty="0"/>
+              <a:t>Final Waveform Result</a:t>
+            </a:r>
+          </a:p>
+        </p:txBody>
+      </p:sp>
+    </p:spTree>
+    <p:extLst>
+      <p:ext uri="{BB962C8B-B14F-4D97-AF65-F5344CB8AC3E}">
+        <p14:creationId xmlns:p14="http://schemas.microsoft.com/office/powerpoint/2010/main" val="3808005051"/>
+      </p:ext>
+    </p:extLst>
+  </p:cSld>
+  <p:clrMapOvr>
+    <a:masterClrMapping/>
+  </p:clrMapOvr>
+</p:sld>
+</file>
+
+<file path=ppt/slides/slide5.xml><?xml version="1.0" encoding="utf-8"?>
+<p:sld xmlns:a="http://schemas.openxmlformats.org/drawingml/2006/main" xmlns:r="http://schemas.openxmlformats.org/officeDocument/2006/relationships" xmlns:p="http://schemas.openxmlformats.org/presentationml/2006/main">
+  <p:cSld>
+    <p:spTree>
+      <p:nvGrpSpPr>
+        <p:cNvPr id="1" name=""/>
+        <p:cNvGrpSpPr/>
+        <p:nvPr/>
+      </p:nvGrpSpPr>
+      <p:grpSpPr>
+        <a:xfrm>
+          <a:off x="0" y="0"/>
+          <a:ext cx="0" cy="0"/>
+          <a:chOff x="0" y="0"/>
+          <a:chExt cx="0" cy="0"/>
+        </a:xfrm>
+      </p:grpSpPr>
+      <p:pic>
+        <p:nvPicPr>
+          <p:cNvPr id="3" name="Picture 2">
+            <a:extLst>
+              <a:ext uri="{FF2B5EF4-FFF2-40B4-BE49-F238E27FC236}">
+                <a16:creationId xmlns:a16="http://schemas.microsoft.com/office/drawing/2014/main" id="{2A28AC40-E77D-4FCA-9948-973EEB83CD54}"/>
+              </a:ext>
+            </a:extLst>
+          </p:cNvPr>
+          <p:cNvPicPr>
+            <a:picLocks noChangeAspect="1"/>
+          </p:cNvPicPr>
+          <p:nvPr/>
+        </p:nvPicPr>
+        <p:blipFill>
+          <a:blip r:embed="rId2"/>
+          <a:stretch>
+            <a:fillRect/>
+          </a:stretch>
+        </p:blipFill>
+        <p:spPr>
+          <a:xfrm>
+            <a:off x="0" y="647429"/>
+            <a:ext cx="9144000" cy="2113497"/>
+          </a:xfrm>
+          <a:prstGeom prst="rect">
+            <a:avLst/>
+          </a:prstGeom>
+        </p:spPr>
+      </p:pic>
+      <p:pic>
+        <p:nvPicPr>
+          <p:cNvPr id="5" name="Picture 4">
+            <a:extLst>
+              <a:ext uri="{FF2B5EF4-FFF2-40B4-BE49-F238E27FC236}">
+                <a16:creationId xmlns:a16="http://schemas.microsoft.com/office/drawing/2014/main" id="{05589155-653F-49D0-9EAC-2A84A9D1808F}"/>
+              </a:ext>
+            </a:extLst>
+          </p:cNvPr>
+          <p:cNvPicPr>
+            <a:picLocks noChangeAspect="1"/>
+          </p:cNvPicPr>
+          <p:nvPr/>
+        </p:nvPicPr>
+        <p:blipFill>
+          <a:blip r:embed="rId3"/>
+          <a:stretch>
+            <a:fillRect/>
+          </a:stretch>
+        </p:blipFill>
+        <p:spPr>
+          <a:xfrm>
+            <a:off x="0" y="2826804"/>
+            <a:ext cx="9144000" cy="2113497"/>
+          </a:xfrm>
+          <a:prstGeom prst="rect">
+            <a:avLst/>
+          </a:prstGeom>
+        </p:spPr>
+      </p:pic>
+      <p:sp>
+        <p:nvSpPr>
+          <p:cNvPr id="6" name="Title 1">
+            <a:extLst>
+              <a:ext uri="{FF2B5EF4-FFF2-40B4-BE49-F238E27FC236}">
+                <a16:creationId xmlns:a16="http://schemas.microsoft.com/office/drawing/2014/main" id="{3A0FF8D9-C68B-45DD-9DBA-F20562F3231A}"/>
+              </a:ext>
+            </a:extLst>
+          </p:cNvPr>
+          <p:cNvSpPr txBox="1">
+            <a:spLocks/>
+          </p:cNvSpPr>
+          <p:nvPr/>
+        </p:nvSpPr>
+        <p:spPr>
+          <a:xfrm>
+            <a:off x="76201" y="0"/>
+            <a:ext cx="3807882" cy="581551"/>
+          </a:xfrm>
+          <a:prstGeom prst="rect">
+            <a:avLst/>
+          </a:prstGeom>
+        </p:spPr>
+        <p:txBody>
+          <a:bodyPr>
+            <a:normAutofit fontScale="97500"/>
+          </a:bodyPr>
+          <a:lstStyle>
+            <a:lvl1pPr algn="l" defTabSz="685800" rtl="0" eaLnBrk="1" latinLnBrk="0" hangingPunct="1">
+              <a:lnSpc>
+                <a:spcPct val="90000"/>
+              </a:lnSpc>
+              <a:spcBef>
+                <a:spcPct val="0"/>
+              </a:spcBef>
+              <a:buNone/>
+              <a:defRPr sz="3300" kern="1200">
+                <a:solidFill>
+                  <a:schemeClr val="tx1"/>
+                </a:solidFill>
+                <a:latin typeface="+mj-lt"/>
+                <a:ea typeface="+mj-ea"/>
+                <a:cs typeface="+mj-cs"/>
+              </a:defRPr>
+            </a:lvl1pPr>
+          </a:lstStyle>
+          <a:p>
+            <a:pPr fontAlgn="auto">
+              <a:spcAft>
+                <a:spcPts val="0"/>
+              </a:spcAft>
+            </a:pPr>
+            <a:r>
+              <a:rPr lang="en-US" dirty="0"/>
+              <a:t>I2C Slave - aah</a:t>
+            </a:r>
+          </a:p>
+        </p:txBody>
+      </p:sp>
+    </p:spTree>
+    <p:extLst>
+      <p:ext uri="{BB962C8B-B14F-4D97-AF65-F5344CB8AC3E}">
+        <p14:creationId xmlns:p14="http://schemas.microsoft.com/office/powerpoint/2010/main" val="3336021874"/>
+      </p:ext>
+    </p:extLst>
+  </p:cSld>
+  <p:clrMapOvr>
+    <a:masterClrMapping/>
+  </p:clrMapOvr>
+</p:sld>
+</file>
+
+<file path=ppt/slides/slide6.xml><?xml version="1.0" encoding="utf-8"?>
+<p:sld xmlns:a="http://schemas.openxmlformats.org/drawingml/2006/main" xmlns:r="http://schemas.openxmlformats.org/officeDocument/2006/relationships" xmlns:p="http://schemas.openxmlformats.org/presentationml/2006/main">
+  <p:cSld>
+    <p:spTree>
+      <p:nvGrpSpPr>
+        <p:cNvPr id="1" name=""/>
+        <p:cNvGrpSpPr/>
+        <p:nvPr/>
+      </p:nvGrpSpPr>
+      <p:grpSpPr>
+        <a:xfrm>
+          <a:off x="0" y="0"/>
+          <a:ext cx="0" cy="0"/>
+          <a:chOff x="0" y="0"/>
+          <a:chExt cx="0" cy="0"/>
+        </a:xfrm>
+      </p:grpSpPr>
+      <p:pic>
+        <p:nvPicPr>
+          <p:cNvPr id="3" name="Picture 2">
+            <a:extLst>
+              <a:ext uri="{FF2B5EF4-FFF2-40B4-BE49-F238E27FC236}">
+                <a16:creationId xmlns:a16="http://schemas.microsoft.com/office/drawing/2014/main" id="{5A16C2EF-5CAD-4A33-BD23-5A12BD922752}"/>
+              </a:ext>
+            </a:extLst>
+          </p:cNvPr>
+          <p:cNvPicPr>
+            <a:picLocks noChangeAspect="1"/>
+          </p:cNvPicPr>
+          <p:nvPr/>
+        </p:nvPicPr>
+        <p:blipFill>
+          <a:blip r:embed="rId2"/>
+          <a:stretch>
+            <a:fillRect/>
+          </a:stretch>
+        </p:blipFill>
+        <p:spPr>
+          <a:xfrm>
+            <a:off x="0" y="715598"/>
+            <a:ext cx="9144000" cy="1960869"/>
+          </a:xfrm>
+          <a:prstGeom prst="rect">
+            <a:avLst/>
+          </a:prstGeom>
+        </p:spPr>
+      </p:pic>
+      <p:pic>
+        <p:nvPicPr>
+          <p:cNvPr id="5" name="Picture 4">
+            <a:extLst>
+              <a:ext uri="{FF2B5EF4-FFF2-40B4-BE49-F238E27FC236}">
+                <a16:creationId xmlns:a16="http://schemas.microsoft.com/office/drawing/2014/main" id="{9DF57B4E-6F51-447D-AB14-49F83B451276}"/>
+              </a:ext>
+            </a:extLst>
+          </p:cNvPr>
+          <p:cNvPicPr>
+            <a:picLocks noChangeAspect="1"/>
+          </p:cNvPicPr>
+          <p:nvPr/>
+        </p:nvPicPr>
+        <p:blipFill>
+          <a:blip r:embed="rId3"/>
+          <a:stretch>
+            <a:fillRect/>
+          </a:stretch>
+        </p:blipFill>
+        <p:spPr>
+          <a:xfrm>
+            <a:off x="-8467" y="2810515"/>
+            <a:ext cx="9144000" cy="1960869"/>
+          </a:xfrm>
+          <a:prstGeom prst="rect">
+            <a:avLst/>
+          </a:prstGeom>
+        </p:spPr>
+      </p:pic>
+      <p:sp>
+        <p:nvSpPr>
+          <p:cNvPr id="6" name="Title 1">
+            <a:extLst>
+              <a:ext uri="{FF2B5EF4-FFF2-40B4-BE49-F238E27FC236}">
+                <a16:creationId xmlns:a16="http://schemas.microsoft.com/office/drawing/2014/main" id="{1E5561BF-8218-4FDF-9429-54A7B0B4277C}"/>
+              </a:ext>
+            </a:extLst>
+          </p:cNvPr>
+          <p:cNvSpPr txBox="1">
+            <a:spLocks/>
+          </p:cNvSpPr>
+          <p:nvPr/>
+        </p:nvSpPr>
+        <p:spPr>
+          <a:xfrm>
+            <a:off x="76201" y="0"/>
+            <a:ext cx="3807882" cy="581551"/>
+          </a:xfrm>
+          <a:prstGeom prst="rect">
+            <a:avLst/>
+          </a:prstGeom>
+        </p:spPr>
+        <p:txBody>
+          <a:bodyPr>
+            <a:normAutofit fontScale="97500"/>
+          </a:bodyPr>
+          <a:lstStyle>
+            <a:lvl1pPr algn="l" defTabSz="685800" rtl="0" eaLnBrk="1" latinLnBrk="0" hangingPunct="1">
+              <a:lnSpc>
+                <a:spcPct val="90000"/>
+              </a:lnSpc>
+              <a:spcBef>
+                <a:spcPct val="0"/>
+              </a:spcBef>
+              <a:buNone/>
+              <a:defRPr sz="3300" kern="1200">
+                <a:solidFill>
+                  <a:schemeClr val="tx1"/>
+                </a:solidFill>
+                <a:latin typeface="+mj-lt"/>
+                <a:ea typeface="+mj-ea"/>
+                <a:cs typeface="+mj-cs"/>
+              </a:defRPr>
+            </a:lvl1pPr>
+          </a:lstStyle>
+          <a:p>
+            <a:pPr fontAlgn="auto">
+              <a:spcAft>
+                <a:spcPts val="0"/>
+              </a:spcAft>
+            </a:pPr>
+            <a:r>
+              <a:rPr lang="en-US" dirty="0"/>
+              <a:t>I2C Slave - 15h</a:t>
+            </a:r>
+          </a:p>
+        </p:txBody>
+      </p:sp>
+    </p:spTree>
+    <p:extLst>
+      <p:ext uri="{BB962C8B-B14F-4D97-AF65-F5344CB8AC3E}">
+        <p14:creationId xmlns:p14="http://schemas.microsoft.com/office/powerpoint/2010/main" val="237926173"/>
+      </p:ext>
+    </p:extLst>
+  </p:cSld>
+  <p:clrMapOvr>
+    <a:masterClrMapping/>
+  </p:clrMapOvr>
+</p:sld>
+</file>
+
+<file path=ppt/slides/slide7.xml><?xml version="1.0" encoding="utf-8"?>
+<p:sld xmlns:a="http://schemas.openxmlformats.org/drawingml/2006/main" xmlns:r="http://schemas.openxmlformats.org/officeDocument/2006/relationships" xmlns:p="http://schemas.openxmlformats.org/presentationml/2006/main">
+  <p:cSld>
+    <p:spTree>
+      <p:nvGrpSpPr>
+        <p:cNvPr id="1" name=""/>
+        <p:cNvGrpSpPr/>
+        <p:nvPr/>
+      </p:nvGrpSpPr>
+      <p:grpSpPr>
+        <a:xfrm>
+          <a:off x="0" y="0"/>
+          <a:ext cx="0" cy="0"/>
+          <a:chOff x="0" y="0"/>
+          <a:chExt cx="0" cy="0"/>
+        </a:xfrm>
+      </p:grpSpPr>
+      <p:sp>
+        <p:nvSpPr>
+          <p:cNvPr id="2" name="Title 1">
+            <a:extLst>
+              <a:ext uri="{FF2B5EF4-FFF2-40B4-BE49-F238E27FC236}">
+                <a16:creationId xmlns:a16="http://schemas.microsoft.com/office/drawing/2014/main" id="{A38D5CBB-DE1C-47A1-A64B-11D31E5B8E5B}"/>
+              </a:ext>
+            </a:extLst>
+          </p:cNvPr>
+          <p:cNvSpPr>
+            <a:spLocks noGrp="1"/>
+          </p:cNvSpPr>
+          <p:nvPr>
+            <p:ph type="title"/>
+          </p:nvPr>
+        </p:nvSpPr>
+        <p:spPr/>
+        <p:txBody>
+          <a:bodyPr/>
+          <a:lstStyle/>
+          <a:p>
+            <a:r>
+              <a:rPr lang="en-US" dirty="0"/>
+              <a:t>References</a:t>
+            </a:r>
+          </a:p>
+        </p:txBody>
+      </p:sp>
+    </p:spTree>
+    <p:extLst>
+      <p:ext uri="{BB962C8B-B14F-4D97-AF65-F5344CB8AC3E}">
+        <p14:creationId xmlns:p14="http://schemas.microsoft.com/office/powerpoint/2010/main" val="3207602261"/>
+      </p:ext>
+    </p:extLst>
+  </p:cSld>
+  <p:clrMapOvr>
+    <a:masterClrMapping/>
+  </p:clrMapOvr>
+</p:sld>
+</file>
+
+<file path=ppt/slides/slide8.xml><?xml version="1.0" encoding="utf-8"?>
 <p:sld xmlns:a="http://schemas.openxmlformats.org/drawingml/2006/main" xmlns:r="http://schemas.openxmlformats.org/officeDocument/2006/relationships" xmlns:p="http://schemas.openxmlformats.org/presentationml/2006/main" show="0">
   <p:cSld>
     <p:spTree>
@@ -17801,685 +18592,6 @@
     <p:extLst>
       <p:ext uri="{BB962C8B-B14F-4D97-AF65-F5344CB8AC3E}">
         <p14:creationId xmlns:p14="http://schemas.microsoft.com/office/powerpoint/2010/main" val="2733106043"/>
-      </p:ext>
-    </p:extLst>
-  </p:cSld>
-  <p:clrMapOvr>
-    <a:masterClrMapping/>
-  </p:clrMapOvr>
-</p:sld>
-</file>
-
-<file path=ppt/slides/slide4.xml><?xml version="1.0" encoding="utf-8"?>
-<p:sld xmlns:a="http://schemas.openxmlformats.org/drawingml/2006/main" xmlns:r="http://schemas.openxmlformats.org/officeDocument/2006/relationships" xmlns:p="http://schemas.openxmlformats.org/presentationml/2006/main">
-  <p:cSld>
-    <p:spTree>
-      <p:nvGrpSpPr>
-        <p:cNvPr id="1" name=""/>
-        <p:cNvGrpSpPr/>
-        <p:nvPr/>
-      </p:nvGrpSpPr>
-      <p:grpSpPr>
-        <a:xfrm>
-          <a:off x="0" y="0"/>
-          <a:ext cx="0" cy="0"/>
-          <a:chOff x="0" y="0"/>
-          <a:chExt cx="0" cy="0"/>
-        </a:xfrm>
-      </p:grpSpPr>
-      <p:pic>
-        <p:nvPicPr>
-          <p:cNvPr id="3" name="Picture 2">
-            <a:extLst>
-              <a:ext uri="{FF2B5EF4-FFF2-40B4-BE49-F238E27FC236}">
-                <a16:creationId xmlns:a16="http://schemas.microsoft.com/office/drawing/2014/main" id="{460D997F-CF66-46D8-986C-B615DCEFFDF6}"/>
-              </a:ext>
-            </a:extLst>
-          </p:cNvPr>
-          <p:cNvPicPr>
-            <a:picLocks noChangeAspect="1"/>
-          </p:cNvPicPr>
-          <p:nvPr/>
-        </p:nvPicPr>
-        <p:blipFill>
-          <a:blip r:embed="rId2"/>
-          <a:stretch>
-            <a:fillRect/>
-          </a:stretch>
-        </p:blipFill>
-        <p:spPr>
-          <a:xfrm>
-            <a:off x="0" y="724234"/>
-            <a:ext cx="9144000" cy="2102713"/>
-          </a:xfrm>
-          <a:prstGeom prst="rect">
-            <a:avLst/>
-          </a:prstGeom>
-        </p:spPr>
-      </p:pic>
-      <p:cxnSp>
-        <p:nvCxnSpPr>
-          <p:cNvPr id="5" name="Straight Connector 4">
-            <a:extLst>
-              <a:ext uri="{FF2B5EF4-FFF2-40B4-BE49-F238E27FC236}">
-                <a16:creationId xmlns:a16="http://schemas.microsoft.com/office/drawing/2014/main" id="{10252BED-8989-485F-B2DD-E0A61CDDD8AE}"/>
-              </a:ext>
-            </a:extLst>
-          </p:cNvPr>
-          <p:cNvCxnSpPr/>
-          <p:nvPr/>
-        </p:nvCxnSpPr>
-        <p:spPr>
-          <a:xfrm>
-            <a:off x="2128345" y="1775590"/>
-            <a:ext cx="0" cy="1442545"/>
-          </a:xfrm>
-          <a:prstGeom prst="line">
-            <a:avLst/>
-          </a:prstGeom>
-          <a:ln w="12700">
-            <a:solidFill>
-              <a:srgbClr val="FF0000"/>
-            </a:solidFill>
-          </a:ln>
-        </p:spPr>
-        <p:style>
-          <a:lnRef idx="1">
-            <a:schemeClr val="accent1"/>
-          </a:lnRef>
-          <a:fillRef idx="0">
-            <a:schemeClr val="accent1"/>
-          </a:fillRef>
-          <a:effectRef idx="0">
-            <a:schemeClr val="accent1"/>
-          </a:effectRef>
-          <a:fontRef idx="minor">
-            <a:schemeClr val="tx1"/>
-          </a:fontRef>
-        </p:style>
-      </p:cxnSp>
-      <p:cxnSp>
-        <p:nvCxnSpPr>
-          <p:cNvPr id="6" name="Straight Connector 5">
-            <a:extLst>
-              <a:ext uri="{FF2B5EF4-FFF2-40B4-BE49-F238E27FC236}">
-                <a16:creationId xmlns:a16="http://schemas.microsoft.com/office/drawing/2014/main" id="{A196DB49-60D8-4D71-A86E-A027FE6FAB0B}"/>
-              </a:ext>
-            </a:extLst>
-          </p:cNvPr>
-          <p:cNvCxnSpPr/>
-          <p:nvPr/>
-        </p:nvCxnSpPr>
-        <p:spPr>
-          <a:xfrm>
-            <a:off x="2687145" y="1775590"/>
-            <a:ext cx="0" cy="1442545"/>
-          </a:xfrm>
-          <a:prstGeom prst="line">
-            <a:avLst/>
-          </a:prstGeom>
-          <a:ln w="12700">
-            <a:solidFill>
-              <a:srgbClr val="FF0000"/>
-            </a:solidFill>
-          </a:ln>
-        </p:spPr>
-        <p:style>
-          <a:lnRef idx="1">
-            <a:schemeClr val="accent1"/>
-          </a:lnRef>
-          <a:fillRef idx="0">
-            <a:schemeClr val="accent1"/>
-          </a:fillRef>
-          <a:effectRef idx="0">
-            <a:schemeClr val="accent1"/>
-          </a:effectRef>
-          <a:fontRef idx="minor">
-            <a:schemeClr val="tx1"/>
-          </a:fontRef>
-        </p:style>
-      </p:cxnSp>
-      <p:cxnSp>
-        <p:nvCxnSpPr>
-          <p:cNvPr id="7" name="Straight Connector 6">
-            <a:extLst>
-              <a:ext uri="{FF2B5EF4-FFF2-40B4-BE49-F238E27FC236}">
-                <a16:creationId xmlns:a16="http://schemas.microsoft.com/office/drawing/2014/main" id="{1363FF80-AC37-4BFE-822B-6D8B8E52A48B}"/>
-              </a:ext>
-            </a:extLst>
-          </p:cNvPr>
-          <p:cNvCxnSpPr/>
-          <p:nvPr/>
-        </p:nvCxnSpPr>
-        <p:spPr>
-          <a:xfrm>
-            <a:off x="3250178" y="1775589"/>
-            <a:ext cx="0" cy="1442545"/>
-          </a:xfrm>
-          <a:prstGeom prst="line">
-            <a:avLst/>
-          </a:prstGeom>
-          <a:ln w="12700">
-            <a:solidFill>
-              <a:srgbClr val="FF0000"/>
-            </a:solidFill>
-          </a:ln>
-        </p:spPr>
-        <p:style>
-          <a:lnRef idx="1">
-            <a:schemeClr val="accent1"/>
-          </a:lnRef>
-          <a:fillRef idx="0">
-            <a:schemeClr val="accent1"/>
-          </a:fillRef>
-          <a:effectRef idx="0">
-            <a:schemeClr val="accent1"/>
-          </a:effectRef>
-          <a:fontRef idx="minor">
-            <a:schemeClr val="tx1"/>
-          </a:fontRef>
-        </p:style>
-      </p:cxnSp>
-      <p:cxnSp>
-        <p:nvCxnSpPr>
-          <p:cNvPr id="8" name="Straight Connector 7">
-            <a:extLst>
-              <a:ext uri="{FF2B5EF4-FFF2-40B4-BE49-F238E27FC236}">
-                <a16:creationId xmlns:a16="http://schemas.microsoft.com/office/drawing/2014/main" id="{203FD3B3-FE90-4B84-B43E-EE53F1B6BCB6}"/>
-              </a:ext>
-            </a:extLst>
-          </p:cNvPr>
-          <p:cNvCxnSpPr/>
-          <p:nvPr/>
-        </p:nvCxnSpPr>
-        <p:spPr>
-          <a:xfrm>
-            <a:off x="3821679" y="1741722"/>
-            <a:ext cx="0" cy="1442545"/>
-          </a:xfrm>
-          <a:prstGeom prst="line">
-            <a:avLst/>
-          </a:prstGeom>
-          <a:ln w="12700">
-            <a:solidFill>
-              <a:srgbClr val="FF0000"/>
-            </a:solidFill>
-          </a:ln>
-        </p:spPr>
-        <p:style>
-          <a:lnRef idx="1">
-            <a:schemeClr val="accent1"/>
-          </a:lnRef>
-          <a:fillRef idx="0">
-            <a:schemeClr val="accent1"/>
-          </a:fillRef>
-          <a:effectRef idx="0">
-            <a:schemeClr val="accent1"/>
-          </a:effectRef>
-          <a:fontRef idx="minor">
-            <a:schemeClr val="tx1"/>
-          </a:fontRef>
-        </p:style>
-      </p:cxnSp>
-      <p:cxnSp>
-        <p:nvCxnSpPr>
-          <p:cNvPr id="9" name="Straight Connector 8">
-            <a:extLst>
-              <a:ext uri="{FF2B5EF4-FFF2-40B4-BE49-F238E27FC236}">
-                <a16:creationId xmlns:a16="http://schemas.microsoft.com/office/drawing/2014/main" id="{23C46B43-B893-45FD-8663-49B7232A37D6}"/>
-              </a:ext>
-            </a:extLst>
-          </p:cNvPr>
-          <p:cNvCxnSpPr/>
-          <p:nvPr/>
-        </p:nvCxnSpPr>
-        <p:spPr>
-          <a:xfrm>
-            <a:off x="4372012" y="1741722"/>
-            <a:ext cx="0" cy="1442545"/>
-          </a:xfrm>
-          <a:prstGeom prst="line">
-            <a:avLst/>
-          </a:prstGeom>
-          <a:ln w="12700">
-            <a:solidFill>
-              <a:srgbClr val="FF0000"/>
-            </a:solidFill>
-          </a:ln>
-        </p:spPr>
-        <p:style>
-          <a:lnRef idx="1">
-            <a:schemeClr val="accent1"/>
-          </a:lnRef>
-          <a:fillRef idx="0">
-            <a:schemeClr val="accent1"/>
-          </a:fillRef>
-          <a:effectRef idx="0">
-            <a:schemeClr val="accent1"/>
-          </a:effectRef>
-          <a:fontRef idx="minor">
-            <a:schemeClr val="tx1"/>
-          </a:fontRef>
-        </p:style>
-      </p:cxnSp>
-      <p:cxnSp>
-        <p:nvCxnSpPr>
-          <p:cNvPr id="10" name="Straight Connector 9">
-            <a:extLst>
-              <a:ext uri="{FF2B5EF4-FFF2-40B4-BE49-F238E27FC236}">
-                <a16:creationId xmlns:a16="http://schemas.microsoft.com/office/drawing/2014/main" id="{2B4FCEB1-5344-46CD-AF03-35432A66083B}"/>
-              </a:ext>
-            </a:extLst>
-          </p:cNvPr>
-          <p:cNvCxnSpPr/>
-          <p:nvPr/>
-        </p:nvCxnSpPr>
-        <p:spPr>
-          <a:xfrm>
-            <a:off x="4926578" y="1741721"/>
-            <a:ext cx="0" cy="1442545"/>
-          </a:xfrm>
-          <a:prstGeom prst="line">
-            <a:avLst/>
-          </a:prstGeom>
-          <a:ln w="12700">
-            <a:solidFill>
-              <a:srgbClr val="FF0000"/>
-            </a:solidFill>
-          </a:ln>
-        </p:spPr>
-        <p:style>
-          <a:lnRef idx="1">
-            <a:schemeClr val="accent1"/>
-          </a:lnRef>
-          <a:fillRef idx="0">
-            <a:schemeClr val="accent1"/>
-          </a:fillRef>
-          <a:effectRef idx="0">
-            <a:schemeClr val="accent1"/>
-          </a:effectRef>
-          <a:fontRef idx="minor">
-            <a:schemeClr val="tx1"/>
-          </a:fontRef>
-        </p:style>
-      </p:cxnSp>
-      <p:cxnSp>
-        <p:nvCxnSpPr>
-          <p:cNvPr id="11" name="Straight Connector 10">
-            <a:extLst>
-              <a:ext uri="{FF2B5EF4-FFF2-40B4-BE49-F238E27FC236}">
-                <a16:creationId xmlns:a16="http://schemas.microsoft.com/office/drawing/2014/main" id="{16808760-DAC0-430F-B774-AF8C1C37A23C}"/>
-              </a:ext>
-            </a:extLst>
-          </p:cNvPr>
-          <p:cNvCxnSpPr/>
-          <p:nvPr/>
-        </p:nvCxnSpPr>
-        <p:spPr>
-          <a:xfrm>
-            <a:off x="5489611" y="1741720"/>
-            <a:ext cx="0" cy="1442545"/>
-          </a:xfrm>
-          <a:prstGeom prst="line">
-            <a:avLst/>
-          </a:prstGeom>
-          <a:ln w="12700">
-            <a:solidFill>
-              <a:srgbClr val="FF0000"/>
-            </a:solidFill>
-          </a:ln>
-        </p:spPr>
-        <p:style>
-          <a:lnRef idx="1">
-            <a:schemeClr val="accent1"/>
-          </a:lnRef>
-          <a:fillRef idx="0">
-            <a:schemeClr val="accent1"/>
-          </a:fillRef>
-          <a:effectRef idx="0">
-            <a:schemeClr val="accent1"/>
-          </a:effectRef>
-          <a:fontRef idx="minor">
-            <a:schemeClr val="tx1"/>
-          </a:fontRef>
-        </p:style>
-      </p:cxnSp>
-      <p:cxnSp>
-        <p:nvCxnSpPr>
-          <p:cNvPr id="12" name="Straight Connector 11">
-            <a:extLst>
-              <a:ext uri="{FF2B5EF4-FFF2-40B4-BE49-F238E27FC236}">
-                <a16:creationId xmlns:a16="http://schemas.microsoft.com/office/drawing/2014/main" id="{2F5A12B0-1E62-4FC2-ADF2-357C285F135F}"/>
-              </a:ext>
-            </a:extLst>
-          </p:cNvPr>
-          <p:cNvCxnSpPr/>
-          <p:nvPr/>
-        </p:nvCxnSpPr>
-        <p:spPr>
-          <a:xfrm>
-            <a:off x="6048411" y="1741719"/>
-            <a:ext cx="0" cy="1442545"/>
-          </a:xfrm>
-          <a:prstGeom prst="line">
-            <a:avLst/>
-          </a:prstGeom>
-          <a:ln w="12700">
-            <a:solidFill>
-              <a:srgbClr val="FF0000"/>
-            </a:solidFill>
-          </a:ln>
-        </p:spPr>
-        <p:style>
-          <a:lnRef idx="1">
-            <a:schemeClr val="accent1"/>
-          </a:lnRef>
-          <a:fillRef idx="0">
-            <a:schemeClr val="accent1"/>
-          </a:fillRef>
-          <a:effectRef idx="0">
-            <a:schemeClr val="accent1"/>
-          </a:effectRef>
-          <a:fontRef idx="minor">
-            <a:schemeClr val="tx1"/>
-          </a:fontRef>
-        </p:style>
-      </p:cxnSp>
-      <p:cxnSp>
-        <p:nvCxnSpPr>
-          <p:cNvPr id="13" name="Straight Connector 12">
-            <a:extLst>
-              <a:ext uri="{FF2B5EF4-FFF2-40B4-BE49-F238E27FC236}">
-                <a16:creationId xmlns:a16="http://schemas.microsoft.com/office/drawing/2014/main" id="{F0774017-276E-4307-85FF-8CDDE3F8E12F}"/>
-              </a:ext>
-            </a:extLst>
-          </p:cNvPr>
-          <p:cNvCxnSpPr/>
-          <p:nvPr/>
-        </p:nvCxnSpPr>
-        <p:spPr>
-          <a:xfrm>
-            <a:off x="6607211" y="1741719"/>
-            <a:ext cx="0" cy="1442545"/>
-          </a:xfrm>
-          <a:prstGeom prst="line">
-            <a:avLst/>
-          </a:prstGeom>
-          <a:ln w="12700">
-            <a:solidFill>
-              <a:srgbClr val="FF0000"/>
-            </a:solidFill>
-          </a:ln>
-        </p:spPr>
-        <p:style>
-          <a:lnRef idx="1">
-            <a:schemeClr val="accent1"/>
-          </a:lnRef>
-          <a:fillRef idx="0">
-            <a:schemeClr val="accent1"/>
-          </a:fillRef>
-          <a:effectRef idx="0">
-            <a:schemeClr val="accent1"/>
-          </a:effectRef>
-          <a:fontRef idx="minor">
-            <a:schemeClr val="tx1"/>
-          </a:fontRef>
-        </p:style>
-      </p:cxnSp>
-      <p:cxnSp>
-        <p:nvCxnSpPr>
-          <p:cNvPr id="14" name="Straight Connector 13">
-            <a:extLst>
-              <a:ext uri="{FF2B5EF4-FFF2-40B4-BE49-F238E27FC236}">
-                <a16:creationId xmlns:a16="http://schemas.microsoft.com/office/drawing/2014/main" id="{1B4BDD60-9908-4CC8-8272-D13ECDC31CFA}"/>
-              </a:ext>
-            </a:extLst>
-          </p:cNvPr>
-          <p:cNvCxnSpPr/>
-          <p:nvPr/>
-        </p:nvCxnSpPr>
-        <p:spPr>
-          <a:xfrm>
-            <a:off x="7170244" y="1741719"/>
-            <a:ext cx="0" cy="1442545"/>
-          </a:xfrm>
-          <a:prstGeom prst="line">
-            <a:avLst/>
-          </a:prstGeom>
-          <a:ln w="12700">
-            <a:solidFill>
-              <a:srgbClr val="FF0000"/>
-            </a:solidFill>
-          </a:ln>
-        </p:spPr>
-        <p:style>
-          <a:lnRef idx="1">
-            <a:schemeClr val="accent1"/>
-          </a:lnRef>
-          <a:fillRef idx="0">
-            <a:schemeClr val="accent1"/>
-          </a:fillRef>
-          <a:effectRef idx="0">
-            <a:schemeClr val="accent1"/>
-          </a:effectRef>
-          <a:fontRef idx="minor">
-            <a:schemeClr val="tx1"/>
-          </a:fontRef>
-        </p:style>
-      </p:cxnSp>
-      <p:cxnSp>
-        <p:nvCxnSpPr>
-          <p:cNvPr id="15" name="Straight Connector 14">
-            <a:extLst>
-              <a:ext uri="{FF2B5EF4-FFF2-40B4-BE49-F238E27FC236}">
-                <a16:creationId xmlns:a16="http://schemas.microsoft.com/office/drawing/2014/main" id="{CA90D8AB-5F67-43B6-BB51-D9118E4C0E57}"/>
-              </a:ext>
-            </a:extLst>
-          </p:cNvPr>
-          <p:cNvCxnSpPr/>
-          <p:nvPr/>
-        </p:nvCxnSpPr>
-        <p:spPr>
-          <a:xfrm>
-            <a:off x="7733277" y="1741719"/>
-            <a:ext cx="0" cy="1442545"/>
-          </a:xfrm>
-          <a:prstGeom prst="line">
-            <a:avLst/>
-          </a:prstGeom>
-          <a:ln w="12700">
-            <a:solidFill>
-              <a:srgbClr val="FF0000"/>
-            </a:solidFill>
-          </a:ln>
-        </p:spPr>
-        <p:style>
-          <a:lnRef idx="1">
-            <a:schemeClr val="accent1"/>
-          </a:lnRef>
-          <a:fillRef idx="0">
-            <a:schemeClr val="accent1"/>
-          </a:fillRef>
-          <a:effectRef idx="0">
-            <a:schemeClr val="accent1"/>
-          </a:effectRef>
-          <a:fontRef idx="minor">
-            <a:schemeClr val="tx1"/>
-          </a:fontRef>
-        </p:style>
-      </p:cxnSp>
-      <p:cxnSp>
-        <p:nvCxnSpPr>
-          <p:cNvPr id="16" name="Straight Connector 15">
-            <a:extLst>
-              <a:ext uri="{FF2B5EF4-FFF2-40B4-BE49-F238E27FC236}">
-                <a16:creationId xmlns:a16="http://schemas.microsoft.com/office/drawing/2014/main" id="{B369316A-EBA4-438C-976E-9C4C32F26A33}"/>
-              </a:ext>
-            </a:extLst>
-          </p:cNvPr>
-          <p:cNvCxnSpPr/>
-          <p:nvPr/>
-        </p:nvCxnSpPr>
-        <p:spPr>
-          <a:xfrm>
-            <a:off x="8296310" y="1741718"/>
-            <a:ext cx="0" cy="1442545"/>
-          </a:xfrm>
-          <a:prstGeom prst="line">
-            <a:avLst/>
-          </a:prstGeom>
-          <a:ln w="12700">
-            <a:solidFill>
-              <a:srgbClr val="FF0000"/>
-            </a:solidFill>
-          </a:ln>
-        </p:spPr>
-        <p:style>
-          <a:lnRef idx="1">
-            <a:schemeClr val="accent1"/>
-          </a:lnRef>
-          <a:fillRef idx="0">
-            <a:schemeClr val="accent1"/>
-          </a:fillRef>
-          <a:effectRef idx="0">
-            <a:schemeClr val="accent1"/>
-          </a:effectRef>
-          <a:fontRef idx="minor">
-            <a:schemeClr val="tx1"/>
-          </a:fontRef>
-        </p:style>
-      </p:cxnSp>
-      <p:cxnSp>
-        <p:nvCxnSpPr>
-          <p:cNvPr id="17" name="Straight Connector 16">
-            <a:extLst>
-              <a:ext uri="{FF2B5EF4-FFF2-40B4-BE49-F238E27FC236}">
-                <a16:creationId xmlns:a16="http://schemas.microsoft.com/office/drawing/2014/main" id="{2BB0BA8F-0E4A-45C0-B0BF-87BF37315A39}"/>
-              </a:ext>
-            </a:extLst>
-          </p:cNvPr>
-          <p:cNvCxnSpPr/>
-          <p:nvPr/>
-        </p:nvCxnSpPr>
-        <p:spPr>
-          <a:xfrm>
-            <a:off x="8723877" y="1775589"/>
-            <a:ext cx="0" cy="1442545"/>
-          </a:xfrm>
-          <a:prstGeom prst="line">
-            <a:avLst/>
-          </a:prstGeom>
-          <a:ln w="12700">
-            <a:solidFill>
-              <a:srgbClr val="FF0000"/>
-            </a:solidFill>
-          </a:ln>
-        </p:spPr>
-        <p:style>
-          <a:lnRef idx="1">
-            <a:schemeClr val="accent1"/>
-          </a:lnRef>
-          <a:fillRef idx="0">
-            <a:schemeClr val="accent1"/>
-          </a:fillRef>
-          <a:effectRef idx="0">
-            <a:schemeClr val="accent1"/>
-          </a:effectRef>
-          <a:fontRef idx="minor">
-            <a:schemeClr val="tx1"/>
-          </a:fontRef>
-        </p:style>
-      </p:cxnSp>
-      <mc:AlternateContent xmlns:mc="http://schemas.openxmlformats.org/markup-compatibility/2006">
-        <mc:Choice xmlns:p14="http://schemas.microsoft.com/office/powerpoint/2010/main" Requires="p14">
-          <p:contentPart p14:bwMode="auto" r:id="rId3">
-            <p14:nvContentPartPr>
-              <p14:cNvPr id="18" name="Ink 17">
-                <a:extLst>
-                  <a:ext uri="{FF2B5EF4-FFF2-40B4-BE49-F238E27FC236}">
-                    <a16:creationId xmlns:a16="http://schemas.microsoft.com/office/drawing/2014/main" id="{25C59AF8-1DE6-40E7-AFA6-4A16C8A52C7D}"/>
-                  </a:ext>
-                </a:extLst>
-              </p14:cNvPr>
-              <p14:cNvContentPartPr/>
-              <p14:nvPr/>
-            </p14:nvContentPartPr>
-            <p14:xfrm>
-              <a:off x="2347920" y="1542960"/>
-              <a:ext cx="5762880" cy="1081440"/>
-            </p14:xfrm>
-          </p:contentPart>
-        </mc:Choice>
-        <mc:Fallback>
-          <p:pic>
-            <p:nvPicPr>
-              <p:cNvPr id="18" name="Ink 17">
-                <a:extLst>
-                  <a:ext uri="{FF2B5EF4-FFF2-40B4-BE49-F238E27FC236}">
-                    <a16:creationId xmlns:a16="http://schemas.microsoft.com/office/drawing/2014/main" id="{25C59AF8-1DE6-40E7-AFA6-4A16C8A52C7D}"/>
-                  </a:ext>
-                </a:extLst>
-              </p:cNvPr>
-              <p:cNvPicPr/>
-              <p:nvPr/>
-            </p:nvPicPr>
-            <p:blipFill>
-              <a:blip r:embed="rId4"/>
-              <a:stretch>
-                <a:fillRect/>
-              </a:stretch>
-            </p:blipFill>
-            <p:spPr>
-              <a:xfrm>
-                <a:off x="2338560" y="1533600"/>
-                <a:ext cx="5781600" cy="1100160"/>
-              </a:xfrm>
-              <a:prstGeom prst="rect">
-                <a:avLst/>
-              </a:prstGeom>
-            </p:spPr>
-          </p:pic>
-        </mc:Fallback>
-      </mc:AlternateContent>
-      <p:sp>
-        <p:nvSpPr>
-          <p:cNvPr id="19" name="TextBox 18">
-            <a:extLst>
-              <a:ext uri="{FF2B5EF4-FFF2-40B4-BE49-F238E27FC236}">
-                <a16:creationId xmlns:a16="http://schemas.microsoft.com/office/drawing/2014/main" id="{CC64F8BD-698C-40BD-9933-388124E8CAF8}"/>
-              </a:ext>
-            </a:extLst>
-          </p:cNvPr>
-          <p:cNvSpPr txBox="1"/>
-          <p:nvPr/>
-        </p:nvSpPr>
-        <p:spPr>
-          <a:xfrm>
-            <a:off x="118836" y="13890"/>
-            <a:ext cx="2362199" cy="369332"/>
-          </a:xfrm>
-          <a:prstGeom prst="rect">
-            <a:avLst/>
-          </a:prstGeom>
-          <a:noFill/>
-        </p:spPr>
-        <p:txBody>
-          <a:bodyPr wrap="square" rtlCol="0">
-            <a:spAutoFit/>
-          </a:bodyPr>
-          <a:lstStyle/>
-          <a:p>
-            <a:r>
-              <a:rPr lang="en-US" dirty="0"/>
-              <a:t>I2C Master</a:t>
-            </a:r>
-          </a:p>
-        </p:txBody>
-      </p:sp>
-    </p:spTree>
-    <p:extLst>
-      <p:ext uri="{BB962C8B-B14F-4D97-AF65-F5344CB8AC3E}">
-        <p14:creationId xmlns:p14="http://schemas.microsoft.com/office/powerpoint/2010/main" val="3449446057"/>
       </p:ext>
     </p:extLst>
   </p:cSld>

--- a/I2C/I2C_implementation_Summary.pptx
+++ b/I2C/I2C_implementation_Summary.pptx
@@ -10,10 +10,10 @@
     <p:sldId id="257" r:id="rId4"/>
     <p:sldId id="283" r:id="rId5"/>
     <p:sldId id="285" r:id="rId6"/>
-    <p:sldId id="297" r:id="rId7"/>
-    <p:sldId id="298" r:id="rId8"/>
-    <p:sldId id="284" r:id="rId9"/>
-    <p:sldId id="267" r:id="rId10"/>
+    <p:sldId id="304" r:id="rId7"/>
+    <p:sldId id="305" r:id="rId8"/>
+    <p:sldId id="303" r:id="rId9"/>
+    <p:sldId id="284" r:id="rId10"/>
   </p:sldIdLst>
   <p:sldSz cx="9144000" cy="5143500" type="screen16x9"/>
   <p:notesSz cx="6858000" cy="9144000"/>
@@ -2958,7 +2958,7 @@
               </a14:hiddenLine>
             </a:ext>
             <a:ext uri="{FAA26D3D-D897-4be2-8F04-BA451C77F1D7}">
-              <ma14:placeholderFlag xmlns:ma14="http://schemas.microsoft.com/office/mac/drawingml/2011/main" xmlns="" val="1"/>
+              <ma14:placeholderFlag xmlns="" xmlns:ma14="http://schemas.microsoft.com/office/mac/drawingml/2011/main" val="1"/>
             </a:ext>
           </a:extLst>
         </p:spPr>
@@ -3341,14 +3341,14 @@
           </a:ln>
           <a:extLst>
             <a:ext uri="{909E8E84-426E-40dd-AFC4-6F175D3DCCD1}">
-              <a14:hiddenFill xmlns:a14="http://schemas.microsoft.com/office/drawing/2010/main" xmlns="">
+              <a14:hiddenFill xmlns="" xmlns:a14="http://schemas.microsoft.com/office/drawing/2010/main">
                 <a:solidFill>
                   <a:srgbClr val="FFFFFF"/>
                 </a:solidFill>
               </a14:hiddenFill>
             </a:ext>
             <a:ext uri="{91240B29-F687-4f45-9708-019B960494DF}">
-              <a14:hiddenLine xmlns:a14="http://schemas.microsoft.com/office/drawing/2010/main" xmlns="" w="9525">
+              <a14:hiddenLine xmlns="" xmlns:a14="http://schemas.microsoft.com/office/drawing/2010/main" w="9525">
                 <a:solidFill>
                   <a:srgbClr val="000000"/>
                 </a:solidFill>
@@ -3451,7 +3451,7 @@
               </a14:hiddenLine>
             </a:ext>
             <a:ext uri="{FAA26D3D-D897-4be2-8F04-BA451C77F1D7}">
-              <ma14:placeholderFlag xmlns:ma14="http://schemas.microsoft.com/office/mac/drawingml/2011/main" xmlns="" val="1"/>
+              <ma14:placeholderFlag xmlns="" xmlns:ma14="http://schemas.microsoft.com/office/mac/drawingml/2011/main" val="1"/>
             </a:ext>
           </a:extLst>
         </p:spPr>
@@ -3678,14 +3678,14 @@
           </a:ln>
           <a:extLst>
             <a:ext uri="{909E8E84-426E-40dd-AFC4-6F175D3DCCD1}">
-              <a14:hiddenFill xmlns:a14="http://schemas.microsoft.com/office/drawing/2010/main" xmlns="">
+              <a14:hiddenFill xmlns="" xmlns:a14="http://schemas.microsoft.com/office/drawing/2010/main">
                 <a:solidFill>
                   <a:srgbClr val="FFFFFF"/>
                 </a:solidFill>
               </a14:hiddenFill>
             </a:ext>
             <a:ext uri="{91240B29-F687-4f45-9708-019B960494DF}">
-              <a14:hiddenLine xmlns:a14="http://schemas.microsoft.com/office/drawing/2010/main" xmlns="" w="9525">
+              <a14:hiddenLine xmlns="" xmlns:a14="http://schemas.microsoft.com/office/drawing/2010/main" w="9525">
                 <a:solidFill>
                   <a:srgbClr val="000000"/>
                 </a:solidFill>
@@ -3886,14 +3886,14 @@
           </a:ln>
           <a:extLst>
             <a:ext uri="{909E8E84-426E-40dd-AFC4-6F175D3DCCD1}">
-              <a14:hiddenFill xmlns:a14="http://schemas.microsoft.com/office/drawing/2010/main" xmlns="">
+              <a14:hiddenFill xmlns="" xmlns:a14="http://schemas.microsoft.com/office/drawing/2010/main">
                 <a:solidFill>
                   <a:srgbClr val="FFFFFF"/>
                 </a:solidFill>
               </a14:hiddenFill>
             </a:ext>
             <a:ext uri="{91240B29-F687-4f45-9708-019B960494DF}">
-              <a14:hiddenLine xmlns:a14="http://schemas.microsoft.com/office/drawing/2010/main" xmlns="" w="9525">
+              <a14:hiddenLine xmlns="" xmlns:a14="http://schemas.microsoft.com/office/drawing/2010/main" w="9525">
                 <a:solidFill>
                   <a:srgbClr val="000000"/>
                 </a:solidFill>
@@ -4036,14 +4036,14 @@
           </a:ln>
           <a:extLst>
             <a:ext uri="{909E8E84-426E-40dd-AFC4-6F175D3DCCD1}">
-              <a14:hiddenFill xmlns="" xmlns:a14="http://schemas.microsoft.com/office/drawing/2010/main">
+              <a14:hiddenFill xmlns:a14="http://schemas.microsoft.com/office/drawing/2010/main" xmlns="">
                 <a:solidFill>
                   <a:srgbClr val="FFFFFF"/>
                 </a:solidFill>
               </a14:hiddenFill>
             </a:ext>
             <a:ext uri="{91240B29-F687-4f45-9708-019B960494DF}">
-              <a14:hiddenLine xmlns="" xmlns:a14="http://schemas.microsoft.com/office/drawing/2010/main" w="9525">
+              <a14:hiddenLine xmlns:a14="http://schemas.microsoft.com/office/drawing/2010/main" xmlns="" w="9525">
                 <a:solidFill>
                   <a:srgbClr val="000000"/>
                 </a:solidFill>
@@ -4374,7 +4374,7 @@
               </a14:hiddenLine>
             </a:ext>
             <a:ext uri="{FAA26D3D-D897-4be2-8F04-BA451C77F1D7}">
-              <ma14:placeholderFlag xmlns:ma14="http://schemas.microsoft.com/office/mac/drawingml/2011/main" xmlns="" val="1"/>
+              <ma14:placeholderFlag xmlns="" xmlns:ma14="http://schemas.microsoft.com/office/mac/drawingml/2011/main" val="1"/>
             </a:ext>
           </a:extLst>
         </p:spPr>
@@ -4580,7 +4580,7 @@
           </a:ln>
           <a:extLst>
             <a:ext uri="{FAA26D3D-D897-4be2-8F04-BA451C77F1D7}">
-              <ma14:placeholderFlag xmlns:ma14="http://schemas.microsoft.com/office/mac/drawingml/2011/main" xmlns="" val="1"/>
+              <ma14:placeholderFlag xmlns="" xmlns:ma14="http://schemas.microsoft.com/office/mac/drawingml/2011/main" val="1"/>
             </a:ext>
           </a:extLst>
         </p:spPr>
@@ -4953,7 +4953,7 @@
               </a14:hiddenLine>
             </a:ext>
             <a:ext uri="{FAA26D3D-D897-4be2-8F04-BA451C77F1D7}">
-              <ma14:placeholderFlag xmlns:ma14="http://schemas.microsoft.com/office/mac/drawingml/2011/main" xmlns="" val="1"/>
+              <ma14:placeholderFlag xmlns="" xmlns:ma14="http://schemas.microsoft.com/office/mac/drawingml/2011/main" val="1"/>
             </a:ext>
           </a:extLst>
         </p:spPr>
@@ -5533,7 +5533,7 @@
           </a:ln>
           <a:extLst>
             <a:ext uri="{FAA26D3D-D897-4be2-8F04-BA451C77F1D7}">
-              <ma14:placeholderFlag xmlns:ma14="http://schemas.microsoft.com/office/mac/drawingml/2011/main" xmlns="" val="1"/>
+              <ma14:placeholderFlag xmlns="" xmlns:ma14="http://schemas.microsoft.com/office/mac/drawingml/2011/main" val="1"/>
             </a:ext>
           </a:extLst>
         </p:spPr>
@@ -5840,7 +5840,7 @@
           </a:ln>
           <a:extLst>
             <a:ext uri="{FAA26D3D-D897-4be2-8F04-BA451C77F1D7}">
-              <ma14:placeholderFlag xmlns:ma14="http://schemas.microsoft.com/office/mac/drawingml/2011/main" xmlns="" val="1"/>
+              <ma14:placeholderFlag xmlns="" xmlns:ma14="http://schemas.microsoft.com/office/mac/drawingml/2011/main" val="1"/>
             </a:ext>
           </a:extLst>
         </p:spPr>
@@ -6111,7 +6111,7 @@
           </a:ln>
           <a:extLst>
             <a:ext uri="{FAA26D3D-D897-4be2-8F04-BA451C77F1D7}">
-              <ma14:placeholderFlag xmlns:ma14="http://schemas.microsoft.com/office/mac/drawingml/2011/main" xmlns="" val="1"/>
+              <ma14:placeholderFlag xmlns="" xmlns:ma14="http://schemas.microsoft.com/office/mac/drawingml/2011/main" val="1"/>
             </a:ext>
           </a:extLst>
         </p:spPr>
@@ -6354,7 +6354,7 @@
               </a14:hiddenLine>
             </a:ext>
             <a:ext uri="{FAA26D3D-D897-4be2-8F04-BA451C77F1D7}">
-              <ma14:placeholderFlag xmlns:ma14="http://schemas.microsoft.com/office/mac/drawingml/2011/main" xmlns="" val="1"/>
+              <ma14:placeholderFlag xmlns="" xmlns:ma14="http://schemas.microsoft.com/office/mac/drawingml/2011/main" val="1"/>
             </a:ext>
           </a:extLst>
         </p:spPr>
@@ -6633,7 +6633,7 @@
               </a14:hiddenLine>
             </a:ext>
             <a:ext uri="{FAA26D3D-D897-4be2-8F04-BA451C77F1D7}">
-              <ma14:placeholderFlag xmlns:ma14="http://schemas.microsoft.com/office/mac/drawingml/2011/main" xmlns="" val="1"/>
+              <ma14:placeholderFlag xmlns="" xmlns:ma14="http://schemas.microsoft.com/office/mac/drawingml/2011/main" val="1"/>
             </a:ext>
           </a:extLst>
         </p:spPr>
@@ -6906,7 +6906,7 @@
               </a14:hiddenLine>
             </a:ext>
             <a:ext uri="{FAA26D3D-D897-4be2-8F04-BA451C77F1D7}">
-              <ma14:placeholderFlag xmlns:ma14="http://schemas.microsoft.com/office/mac/drawingml/2011/main" xmlns="" val="1"/>
+              <ma14:placeholderFlag xmlns="" xmlns:ma14="http://schemas.microsoft.com/office/mac/drawingml/2011/main" val="1"/>
             </a:ext>
           </a:extLst>
         </p:spPr>
@@ -13062,7 +13062,7 @@
               </a14:hiddenLine>
             </a:ext>
             <a:ext uri="{FAA26D3D-D897-4be2-8F04-BA451C77F1D7}">
-              <ma14:placeholderFlag xmlns:ma14="http://schemas.microsoft.com/office/mac/drawingml/2011/main" xmlns="" val="1"/>
+              <ma14:placeholderFlag xmlns="" xmlns:ma14="http://schemas.microsoft.com/office/mac/drawingml/2011/main" val="1"/>
             </a:ext>
           </a:extLst>
         </p:spPr>
@@ -15542,37 +15542,7 @@
         </p:blipFill>
         <p:spPr>
           <a:xfrm>
-            <a:off x="0" y="647429"/>
-            <a:ext cx="9144000" cy="2113497"/>
-          </a:xfrm>
-          <a:prstGeom prst="rect">
-            <a:avLst/>
-          </a:prstGeom>
-        </p:spPr>
-      </p:pic>
-      <p:pic>
-        <p:nvPicPr>
-          <p:cNvPr id="5" name="Picture 4">
-            <a:extLst>
-              <a:ext uri="{FF2B5EF4-FFF2-40B4-BE49-F238E27FC236}">
-                <a16:creationId xmlns:a16="http://schemas.microsoft.com/office/drawing/2014/main" id="{05589155-653F-49D0-9EAC-2A84A9D1808F}"/>
-              </a:ext>
-            </a:extLst>
-          </p:cNvPr>
-          <p:cNvPicPr>
-            <a:picLocks noChangeAspect="1"/>
-          </p:cNvPicPr>
-          <p:nvPr/>
-        </p:nvPicPr>
-        <p:blipFill>
-          <a:blip r:embed="rId3"/>
-          <a:stretch>
-            <a:fillRect/>
-          </a:stretch>
-        </p:blipFill>
-        <p:spPr>
-          <a:xfrm>
-            <a:off x="0" y="2826804"/>
+            <a:off x="0" y="1515001"/>
             <a:ext cx="9144000" cy="2113497"/>
           </a:xfrm>
           <a:prstGeom prst="rect">
@@ -15596,8 +15566,8 @@
         </p:nvSpPr>
         <p:spPr>
           <a:xfrm>
-            <a:off x="76201" y="0"/>
-            <a:ext cx="3807882" cy="581551"/>
+            <a:off x="76563" y="58092"/>
+            <a:ext cx="4103913" cy="979714"/>
           </a:xfrm>
           <a:prstGeom prst="rect">
             <a:avLst/>
@@ -15634,7 +15604,1650 @@
             </a:pPr>
             <a:r>
               <a:rPr lang="en-US" dirty="0"/>
-              <a:t>I2C Slave - aah</a:t>
+              <a:t>I2C Slave </a:t>
+            </a:r>
+          </a:p>
+          <a:p>
+            <a:pPr fontAlgn="auto">
+              <a:spcAft>
+                <a:spcPts val="0"/>
+              </a:spcAft>
+            </a:pPr>
+            <a:r>
+              <a:rPr lang="en-US" sz="2500" dirty="0"/>
+              <a:t>Data = aah</a:t>
+            </a:r>
+          </a:p>
+        </p:txBody>
+      </p:sp>
+      <p:sp>
+        <p:nvSpPr>
+          <p:cNvPr id="2" name="Rectangle 1">
+            <a:extLst>
+              <a:ext uri="{FF2B5EF4-FFF2-40B4-BE49-F238E27FC236}">
+                <a16:creationId xmlns:a16="http://schemas.microsoft.com/office/drawing/2014/main" id="{5E567C8D-F4D8-49BC-AE63-3F5E75B8237A}"/>
+              </a:ext>
+            </a:extLst>
+          </p:cNvPr>
+          <p:cNvSpPr/>
+          <p:nvPr/>
+        </p:nvSpPr>
+        <p:spPr>
+          <a:xfrm>
+            <a:off x="2128520" y="2229012"/>
+            <a:ext cx="370840" cy="1529080"/>
+          </a:xfrm>
+          <a:prstGeom prst="rect">
+            <a:avLst/>
+          </a:prstGeom>
+          <a:noFill/>
+          <a:ln w="28575">
+            <a:solidFill>
+              <a:schemeClr val="accent4"/>
+            </a:solidFill>
+          </a:ln>
+        </p:spPr>
+        <p:style>
+          <a:lnRef idx="2">
+            <a:schemeClr val="accent1">
+              <a:shade val="50000"/>
+            </a:schemeClr>
+          </a:lnRef>
+          <a:fillRef idx="1">
+            <a:schemeClr val="accent1"/>
+          </a:fillRef>
+          <a:effectRef idx="0">
+            <a:schemeClr val="accent1"/>
+          </a:effectRef>
+          <a:fontRef idx="minor">
+            <a:schemeClr val="lt1"/>
+          </a:fontRef>
+        </p:style>
+        <p:txBody>
+          <a:bodyPr rtlCol="0" anchor="ctr"/>
+          <a:lstStyle/>
+          <a:p>
+            <a:pPr algn="ctr"/>
+            <a:endParaRPr lang="en-US"/>
+          </a:p>
+        </p:txBody>
+      </p:sp>
+      <p:sp>
+        <p:nvSpPr>
+          <p:cNvPr id="7" name="Rectangle 6">
+            <a:extLst>
+              <a:ext uri="{FF2B5EF4-FFF2-40B4-BE49-F238E27FC236}">
+                <a16:creationId xmlns:a16="http://schemas.microsoft.com/office/drawing/2014/main" id="{BECBB9CE-487A-489A-AEF7-6344FB3DAB1D}"/>
+              </a:ext>
+            </a:extLst>
+          </p:cNvPr>
+          <p:cNvSpPr/>
+          <p:nvPr/>
+        </p:nvSpPr>
+        <p:spPr>
+          <a:xfrm>
+            <a:off x="3020483" y="2472852"/>
+            <a:ext cx="296758" cy="208280"/>
+          </a:xfrm>
+          <a:prstGeom prst="rect">
+            <a:avLst/>
+          </a:prstGeom>
+          <a:noFill/>
+          <a:ln w="28575">
+            <a:noFill/>
+          </a:ln>
+        </p:spPr>
+        <p:style>
+          <a:lnRef idx="2">
+            <a:schemeClr val="accent1">
+              <a:shade val="50000"/>
+            </a:schemeClr>
+          </a:lnRef>
+          <a:fillRef idx="1">
+            <a:schemeClr val="accent1"/>
+          </a:fillRef>
+          <a:effectRef idx="0">
+            <a:schemeClr val="accent1"/>
+          </a:effectRef>
+          <a:fontRef idx="minor">
+            <a:schemeClr val="lt1"/>
+          </a:fontRef>
+        </p:style>
+        <p:txBody>
+          <a:bodyPr rtlCol="0" anchor="ctr"/>
+          <a:lstStyle/>
+          <a:p>
+            <a:pPr algn="ctr"/>
+            <a:r>
+              <a:rPr lang="en-US" sz="1050" b="1" dirty="0">
+                <a:solidFill>
+                  <a:srgbClr val="FF0000"/>
+                </a:solidFill>
+              </a:rPr>
+              <a:t>0</a:t>
+            </a:r>
+          </a:p>
+        </p:txBody>
+      </p:sp>
+      <p:sp>
+        <p:nvSpPr>
+          <p:cNvPr id="8" name="Rectangle 7">
+            <a:extLst>
+              <a:ext uri="{FF2B5EF4-FFF2-40B4-BE49-F238E27FC236}">
+                <a16:creationId xmlns:a16="http://schemas.microsoft.com/office/drawing/2014/main" id="{1B7C52EA-47EB-443C-9C95-B697807874D0}"/>
+              </a:ext>
+            </a:extLst>
+          </p:cNvPr>
+          <p:cNvSpPr/>
+          <p:nvPr/>
+        </p:nvSpPr>
+        <p:spPr>
+          <a:xfrm>
+            <a:off x="3950123" y="2472852"/>
+            <a:ext cx="296758" cy="208280"/>
+          </a:xfrm>
+          <a:prstGeom prst="rect">
+            <a:avLst/>
+          </a:prstGeom>
+          <a:noFill/>
+          <a:ln w="28575">
+            <a:noFill/>
+          </a:ln>
+        </p:spPr>
+        <p:style>
+          <a:lnRef idx="2">
+            <a:schemeClr val="accent1">
+              <a:shade val="50000"/>
+            </a:schemeClr>
+          </a:lnRef>
+          <a:fillRef idx="1">
+            <a:schemeClr val="accent1"/>
+          </a:fillRef>
+          <a:effectRef idx="0">
+            <a:schemeClr val="accent1"/>
+          </a:effectRef>
+          <a:fontRef idx="minor">
+            <a:schemeClr val="lt1"/>
+          </a:fontRef>
+        </p:style>
+        <p:txBody>
+          <a:bodyPr rtlCol="0" anchor="ctr"/>
+          <a:lstStyle/>
+          <a:p>
+            <a:pPr algn="ctr"/>
+            <a:r>
+              <a:rPr lang="en-US" sz="1050" b="1" dirty="0">
+                <a:solidFill>
+                  <a:srgbClr val="FF0000"/>
+                </a:solidFill>
+              </a:rPr>
+              <a:t>0</a:t>
+            </a:r>
+          </a:p>
+        </p:txBody>
+      </p:sp>
+      <p:sp>
+        <p:nvSpPr>
+          <p:cNvPr id="9" name="Rectangle 8">
+            <a:extLst>
+              <a:ext uri="{FF2B5EF4-FFF2-40B4-BE49-F238E27FC236}">
+                <a16:creationId xmlns:a16="http://schemas.microsoft.com/office/drawing/2014/main" id="{AE18A0D2-DF19-496C-94C9-BD208DE526C6}"/>
+              </a:ext>
+            </a:extLst>
+          </p:cNvPr>
+          <p:cNvSpPr/>
+          <p:nvPr/>
+        </p:nvSpPr>
+        <p:spPr>
+          <a:xfrm>
+            <a:off x="4927602" y="2467609"/>
+            <a:ext cx="296758" cy="208280"/>
+          </a:xfrm>
+          <a:prstGeom prst="rect">
+            <a:avLst/>
+          </a:prstGeom>
+          <a:noFill/>
+          <a:ln w="28575">
+            <a:noFill/>
+          </a:ln>
+        </p:spPr>
+        <p:style>
+          <a:lnRef idx="2">
+            <a:schemeClr val="accent1">
+              <a:shade val="50000"/>
+            </a:schemeClr>
+          </a:lnRef>
+          <a:fillRef idx="1">
+            <a:schemeClr val="accent1"/>
+          </a:fillRef>
+          <a:effectRef idx="0">
+            <a:schemeClr val="accent1"/>
+          </a:effectRef>
+          <a:fontRef idx="minor">
+            <a:schemeClr val="lt1"/>
+          </a:fontRef>
+        </p:style>
+        <p:txBody>
+          <a:bodyPr rtlCol="0" anchor="ctr"/>
+          <a:lstStyle/>
+          <a:p>
+            <a:pPr algn="ctr"/>
+            <a:r>
+              <a:rPr lang="en-US" sz="1050" b="1" dirty="0">
+                <a:solidFill>
+                  <a:srgbClr val="FF0000"/>
+                </a:solidFill>
+              </a:rPr>
+              <a:t>0</a:t>
+            </a:r>
+          </a:p>
+        </p:txBody>
+      </p:sp>
+      <p:sp>
+        <p:nvSpPr>
+          <p:cNvPr id="10" name="Rectangle 9">
+            <a:extLst>
+              <a:ext uri="{FF2B5EF4-FFF2-40B4-BE49-F238E27FC236}">
+                <a16:creationId xmlns:a16="http://schemas.microsoft.com/office/drawing/2014/main" id="{5C233964-09ED-48E0-89BA-1AA9D4BA8171}"/>
+              </a:ext>
+            </a:extLst>
+          </p:cNvPr>
+          <p:cNvSpPr/>
+          <p:nvPr/>
+        </p:nvSpPr>
+        <p:spPr>
+          <a:xfrm>
+            <a:off x="5857242" y="2467609"/>
+            <a:ext cx="296758" cy="208280"/>
+          </a:xfrm>
+          <a:prstGeom prst="rect">
+            <a:avLst/>
+          </a:prstGeom>
+          <a:noFill/>
+          <a:ln w="28575">
+            <a:noFill/>
+          </a:ln>
+        </p:spPr>
+        <p:style>
+          <a:lnRef idx="2">
+            <a:schemeClr val="accent1">
+              <a:shade val="50000"/>
+            </a:schemeClr>
+          </a:lnRef>
+          <a:fillRef idx="1">
+            <a:schemeClr val="accent1"/>
+          </a:fillRef>
+          <a:effectRef idx="0">
+            <a:schemeClr val="accent1"/>
+          </a:effectRef>
+          <a:fontRef idx="minor">
+            <a:schemeClr val="lt1"/>
+          </a:fontRef>
+        </p:style>
+        <p:txBody>
+          <a:bodyPr rtlCol="0" anchor="ctr"/>
+          <a:lstStyle/>
+          <a:p>
+            <a:pPr algn="ctr"/>
+            <a:r>
+              <a:rPr lang="en-US" sz="1050" b="1" dirty="0">
+                <a:solidFill>
+                  <a:srgbClr val="FF0000"/>
+                </a:solidFill>
+              </a:rPr>
+              <a:t>0</a:t>
+            </a:r>
+          </a:p>
+        </p:txBody>
+      </p:sp>
+      <p:sp>
+        <p:nvSpPr>
+          <p:cNvPr id="11" name="Rectangle 10">
+            <a:extLst>
+              <a:ext uri="{FF2B5EF4-FFF2-40B4-BE49-F238E27FC236}">
+                <a16:creationId xmlns:a16="http://schemas.microsoft.com/office/drawing/2014/main" id="{F5BB27D4-AD73-4169-8561-C7A569B8B7D2}"/>
+              </a:ext>
+            </a:extLst>
+          </p:cNvPr>
+          <p:cNvSpPr/>
+          <p:nvPr/>
+        </p:nvSpPr>
+        <p:spPr>
+          <a:xfrm>
+            <a:off x="6834721" y="2467609"/>
+            <a:ext cx="296758" cy="208280"/>
+          </a:xfrm>
+          <a:prstGeom prst="rect">
+            <a:avLst/>
+          </a:prstGeom>
+          <a:noFill/>
+          <a:ln w="28575">
+            <a:noFill/>
+          </a:ln>
+        </p:spPr>
+        <p:style>
+          <a:lnRef idx="2">
+            <a:schemeClr val="accent1">
+              <a:shade val="50000"/>
+            </a:schemeClr>
+          </a:lnRef>
+          <a:fillRef idx="1">
+            <a:schemeClr val="accent1"/>
+          </a:fillRef>
+          <a:effectRef idx="0">
+            <a:schemeClr val="accent1"/>
+          </a:effectRef>
+          <a:fontRef idx="minor">
+            <a:schemeClr val="lt1"/>
+          </a:fontRef>
+        </p:style>
+        <p:txBody>
+          <a:bodyPr rtlCol="0" anchor="ctr"/>
+          <a:lstStyle/>
+          <a:p>
+            <a:pPr algn="ctr"/>
+            <a:r>
+              <a:rPr lang="en-US" sz="1050" b="1" dirty="0">
+                <a:solidFill>
+                  <a:srgbClr val="FF0000"/>
+                </a:solidFill>
+              </a:rPr>
+              <a:t>0</a:t>
+            </a:r>
+          </a:p>
+        </p:txBody>
+      </p:sp>
+      <p:sp>
+        <p:nvSpPr>
+          <p:cNvPr id="12" name="Rectangle 11">
+            <a:extLst>
+              <a:ext uri="{FF2B5EF4-FFF2-40B4-BE49-F238E27FC236}">
+                <a16:creationId xmlns:a16="http://schemas.microsoft.com/office/drawing/2014/main" id="{24A38A2C-3127-4078-A0CD-0438125BC665}"/>
+              </a:ext>
+            </a:extLst>
+          </p:cNvPr>
+          <p:cNvSpPr/>
+          <p:nvPr/>
+        </p:nvSpPr>
+        <p:spPr>
+          <a:xfrm>
+            <a:off x="7302081" y="2467609"/>
+            <a:ext cx="296758" cy="208280"/>
+          </a:xfrm>
+          <a:prstGeom prst="rect">
+            <a:avLst/>
+          </a:prstGeom>
+          <a:noFill/>
+          <a:ln w="28575">
+            <a:noFill/>
+          </a:ln>
+        </p:spPr>
+        <p:style>
+          <a:lnRef idx="2">
+            <a:schemeClr val="accent1">
+              <a:shade val="50000"/>
+            </a:schemeClr>
+          </a:lnRef>
+          <a:fillRef idx="1">
+            <a:schemeClr val="accent1"/>
+          </a:fillRef>
+          <a:effectRef idx="0">
+            <a:schemeClr val="accent1"/>
+          </a:effectRef>
+          <a:fontRef idx="minor">
+            <a:schemeClr val="lt1"/>
+          </a:fontRef>
+        </p:style>
+        <p:txBody>
+          <a:bodyPr rtlCol="0" anchor="ctr"/>
+          <a:lstStyle/>
+          <a:p>
+            <a:pPr algn="ctr"/>
+            <a:r>
+              <a:rPr lang="en-US" sz="1050" b="1" dirty="0">
+                <a:solidFill>
+                  <a:srgbClr val="FF0000"/>
+                </a:solidFill>
+              </a:rPr>
+              <a:t>0</a:t>
+            </a:r>
+          </a:p>
+        </p:txBody>
+      </p:sp>
+      <p:sp>
+        <p:nvSpPr>
+          <p:cNvPr id="13" name="Rectangle 12">
+            <a:extLst>
+              <a:ext uri="{FF2B5EF4-FFF2-40B4-BE49-F238E27FC236}">
+                <a16:creationId xmlns:a16="http://schemas.microsoft.com/office/drawing/2014/main" id="{18B3D0B8-4264-46A0-B5DF-94BEFC63EA83}"/>
+              </a:ext>
+            </a:extLst>
+          </p:cNvPr>
+          <p:cNvSpPr/>
+          <p:nvPr/>
+        </p:nvSpPr>
+        <p:spPr>
+          <a:xfrm>
+            <a:off x="3482763" y="2467609"/>
+            <a:ext cx="296758" cy="208280"/>
+          </a:xfrm>
+          <a:prstGeom prst="rect">
+            <a:avLst/>
+          </a:prstGeom>
+          <a:noFill/>
+          <a:ln w="28575">
+            <a:noFill/>
+          </a:ln>
+        </p:spPr>
+        <p:style>
+          <a:lnRef idx="2">
+            <a:schemeClr val="accent1">
+              <a:shade val="50000"/>
+            </a:schemeClr>
+          </a:lnRef>
+          <a:fillRef idx="1">
+            <a:schemeClr val="accent1"/>
+          </a:fillRef>
+          <a:effectRef idx="0">
+            <a:schemeClr val="accent1"/>
+          </a:effectRef>
+          <a:fontRef idx="minor">
+            <a:schemeClr val="lt1"/>
+          </a:fontRef>
+        </p:style>
+        <p:txBody>
+          <a:bodyPr rtlCol="0" anchor="ctr"/>
+          <a:lstStyle/>
+          <a:p>
+            <a:pPr algn="ctr"/>
+            <a:r>
+              <a:rPr lang="en-US" sz="1050" b="1" dirty="0">
+                <a:solidFill>
+                  <a:srgbClr val="FF0000"/>
+                </a:solidFill>
+              </a:rPr>
+              <a:t>1</a:t>
+            </a:r>
+          </a:p>
+        </p:txBody>
+      </p:sp>
+      <p:sp>
+        <p:nvSpPr>
+          <p:cNvPr id="14" name="Rectangle 13">
+            <a:extLst>
+              <a:ext uri="{FF2B5EF4-FFF2-40B4-BE49-F238E27FC236}">
+                <a16:creationId xmlns:a16="http://schemas.microsoft.com/office/drawing/2014/main" id="{D9D4B682-77AF-40EB-A583-091C62115B06}"/>
+              </a:ext>
+            </a:extLst>
+          </p:cNvPr>
+          <p:cNvSpPr/>
+          <p:nvPr/>
+        </p:nvSpPr>
+        <p:spPr>
+          <a:xfrm>
+            <a:off x="4436322" y="2467609"/>
+            <a:ext cx="296758" cy="208280"/>
+          </a:xfrm>
+          <a:prstGeom prst="rect">
+            <a:avLst/>
+          </a:prstGeom>
+          <a:noFill/>
+          <a:ln w="28575">
+            <a:noFill/>
+          </a:ln>
+        </p:spPr>
+        <p:style>
+          <a:lnRef idx="2">
+            <a:schemeClr val="accent1">
+              <a:shade val="50000"/>
+            </a:schemeClr>
+          </a:lnRef>
+          <a:fillRef idx="1">
+            <a:schemeClr val="accent1"/>
+          </a:fillRef>
+          <a:effectRef idx="0">
+            <a:schemeClr val="accent1"/>
+          </a:effectRef>
+          <a:fontRef idx="minor">
+            <a:schemeClr val="lt1"/>
+          </a:fontRef>
+        </p:style>
+        <p:txBody>
+          <a:bodyPr rtlCol="0" anchor="ctr"/>
+          <a:lstStyle/>
+          <a:p>
+            <a:pPr algn="ctr"/>
+            <a:r>
+              <a:rPr lang="en-US" sz="1050" b="1" dirty="0">
+                <a:solidFill>
+                  <a:srgbClr val="FF0000"/>
+                </a:solidFill>
+              </a:rPr>
+              <a:t>1</a:t>
+            </a:r>
+          </a:p>
+        </p:txBody>
+      </p:sp>
+      <p:sp>
+        <p:nvSpPr>
+          <p:cNvPr id="15" name="Rectangle 14">
+            <a:extLst>
+              <a:ext uri="{FF2B5EF4-FFF2-40B4-BE49-F238E27FC236}">
+                <a16:creationId xmlns:a16="http://schemas.microsoft.com/office/drawing/2014/main" id="{0032F965-D839-488E-BBCD-1F70F114EE52}"/>
+              </a:ext>
+            </a:extLst>
+          </p:cNvPr>
+          <p:cNvSpPr/>
+          <p:nvPr/>
+        </p:nvSpPr>
+        <p:spPr>
+          <a:xfrm>
+            <a:off x="5384803" y="2467609"/>
+            <a:ext cx="296758" cy="208280"/>
+          </a:xfrm>
+          <a:prstGeom prst="rect">
+            <a:avLst/>
+          </a:prstGeom>
+          <a:noFill/>
+          <a:ln w="28575">
+            <a:noFill/>
+          </a:ln>
+        </p:spPr>
+        <p:style>
+          <a:lnRef idx="2">
+            <a:schemeClr val="accent1">
+              <a:shade val="50000"/>
+            </a:schemeClr>
+          </a:lnRef>
+          <a:fillRef idx="1">
+            <a:schemeClr val="accent1"/>
+          </a:fillRef>
+          <a:effectRef idx="0">
+            <a:schemeClr val="accent1"/>
+          </a:effectRef>
+          <a:fontRef idx="minor">
+            <a:schemeClr val="lt1"/>
+          </a:fontRef>
+        </p:style>
+        <p:txBody>
+          <a:bodyPr rtlCol="0" anchor="ctr"/>
+          <a:lstStyle/>
+          <a:p>
+            <a:pPr algn="ctr"/>
+            <a:r>
+              <a:rPr lang="en-US" sz="1050" b="1" dirty="0">
+                <a:solidFill>
+                  <a:srgbClr val="FF0000"/>
+                </a:solidFill>
+              </a:rPr>
+              <a:t>1</a:t>
+            </a:r>
+          </a:p>
+        </p:txBody>
+      </p:sp>
+      <p:sp>
+        <p:nvSpPr>
+          <p:cNvPr id="16" name="Rectangle 15">
+            <a:extLst>
+              <a:ext uri="{FF2B5EF4-FFF2-40B4-BE49-F238E27FC236}">
+                <a16:creationId xmlns:a16="http://schemas.microsoft.com/office/drawing/2014/main" id="{D6D92E70-C8D3-44B1-9448-425F20F27878}"/>
+              </a:ext>
+            </a:extLst>
+          </p:cNvPr>
+          <p:cNvSpPr/>
+          <p:nvPr/>
+        </p:nvSpPr>
+        <p:spPr>
+          <a:xfrm>
+            <a:off x="6324602" y="2467609"/>
+            <a:ext cx="296758" cy="208280"/>
+          </a:xfrm>
+          <a:prstGeom prst="rect">
+            <a:avLst/>
+          </a:prstGeom>
+          <a:noFill/>
+          <a:ln w="28575">
+            <a:noFill/>
+          </a:ln>
+        </p:spPr>
+        <p:style>
+          <a:lnRef idx="2">
+            <a:schemeClr val="accent1">
+              <a:shade val="50000"/>
+            </a:schemeClr>
+          </a:lnRef>
+          <a:fillRef idx="1">
+            <a:schemeClr val="accent1"/>
+          </a:fillRef>
+          <a:effectRef idx="0">
+            <a:schemeClr val="accent1"/>
+          </a:effectRef>
+          <a:fontRef idx="minor">
+            <a:schemeClr val="lt1"/>
+          </a:fontRef>
+        </p:style>
+        <p:txBody>
+          <a:bodyPr rtlCol="0" anchor="ctr"/>
+          <a:lstStyle/>
+          <a:p>
+            <a:pPr algn="ctr"/>
+            <a:r>
+              <a:rPr lang="en-US" sz="1050" b="1" dirty="0">
+                <a:solidFill>
+                  <a:srgbClr val="FF0000"/>
+                </a:solidFill>
+              </a:rPr>
+              <a:t>1</a:t>
+            </a:r>
+          </a:p>
+        </p:txBody>
+      </p:sp>
+      <p:sp>
+        <p:nvSpPr>
+          <p:cNvPr id="17" name="Rectangle 16">
+            <a:extLst>
+              <a:ext uri="{FF2B5EF4-FFF2-40B4-BE49-F238E27FC236}">
+                <a16:creationId xmlns:a16="http://schemas.microsoft.com/office/drawing/2014/main" id="{C7731AA9-8CFD-43F4-B775-CC00EE0E277D}"/>
+              </a:ext>
+            </a:extLst>
+          </p:cNvPr>
+          <p:cNvSpPr/>
+          <p:nvPr/>
+        </p:nvSpPr>
+        <p:spPr>
+          <a:xfrm>
+            <a:off x="7926282" y="2467609"/>
+            <a:ext cx="296758" cy="208280"/>
+          </a:xfrm>
+          <a:prstGeom prst="rect">
+            <a:avLst/>
+          </a:prstGeom>
+          <a:noFill/>
+          <a:ln w="28575">
+            <a:noFill/>
+          </a:ln>
+        </p:spPr>
+        <p:style>
+          <a:lnRef idx="2">
+            <a:schemeClr val="accent1">
+              <a:shade val="50000"/>
+            </a:schemeClr>
+          </a:lnRef>
+          <a:fillRef idx="1">
+            <a:schemeClr val="accent1"/>
+          </a:fillRef>
+          <a:effectRef idx="0">
+            <a:schemeClr val="accent1"/>
+          </a:effectRef>
+          <a:fontRef idx="minor">
+            <a:schemeClr val="lt1"/>
+          </a:fontRef>
+        </p:style>
+        <p:txBody>
+          <a:bodyPr rtlCol="0" anchor="ctr"/>
+          <a:lstStyle/>
+          <a:p>
+            <a:pPr algn="ctr"/>
+            <a:r>
+              <a:rPr lang="en-US" sz="1050" b="1" dirty="0">
+                <a:solidFill>
+                  <a:srgbClr val="FF0000"/>
+                </a:solidFill>
+              </a:rPr>
+              <a:t>1</a:t>
+            </a:r>
+          </a:p>
+        </p:txBody>
+      </p:sp>
+      <p:sp>
+        <p:nvSpPr>
+          <p:cNvPr id="18" name="Rectangle 17">
+            <a:extLst>
+              <a:ext uri="{FF2B5EF4-FFF2-40B4-BE49-F238E27FC236}">
+                <a16:creationId xmlns:a16="http://schemas.microsoft.com/office/drawing/2014/main" id="{14565FBD-C61A-48C4-92FA-E210007D9EAF}"/>
+              </a:ext>
+            </a:extLst>
+          </p:cNvPr>
+          <p:cNvSpPr/>
+          <p:nvPr/>
+        </p:nvSpPr>
+        <p:spPr>
+          <a:xfrm>
+            <a:off x="3482763" y="2229012"/>
+            <a:ext cx="296758" cy="208280"/>
+          </a:xfrm>
+          <a:prstGeom prst="rect">
+            <a:avLst/>
+          </a:prstGeom>
+          <a:noFill/>
+          <a:ln w="28575">
+            <a:noFill/>
+          </a:ln>
+        </p:spPr>
+        <p:style>
+          <a:lnRef idx="2">
+            <a:schemeClr val="accent1">
+              <a:shade val="50000"/>
+            </a:schemeClr>
+          </a:lnRef>
+          <a:fillRef idx="1">
+            <a:schemeClr val="accent1"/>
+          </a:fillRef>
+          <a:effectRef idx="0">
+            <a:schemeClr val="accent1"/>
+          </a:effectRef>
+          <a:fontRef idx="minor">
+            <a:schemeClr val="lt1"/>
+          </a:fontRef>
+        </p:style>
+        <p:txBody>
+          <a:bodyPr rtlCol="0" anchor="ctr"/>
+          <a:lstStyle/>
+          <a:p>
+            <a:pPr algn="ctr"/>
+            <a:r>
+              <a:rPr lang="en-US" sz="1050" b="1" dirty="0">
+                <a:solidFill>
+                  <a:srgbClr val="FF0000"/>
+                </a:solidFill>
+              </a:rPr>
+              <a:t>1</a:t>
+            </a:r>
+          </a:p>
+        </p:txBody>
+      </p:sp>
+      <p:sp>
+        <p:nvSpPr>
+          <p:cNvPr id="19" name="Rectangle 18">
+            <a:extLst>
+              <a:ext uri="{FF2B5EF4-FFF2-40B4-BE49-F238E27FC236}">
+                <a16:creationId xmlns:a16="http://schemas.microsoft.com/office/drawing/2014/main" id="{BA9450DF-CF38-4A3F-AA91-9F49F91D7F47}"/>
+              </a:ext>
+            </a:extLst>
+          </p:cNvPr>
+          <p:cNvSpPr/>
+          <p:nvPr/>
+        </p:nvSpPr>
+        <p:spPr>
+          <a:xfrm>
+            <a:off x="3966844" y="2229012"/>
+            <a:ext cx="296758" cy="208280"/>
+          </a:xfrm>
+          <a:prstGeom prst="rect">
+            <a:avLst/>
+          </a:prstGeom>
+          <a:noFill/>
+          <a:ln w="28575">
+            <a:noFill/>
+          </a:ln>
+        </p:spPr>
+        <p:style>
+          <a:lnRef idx="2">
+            <a:schemeClr val="accent1">
+              <a:shade val="50000"/>
+            </a:schemeClr>
+          </a:lnRef>
+          <a:fillRef idx="1">
+            <a:schemeClr val="accent1"/>
+          </a:fillRef>
+          <a:effectRef idx="0">
+            <a:schemeClr val="accent1"/>
+          </a:effectRef>
+          <a:fontRef idx="minor">
+            <a:schemeClr val="lt1"/>
+          </a:fontRef>
+        </p:style>
+        <p:txBody>
+          <a:bodyPr rtlCol="0" anchor="ctr"/>
+          <a:lstStyle/>
+          <a:p>
+            <a:pPr algn="ctr"/>
+            <a:r>
+              <a:rPr lang="en-US" sz="1050" b="1" dirty="0">
+                <a:solidFill>
+                  <a:srgbClr val="FF0000"/>
+                </a:solidFill>
+              </a:rPr>
+              <a:t>2</a:t>
+            </a:r>
+          </a:p>
+        </p:txBody>
+      </p:sp>
+      <p:sp>
+        <p:nvSpPr>
+          <p:cNvPr id="20" name="Rectangle 19">
+            <a:extLst>
+              <a:ext uri="{FF2B5EF4-FFF2-40B4-BE49-F238E27FC236}">
+                <a16:creationId xmlns:a16="http://schemas.microsoft.com/office/drawing/2014/main" id="{D72B2784-078C-43D5-95E0-A3EE48DE0DB3}"/>
+              </a:ext>
+            </a:extLst>
+          </p:cNvPr>
+          <p:cNvSpPr/>
+          <p:nvPr/>
+        </p:nvSpPr>
+        <p:spPr>
+          <a:xfrm>
+            <a:off x="4423621" y="2226390"/>
+            <a:ext cx="296758" cy="208280"/>
+          </a:xfrm>
+          <a:prstGeom prst="rect">
+            <a:avLst/>
+          </a:prstGeom>
+          <a:noFill/>
+          <a:ln w="28575">
+            <a:noFill/>
+          </a:ln>
+        </p:spPr>
+        <p:style>
+          <a:lnRef idx="2">
+            <a:schemeClr val="accent1">
+              <a:shade val="50000"/>
+            </a:schemeClr>
+          </a:lnRef>
+          <a:fillRef idx="1">
+            <a:schemeClr val="accent1"/>
+          </a:fillRef>
+          <a:effectRef idx="0">
+            <a:schemeClr val="accent1"/>
+          </a:effectRef>
+          <a:fontRef idx="minor">
+            <a:schemeClr val="lt1"/>
+          </a:fontRef>
+        </p:style>
+        <p:txBody>
+          <a:bodyPr rtlCol="0" anchor="ctr"/>
+          <a:lstStyle/>
+          <a:p>
+            <a:pPr algn="ctr"/>
+            <a:r>
+              <a:rPr lang="en-US" sz="1050" b="1" dirty="0">
+                <a:solidFill>
+                  <a:srgbClr val="FF0000"/>
+                </a:solidFill>
+              </a:rPr>
+              <a:t>3</a:t>
+            </a:r>
+          </a:p>
+        </p:txBody>
+      </p:sp>
+      <p:sp>
+        <p:nvSpPr>
+          <p:cNvPr id="21" name="Rectangle 20">
+            <a:extLst>
+              <a:ext uri="{FF2B5EF4-FFF2-40B4-BE49-F238E27FC236}">
+                <a16:creationId xmlns:a16="http://schemas.microsoft.com/office/drawing/2014/main" id="{1D5C51E2-102F-4B81-AE5E-A18BC663A3FF}"/>
+              </a:ext>
+            </a:extLst>
+          </p:cNvPr>
+          <p:cNvSpPr/>
+          <p:nvPr/>
+        </p:nvSpPr>
+        <p:spPr>
+          <a:xfrm>
+            <a:off x="4896802" y="2226390"/>
+            <a:ext cx="296758" cy="208280"/>
+          </a:xfrm>
+          <a:prstGeom prst="rect">
+            <a:avLst/>
+          </a:prstGeom>
+          <a:noFill/>
+          <a:ln w="28575">
+            <a:noFill/>
+          </a:ln>
+        </p:spPr>
+        <p:style>
+          <a:lnRef idx="2">
+            <a:schemeClr val="accent1">
+              <a:shade val="50000"/>
+            </a:schemeClr>
+          </a:lnRef>
+          <a:fillRef idx="1">
+            <a:schemeClr val="accent1"/>
+          </a:fillRef>
+          <a:effectRef idx="0">
+            <a:schemeClr val="accent1"/>
+          </a:effectRef>
+          <a:fontRef idx="minor">
+            <a:schemeClr val="lt1"/>
+          </a:fontRef>
+        </p:style>
+        <p:txBody>
+          <a:bodyPr rtlCol="0" anchor="ctr"/>
+          <a:lstStyle/>
+          <a:p>
+            <a:pPr algn="ctr"/>
+            <a:r>
+              <a:rPr lang="en-US" sz="1050" b="1" dirty="0">
+                <a:solidFill>
+                  <a:srgbClr val="FF0000"/>
+                </a:solidFill>
+              </a:rPr>
+              <a:t>4</a:t>
+            </a:r>
+          </a:p>
+        </p:txBody>
+      </p:sp>
+      <p:sp>
+        <p:nvSpPr>
+          <p:cNvPr id="22" name="Rectangle 21">
+            <a:extLst>
+              <a:ext uri="{FF2B5EF4-FFF2-40B4-BE49-F238E27FC236}">
+                <a16:creationId xmlns:a16="http://schemas.microsoft.com/office/drawing/2014/main" id="{3EDF3833-9EE6-4BB8-867F-B051CAD3594D}"/>
+              </a:ext>
+            </a:extLst>
+          </p:cNvPr>
+          <p:cNvSpPr/>
+          <p:nvPr/>
+        </p:nvSpPr>
+        <p:spPr>
+          <a:xfrm>
+            <a:off x="5364479" y="2239022"/>
+            <a:ext cx="296758" cy="208280"/>
+          </a:xfrm>
+          <a:prstGeom prst="rect">
+            <a:avLst/>
+          </a:prstGeom>
+          <a:noFill/>
+          <a:ln w="28575">
+            <a:noFill/>
+          </a:ln>
+        </p:spPr>
+        <p:style>
+          <a:lnRef idx="2">
+            <a:schemeClr val="accent1">
+              <a:shade val="50000"/>
+            </a:schemeClr>
+          </a:lnRef>
+          <a:fillRef idx="1">
+            <a:schemeClr val="accent1"/>
+          </a:fillRef>
+          <a:effectRef idx="0">
+            <a:schemeClr val="accent1"/>
+          </a:effectRef>
+          <a:fontRef idx="minor">
+            <a:schemeClr val="lt1"/>
+          </a:fontRef>
+        </p:style>
+        <p:txBody>
+          <a:bodyPr rtlCol="0" anchor="ctr"/>
+          <a:lstStyle/>
+          <a:p>
+            <a:pPr algn="ctr"/>
+            <a:r>
+              <a:rPr lang="en-US" sz="1050" b="1" dirty="0">
+                <a:solidFill>
+                  <a:srgbClr val="FF0000"/>
+                </a:solidFill>
+              </a:rPr>
+              <a:t>5</a:t>
+            </a:r>
+          </a:p>
+        </p:txBody>
+      </p:sp>
+      <p:sp>
+        <p:nvSpPr>
+          <p:cNvPr id="23" name="Rectangle 22">
+            <a:extLst>
+              <a:ext uri="{FF2B5EF4-FFF2-40B4-BE49-F238E27FC236}">
+                <a16:creationId xmlns:a16="http://schemas.microsoft.com/office/drawing/2014/main" id="{9490F6A0-3D5B-459C-9FCC-A245C613A7A9}"/>
+              </a:ext>
+            </a:extLst>
+          </p:cNvPr>
+          <p:cNvSpPr/>
+          <p:nvPr/>
+        </p:nvSpPr>
+        <p:spPr>
+          <a:xfrm>
+            <a:off x="5862747" y="2226390"/>
+            <a:ext cx="296758" cy="208280"/>
+          </a:xfrm>
+          <a:prstGeom prst="rect">
+            <a:avLst/>
+          </a:prstGeom>
+          <a:noFill/>
+          <a:ln w="28575">
+            <a:noFill/>
+          </a:ln>
+        </p:spPr>
+        <p:style>
+          <a:lnRef idx="2">
+            <a:schemeClr val="accent1">
+              <a:shade val="50000"/>
+            </a:schemeClr>
+          </a:lnRef>
+          <a:fillRef idx="1">
+            <a:schemeClr val="accent1"/>
+          </a:fillRef>
+          <a:effectRef idx="0">
+            <a:schemeClr val="accent1"/>
+          </a:effectRef>
+          <a:fontRef idx="minor">
+            <a:schemeClr val="lt1"/>
+          </a:fontRef>
+        </p:style>
+        <p:txBody>
+          <a:bodyPr rtlCol="0" anchor="ctr"/>
+          <a:lstStyle/>
+          <a:p>
+            <a:pPr algn="ctr"/>
+            <a:r>
+              <a:rPr lang="en-US" sz="1050" b="1" dirty="0">
+                <a:solidFill>
+                  <a:srgbClr val="FF0000"/>
+                </a:solidFill>
+              </a:rPr>
+              <a:t>6</a:t>
+            </a:r>
+          </a:p>
+        </p:txBody>
+      </p:sp>
+      <p:sp>
+        <p:nvSpPr>
+          <p:cNvPr id="24" name="Rectangle 23">
+            <a:extLst>
+              <a:ext uri="{FF2B5EF4-FFF2-40B4-BE49-F238E27FC236}">
+                <a16:creationId xmlns:a16="http://schemas.microsoft.com/office/drawing/2014/main" id="{4485031D-BE52-42E1-A15C-1278C62A6575}"/>
+              </a:ext>
+            </a:extLst>
+          </p:cNvPr>
+          <p:cNvSpPr/>
+          <p:nvPr/>
+        </p:nvSpPr>
+        <p:spPr>
+          <a:xfrm>
+            <a:off x="6329683" y="2226390"/>
+            <a:ext cx="296758" cy="208280"/>
+          </a:xfrm>
+          <a:prstGeom prst="rect">
+            <a:avLst/>
+          </a:prstGeom>
+          <a:noFill/>
+          <a:ln w="28575">
+            <a:noFill/>
+          </a:ln>
+        </p:spPr>
+        <p:style>
+          <a:lnRef idx="2">
+            <a:schemeClr val="accent1">
+              <a:shade val="50000"/>
+            </a:schemeClr>
+          </a:lnRef>
+          <a:fillRef idx="1">
+            <a:schemeClr val="accent1"/>
+          </a:fillRef>
+          <a:effectRef idx="0">
+            <a:schemeClr val="accent1"/>
+          </a:effectRef>
+          <a:fontRef idx="minor">
+            <a:schemeClr val="lt1"/>
+          </a:fontRef>
+        </p:style>
+        <p:txBody>
+          <a:bodyPr rtlCol="0" anchor="ctr"/>
+          <a:lstStyle/>
+          <a:p>
+            <a:pPr algn="ctr"/>
+            <a:r>
+              <a:rPr lang="en-US" sz="1050" b="1" dirty="0">
+                <a:solidFill>
+                  <a:srgbClr val="FF0000"/>
+                </a:solidFill>
+              </a:rPr>
+              <a:t>7</a:t>
+            </a:r>
+          </a:p>
+        </p:txBody>
+      </p:sp>
+      <p:sp>
+        <p:nvSpPr>
+          <p:cNvPr id="25" name="Rectangle 24">
+            <a:extLst>
+              <a:ext uri="{FF2B5EF4-FFF2-40B4-BE49-F238E27FC236}">
+                <a16:creationId xmlns:a16="http://schemas.microsoft.com/office/drawing/2014/main" id="{E971951C-5684-473F-832C-5921651ED18B}"/>
+              </a:ext>
+            </a:extLst>
+          </p:cNvPr>
+          <p:cNvSpPr/>
+          <p:nvPr/>
+        </p:nvSpPr>
+        <p:spPr>
+          <a:xfrm>
+            <a:off x="6839163" y="2239022"/>
+            <a:ext cx="296758" cy="208280"/>
+          </a:xfrm>
+          <a:prstGeom prst="rect">
+            <a:avLst/>
+          </a:prstGeom>
+          <a:noFill/>
+          <a:ln w="28575">
+            <a:noFill/>
+          </a:ln>
+        </p:spPr>
+        <p:style>
+          <a:lnRef idx="2">
+            <a:schemeClr val="accent1">
+              <a:shade val="50000"/>
+            </a:schemeClr>
+          </a:lnRef>
+          <a:fillRef idx="1">
+            <a:schemeClr val="accent1"/>
+          </a:fillRef>
+          <a:effectRef idx="0">
+            <a:schemeClr val="accent1"/>
+          </a:effectRef>
+          <a:fontRef idx="minor">
+            <a:schemeClr val="lt1"/>
+          </a:fontRef>
+        </p:style>
+        <p:txBody>
+          <a:bodyPr rtlCol="0" anchor="ctr"/>
+          <a:lstStyle/>
+          <a:p>
+            <a:pPr algn="ctr"/>
+            <a:r>
+              <a:rPr lang="en-US" sz="1050" b="1" dirty="0">
+                <a:solidFill>
+                  <a:srgbClr val="FF0000"/>
+                </a:solidFill>
+              </a:rPr>
+              <a:t>8</a:t>
+            </a:r>
+          </a:p>
+        </p:txBody>
+      </p:sp>
+      <p:sp>
+        <p:nvSpPr>
+          <p:cNvPr id="26" name="Rectangle 25">
+            <a:extLst>
+              <a:ext uri="{FF2B5EF4-FFF2-40B4-BE49-F238E27FC236}">
+                <a16:creationId xmlns:a16="http://schemas.microsoft.com/office/drawing/2014/main" id="{CC8A98FA-A104-4AE3-BB58-BC18EE7CE54C}"/>
+              </a:ext>
+            </a:extLst>
+          </p:cNvPr>
+          <p:cNvSpPr/>
+          <p:nvPr/>
+        </p:nvSpPr>
+        <p:spPr>
+          <a:xfrm>
+            <a:off x="7288740" y="2239022"/>
+            <a:ext cx="296758" cy="208280"/>
+          </a:xfrm>
+          <a:prstGeom prst="rect">
+            <a:avLst/>
+          </a:prstGeom>
+          <a:noFill/>
+          <a:ln w="28575">
+            <a:noFill/>
+          </a:ln>
+        </p:spPr>
+        <p:style>
+          <a:lnRef idx="2">
+            <a:schemeClr val="accent1">
+              <a:shade val="50000"/>
+            </a:schemeClr>
+          </a:lnRef>
+          <a:fillRef idx="1">
+            <a:schemeClr val="accent1"/>
+          </a:fillRef>
+          <a:effectRef idx="0">
+            <a:schemeClr val="accent1"/>
+          </a:effectRef>
+          <a:fontRef idx="minor">
+            <a:schemeClr val="lt1"/>
+          </a:fontRef>
+        </p:style>
+        <p:txBody>
+          <a:bodyPr rtlCol="0" anchor="ctr"/>
+          <a:lstStyle/>
+          <a:p>
+            <a:pPr algn="ctr"/>
+            <a:r>
+              <a:rPr lang="en-US" sz="1050" b="1" dirty="0">
+                <a:solidFill>
+                  <a:srgbClr val="FF0000"/>
+                </a:solidFill>
+              </a:rPr>
+              <a:t>9</a:t>
+            </a:r>
+          </a:p>
+        </p:txBody>
+      </p:sp>
+      <p:sp>
+        <p:nvSpPr>
+          <p:cNvPr id="28" name="Rectangle 27">
+            <a:extLst>
+              <a:ext uri="{FF2B5EF4-FFF2-40B4-BE49-F238E27FC236}">
+                <a16:creationId xmlns:a16="http://schemas.microsoft.com/office/drawing/2014/main" id="{A431F3DF-08DF-49F8-9C07-64B4A3BFE43A}"/>
+              </a:ext>
+            </a:extLst>
+          </p:cNvPr>
+          <p:cNvSpPr/>
+          <p:nvPr/>
+        </p:nvSpPr>
+        <p:spPr>
+          <a:xfrm>
+            <a:off x="7738317" y="2226390"/>
+            <a:ext cx="571087" cy="1529080"/>
+          </a:xfrm>
+          <a:prstGeom prst="rect">
+            <a:avLst/>
+          </a:prstGeom>
+          <a:noFill/>
+          <a:ln w="28575">
+            <a:solidFill>
+              <a:schemeClr val="accent4"/>
+            </a:solidFill>
+          </a:ln>
+        </p:spPr>
+        <p:style>
+          <a:lnRef idx="2">
+            <a:schemeClr val="accent1">
+              <a:shade val="50000"/>
+            </a:schemeClr>
+          </a:lnRef>
+          <a:fillRef idx="1">
+            <a:schemeClr val="accent1"/>
+          </a:fillRef>
+          <a:effectRef idx="0">
+            <a:schemeClr val="accent1"/>
+          </a:effectRef>
+          <a:fontRef idx="minor">
+            <a:schemeClr val="lt1"/>
+          </a:fontRef>
+        </p:style>
+        <p:txBody>
+          <a:bodyPr rtlCol="0" anchor="ctr"/>
+          <a:lstStyle/>
+          <a:p>
+            <a:pPr algn="ctr"/>
+            <a:endParaRPr lang="en-US"/>
+          </a:p>
+        </p:txBody>
+      </p:sp>
+      <p:cxnSp>
+        <p:nvCxnSpPr>
+          <p:cNvPr id="29" name="Straight Connector 28">
+            <a:extLst>
+              <a:ext uri="{FF2B5EF4-FFF2-40B4-BE49-F238E27FC236}">
+                <a16:creationId xmlns:a16="http://schemas.microsoft.com/office/drawing/2014/main" id="{3C279ABD-5A00-4065-9847-F56164AC2B7D}"/>
+              </a:ext>
+            </a:extLst>
+          </p:cNvPr>
+          <p:cNvCxnSpPr/>
+          <p:nvPr/>
+        </p:nvCxnSpPr>
+        <p:spPr>
+          <a:xfrm>
+            <a:off x="3296074" y="2618055"/>
+            <a:ext cx="0" cy="1333500"/>
+          </a:xfrm>
+          <a:prstGeom prst="line">
+            <a:avLst/>
+          </a:prstGeom>
+          <a:ln w="19050">
+            <a:solidFill>
+              <a:schemeClr val="accent4"/>
+            </a:solidFill>
+            <a:prstDash val="dash"/>
+          </a:ln>
+        </p:spPr>
+        <p:style>
+          <a:lnRef idx="1">
+            <a:schemeClr val="accent1"/>
+          </a:lnRef>
+          <a:fillRef idx="0">
+            <a:schemeClr val="accent1"/>
+          </a:fillRef>
+          <a:effectRef idx="0">
+            <a:schemeClr val="accent1"/>
+          </a:effectRef>
+          <a:fontRef idx="minor">
+            <a:schemeClr val="tx1"/>
+          </a:fontRef>
+        </p:style>
+      </p:cxnSp>
+      <p:cxnSp>
+        <p:nvCxnSpPr>
+          <p:cNvPr id="30" name="Straight Connector 29">
+            <a:extLst>
+              <a:ext uri="{FF2B5EF4-FFF2-40B4-BE49-F238E27FC236}">
+                <a16:creationId xmlns:a16="http://schemas.microsoft.com/office/drawing/2014/main" id="{3E82A615-4BA7-46D2-A64F-F9E98024445E}"/>
+              </a:ext>
+            </a:extLst>
+          </p:cNvPr>
+          <p:cNvCxnSpPr/>
+          <p:nvPr/>
+        </p:nvCxnSpPr>
+        <p:spPr>
+          <a:xfrm>
+            <a:off x="7131479" y="2546088"/>
+            <a:ext cx="0" cy="1333500"/>
+          </a:xfrm>
+          <a:prstGeom prst="line">
+            <a:avLst/>
+          </a:prstGeom>
+          <a:ln w="19050">
+            <a:solidFill>
+              <a:schemeClr val="accent4"/>
+            </a:solidFill>
+            <a:prstDash val="dash"/>
+          </a:ln>
+        </p:spPr>
+        <p:style>
+          <a:lnRef idx="1">
+            <a:schemeClr val="accent1"/>
+          </a:lnRef>
+          <a:fillRef idx="0">
+            <a:schemeClr val="accent1"/>
+          </a:fillRef>
+          <a:effectRef idx="0">
+            <a:schemeClr val="accent1"/>
+          </a:effectRef>
+          <a:fontRef idx="minor">
+            <a:schemeClr val="tx1"/>
+          </a:fontRef>
+        </p:style>
+      </p:cxnSp>
+      <p:sp>
+        <p:nvSpPr>
+          <p:cNvPr id="31" name="Rectangle 30">
+            <a:extLst>
+              <a:ext uri="{FF2B5EF4-FFF2-40B4-BE49-F238E27FC236}">
+                <a16:creationId xmlns:a16="http://schemas.microsoft.com/office/drawing/2014/main" id="{F2C671AB-0381-4CF1-A70D-BA9B03390E99}"/>
+              </a:ext>
+            </a:extLst>
+          </p:cNvPr>
+          <p:cNvSpPr/>
+          <p:nvPr/>
+        </p:nvSpPr>
+        <p:spPr>
+          <a:xfrm>
+            <a:off x="1888838" y="3986068"/>
+            <a:ext cx="842010" cy="329448"/>
+          </a:xfrm>
+          <a:prstGeom prst="rect">
+            <a:avLst/>
+          </a:prstGeom>
+        </p:spPr>
+        <p:style>
+          <a:lnRef idx="2">
+            <a:schemeClr val="accent1">
+              <a:shade val="50000"/>
+            </a:schemeClr>
+          </a:lnRef>
+          <a:fillRef idx="1">
+            <a:schemeClr val="accent1"/>
+          </a:fillRef>
+          <a:effectRef idx="0">
+            <a:schemeClr val="accent1"/>
+          </a:effectRef>
+          <a:fontRef idx="minor">
+            <a:schemeClr val="lt1"/>
+          </a:fontRef>
+        </p:style>
+        <p:txBody>
+          <a:bodyPr rtlCol="0" anchor="ctr"/>
+          <a:lstStyle/>
+          <a:p>
+            <a:r>
+              <a:rPr lang="en-US" sz="800" dirty="0"/>
+              <a:t>SCL =1</a:t>
+            </a:r>
+          </a:p>
+          <a:p>
+            <a:r>
+              <a:rPr lang="en-US" sz="800" dirty="0"/>
+              <a:t>SDA = 1 to 0</a:t>
+            </a:r>
+          </a:p>
+        </p:txBody>
+      </p:sp>
+      <p:cxnSp>
+        <p:nvCxnSpPr>
+          <p:cNvPr id="32" name="Straight Arrow Connector 31">
+            <a:extLst>
+              <a:ext uri="{FF2B5EF4-FFF2-40B4-BE49-F238E27FC236}">
+                <a16:creationId xmlns:a16="http://schemas.microsoft.com/office/drawing/2014/main" id="{5613D789-E249-44F2-9AED-324798485BEF}"/>
+              </a:ext>
+            </a:extLst>
+          </p:cNvPr>
+          <p:cNvCxnSpPr>
+            <a:cxnSpLocks/>
+          </p:cNvCxnSpPr>
+          <p:nvPr/>
+        </p:nvCxnSpPr>
+        <p:spPr>
+          <a:xfrm>
+            <a:off x="2294462" y="3766988"/>
+            <a:ext cx="0" cy="211615"/>
+          </a:xfrm>
+          <a:prstGeom prst="straightConnector1">
+            <a:avLst/>
+          </a:prstGeom>
+          <a:ln w="19050">
+            <a:solidFill>
+              <a:schemeClr val="accent1"/>
+            </a:solidFill>
+            <a:tailEnd type="triangle"/>
+          </a:ln>
+        </p:spPr>
+        <p:style>
+          <a:lnRef idx="1">
+            <a:schemeClr val="accent1"/>
+          </a:lnRef>
+          <a:fillRef idx="0">
+            <a:schemeClr val="accent1"/>
+          </a:fillRef>
+          <a:effectRef idx="0">
+            <a:schemeClr val="accent1"/>
+          </a:effectRef>
+          <a:fontRef idx="minor">
+            <a:schemeClr val="tx1"/>
+          </a:fontRef>
+        </p:style>
+      </p:cxnSp>
+      <p:sp>
+        <p:nvSpPr>
+          <p:cNvPr id="33" name="Rectangle 32">
+            <a:extLst>
+              <a:ext uri="{FF2B5EF4-FFF2-40B4-BE49-F238E27FC236}">
+                <a16:creationId xmlns:a16="http://schemas.microsoft.com/office/drawing/2014/main" id="{A9890596-E94C-430B-BCA2-1E846E5B19C9}"/>
+              </a:ext>
+            </a:extLst>
+          </p:cNvPr>
+          <p:cNvSpPr/>
+          <p:nvPr/>
+        </p:nvSpPr>
+        <p:spPr>
+          <a:xfrm>
+            <a:off x="7917820" y="4001383"/>
+            <a:ext cx="783168" cy="336550"/>
+          </a:xfrm>
+          <a:prstGeom prst="rect">
+            <a:avLst/>
+          </a:prstGeom>
+        </p:spPr>
+        <p:style>
+          <a:lnRef idx="2">
+            <a:schemeClr val="accent1">
+              <a:shade val="50000"/>
+            </a:schemeClr>
+          </a:lnRef>
+          <a:fillRef idx="1">
+            <a:schemeClr val="accent1"/>
+          </a:fillRef>
+          <a:effectRef idx="0">
+            <a:schemeClr val="accent1"/>
+          </a:effectRef>
+          <a:fontRef idx="minor">
+            <a:schemeClr val="lt1"/>
+          </a:fontRef>
+        </p:style>
+        <p:txBody>
+          <a:bodyPr rtlCol="0" anchor="ctr"/>
+          <a:lstStyle/>
+          <a:p>
+            <a:r>
+              <a:rPr lang="en-US" sz="800" dirty="0"/>
+              <a:t>SCL =1</a:t>
+            </a:r>
+          </a:p>
+          <a:p>
+            <a:r>
+              <a:rPr lang="en-US" sz="800" dirty="0"/>
+              <a:t>SDA = 0 to 1</a:t>
+            </a:r>
+          </a:p>
+        </p:txBody>
+      </p:sp>
+      <p:cxnSp>
+        <p:nvCxnSpPr>
+          <p:cNvPr id="34" name="Straight Arrow Connector 33">
+            <a:extLst>
+              <a:ext uri="{FF2B5EF4-FFF2-40B4-BE49-F238E27FC236}">
+                <a16:creationId xmlns:a16="http://schemas.microsoft.com/office/drawing/2014/main" id="{E7672B74-43A6-467D-96D5-0F980E4AD671}"/>
+              </a:ext>
+            </a:extLst>
+          </p:cNvPr>
+          <p:cNvCxnSpPr>
+            <a:cxnSpLocks/>
+          </p:cNvCxnSpPr>
+          <p:nvPr/>
+        </p:nvCxnSpPr>
+        <p:spPr>
+          <a:xfrm>
+            <a:off x="8012262" y="3763872"/>
+            <a:ext cx="0" cy="244976"/>
+          </a:xfrm>
+          <a:prstGeom prst="straightConnector1">
+            <a:avLst/>
+          </a:prstGeom>
+          <a:ln w="19050">
+            <a:solidFill>
+              <a:schemeClr val="accent1"/>
+            </a:solidFill>
+            <a:tailEnd type="triangle"/>
+          </a:ln>
+        </p:spPr>
+        <p:style>
+          <a:lnRef idx="1">
+            <a:schemeClr val="accent1"/>
+          </a:lnRef>
+          <a:fillRef idx="0">
+            <a:schemeClr val="accent1"/>
+          </a:fillRef>
+          <a:effectRef idx="0">
+            <a:schemeClr val="accent1"/>
+          </a:effectRef>
+          <a:fontRef idx="minor">
+            <a:schemeClr val="tx1"/>
+          </a:fontRef>
+        </p:style>
+      </p:cxnSp>
+      <p:sp>
+        <p:nvSpPr>
+          <p:cNvPr id="35" name="Right Brace 34">
+            <a:extLst>
+              <a:ext uri="{FF2B5EF4-FFF2-40B4-BE49-F238E27FC236}">
+                <a16:creationId xmlns:a16="http://schemas.microsoft.com/office/drawing/2014/main" id="{13431283-19F3-4B19-846C-34530C95ACB5}"/>
+              </a:ext>
+            </a:extLst>
+          </p:cNvPr>
+          <p:cNvSpPr/>
+          <p:nvPr/>
+        </p:nvSpPr>
+        <p:spPr>
+          <a:xfrm rot="5400000">
+            <a:off x="5082972" y="2031459"/>
+            <a:ext cx="261610" cy="3835405"/>
+          </a:xfrm>
+          <a:prstGeom prst="rightBrace">
+            <a:avLst>
+              <a:gd name="adj1" fmla="val 0"/>
+              <a:gd name="adj2" fmla="val 51953"/>
+            </a:avLst>
+          </a:prstGeom>
+          <a:ln w="19050">
+            <a:solidFill>
+              <a:schemeClr val="accent1"/>
+            </a:solidFill>
+          </a:ln>
+        </p:spPr>
+        <p:style>
+          <a:lnRef idx="1">
+            <a:schemeClr val="accent1"/>
+          </a:lnRef>
+          <a:fillRef idx="0">
+            <a:schemeClr val="accent1"/>
+          </a:fillRef>
+          <a:effectRef idx="0">
+            <a:schemeClr val="accent1"/>
+          </a:effectRef>
+          <a:fontRef idx="minor">
+            <a:schemeClr val="tx1"/>
+          </a:fontRef>
+        </p:style>
+        <p:txBody>
+          <a:bodyPr rtlCol="0" anchor="ctr"/>
+          <a:lstStyle/>
+          <a:p>
+            <a:pPr algn="ctr"/>
+            <a:endParaRPr lang="en-US" dirty="0"/>
+          </a:p>
+        </p:txBody>
+      </p:sp>
+      <p:sp>
+        <p:nvSpPr>
+          <p:cNvPr id="36" name="Rectangle 35">
+            <a:extLst>
+              <a:ext uri="{FF2B5EF4-FFF2-40B4-BE49-F238E27FC236}">
+                <a16:creationId xmlns:a16="http://schemas.microsoft.com/office/drawing/2014/main" id="{7AE303D0-09EA-44B6-AFEA-4FF9C342E8FB}"/>
+              </a:ext>
+            </a:extLst>
+          </p:cNvPr>
+          <p:cNvSpPr/>
+          <p:nvPr/>
+        </p:nvSpPr>
+        <p:spPr>
+          <a:xfrm>
+            <a:off x="4436322" y="4169658"/>
+            <a:ext cx="1431291" cy="336550"/>
+          </a:xfrm>
+          <a:prstGeom prst="rect">
+            <a:avLst/>
+          </a:prstGeom>
+        </p:spPr>
+        <p:style>
+          <a:lnRef idx="2">
+            <a:schemeClr val="accent1">
+              <a:shade val="50000"/>
+            </a:schemeClr>
+          </a:lnRef>
+          <a:fillRef idx="1">
+            <a:schemeClr val="accent1"/>
+          </a:fillRef>
+          <a:effectRef idx="0">
+            <a:schemeClr val="accent1"/>
+          </a:effectRef>
+          <a:fontRef idx="minor">
+            <a:schemeClr val="lt1"/>
+          </a:fontRef>
+        </p:style>
+        <p:txBody>
+          <a:bodyPr rtlCol="0" anchor="ctr"/>
+          <a:lstStyle/>
+          <a:p>
+            <a:pPr algn="ctr"/>
+            <a:r>
+              <a:rPr lang="en-US" sz="1100" dirty="0"/>
+              <a:t>Data = 10101010</a:t>
+            </a:r>
+          </a:p>
+          <a:p>
+            <a:pPr algn="ctr"/>
+            <a:r>
+              <a:rPr lang="en-US" sz="1100" dirty="0"/>
+              <a:t>Pos. = 7654321</a:t>
             </a:r>
           </a:p>
         </p:txBody>
@@ -15642,7 +17255,7 @@
     </p:spTree>
     <p:extLst>
       <p:ext uri="{BB962C8B-B14F-4D97-AF65-F5344CB8AC3E}">
-        <p14:creationId xmlns:p14="http://schemas.microsoft.com/office/powerpoint/2010/main" val="3336021874"/>
+        <p14:creationId xmlns:p14="http://schemas.microsoft.com/office/powerpoint/2010/main" val="2871909733"/>
       </p:ext>
     </p:extLst>
   </p:cSld>
@@ -15671,10 +17284,10 @@
       </p:grpSpPr>
       <p:pic>
         <p:nvPicPr>
-          <p:cNvPr id="3" name="Picture 2">
+          <p:cNvPr id="37" name="Picture 36">
             <a:extLst>
               <a:ext uri="{FF2B5EF4-FFF2-40B4-BE49-F238E27FC236}">
-                <a16:creationId xmlns:a16="http://schemas.microsoft.com/office/drawing/2014/main" id="{5A16C2EF-5CAD-4A33-BD23-5A12BD922752}"/>
+                <a16:creationId xmlns:a16="http://schemas.microsoft.com/office/drawing/2014/main" id="{A258E8B8-2C87-4230-B6FF-27E78233ADE2}"/>
               </a:ext>
             </a:extLst>
           </p:cNvPr>
@@ -15691,7 +17304,7 @@
         </p:blipFill>
         <p:spPr>
           <a:xfrm>
-            <a:off x="0" y="715598"/>
+            <a:off x="0" y="1717084"/>
             <a:ext cx="9144000" cy="1960869"/>
           </a:xfrm>
           <a:prstGeom prst="rect">
@@ -15699,42 +17312,12 @@
           </a:prstGeom>
         </p:spPr>
       </p:pic>
-      <p:pic>
-        <p:nvPicPr>
-          <p:cNvPr id="5" name="Picture 4">
-            <a:extLst>
-              <a:ext uri="{FF2B5EF4-FFF2-40B4-BE49-F238E27FC236}">
-                <a16:creationId xmlns:a16="http://schemas.microsoft.com/office/drawing/2014/main" id="{9DF57B4E-6F51-447D-AB14-49F83B451276}"/>
-              </a:ext>
-            </a:extLst>
-          </p:cNvPr>
-          <p:cNvPicPr>
-            <a:picLocks noChangeAspect="1"/>
-          </p:cNvPicPr>
-          <p:nvPr/>
-        </p:nvPicPr>
-        <p:blipFill>
-          <a:blip r:embed="rId3"/>
-          <a:stretch>
-            <a:fillRect/>
-          </a:stretch>
-        </p:blipFill>
-        <p:spPr>
-          <a:xfrm>
-            <a:off x="-8467" y="2810515"/>
-            <a:ext cx="9144000" cy="1960869"/>
-          </a:xfrm>
-          <a:prstGeom prst="rect">
-            <a:avLst/>
-          </a:prstGeom>
-        </p:spPr>
-      </p:pic>
       <p:sp>
         <p:nvSpPr>
           <p:cNvPr id="6" name="Title 1">
             <a:extLst>
               <a:ext uri="{FF2B5EF4-FFF2-40B4-BE49-F238E27FC236}">
-                <a16:creationId xmlns:a16="http://schemas.microsoft.com/office/drawing/2014/main" id="{1E5561BF-8218-4FDF-9429-54A7B0B4277C}"/>
+                <a16:creationId xmlns:a16="http://schemas.microsoft.com/office/drawing/2014/main" id="{3A0FF8D9-C68B-45DD-9DBA-F20562F3231A}"/>
               </a:ext>
             </a:extLst>
           </p:cNvPr>
@@ -15746,7 +17329,7 @@
         <p:spPr>
           <a:xfrm>
             <a:off x="76201" y="0"/>
-            <a:ext cx="3807882" cy="581551"/>
+            <a:ext cx="3962612" cy="1185354"/>
           </a:xfrm>
           <a:prstGeom prst="rect">
             <a:avLst/>
@@ -15783,7 +17366,1650 @@
             </a:pPr>
             <a:r>
               <a:rPr lang="en-US" dirty="0"/>
-              <a:t>I2C Slave - 15h</a:t>
+              <a:t>I2C Slave</a:t>
+            </a:r>
+          </a:p>
+          <a:p>
+            <a:pPr fontAlgn="auto">
+              <a:spcAft>
+                <a:spcPts val="0"/>
+              </a:spcAft>
+            </a:pPr>
+            <a:r>
+              <a:rPr lang="en-US" sz="2500" dirty="0"/>
+              <a:t>Data = 15h</a:t>
+            </a:r>
+          </a:p>
+        </p:txBody>
+      </p:sp>
+      <p:sp>
+        <p:nvSpPr>
+          <p:cNvPr id="2" name="Rectangle 1">
+            <a:extLst>
+              <a:ext uri="{FF2B5EF4-FFF2-40B4-BE49-F238E27FC236}">
+                <a16:creationId xmlns:a16="http://schemas.microsoft.com/office/drawing/2014/main" id="{5E567C8D-F4D8-49BC-AE63-3F5E75B8237A}"/>
+              </a:ext>
+            </a:extLst>
+          </p:cNvPr>
+          <p:cNvSpPr/>
+          <p:nvPr/>
+        </p:nvSpPr>
+        <p:spPr>
+          <a:xfrm>
+            <a:off x="1986567" y="2292101"/>
+            <a:ext cx="370840" cy="1529080"/>
+          </a:xfrm>
+          <a:prstGeom prst="rect">
+            <a:avLst/>
+          </a:prstGeom>
+          <a:noFill/>
+          <a:ln w="28575">
+            <a:solidFill>
+              <a:schemeClr val="accent4"/>
+            </a:solidFill>
+          </a:ln>
+        </p:spPr>
+        <p:style>
+          <a:lnRef idx="2">
+            <a:schemeClr val="accent1">
+              <a:shade val="50000"/>
+            </a:schemeClr>
+          </a:lnRef>
+          <a:fillRef idx="1">
+            <a:schemeClr val="accent1"/>
+          </a:fillRef>
+          <a:effectRef idx="0">
+            <a:schemeClr val="accent1"/>
+          </a:effectRef>
+          <a:fontRef idx="minor">
+            <a:schemeClr val="lt1"/>
+          </a:fontRef>
+        </p:style>
+        <p:txBody>
+          <a:bodyPr rtlCol="0" anchor="ctr"/>
+          <a:lstStyle/>
+          <a:p>
+            <a:pPr algn="ctr"/>
+            <a:endParaRPr lang="en-US"/>
+          </a:p>
+        </p:txBody>
+      </p:sp>
+      <p:sp>
+        <p:nvSpPr>
+          <p:cNvPr id="7" name="Rectangle 6">
+            <a:extLst>
+              <a:ext uri="{FF2B5EF4-FFF2-40B4-BE49-F238E27FC236}">
+                <a16:creationId xmlns:a16="http://schemas.microsoft.com/office/drawing/2014/main" id="{BECBB9CE-487A-489A-AEF7-6344FB3DAB1D}"/>
+              </a:ext>
+            </a:extLst>
+          </p:cNvPr>
+          <p:cNvSpPr/>
+          <p:nvPr/>
+        </p:nvSpPr>
+        <p:spPr>
+          <a:xfrm>
+            <a:off x="3020483" y="2606766"/>
+            <a:ext cx="296758" cy="208280"/>
+          </a:xfrm>
+          <a:prstGeom prst="rect">
+            <a:avLst/>
+          </a:prstGeom>
+          <a:noFill/>
+          <a:ln w="28575">
+            <a:noFill/>
+          </a:ln>
+        </p:spPr>
+        <p:style>
+          <a:lnRef idx="2">
+            <a:schemeClr val="accent1">
+              <a:shade val="50000"/>
+            </a:schemeClr>
+          </a:lnRef>
+          <a:fillRef idx="1">
+            <a:schemeClr val="accent1"/>
+          </a:fillRef>
+          <a:effectRef idx="0">
+            <a:schemeClr val="accent1"/>
+          </a:effectRef>
+          <a:fontRef idx="minor">
+            <a:schemeClr val="lt1"/>
+          </a:fontRef>
+        </p:style>
+        <p:txBody>
+          <a:bodyPr rtlCol="0" anchor="ctr"/>
+          <a:lstStyle/>
+          <a:p>
+            <a:pPr algn="ctr"/>
+            <a:r>
+              <a:rPr lang="en-US" sz="1050" b="1" dirty="0">
+                <a:solidFill>
+                  <a:srgbClr val="FF0000"/>
+                </a:solidFill>
+              </a:rPr>
+              <a:t>0</a:t>
+            </a:r>
+          </a:p>
+        </p:txBody>
+      </p:sp>
+      <p:sp>
+        <p:nvSpPr>
+          <p:cNvPr id="8" name="Rectangle 7">
+            <a:extLst>
+              <a:ext uri="{FF2B5EF4-FFF2-40B4-BE49-F238E27FC236}">
+                <a16:creationId xmlns:a16="http://schemas.microsoft.com/office/drawing/2014/main" id="{1B7C52EA-47EB-443C-9C95-B697807874D0}"/>
+              </a:ext>
+            </a:extLst>
+          </p:cNvPr>
+          <p:cNvSpPr/>
+          <p:nvPr/>
+        </p:nvSpPr>
+        <p:spPr>
+          <a:xfrm>
+            <a:off x="4038813" y="2591390"/>
+            <a:ext cx="296758" cy="208280"/>
+          </a:xfrm>
+          <a:prstGeom prst="rect">
+            <a:avLst/>
+          </a:prstGeom>
+          <a:noFill/>
+          <a:ln w="28575">
+            <a:noFill/>
+          </a:ln>
+        </p:spPr>
+        <p:style>
+          <a:lnRef idx="2">
+            <a:schemeClr val="accent1">
+              <a:shade val="50000"/>
+            </a:schemeClr>
+          </a:lnRef>
+          <a:fillRef idx="1">
+            <a:schemeClr val="accent1"/>
+          </a:fillRef>
+          <a:effectRef idx="0">
+            <a:schemeClr val="accent1"/>
+          </a:effectRef>
+          <a:fontRef idx="minor">
+            <a:schemeClr val="lt1"/>
+          </a:fontRef>
+        </p:style>
+        <p:txBody>
+          <a:bodyPr rtlCol="0" anchor="ctr"/>
+          <a:lstStyle/>
+          <a:p>
+            <a:pPr algn="ctr"/>
+            <a:r>
+              <a:rPr lang="en-US" sz="1050" b="1" dirty="0">
+                <a:solidFill>
+                  <a:srgbClr val="FF0000"/>
+                </a:solidFill>
+              </a:rPr>
+              <a:t>0</a:t>
+            </a:r>
+          </a:p>
+        </p:txBody>
+      </p:sp>
+      <p:sp>
+        <p:nvSpPr>
+          <p:cNvPr id="9" name="Rectangle 8">
+            <a:extLst>
+              <a:ext uri="{FF2B5EF4-FFF2-40B4-BE49-F238E27FC236}">
+                <a16:creationId xmlns:a16="http://schemas.microsoft.com/office/drawing/2014/main" id="{AE18A0D2-DF19-496C-94C9-BD208DE526C6}"/>
+              </a:ext>
+            </a:extLst>
+          </p:cNvPr>
+          <p:cNvSpPr/>
+          <p:nvPr/>
+        </p:nvSpPr>
+        <p:spPr>
+          <a:xfrm>
+            <a:off x="5131323" y="2588891"/>
+            <a:ext cx="296758" cy="208280"/>
+          </a:xfrm>
+          <a:prstGeom prst="rect">
+            <a:avLst/>
+          </a:prstGeom>
+          <a:noFill/>
+          <a:ln w="28575">
+            <a:noFill/>
+          </a:ln>
+        </p:spPr>
+        <p:style>
+          <a:lnRef idx="2">
+            <a:schemeClr val="accent1">
+              <a:shade val="50000"/>
+            </a:schemeClr>
+          </a:lnRef>
+          <a:fillRef idx="1">
+            <a:schemeClr val="accent1"/>
+          </a:fillRef>
+          <a:effectRef idx="0">
+            <a:schemeClr val="accent1"/>
+          </a:effectRef>
+          <a:fontRef idx="minor">
+            <a:schemeClr val="lt1"/>
+          </a:fontRef>
+        </p:style>
+        <p:txBody>
+          <a:bodyPr rtlCol="0" anchor="ctr"/>
+          <a:lstStyle/>
+          <a:p>
+            <a:pPr algn="ctr"/>
+            <a:r>
+              <a:rPr lang="en-US" sz="1050" b="1" dirty="0">
+                <a:solidFill>
+                  <a:srgbClr val="FF0000"/>
+                </a:solidFill>
+              </a:rPr>
+              <a:t>1</a:t>
+            </a:r>
+          </a:p>
+        </p:txBody>
+      </p:sp>
+      <p:sp>
+        <p:nvSpPr>
+          <p:cNvPr id="10" name="Rectangle 9">
+            <a:extLst>
+              <a:ext uri="{FF2B5EF4-FFF2-40B4-BE49-F238E27FC236}">
+                <a16:creationId xmlns:a16="http://schemas.microsoft.com/office/drawing/2014/main" id="{5C233964-09ED-48E0-89BA-1AA9D4BA8171}"/>
+              </a:ext>
+            </a:extLst>
+          </p:cNvPr>
+          <p:cNvSpPr/>
+          <p:nvPr/>
+        </p:nvSpPr>
+        <p:spPr>
+          <a:xfrm>
+            <a:off x="6212382" y="2592659"/>
+            <a:ext cx="296758" cy="208280"/>
+          </a:xfrm>
+          <a:prstGeom prst="rect">
+            <a:avLst/>
+          </a:prstGeom>
+          <a:noFill/>
+          <a:ln w="28575">
+            <a:noFill/>
+          </a:ln>
+        </p:spPr>
+        <p:style>
+          <a:lnRef idx="2">
+            <a:schemeClr val="accent1">
+              <a:shade val="50000"/>
+            </a:schemeClr>
+          </a:lnRef>
+          <a:fillRef idx="1">
+            <a:schemeClr val="accent1"/>
+          </a:fillRef>
+          <a:effectRef idx="0">
+            <a:schemeClr val="accent1"/>
+          </a:effectRef>
+          <a:fontRef idx="minor">
+            <a:schemeClr val="lt1"/>
+          </a:fontRef>
+        </p:style>
+        <p:txBody>
+          <a:bodyPr rtlCol="0" anchor="ctr"/>
+          <a:lstStyle/>
+          <a:p>
+            <a:pPr algn="ctr"/>
+            <a:r>
+              <a:rPr lang="en-US" sz="1050" b="1" dirty="0">
+                <a:solidFill>
+                  <a:srgbClr val="FF0000"/>
+                </a:solidFill>
+              </a:rPr>
+              <a:t>1</a:t>
+            </a:r>
+          </a:p>
+        </p:txBody>
+      </p:sp>
+      <p:sp>
+        <p:nvSpPr>
+          <p:cNvPr id="11" name="Rectangle 10">
+            <a:extLst>
+              <a:ext uri="{FF2B5EF4-FFF2-40B4-BE49-F238E27FC236}">
+                <a16:creationId xmlns:a16="http://schemas.microsoft.com/office/drawing/2014/main" id="{F5BB27D4-AD73-4169-8561-C7A569B8B7D2}"/>
+              </a:ext>
+            </a:extLst>
+          </p:cNvPr>
+          <p:cNvSpPr/>
+          <p:nvPr/>
+        </p:nvSpPr>
+        <p:spPr>
+          <a:xfrm>
+            <a:off x="7399216" y="2575862"/>
+            <a:ext cx="296758" cy="208280"/>
+          </a:xfrm>
+          <a:prstGeom prst="rect">
+            <a:avLst/>
+          </a:prstGeom>
+          <a:noFill/>
+          <a:ln w="28575">
+            <a:noFill/>
+          </a:ln>
+        </p:spPr>
+        <p:style>
+          <a:lnRef idx="2">
+            <a:schemeClr val="accent1">
+              <a:shade val="50000"/>
+            </a:schemeClr>
+          </a:lnRef>
+          <a:fillRef idx="1">
+            <a:schemeClr val="accent1"/>
+          </a:fillRef>
+          <a:effectRef idx="0">
+            <a:schemeClr val="accent1"/>
+          </a:effectRef>
+          <a:fontRef idx="minor">
+            <a:schemeClr val="lt1"/>
+          </a:fontRef>
+        </p:style>
+        <p:txBody>
+          <a:bodyPr rtlCol="0" anchor="ctr"/>
+          <a:lstStyle/>
+          <a:p>
+            <a:pPr algn="ctr"/>
+            <a:r>
+              <a:rPr lang="en-US" sz="1050" b="1" dirty="0">
+                <a:solidFill>
+                  <a:srgbClr val="FF0000"/>
+                </a:solidFill>
+              </a:rPr>
+              <a:t>1</a:t>
+            </a:r>
+          </a:p>
+        </p:txBody>
+      </p:sp>
+      <p:sp>
+        <p:nvSpPr>
+          <p:cNvPr id="12" name="Rectangle 11">
+            <a:extLst>
+              <a:ext uri="{FF2B5EF4-FFF2-40B4-BE49-F238E27FC236}">
+                <a16:creationId xmlns:a16="http://schemas.microsoft.com/office/drawing/2014/main" id="{24A38A2C-3127-4078-A0CD-0438125BC665}"/>
+              </a:ext>
+            </a:extLst>
+          </p:cNvPr>
+          <p:cNvSpPr/>
+          <p:nvPr/>
+        </p:nvSpPr>
+        <p:spPr>
+          <a:xfrm>
+            <a:off x="7877627" y="2625142"/>
+            <a:ext cx="296758" cy="208280"/>
+          </a:xfrm>
+          <a:prstGeom prst="rect">
+            <a:avLst/>
+          </a:prstGeom>
+          <a:noFill/>
+          <a:ln w="28575">
+            <a:noFill/>
+          </a:ln>
+        </p:spPr>
+        <p:style>
+          <a:lnRef idx="2">
+            <a:schemeClr val="accent1">
+              <a:shade val="50000"/>
+            </a:schemeClr>
+          </a:lnRef>
+          <a:fillRef idx="1">
+            <a:schemeClr val="accent1"/>
+          </a:fillRef>
+          <a:effectRef idx="0">
+            <a:schemeClr val="accent1"/>
+          </a:effectRef>
+          <a:fontRef idx="minor">
+            <a:schemeClr val="lt1"/>
+          </a:fontRef>
+        </p:style>
+        <p:txBody>
+          <a:bodyPr rtlCol="0" anchor="ctr"/>
+          <a:lstStyle/>
+          <a:p>
+            <a:pPr algn="ctr"/>
+            <a:r>
+              <a:rPr lang="en-US" sz="1050" b="1" dirty="0">
+                <a:solidFill>
+                  <a:srgbClr val="FF0000"/>
+                </a:solidFill>
+              </a:rPr>
+              <a:t>0</a:t>
+            </a:r>
+          </a:p>
+        </p:txBody>
+      </p:sp>
+      <p:sp>
+        <p:nvSpPr>
+          <p:cNvPr id="13" name="Rectangle 12">
+            <a:extLst>
+              <a:ext uri="{FF2B5EF4-FFF2-40B4-BE49-F238E27FC236}">
+                <a16:creationId xmlns:a16="http://schemas.microsoft.com/office/drawing/2014/main" id="{18B3D0B8-4264-46A0-B5DF-94BEFC63EA83}"/>
+              </a:ext>
+            </a:extLst>
+          </p:cNvPr>
+          <p:cNvSpPr/>
+          <p:nvPr/>
+        </p:nvSpPr>
+        <p:spPr>
+          <a:xfrm>
+            <a:off x="3482763" y="2601523"/>
+            <a:ext cx="296758" cy="208280"/>
+          </a:xfrm>
+          <a:prstGeom prst="rect">
+            <a:avLst/>
+          </a:prstGeom>
+          <a:noFill/>
+          <a:ln w="28575">
+            <a:noFill/>
+          </a:ln>
+        </p:spPr>
+        <p:style>
+          <a:lnRef idx="2">
+            <a:schemeClr val="accent1">
+              <a:shade val="50000"/>
+            </a:schemeClr>
+          </a:lnRef>
+          <a:fillRef idx="1">
+            <a:schemeClr val="accent1"/>
+          </a:fillRef>
+          <a:effectRef idx="0">
+            <a:schemeClr val="accent1"/>
+          </a:effectRef>
+          <a:fontRef idx="minor">
+            <a:schemeClr val="lt1"/>
+          </a:fontRef>
+        </p:style>
+        <p:txBody>
+          <a:bodyPr rtlCol="0" anchor="ctr"/>
+          <a:lstStyle/>
+          <a:p>
+            <a:pPr algn="ctr"/>
+            <a:r>
+              <a:rPr lang="en-US" sz="1050" b="1" dirty="0">
+                <a:solidFill>
+                  <a:srgbClr val="FF0000"/>
+                </a:solidFill>
+              </a:rPr>
+              <a:t>0</a:t>
+            </a:r>
+          </a:p>
+        </p:txBody>
+      </p:sp>
+      <p:sp>
+        <p:nvSpPr>
+          <p:cNvPr id="14" name="Rectangle 13">
+            <a:extLst>
+              <a:ext uri="{FF2B5EF4-FFF2-40B4-BE49-F238E27FC236}">
+                <a16:creationId xmlns:a16="http://schemas.microsoft.com/office/drawing/2014/main" id="{D9D4B682-77AF-40EB-A583-091C62115B06}"/>
+              </a:ext>
+            </a:extLst>
+          </p:cNvPr>
+          <p:cNvSpPr/>
+          <p:nvPr/>
+        </p:nvSpPr>
+        <p:spPr>
+          <a:xfrm>
+            <a:off x="4613465" y="2598491"/>
+            <a:ext cx="296758" cy="208280"/>
+          </a:xfrm>
+          <a:prstGeom prst="rect">
+            <a:avLst/>
+          </a:prstGeom>
+          <a:noFill/>
+          <a:ln w="28575">
+            <a:noFill/>
+          </a:ln>
+        </p:spPr>
+        <p:style>
+          <a:lnRef idx="2">
+            <a:schemeClr val="accent1">
+              <a:shade val="50000"/>
+            </a:schemeClr>
+          </a:lnRef>
+          <a:fillRef idx="1">
+            <a:schemeClr val="accent1"/>
+          </a:fillRef>
+          <a:effectRef idx="0">
+            <a:schemeClr val="accent1"/>
+          </a:effectRef>
+          <a:fontRef idx="minor">
+            <a:schemeClr val="lt1"/>
+          </a:fontRef>
+        </p:style>
+        <p:txBody>
+          <a:bodyPr rtlCol="0" anchor="ctr"/>
+          <a:lstStyle/>
+          <a:p>
+            <a:pPr algn="ctr"/>
+            <a:r>
+              <a:rPr lang="en-US" sz="1050" b="1" dirty="0">
+                <a:solidFill>
+                  <a:srgbClr val="FF0000"/>
+                </a:solidFill>
+              </a:rPr>
+              <a:t>0</a:t>
+            </a:r>
+          </a:p>
+        </p:txBody>
+      </p:sp>
+      <p:sp>
+        <p:nvSpPr>
+          <p:cNvPr id="15" name="Rectangle 14">
+            <a:extLst>
+              <a:ext uri="{FF2B5EF4-FFF2-40B4-BE49-F238E27FC236}">
+                <a16:creationId xmlns:a16="http://schemas.microsoft.com/office/drawing/2014/main" id="{0032F965-D839-488E-BBCD-1F70F114EE52}"/>
+              </a:ext>
+            </a:extLst>
+          </p:cNvPr>
+          <p:cNvSpPr/>
+          <p:nvPr/>
+        </p:nvSpPr>
+        <p:spPr>
+          <a:xfrm>
+            <a:off x="5692908" y="2598491"/>
+            <a:ext cx="296758" cy="208280"/>
+          </a:xfrm>
+          <a:prstGeom prst="rect">
+            <a:avLst/>
+          </a:prstGeom>
+          <a:noFill/>
+          <a:ln w="28575">
+            <a:noFill/>
+          </a:ln>
+        </p:spPr>
+        <p:style>
+          <a:lnRef idx="2">
+            <a:schemeClr val="accent1">
+              <a:shade val="50000"/>
+            </a:schemeClr>
+          </a:lnRef>
+          <a:fillRef idx="1">
+            <a:schemeClr val="accent1"/>
+          </a:fillRef>
+          <a:effectRef idx="0">
+            <a:schemeClr val="accent1"/>
+          </a:effectRef>
+          <a:fontRef idx="minor">
+            <a:schemeClr val="lt1"/>
+          </a:fontRef>
+        </p:style>
+        <p:txBody>
+          <a:bodyPr rtlCol="0" anchor="ctr"/>
+          <a:lstStyle/>
+          <a:p>
+            <a:pPr algn="ctr"/>
+            <a:r>
+              <a:rPr lang="en-US" sz="1050" b="1" dirty="0">
+                <a:solidFill>
+                  <a:srgbClr val="FF0000"/>
+                </a:solidFill>
+              </a:rPr>
+              <a:t>0</a:t>
+            </a:r>
+          </a:p>
+        </p:txBody>
+      </p:sp>
+      <p:sp>
+        <p:nvSpPr>
+          <p:cNvPr id="16" name="Rectangle 15">
+            <a:extLst>
+              <a:ext uri="{FF2B5EF4-FFF2-40B4-BE49-F238E27FC236}">
+                <a16:creationId xmlns:a16="http://schemas.microsoft.com/office/drawing/2014/main" id="{D6D92E70-C8D3-44B1-9448-425F20F27878}"/>
+              </a:ext>
+            </a:extLst>
+          </p:cNvPr>
+          <p:cNvSpPr/>
+          <p:nvPr/>
+        </p:nvSpPr>
+        <p:spPr>
+          <a:xfrm>
+            <a:off x="6749770" y="2567506"/>
+            <a:ext cx="296758" cy="208280"/>
+          </a:xfrm>
+          <a:prstGeom prst="rect">
+            <a:avLst/>
+          </a:prstGeom>
+          <a:noFill/>
+          <a:ln w="28575">
+            <a:noFill/>
+          </a:ln>
+        </p:spPr>
+        <p:style>
+          <a:lnRef idx="2">
+            <a:schemeClr val="accent1">
+              <a:shade val="50000"/>
+            </a:schemeClr>
+          </a:lnRef>
+          <a:fillRef idx="1">
+            <a:schemeClr val="accent1"/>
+          </a:fillRef>
+          <a:effectRef idx="0">
+            <a:schemeClr val="accent1"/>
+          </a:effectRef>
+          <a:fontRef idx="minor">
+            <a:schemeClr val="lt1"/>
+          </a:fontRef>
+        </p:style>
+        <p:txBody>
+          <a:bodyPr rtlCol="0" anchor="ctr"/>
+          <a:lstStyle/>
+          <a:p>
+            <a:pPr algn="ctr"/>
+            <a:r>
+              <a:rPr lang="en-US" sz="1050" b="1" dirty="0">
+                <a:solidFill>
+                  <a:srgbClr val="FF0000"/>
+                </a:solidFill>
+              </a:rPr>
+              <a:t>0</a:t>
+            </a:r>
+          </a:p>
+        </p:txBody>
+      </p:sp>
+      <p:sp>
+        <p:nvSpPr>
+          <p:cNvPr id="17" name="Rectangle 16">
+            <a:extLst>
+              <a:ext uri="{FF2B5EF4-FFF2-40B4-BE49-F238E27FC236}">
+                <a16:creationId xmlns:a16="http://schemas.microsoft.com/office/drawing/2014/main" id="{C7731AA9-8CFD-43F4-B775-CC00EE0E277D}"/>
+              </a:ext>
+            </a:extLst>
+          </p:cNvPr>
+          <p:cNvSpPr/>
+          <p:nvPr/>
+        </p:nvSpPr>
+        <p:spPr>
+          <a:xfrm>
+            <a:off x="8491563" y="2533320"/>
+            <a:ext cx="296758" cy="208280"/>
+          </a:xfrm>
+          <a:prstGeom prst="rect">
+            <a:avLst/>
+          </a:prstGeom>
+          <a:noFill/>
+          <a:ln w="28575">
+            <a:noFill/>
+          </a:ln>
+        </p:spPr>
+        <p:style>
+          <a:lnRef idx="2">
+            <a:schemeClr val="accent1">
+              <a:shade val="50000"/>
+            </a:schemeClr>
+          </a:lnRef>
+          <a:fillRef idx="1">
+            <a:schemeClr val="accent1"/>
+          </a:fillRef>
+          <a:effectRef idx="0">
+            <a:schemeClr val="accent1"/>
+          </a:effectRef>
+          <a:fontRef idx="minor">
+            <a:schemeClr val="lt1"/>
+          </a:fontRef>
+        </p:style>
+        <p:txBody>
+          <a:bodyPr rtlCol="0" anchor="ctr"/>
+          <a:lstStyle/>
+          <a:p>
+            <a:pPr algn="ctr"/>
+            <a:r>
+              <a:rPr lang="en-US" sz="1050" b="1" dirty="0">
+                <a:solidFill>
+                  <a:srgbClr val="FF0000"/>
+                </a:solidFill>
+              </a:rPr>
+              <a:t>1</a:t>
+            </a:r>
+          </a:p>
+        </p:txBody>
+      </p:sp>
+      <p:sp>
+        <p:nvSpPr>
+          <p:cNvPr id="18" name="Rectangle 17">
+            <a:extLst>
+              <a:ext uri="{FF2B5EF4-FFF2-40B4-BE49-F238E27FC236}">
+                <a16:creationId xmlns:a16="http://schemas.microsoft.com/office/drawing/2014/main" id="{14565FBD-C61A-48C4-92FA-E210007D9EAF}"/>
+              </a:ext>
+            </a:extLst>
+          </p:cNvPr>
+          <p:cNvSpPr/>
+          <p:nvPr/>
+        </p:nvSpPr>
+        <p:spPr>
+          <a:xfrm>
+            <a:off x="3482763" y="2362926"/>
+            <a:ext cx="296758" cy="208280"/>
+          </a:xfrm>
+          <a:prstGeom prst="rect">
+            <a:avLst/>
+          </a:prstGeom>
+          <a:noFill/>
+          <a:ln w="28575">
+            <a:noFill/>
+          </a:ln>
+        </p:spPr>
+        <p:style>
+          <a:lnRef idx="2">
+            <a:schemeClr val="accent1">
+              <a:shade val="50000"/>
+            </a:schemeClr>
+          </a:lnRef>
+          <a:fillRef idx="1">
+            <a:schemeClr val="accent1"/>
+          </a:fillRef>
+          <a:effectRef idx="0">
+            <a:schemeClr val="accent1"/>
+          </a:effectRef>
+          <a:fontRef idx="minor">
+            <a:schemeClr val="lt1"/>
+          </a:fontRef>
+        </p:style>
+        <p:txBody>
+          <a:bodyPr rtlCol="0" anchor="ctr"/>
+          <a:lstStyle/>
+          <a:p>
+            <a:pPr algn="ctr"/>
+            <a:r>
+              <a:rPr lang="en-US" sz="1050" b="1" dirty="0">
+                <a:solidFill>
+                  <a:srgbClr val="FF0000"/>
+                </a:solidFill>
+              </a:rPr>
+              <a:t>1</a:t>
+            </a:r>
+          </a:p>
+        </p:txBody>
+      </p:sp>
+      <p:sp>
+        <p:nvSpPr>
+          <p:cNvPr id="19" name="Rectangle 18">
+            <a:extLst>
+              <a:ext uri="{FF2B5EF4-FFF2-40B4-BE49-F238E27FC236}">
+                <a16:creationId xmlns:a16="http://schemas.microsoft.com/office/drawing/2014/main" id="{BA9450DF-CF38-4A3F-AA91-9F49F91D7F47}"/>
+              </a:ext>
+            </a:extLst>
+          </p:cNvPr>
+          <p:cNvSpPr/>
+          <p:nvPr/>
+        </p:nvSpPr>
+        <p:spPr>
+          <a:xfrm>
+            <a:off x="3966844" y="2362926"/>
+            <a:ext cx="296758" cy="208280"/>
+          </a:xfrm>
+          <a:prstGeom prst="rect">
+            <a:avLst/>
+          </a:prstGeom>
+          <a:noFill/>
+          <a:ln w="28575">
+            <a:noFill/>
+          </a:ln>
+        </p:spPr>
+        <p:style>
+          <a:lnRef idx="2">
+            <a:schemeClr val="accent1">
+              <a:shade val="50000"/>
+            </a:schemeClr>
+          </a:lnRef>
+          <a:fillRef idx="1">
+            <a:schemeClr val="accent1"/>
+          </a:fillRef>
+          <a:effectRef idx="0">
+            <a:schemeClr val="accent1"/>
+          </a:effectRef>
+          <a:fontRef idx="minor">
+            <a:schemeClr val="lt1"/>
+          </a:fontRef>
+        </p:style>
+        <p:txBody>
+          <a:bodyPr rtlCol="0" anchor="ctr"/>
+          <a:lstStyle/>
+          <a:p>
+            <a:pPr algn="ctr"/>
+            <a:r>
+              <a:rPr lang="en-US" sz="1050" b="1" dirty="0">
+                <a:solidFill>
+                  <a:srgbClr val="FF0000"/>
+                </a:solidFill>
+              </a:rPr>
+              <a:t>2</a:t>
+            </a:r>
+          </a:p>
+        </p:txBody>
+      </p:sp>
+      <p:sp>
+        <p:nvSpPr>
+          <p:cNvPr id="20" name="Rectangle 19">
+            <a:extLst>
+              <a:ext uri="{FF2B5EF4-FFF2-40B4-BE49-F238E27FC236}">
+                <a16:creationId xmlns:a16="http://schemas.microsoft.com/office/drawing/2014/main" id="{D72B2784-078C-43D5-95E0-A3EE48DE0DB3}"/>
+              </a:ext>
+            </a:extLst>
+          </p:cNvPr>
+          <p:cNvSpPr/>
+          <p:nvPr/>
+        </p:nvSpPr>
+        <p:spPr>
+          <a:xfrm>
+            <a:off x="4423621" y="2360304"/>
+            <a:ext cx="296758" cy="208280"/>
+          </a:xfrm>
+          <a:prstGeom prst="rect">
+            <a:avLst/>
+          </a:prstGeom>
+          <a:noFill/>
+          <a:ln w="28575">
+            <a:noFill/>
+          </a:ln>
+        </p:spPr>
+        <p:style>
+          <a:lnRef idx="2">
+            <a:schemeClr val="accent1">
+              <a:shade val="50000"/>
+            </a:schemeClr>
+          </a:lnRef>
+          <a:fillRef idx="1">
+            <a:schemeClr val="accent1"/>
+          </a:fillRef>
+          <a:effectRef idx="0">
+            <a:schemeClr val="accent1"/>
+          </a:effectRef>
+          <a:fontRef idx="minor">
+            <a:schemeClr val="lt1"/>
+          </a:fontRef>
+        </p:style>
+        <p:txBody>
+          <a:bodyPr rtlCol="0" anchor="ctr"/>
+          <a:lstStyle/>
+          <a:p>
+            <a:pPr algn="ctr"/>
+            <a:r>
+              <a:rPr lang="en-US" sz="1050" b="1" dirty="0">
+                <a:solidFill>
+                  <a:srgbClr val="FF0000"/>
+                </a:solidFill>
+              </a:rPr>
+              <a:t>3</a:t>
+            </a:r>
+          </a:p>
+        </p:txBody>
+      </p:sp>
+      <p:sp>
+        <p:nvSpPr>
+          <p:cNvPr id="21" name="Rectangle 20">
+            <a:extLst>
+              <a:ext uri="{FF2B5EF4-FFF2-40B4-BE49-F238E27FC236}">
+                <a16:creationId xmlns:a16="http://schemas.microsoft.com/office/drawing/2014/main" id="{1D5C51E2-102F-4B81-AE5E-A18BC663A3FF}"/>
+              </a:ext>
+            </a:extLst>
+          </p:cNvPr>
+          <p:cNvSpPr/>
+          <p:nvPr/>
+        </p:nvSpPr>
+        <p:spPr>
+          <a:xfrm>
+            <a:off x="4896802" y="2360304"/>
+            <a:ext cx="296758" cy="208280"/>
+          </a:xfrm>
+          <a:prstGeom prst="rect">
+            <a:avLst/>
+          </a:prstGeom>
+          <a:noFill/>
+          <a:ln w="28575">
+            <a:noFill/>
+          </a:ln>
+        </p:spPr>
+        <p:style>
+          <a:lnRef idx="2">
+            <a:schemeClr val="accent1">
+              <a:shade val="50000"/>
+            </a:schemeClr>
+          </a:lnRef>
+          <a:fillRef idx="1">
+            <a:schemeClr val="accent1"/>
+          </a:fillRef>
+          <a:effectRef idx="0">
+            <a:schemeClr val="accent1"/>
+          </a:effectRef>
+          <a:fontRef idx="minor">
+            <a:schemeClr val="lt1"/>
+          </a:fontRef>
+        </p:style>
+        <p:txBody>
+          <a:bodyPr rtlCol="0" anchor="ctr"/>
+          <a:lstStyle/>
+          <a:p>
+            <a:pPr algn="ctr"/>
+            <a:r>
+              <a:rPr lang="en-US" sz="1050" b="1" dirty="0">
+                <a:solidFill>
+                  <a:srgbClr val="FF0000"/>
+                </a:solidFill>
+              </a:rPr>
+              <a:t>4</a:t>
+            </a:r>
+          </a:p>
+        </p:txBody>
+      </p:sp>
+      <p:sp>
+        <p:nvSpPr>
+          <p:cNvPr id="22" name="Rectangle 21">
+            <a:extLst>
+              <a:ext uri="{FF2B5EF4-FFF2-40B4-BE49-F238E27FC236}">
+                <a16:creationId xmlns:a16="http://schemas.microsoft.com/office/drawing/2014/main" id="{3EDF3833-9EE6-4BB8-867F-B051CAD3594D}"/>
+              </a:ext>
+            </a:extLst>
+          </p:cNvPr>
+          <p:cNvSpPr/>
+          <p:nvPr/>
+        </p:nvSpPr>
+        <p:spPr>
+          <a:xfrm>
+            <a:off x="5364479" y="2372936"/>
+            <a:ext cx="296758" cy="208280"/>
+          </a:xfrm>
+          <a:prstGeom prst="rect">
+            <a:avLst/>
+          </a:prstGeom>
+          <a:noFill/>
+          <a:ln w="28575">
+            <a:noFill/>
+          </a:ln>
+        </p:spPr>
+        <p:style>
+          <a:lnRef idx="2">
+            <a:schemeClr val="accent1">
+              <a:shade val="50000"/>
+            </a:schemeClr>
+          </a:lnRef>
+          <a:fillRef idx="1">
+            <a:schemeClr val="accent1"/>
+          </a:fillRef>
+          <a:effectRef idx="0">
+            <a:schemeClr val="accent1"/>
+          </a:effectRef>
+          <a:fontRef idx="minor">
+            <a:schemeClr val="lt1"/>
+          </a:fontRef>
+        </p:style>
+        <p:txBody>
+          <a:bodyPr rtlCol="0" anchor="ctr"/>
+          <a:lstStyle/>
+          <a:p>
+            <a:pPr algn="ctr"/>
+            <a:r>
+              <a:rPr lang="en-US" sz="1050" b="1" dirty="0">
+                <a:solidFill>
+                  <a:srgbClr val="FF0000"/>
+                </a:solidFill>
+              </a:rPr>
+              <a:t>5</a:t>
+            </a:r>
+          </a:p>
+        </p:txBody>
+      </p:sp>
+      <p:sp>
+        <p:nvSpPr>
+          <p:cNvPr id="23" name="Rectangle 22">
+            <a:extLst>
+              <a:ext uri="{FF2B5EF4-FFF2-40B4-BE49-F238E27FC236}">
+                <a16:creationId xmlns:a16="http://schemas.microsoft.com/office/drawing/2014/main" id="{9490F6A0-3D5B-459C-9FCC-A245C613A7A9}"/>
+              </a:ext>
+            </a:extLst>
+          </p:cNvPr>
+          <p:cNvSpPr/>
+          <p:nvPr/>
+        </p:nvSpPr>
+        <p:spPr>
+          <a:xfrm>
+            <a:off x="5862747" y="2360304"/>
+            <a:ext cx="296758" cy="208280"/>
+          </a:xfrm>
+          <a:prstGeom prst="rect">
+            <a:avLst/>
+          </a:prstGeom>
+          <a:noFill/>
+          <a:ln w="28575">
+            <a:noFill/>
+          </a:ln>
+        </p:spPr>
+        <p:style>
+          <a:lnRef idx="2">
+            <a:schemeClr val="accent1">
+              <a:shade val="50000"/>
+            </a:schemeClr>
+          </a:lnRef>
+          <a:fillRef idx="1">
+            <a:schemeClr val="accent1"/>
+          </a:fillRef>
+          <a:effectRef idx="0">
+            <a:schemeClr val="accent1"/>
+          </a:effectRef>
+          <a:fontRef idx="minor">
+            <a:schemeClr val="lt1"/>
+          </a:fontRef>
+        </p:style>
+        <p:txBody>
+          <a:bodyPr rtlCol="0" anchor="ctr"/>
+          <a:lstStyle/>
+          <a:p>
+            <a:pPr algn="ctr"/>
+            <a:r>
+              <a:rPr lang="en-US" sz="1050" b="1" dirty="0">
+                <a:solidFill>
+                  <a:srgbClr val="FF0000"/>
+                </a:solidFill>
+              </a:rPr>
+              <a:t>6</a:t>
+            </a:r>
+          </a:p>
+        </p:txBody>
+      </p:sp>
+      <p:sp>
+        <p:nvSpPr>
+          <p:cNvPr id="24" name="Rectangle 23">
+            <a:extLst>
+              <a:ext uri="{FF2B5EF4-FFF2-40B4-BE49-F238E27FC236}">
+                <a16:creationId xmlns:a16="http://schemas.microsoft.com/office/drawing/2014/main" id="{4485031D-BE52-42E1-A15C-1278C62A6575}"/>
+              </a:ext>
+            </a:extLst>
+          </p:cNvPr>
+          <p:cNvSpPr/>
+          <p:nvPr/>
+        </p:nvSpPr>
+        <p:spPr>
+          <a:xfrm>
+            <a:off x="6329683" y="2360304"/>
+            <a:ext cx="296758" cy="208280"/>
+          </a:xfrm>
+          <a:prstGeom prst="rect">
+            <a:avLst/>
+          </a:prstGeom>
+          <a:noFill/>
+          <a:ln w="28575">
+            <a:noFill/>
+          </a:ln>
+        </p:spPr>
+        <p:style>
+          <a:lnRef idx="2">
+            <a:schemeClr val="accent1">
+              <a:shade val="50000"/>
+            </a:schemeClr>
+          </a:lnRef>
+          <a:fillRef idx="1">
+            <a:schemeClr val="accent1"/>
+          </a:fillRef>
+          <a:effectRef idx="0">
+            <a:schemeClr val="accent1"/>
+          </a:effectRef>
+          <a:fontRef idx="minor">
+            <a:schemeClr val="lt1"/>
+          </a:fontRef>
+        </p:style>
+        <p:txBody>
+          <a:bodyPr rtlCol="0" anchor="ctr"/>
+          <a:lstStyle/>
+          <a:p>
+            <a:pPr algn="ctr"/>
+            <a:r>
+              <a:rPr lang="en-US" sz="1050" b="1" dirty="0">
+                <a:solidFill>
+                  <a:srgbClr val="FF0000"/>
+                </a:solidFill>
+              </a:rPr>
+              <a:t>7</a:t>
+            </a:r>
+          </a:p>
+        </p:txBody>
+      </p:sp>
+      <p:sp>
+        <p:nvSpPr>
+          <p:cNvPr id="25" name="Rectangle 24">
+            <a:extLst>
+              <a:ext uri="{FF2B5EF4-FFF2-40B4-BE49-F238E27FC236}">
+                <a16:creationId xmlns:a16="http://schemas.microsoft.com/office/drawing/2014/main" id="{E971951C-5684-473F-832C-5921651ED18B}"/>
+              </a:ext>
+            </a:extLst>
+          </p:cNvPr>
+          <p:cNvSpPr/>
+          <p:nvPr/>
+        </p:nvSpPr>
+        <p:spPr>
+          <a:xfrm>
+            <a:off x="6839163" y="2372936"/>
+            <a:ext cx="296758" cy="208280"/>
+          </a:xfrm>
+          <a:prstGeom prst="rect">
+            <a:avLst/>
+          </a:prstGeom>
+          <a:noFill/>
+          <a:ln w="28575">
+            <a:noFill/>
+          </a:ln>
+        </p:spPr>
+        <p:style>
+          <a:lnRef idx="2">
+            <a:schemeClr val="accent1">
+              <a:shade val="50000"/>
+            </a:schemeClr>
+          </a:lnRef>
+          <a:fillRef idx="1">
+            <a:schemeClr val="accent1"/>
+          </a:fillRef>
+          <a:effectRef idx="0">
+            <a:schemeClr val="accent1"/>
+          </a:effectRef>
+          <a:fontRef idx="minor">
+            <a:schemeClr val="lt1"/>
+          </a:fontRef>
+        </p:style>
+        <p:txBody>
+          <a:bodyPr rtlCol="0" anchor="ctr"/>
+          <a:lstStyle/>
+          <a:p>
+            <a:pPr algn="ctr"/>
+            <a:r>
+              <a:rPr lang="en-US" sz="1050" b="1" dirty="0">
+                <a:solidFill>
+                  <a:srgbClr val="FF0000"/>
+                </a:solidFill>
+              </a:rPr>
+              <a:t>8</a:t>
+            </a:r>
+          </a:p>
+        </p:txBody>
+      </p:sp>
+      <p:sp>
+        <p:nvSpPr>
+          <p:cNvPr id="26" name="Rectangle 25">
+            <a:extLst>
+              <a:ext uri="{FF2B5EF4-FFF2-40B4-BE49-F238E27FC236}">
+                <a16:creationId xmlns:a16="http://schemas.microsoft.com/office/drawing/2014/main" id="{CC8A98FA-A104-4AE3-BB58-BC18EE7CE54C}"/>
+              </a:ext>
+            </a:extLst>
+          </p:cNvPr>
+          <p:cNvSpPr/>
+          <p:nvPr/>
+        </p:nvSpPr>
+        <p:spPr>
+          <a:xfrm>
+            <a:off x="7288740" y="2372936"/>
+            <a:ext cx="296758" cy="208280"/>
+          </a:xfrm>
+          <a:prstGeom prst="rect">
+            <a:avLst/>
+          </a:prstGeom>
+          <a:noFill/>
+          <a:ln w="28575">
+            <a:noFill/>
+          </a:ln>
+        </p:spPr>
+        <p:style>
+          <a:lnRef idx="2">
+            <a:schemeClr val="accent1">
+              <a:shade val="50000"/>
+            </a:schemeClr>
+          </a:lnRef>
+          <a:fillRef idx="1">
+            <a:schemeClr val="accent1"/>
+          </a:fillRef>
+          <a:effectRef idx="0">
+            <a:schemeClr val="accent1"/>
+          </a:effectRef>
+          <a:fontRef idx="minor">
+            <a:schemeClr val="lt1"/>
+          </a:fontRef>
+        </p:style>
+        <p:txBody>
+          <a:bodyPr rtlCol="0" anchor="ctr"/>
+          <a:lstStyle/>
+          <a:p>
+            <a:pPr algn="ctr"/>
+            <a:r>
+              <a:rPr lang="en-US" sz="1050" b="1" dirty="0">
+                <a:solidFill>
+                  <a:srgbClr val="FF0000"/>
+                </a:solidFill>
+              </a:rPr>
+              <a:t>9</a:t>
+            </a:r>
+          </a:p>
+        </p:txBody>
+      </p:sp>
+      <p:sp>
+        <p:nvSpPr>
+          <p:cNvPr id="28" name="Rectangle 27">
+            <a:extLst>
+              <a:ext uri="{FF2B5EF4-FFF2-40B4-BE49-F238E27FC236}">
+                <a16:creationId xmlns:a16="http://schemas.microsoft.com/office/drawing/2014/main" id="{A431F3DF-08DF-49F8-9C07-64B4A3BFE43A}"/>
+              </a:ext>
+            </a:extLst>
+          </p:cNvPr>
+          <p:cNvSpPr/>
+          <p:nvPr/>
+        </p:nvSpPr>
+        <p:spPr>
+          <a:xfrm>
+            <a:off x="8303598" y="2292101"/>
+            <a:ext cx="571087" cy="1529080"/>
+          </a:xfrm>
+          <a:prstGeom prst="rect">
+            <a:avLst/>
+          </a:prstGeom>
+          <a:noFill/>
+          <a:ln w="28575">
+            <a:solidFill>
+              <a:schemeClr val="accent4"/>
+            </a:solidFill>
+          </a:ln>
+        </p:spPr>
+        <p:style>
+          <a:lnRef idx="2">
+            <a:schemeClr val="accent1">
+              <a:shade val="50000"/>
+            </a:schemeClr>
+          </a:lnRef>
+          <a:fillRef idx="1">
+            <a:schemeClr val="accent1"/>
+          </a:fillRef>
+          <a:effectRef idx="0">
+            <a:schemeClr val="accent1"/>
+          </a:effectRef>
+          <a:fontRef idx="minor">
+            <a:schemeClr val="lt1"/>
+          </a:fontRef>
+        </p:style>
+        <p:txBody>
+          <a:bodyPr rtlCol="0" anchor="ctr"/>
+          <a:lstStyle/>
+          <a:p>
+            <a:pPr algn="ctr"/>
+            <a:endParaRPr lang="en-US"/>
+          </a:p>
+        </p:txBody>
+      </p:sp>
+      <p:cxnSp>
+        <p:nvCxnSpPr>
+          <p:cNvPr id="29" name="Straight Connector 28">
+            <a:extLst>
+              <a:ext uri="{FF2B5EF4-FFF2-40B4-BE49-F238E27FC236}">
+                <a16:creationId xmlns:a16="http://schemas.microsoft.com/office/drawing/2014/main" id="{3C279ABD-5A00-4065-9847-F56164AC2B7D}"/>
+              </a:ext>
+            </a:extLst>
+          </p:cNvPr>
+          <p:cNvCxnSpPr/>
+          <p:nvPr/>
+        </p:nvCxnSpPr>
+        <p:spPr>
+          <a:xfrm>
+            <a:off x="3267499" y="2645077"/>
+            <a:ext cx="0" cy="1333500"/>
+          </a:xfrm>
+          <a:prstGeom prst="line">
+            <a:avLst/>
+          </a:prstGeom>
+          <a:ln w="19050">
+            <a:solidFill>
+              <a:schemeClr val="accent4"/>
+            </a:solidFill>
+            <a:prstDash val="dash"/>
+          </a:ln>
+        </p:spPr>
+        <p:style>
+          <a:lnRef idx="1">
+            <a:schemeClr val="accent1"/>
+          </a:lnRef>
+          <a:fillRef idx="0">
+            <a:schemeClr val="accent1"/>
+          </a:fillRef>
+          <a:effectRef idx="0">
+            <a:schemeClr val="accent1"/>
+          </a:effectRef>
+          <a:fontRef idx="minor">
+            <a:schemeClr val="tx1"/>
+          </a:fontRef>
+        </p:style>
+      </p:cxnSp>
+      <p:cxnSp>
+        <p:nvCxnSpPr>
+          <p:cNvPr id="30" name="Straight Connector 29">
+            <a:extLst>
+              <a:ext uri="{FF2B5EF4-FFF2-40B4-BE49-F238E27FC236}">
+                <a16:creationId xmlns:a16="http://schemas.microsoft.com/office/drawing/2014/main" id="{3E82A615-4BA7-46D2-A64F-F9E98024445E}"/>
+              </a:ext>
+            </a:extLst>
+          </p:cNvPr>
+          <p:cNvCxnSpPr/>
+          <p:nvPr/>
+        </p:nvCxnSpPr>
+        <p:spPr>
+          <a:xfrm>
+            <a:off x="7639253" y="2645077"/>
+            <a:ext cx="0" cy="1333500"/>
+          </a:xfrm>
+          <a:prstGeom prst="line">
+            <a:avLst/>
+          </a:prstGeom>
+          <a:ln w="19050">
+            <a:solidFill>
+              <a:schemeClr val="accent4"/>
+            </a:solidFill>
+            <a:prstDash val="dash"/>
+          </a:ln>
+        </p:spPr>
+        <p:style>
+          <a:lnRef idx="1">
+            <a:schemeClr val="accent1"/>
+          </a:lnRef>
+          <a:fillRef idx="0">
+            <a:schemeClr val="accent1"/>
+          </a:fillRef>
+          <a:effectRef idx="0">
+            <a:schemeClr val="accent1"/>
+          </a:effectRef>
+          <a:fontRef idx="minor">
+            <a:schemeClr val="tx1"/>
+          </a:fontRef>
+        </p:style>
+      </p:cxnSp>
+      <p:sp>
+        <p:nvSpPr>
+          <p:cNvPr id="31" name="Rectangle 30">
+            <a:extLst>
+              <a:ext uri="{FF2B5EF4-FFF2-40B4-BE49-F238E27FC236}">
+                <a16:creationId xmlns:a16="http://schemas.microsoft.com/office/drawing/2014/main" id="{F2C671AB-0381-4CF1-A70D-BA9B03390E99}"/>
+              </a:ext>
+            </a:extLst>
+          </p:cNvPr>
+          <p:cNvSpPr/>
+          <p:nvPr/>
+        </p:nvSpPr>
+        <p:spPr>
+          <a:xfrm>
+            <a:off x="1746885" y="4049157"/>
+            <a:ext cx="842010" cy="329448"/>
+          </a:xfrm>
+          <a:prstGeom prst="rect">
+            <a:avLst/>
+          </a:prstGeom>
+        </p:spPr>
+        <p:style>
+          <a:lnRef idx="2">
+            <a:schemeClr val="accent1">
+              <a:shade val="50000"/>
+            </a:schemeClr>
+          </a:lnRef>
+          <a:fillRef idx="1">
+            <a:schemeClr val="accent1"/>
+          </a:fillRef>
+          <a:effectRef idx="0">
+            <a:schemeClr val="accent1"/>
+          </a:effectRef>
+          <a:fontRef idx="minor">
+            <a:schemeClr val="lt1"/>
+          </a:fontRef>
+        </p:style>
+        <p:txBody>
+          <a:bodyPr rtlCol="0" anchor="ctr"/>
+          <a:lstStyle/>
+          <a:p>
+            <a:r>
+              <a:rPr lang="en-US" sz="800" dirty="0"/>
+              <a:t>SCL =1</a:t>
+            </a:r>
+          </a:p>
+          <a:p>
+            <a:r>
+              <a:rPr lang="en-US" sz="800" dirty="0"/>
+              <a:t>SDA = 1 to 0</a:t>
+            </a:r>
+          </a:p>
+        </p:txBody>
+      </p:sp>
+      <p:cxnSp>
+        <p:nvCxnSpPr>
+          <p:cNvPr id="32" name="Straight Arrow Connector 31">
+            <a:extLst>
+              <a:ext uri="{FF2B5EF4-FFF2-40B4-BE49-F238E27FC236}">
+                <a16:creationId xmlns:a16="http://schemas.microsoft.com/office/drawing/2014/main" id="{5613D789-E249-44F2-9AED-324798485BEF}"/>
+              </a:ext>
+            </a:extLst>
+          </p:cNvPr>
+          <p:cNvCxnSpPr>
+            <a:cxnSpLocks/>
+          </p:cNvCxnSpPr>
+          <p:nvPr/>
+        </p:nvCxnSpPr>
+        <p:spPr>
+          <a:xfrm>
+            <a:off x="2152509" y="3830077"/>
+            <a:ext cx="0" cy="211615"/>
+          </a:xfrm>
+          <a:prstGeom prst="straightConnector1">
+            <a:avLst/>
+          </a:prstGeom>
+          <a:ln w="19050">
+            <a:solidFill>
+              <a:schemeClr val="accent1"/>
+            </a:solidFill>
+            <a:tailEnd type="triangle"/>
+          </a:ln>
+        </p:spPr>
+        <p:style>
+          <a:lnRef idx="1">
+            <a:schemeClr val="accent1"/>
+          </a:lnRef>
+          <a:fillRef idx="0">
+            <a:schemeClr val="accent1"/>
+          </a:fillRef>
+          <a:effectRef idx="0">
+            <a:schemeClr val="accent1"/>
+          </a:effectRef>
+          <a:fontRef idx="minor">
+            <a:schemeClr val="tx1"/>
+          </a:fontRef>
+        </p:style>
+      </p:cxnSp>
+      <p:sp>
+        <p:nvSpPr>
+          <p:cNvPr id="33" name="Rectangle 32">
+            <a:extLst>
+              <a:ext uri="{FF2B5EF4-FFF2-40B4-BE49-F238E27FC236}">
+                <a16:creationId xmlns:a16="http://schemas.microsoft.com/office/drawing/2014/main" id="{A9890596-E94C-430B-BCA2-1E846E5B19C9}"/>
+              </a:ext>
+            </a:extLst>
+          </p:cNvPr>
+          <p:cNvSpPr/>
+          <p:nvPr/>
+        </p:nvSpPr>
+        <p:spPr>
+          <a:xfrm>
+            <a:off x="8118536" y="4062400"/>
+            <a:ext cx="783168" cy="336550"/>
+          </a:xfrm>
+          <a:prstGeom prst="rect">
+            <a:avLst/>
+          </a:prstGeom>
+        </p:spPr>
+        <p:style>
+          <a:lnRef idx="2">
+            <a:schemeClr val="accent1">
+              <a:shade val="50000"/>
+            </a:schemeClr>
+          </a:lnRef>
+          <a:fillRef idx="1">
+            <a:schemeClr val="accent1"/>
+          </a:fillRef>
+          <a:effectRef idx="0">
+            <a:schemeClr val="accent1"/>
+          </a:effectRef>
+          <a:fontRef idx="minor">
+            <a:schemeClr val="lt1"/>
+          </a:fontRef>
+        </p:style>
+        <p:txBody>
+          <a:bodyPr rtlCol="0" anchor="ctr"/>
+          <a:lstStyle/>
+          <a:p>
+            <a:r>
+              <a:rPr lang="en-US" sz="800" dirty="0"/>
+              <a:t>SCL =1</a:t>
+            </a:r>
+          </a:p>
+          <a:p>
+            <a:r>
+              <a:rPr lang="en-US" sz="800" dirty="0"/>
+              <a:t>SDA = 0 to 1</a:t>
+            </a:r>
+          </a:p>
+        </p:txBody>
+      </p:sp>
+      <p:cxnSp>
+        <p:nvCxnSpPr>
+          <p:cNvPr id="34" name="Straight Arrow Connector 33">
+            <a:extLst>
+              <a:ext uri="{FF2B5EF4-FFF2-40B4-BE49-F238E27FC236}">
+                <a16:creationId xmlns:a16="http://schemas.microsoft.com/office/drawing/2014/main" id="{E7672B74-43A6-467D-96D5-0F980E4AD671}"/>
+              </a:ext>
+            </a:extLst>
+          </p:cNvPr>
+          <p:cNvCxnSpPr>
+            <a:cxnSpLocks/>
+          </p:cNvCxnSpPr>
+          <p:nvPr/>
+        </p:nvCxnSpPr>
+        <p:spPr>
+          <a:xfrm>
+            <a:off x="8577543" y="3829583"/>
+            <a:ext cx="0" cy="244976"/>
+          </a:xfrm>
+          <a:prstGeom prst="straightConnector1">
+            <a:avLst/>
+          </a:prstGeom>
+          <a:ln w="19050">
+            <a:solidFill>
+              <a:schemeClr val="accent1"/>
+            </a:solidFill>
+            <a:tailEnd type="triangle"/>
+          </a:ln>
+        </p:spPr>
+        <p:style>
+          <a:lnRef idx="1">
+            <a:schemeClr val="accent1"/>
+          </a:lnRef>
+          <a:fillRef idx="0">
+            <a:schemeClr val="accent1"/>
+          </a:fillRef>
+          <a:effectRef idx="0">
+            <a:schemeClr val="accent1"/>
+          </a:effectRef>
+          <a:fontRef idx="minor">
+            <a:schemeClr val="tx1"/>
+          </a:fontRef>
+        </p:style>
+      </p:cxnSp>
+      <p:sp>
+        <p:nvSpPr>
+          <p:cNvPr id="35" name="Right Brace 34">
+            <a:extLst>
+              <a:ext uri="{FF2B5EF4-FFF2-40B4-BE49-F238E27FC236}">
+                <a16:creationId xmlns:a16="http://schemas.microsoft.com/office/drawing/2014/main" id="{13431283-19F3-4B19-846C-34530C95ACB5}"/>
+              </a:ext>
+            </a:extLst>
+          </p:cNvPr>
+          <p:cNvSpPr/>
+          <p:nvPr/>
+        </p:nvSpPr>
+        <p:spPr>
+          <a:xfrm rot="5400000">
+            <a:off x="5322571" y="1825808"/>
+            <a:ext cx="261610" cy="4371754"/>
+          </a:xfrm>
+          <a:prstGeom prst="rightBrace">
+            <a:avLst>
+              <a:gd name="adj1" fmla="val 0"/>
+              <a:gd name="adj2" fmla="val 51953"/>
+            </a:avLst>
+          </a:prstGeom>
+          <a:ln w="19050">
+            <a:solidFill>
+              <a:schemeClr val="accent1"/>
+            </a:solidFill>
+          </a:ln>
+        </p:spPr>
+        <p:style>
+          <a:lnRef idx="1">
+            <a:schemeClr val="accent1"/>
+          </a:lnRef>
+          <a:fillRef idx="0">
+            <a:schemeClr val="accent1"/>
+          </a:fillRef>
+          <a:effectRef idx="0">
+            <a:schemeClr val="accent1"/>
+          </a:effectRef>
+          <a:fontRef idx="minor">
+            <a:schemeClr val="tx1"/>
+          </a:fontRef>
+        </p:style>
+        <p:txBody>
+          <a:bodyPr rtlCol="0" anchor="ctr"/>
+          <a:lstStyle/>
+          <a:p>
+            <a:pPr algn="ctr"/>
+            <a:endParaRPr lang="en-US" dirty="0"/>
+          </a:p>
+        </p:txBody>
+      </p:sp>
+      <p:sp>
+        <p:nvSpPr>
+          <p:cNvPr id="36" name="Rectangle 35">
+            <a:extLst>
+              <a:ext uri="{FF2B5EF4-FFF2-40B4-BE49-F238E27FC236}">
+                <a16:creationId xmlns:a16="http://schemas.microsoft.com/office/drawing/2014/main" id="{7AE303D0-09EA-44B6-AFEA-4FF9C342E8FB}"/>
+              </a:ext>
+            </a:extLst>
+          </p:cNvPr>
+          <p:cNvSpPr/>
+          <p:nvPr/>
+        </p:nvSpPr>
+        <p:spPr>
+          <a:xfrm>
+            <a:off x="4613465" y="4222810"/>
+            <a:ext cx="1431291" cy="336550"/>
+          </a:xfrm>
+          <a:prstGeom prst="rect">
+            <a:avLst/>
+          </a:prstGeom>
+        </p:spPr>
+        <p:style>
+          <a:lnRef idx="2">
+            <a:schemeClr val="accent1">
+              <a:shade val="50000"/>
+            </a:schemeClr>
+          </a:lnRef>
+          <a:fillRef idx="1">
+            <a:schemeClr val="accent1"/>
+          </a:fillRef>
+          <a:effectRef idx="0">
+            <a:schemeClr val="accent1"/>
+          </a:effectRef>
+          <a:fontRef idx="minor">
+            <a:schemeClr val="lt1"/>
+          </a:fontRef>
+        </p:style>
+        <p:txBody>
+          <a:bodyPr rtlCol="0" anchor="ctr"/>
+          <a:lstStyle/>
+          <a:p>
+            <a:pPr algn="ctr"/>
+            <a:r>
+              <a:rPr lang="en-US" sz="1100" dirty="0"/>
+              <a:t>Data = 00010101</a:t>
+            </a:r>
+          </a:p>
+          <a:p>
+            <a:pPr algn="ctr"/>
+            <a:r>
+              <a:rPr lang="en-US" sz="1100" dirty="0"/>
+              <a:t>Pos. = 7654321</a:t>
             </a:r>
           </a:p>
         </p:txBody>
@@ -15791,7 +19017,7 @@
     </p:spTree>
     <p:extLst>
       <p:ext uri="{BB962C8B-B14F-4D97-AF65-F5344CB8AC3E}">
-        <p14:creationId xmlns:p14="http://schemas.microsoft.com/office/powerpoint/2010/main" val="237926173"/>
+        <p14:creationId xmlns:p14="http://schemas.microsoft.com/office/powerpoint/2010/main" val="2352446862"/>
       </p:ext>
     </p:extLst>
   </p:cSld>
@@ -15818,30 +19044,1723 @@
           <a:chExt cx="0" cy="0"/>
         </a:xfrm>
       </p:grpSpPr>
-      <p:sp>
-        <p:nvSpPr>
-          <p:cNvPr id="2" name="Title 1">
+      <p:pic>
+        <p:nvPicPr>
+          <p:cNvPr id="5" name="Picture 4">
             <a:extLst>
               <a:ext uri="{FF2B5EF4-FFF2-40B4-BE49-F238E27FC236}">
-                <a16:creationId xmlns:a16="http://schemas.microsoft.com/office/drawing/2014/main" id="{A38D5CBB-DE1C-47A1-A64B-11D31E5B8E5B}"/>
+                <a16:creationId xmlns:a16="http://schemas.microsoft.com/office/drawing/2014/main" id="{F93C81CD-DB5C-4EE3-9833-D5433173041C}"/>
               </a:ext>
             </a:extLst>
           </p:cNvPr>
-          <p:cNvSpPr>
-            <a:spLocks noGrp="1"/>
+          <p:cNvPicPr>
+            <a:picLocks noChangeAspect="1"/>
+          </p:cNvPicPr>
+          <p:nvPr/>
+        </p:nvPicPr>
+        <p:blipFill>
+          <a:blip r:embed="rId2"/>
+          <a:stretch>
+            <a:fillRect/>
+          </a:stretch>
+        </p:blipFill>
+        <p:spPr>
+          <a:xfrm>
+            <a:off x="0" y="1070965"/>
+            <a:ext cx="9144000" cy="1903322"/>
+          </a:xfrm>
+          <a:prstGeom prst="rect">
+            <a:avLst/>
+          </a:prstGeom>
+        </p:spPr>
+      </p:pic>
+      <p:sp>
+        <p:nvSpPr>
+          <p:cNvPr id="4" name="Title 1">
+            <a:extLst>
+              <a:ext uri="{FF2B5EF4-FFF2-40B4-BE49-F238E27FC236}">
+                <a16:creationId xmlns:a16="http://schemas.microsoft.com/office/drawing/2014/main" id="{B2441DA6-345F-4277-AD57-F002E12119FA}"/>
+              </a:ext>
+            </a:extLst>
+          </p:cNvPr>
+          <p:cNvSpPr txBox="1">
+            <a:spLocks/>
           </p:cNvSpPr>
-          <p:nvPr>
-            <p:ph type="title"/>
-          </p:nvPr>
-        </p:nvSpPr>
-        <p:spPr/>
-        <p:txBody>
-          <a:bodyPr/>
+          <p:nvPr/>
+        </p:nvSpPr>
+        <p:spPr>
+          <a:xfrm>
+            <a:off x="76201" y="0"/>
+            <a:ext cx="3807882" cy="581551"/>
+          </a:xfrm>
+          <a:prstGeom prst="rect">
+            <a:avLst/>
+          </a:prstGeom>
+        </p:spPr>
+        <p:txBody>
+          <a:bodyPr>
+            <a:normAutofit fontScale="97500"/>
+          </a:bodyPr>
+          <a:lstStyle>
+            <a:lvl1pPr algn="l" defTabSz="685800" rtl="0" eaLnBrk="1" latinLnBrk="0" hangingPunct="1">
+              <a:lnSpc>
+                <a:spcPct val="90000"/>
+              </a:lnSpc>
+              <a:spcBef>
+                <a:spcPct val="0"/>
+              </a:spcBef>
+              <a:buNone/>
+              <a:defRPr sz="3300" kern="1200">
+                <a:solidFill>
+                  <a:schemeClr val="tx1"/>
+                </a:solidFill>
+                <a:latin typeface="+mj-lt"/>
+                <a:ea typeface="+mj-ea"/>
+                <a:cs typeface="+mj-cs"/>
+              </a:defRPr>
+            </a:lvl1pPr>
+          </a:lstStyle>
+          <a:p>
+            <a:pPr fontAlgn="auto">
+              <a:spcAft>
+                <a:spcPts val="0"/>
+              </a:spcAft>
+            </a:pPr>
+            <a:r>
+              <a:rPr lang="en-US" dirty="0"/>
+              <a:t>I2C Master</a:t>
+            </a:r>
+          </a:p>
+        </p:txBody>
+      </p:sp>
+      <p:sp>
+        <p:nvSpPr>
+          <p:cNvPr id="6" name="Rectangle 5">
+            <a:extLst>
+              <a:ext uri="{FF2B5EF4-FFF2-40B4-BE49-F238E27FC236}">
+                <a16:creationId xmlns:a16="http://schemas.microsoft.com/office/drawing/2014/main" id="{618610A9-1B7C-41AD-8213-4DB240AE069A}"/>
+              </a:ext>
+            </a:extLst>
+          </p:cNvPr>
+          <p:cNvSpPr/>
+          <p:nvPr/>
+        </p:nvSpPr>
+        <p:spPr>
+          <a:xfrm>
+            <a:off x="1935767" y="1907472"/>
+            <a:ext cx="370840" cy="1529080"/>
+          </a:xfrm>
+          <a:prstGeom prst="rect">
+            <a:avLst/>
+          </a:prstGeom>
+          <a:noFill/>
+          <a:ln w="28575">
+            <a:solidFill>
+              <a:schemeClr val="accent4"/>
+            </a:solidFill>
+          </a:ln>
+        </p:spPr>
+        <p:style>
+          <a:lnRef idx="2">
+            <a:schemeClr val="accent1">
+              <a:shade val="50000"/>
+            </a:schemeClr>
+          </a:lnRef>
+          <a:fillRef idx="1">
+            <a:schemeClr val="accent1"/>
+          </a:fillRef>
+          <a:effectRef idx="0">
+            <a:schemeClr val="accent1"/>
+          </a:effectRef>
+          <a:fontRef idx="minor">
+            <a:schemeClr val="lt1"/>
+          </a:fontRef>
+        </p:style>
+        <p:txBody>
+          <a:bodyPr rtlCol="0" anchor="ctr"/>
           <a:lstStyle/>
           <a:p>
-            <a:r>
-              <a:rPr lang="en-US" dirty="0"/>
-              <a:t>References</a:t>
+            <a:pPr algn="ctr"/>
+            <a:endParaRPr lang="en-US"/>
+          </a:p>
+        </p:txBody>
+      </p:sp>
+      <p:sp>
+        <p:nvSpPr>
+          <p:cNvPr id="8" name="Rectangle 7">
+            <a:extLst>
+              <a:ext uri="{FF2B5EF4-FFF2-40B4-BE49-F238E27FC236}">
+                <a16:creationId xmlns:a16="http://schemas.microsoft.com/office/drawing/2014/main" id="{373EF863-29E9-4394-BA11-B815C05554DC}"/>
+              </a:ext>
+            </a:extLst>
+          </p:cNvPr>
+          <p:cNvSpPr/>
+          <p:nvPr/>
+        </p:nvSpPr>
+        <p:spPr>
+          <a:xfrm>
+            <a:off x="1696085" y="3664528"/>
+            <a:ext cx="842010" cy="329448"/>
+          </a:xfrm>
+          <a:prstGeom prst="rect">
+            <a:avLst/>
+          </a:prstGeom>
+        </p:spPr>
+        <p:style>
+          <a:lnRef idx="2">
+            <a:schemeClr val="accent1">
+              <a:shade val="50000"/>
+            </a:schemeClr>
+          </a:lnRef>
+          <a:fillRef idx="1">
+            <a:schemeClr val="accent1"/>
+          </a:fillRef>
+          <a:effectRef idx="0">
+            <a:schemeClr val="accent1"/>
+          </a:effectRef>
+          <a:fontRef idx="minor">
+            <a:schemeClr val="lt1"/>
+          </a:fontRef>
+        </p:style>
+        <p:txBody>
+          <a:bodyPr rtlCol="0" anchor="ctr"/>
+          <a:lstStyle/>
+          <a:p>
+            <a:r>
+              <a:rPr lang="en-US" sz="800" dirty="0"/>
+              <a:t>SCL =1</a:t>
+            </a:r>
+          </a:p>
+          <a:p>
+            <a:r>
+              <a:rPr lang="en-US" sz="800" dirty="0"/>
+              <a:t>SDA = 1 to 0</a:t>
+            </a:r>
+          </a:p>
+        </p:txBody>
+      </p:sp>
+      <p:cxnSp>
+        <p:nvCxnSpPr>
+          <p:cNvPr id="9" name="Straight Arrow Connector 8">
+            <a:extLst>
+              <a:ext uri="{FF2B5EF4-FFF2-40B4-BE49-F238E27FC236}">
+                <a16:creationId xmlns:a16="http://schemas.microsoft.com/office/drawing/2014/main" id="{BE5B6B1B-ECB5-4CA6-8D46-5F598D97E068}"/>
+              </a:ext>
+            </a:extLst>
+          </p:cNvPr>
+          <p:cNvCxnSpPr>
+            <a:cxnSpLocks/>
+          </p:cNvCxnSpPr>
+          <p:nvPr/>
+        </p:nvCxnSpPr>
+        <p:spPr>
+          <a:xfrm>
+            <a:off x="2101709" y="3445448"/>
+            <a:ext cx="0" cy="211615"/>
+          </a:xfrm>
+          <a:prstGeom prst="straightConnector1">
+            <a:avLst/>
+          </a:prstGeom>
+          <a:ln w="19050">
+            <a:solidFill>
+              <a:schemeClr val="accent1"/>
+            </a:solidFill>
+            <a:tailEnd type="triangle"/>
+          </a:ln>
+        </p:spPr>
+        <p:style>
+          <a:lnRef idx="1">
+            <a:schemeClr val="accent1"/>
+          </a:lnRef>
+          <a:fillRef idx="0">
+            <a:schemeClr val="accent1"/>
+          </a:fillRef>
+          <a:effectRef idx="0">
+            <a:schemeClr val="accent1"/>
+          </a:effectRef>
+          <a:fontRef idx="minor">
+            <a:schemeClr val="tx1"/>
+          </a:fontRef>
+        </p:style>
+      </p:cxnSp>
+      <p:sp>
+        <p:nvSpPr>
+          <p:cNvPr id="10" name="Rectangle 9">
+            <a:extLst>
+              <a:ext uri="{FF2B5EF4-FFF2-40B4-BE49-F238E27FC236}">
+                <a16:creationId xmlns:a16="http://schemas.microsoft.com/office/drawing/2014/main" id="{72381259-AEC6-446C-9D5E-426B4EC7A55E}"/>
+              </a:ext>
+            </a:extLst>
+          </p:cNvPr>
+          <p:cNvSpPr/>
+          <p:nvPr/>
+        </p:nvSpPr>
+        <p:spPr>
+          <a:xfrm>
+            <a:off x="2422825" y="2054185"/>
+            <a:ext cx="296758" cy="208280"/>
+          </a:xfrm>
+          <a:prstGeom prst="rect">
+            <a:avLst/>
+          </a:prstGeom>
+          <a:noFill/>
+          <a:ln w="28575">
+            <a:noFill/>
+          </a:ln>
+        </p:spPr>
+        <p:style>
+          <a:lnRef idx="2">
+            <a:schemeClr val="accent1">
+              <a:shade val="50000"/>
+            </a:schemeClr>
+          </a:lnRef>
+          <a:fillRef idx="1">
+            <a:schemeClr val="accent1"/>
+          </a:fillRef>
+          <a:effectRef idx="0">
+            <a:schemeClr val="accent1"/>
+          </a:effectRef>
+          <a:fontRef idx="minor">
+            <a:schemeClr val="lt1"/>
+          </a:fontRef>
+        </p:style>
+        <p:txBody>
+          <a:bodyPr rtlCol="0" anchor="ctr"/>
+          <a:lstStyle/>
+          <a:p>
+            <a:pPr algn="ctr"/>
+            <a:r>
+              <a:rPr lang="en-US" sz="1050" b="1" dirty="0">
+                <a:solidFill>
+                  <a:srgbClr val="FF0000"/>
+                </a:solidFill>
+              </a:rPr>
+              <a:t>0</a:t>
+            </a:r>
+          </a:p>
+        </p:txBody>
+      </p:sp>
+      <p:sp>
+        <p:nvSpPr>
+          <p:cNvPr id="11" name="Rectangle 10">
+            <a:extLst>
+              <a:ext uri="{FF2B5EF4-FFF2-40B4-BE49-F238E27FC236}">
+                <a16:creationId xmlns:a16="http://schemas.microsoft.com/office/drawing/2014/main" id="{9A417C5B-0080-4BE8-96D7-859207163E88}"/>
+              </a:ext>
+            </a:extLst>
+          </p:cNvPr>
+          <p:cNvSpPr/>
+          <p:nvPr/>
+        </p:nvSpPr>
+        <p:spPr>
+          <a:xfrm>
+            <a:off x="3556425" y="2047104"/>
+            <a:ext cx="296758" cy="208280"/>
+          </a:xfrm>
+          <a:prstGeom prst="rect">
+            <a:avLst/>
+          </a:prstGeom>
+          <a:noFill/>
+          <a:ln w="28575">
+            <a:noFill/>
+          </a:ln>
+        </p:spPr>
+        <p:style>
+          <a:lnRef idx="2">
+            <a:schemeClr val="accent1">
+              <a:shade val="50000"/>
+            </a:schemeClr>
+          </a:lnRef>
+          <a:fillRef idx="1">
+            <a:schemeClr val="accent1"/>
+          </a:fillRef>
+          <a:effectRef idx="0">
+            <a:schemeClr val="accent1"/>
+          </a:effectRef>
+          <a:fontRef idx="minor">
+            <a:schemeClr val="lt1"/>
+          </a:fontRef>
+        </p:style>
+        <p:txBody>
+          <a:bodyPr rtlCol="0" anchor="ctr"/>
+          <a:lstStyle/>
+          <a:p>
+            <a:pPr algn="ctr"/>
+            <a:r>
+              <a:rPr lang="en-US" sz="1050" b="1" dirty="0">
+                <a:solidFill>
+                  <a:srgbClr val="FF0000"/>
+                </a:solidFill>
+              </a:rPr>
+              <a:t>0</a:t>
+            </a:r>
+          </a:p>
+        </p:txBody>
+      </p:sp>
+      <p:sp>
+        <p:nvSpPr>
+          <p:cNvPr id="12" name="Rectangle 11">
+            <a:extLst>
+              <a:ext uri="{FF2B5EF4-FFF2-40B4-BE49-F238E27FC236}">
+                <a16:creationId xmlns:a16="http://schemas.microsoft.com/office/drawing/2014/main" id="{42347DF9-278E-4085-A387-E89B96E27475}"/>
+              </a:ext>
+            </a:extLst>
+          </p:cNvPr>
+          <p:cNvSpPr/>
+          <p:nvPr/>
+        </p:nvSpPr>
+        <p:spPr>
+          <a:xfrm>
+            <a:off x="4727464" y="2069844"/>
+            <a:ext cx="296758" cy="208280"/>
+          </a:xfrm>
+          <a:prstGeom prst="rect">
+            <a:avLst/>
+          </a:prstGeom>
+          <a:noFill/>
+          <a:ln w="28575">
+            <a:noFill/>
+          </a:ln>
+        </p:spPr>
+        <p:style>
+          <a:lnRef idx="2">
+            <a:schemeClr val="accent1">
+              <a:shade val="50000"/>
+            </a:schemeClr>
+          </a:lnRef>
+          <a:fillRef idx="1">
+            <a:schemeClr val="accent1"/>
+          </a:fillRef>
+          <a:effectRef idx="0">
+            <a:schemeClr val="accent1"/>
+          </a:effectRef>
+          <a:fontRef idx="minor">
+            <a:schemeClr val="lt1"/>
+          </a:fontRef>
+        </p:style>
+        <p:txBody>
+          <a:bodyPr rtlCol="0" anchor="ctr"/>
+          <a:lstStyle/>
+          <a:p>
+            <a:pPr algn="ctr"/>
+            <a:r>
+              <a:rPr lang="en-US" sz="1050" b="1" dirty="0">
+                <a:solidFill>
+                  <a:srgbClr val="FF0000"/>
+                </a:solidFill>
+              </a:rPr>
+              <a:t>0</a:t>
+            </a:r>
+          </a:p>
+        </p:txBody>
+      </p:sp>
+      <p:sp>
+        <p:nvSpPr>
+          <p:cNvPr id="13" name="Rectangle 12">
+            <a:extLst>
+              <a:ext uri="{FF2B5EF4-FFF2-40B4-BE49-F238E27FC236}">
+                <a16:creationId xmlns:a16="http://schemas.microsoft.com/office/drawing/2014/main" id="{094D8452-14FA-41B1-9975-3AC65121DA1E}"/>
+              </a:ext>
+            </a:extLst>
+          </p:cNvPr>
+          <p:cNvSpPr/>
+          <p:nvPr/>
+        </p:nvSpPr>
+        <p:spPr>
+          <a:xfrm>
+            <a:off x="5864229" y="2069844"/>
+            <a:ext cx="296758" cy="208280"/>
+          </a:xfrm>
+          <a:prstGeom prst="rect">
+            <a:avLst/>
+          </a:prstGeom>
+          <a:noFill/>
+          <a:ln w="28575">
+            <a:noFill/>
+          </a:ln>
+        </p:spPr>
+        <p:style>
+          <a:lnRef idx="2">
+            <a:schemeClr val="accent1">
+              <a:shade val="50000"/>
+            </a:schemeClr>
+          </a:lnRef>
+          <a:fillRef idx="1">
+            <a:schemeClr val="accent1"/>
+          </a:fillRef>
+          <a:effectRef idx="0">
+            <a:schemeClr val="accent1"/>
+          </a:effectRef>
+          <a:fontRef idx="minor">
+            <a:schemeClr val="lt1"/>
+          </a:fontRef>
+        </p:style>
+        <p:txBody>
+          <a:bodyPr rtlCol="0" anchor="ctr"/>
+          <a:lstStyle/>
+          <a:p>
+            <a:pPr algn="ctr"/>
+            <a:r>
+              <a:rPr lang="en-US" sz="1050" b="1" dirty="0">
+                <a:solidFill>
+                  <a:srgbClr val="FF0000"/>
+                </a:solidFill>
+              </a:rPr>
+              <a:t>0</a:t>
+            </a:r>
+          </a:p>
+        </p:txBody>
+      </p:sp>
+      <p:sp>
+        <p:nvSpPr>
+          <p:cNvPr id="14" name="Rectangle 13">
+            <a:extLst>
+              <a:ext uri="{FF2B5EF4-FFF2-40B4-BE49-F238E27FC236}">
+                <a16:creationId xmlns:a16="http://schemas.microsoft.com/office/drawing/2014/main" id="{25229558-CB7F-4AC1-A7C0-0BA93F8AA812}"/>
+              </a:ext>
+            </a:extLst>
+          </p:cNvPr>
+          <p:cNvSpPr/>
+          <p:nvPr/>
+        </p:nvSpPr>
+        <p:spPr>
+          <a:xfrm>
+            <a:off x="7017738" y="2125052"/>
+            <a:ext cx="296758" cy="208280"/>
+          </a:xfrm>
+          <a:prstGeom prst="rect">
+            <a:avLst/>
+          </a:prstGeom>
+          <a:noFill/>
+          <a:ln w="28575">
+            <a:noFill/>
+          </a:ln>
+        </p:spPr>
+        <p:style>
+          <a:lnRef idx="2">
+            <a:schemeClr val="accent1">
+              <a:shade val="50000"/>
+            </a:schemeClr>
+          </a:lnRef>
+          <a:fillRef idx="1">
+            <a:schemeClr val="accent1"/>
+          </a:fillRef>
+          <a:effectRef idx="0">
+            <a:schemeClr val="accent1"/>
+          </a:effectRef>
+          <a:fontRef idx="minor">
+            <a:schemeClr val="lt1"/>
+          </a:fontRef>
+        </p:style>
+        <p:txBody>
+          <a:bodyPr rtlCol="0" anchor="ctr"/>
+          <a:lstStyle/>
+          <a:p>
+            <a:pPr algn="ctr"/>
+            <a:r>
+              <a:rPr lang="en-US" sz="1050" b="1" dirty="0">
+                <a:solidFill>
+                  <a:srgbClr val="FF0000"/>
+                </a:solidFill>
+              </a:rPr>
+              <a:t>1</a:t>
+            </a:r>
+          </a:p>
+        </p:txBody>
+      </p:sp>
+      <p:sp>
+        <p:nvSpPr>
+          <p:cNvPr id="15" name="Rectangle 14">
+            <a:extLst>
+              <a:ext uri="{FF2B5EF4-FFF2-40B4-BE49-F238E27FC236}">
+                <a16:creationId xmlns:a16="http://schemas.microsoft.com/office/drawing/2014/main" id="{09AC2ED9-9183-40F6-A8A6-2F95132F1A39}"/>
+              </a:ext>
+            </a:extLst>
+          </p:cNvPr>
+          <p:cNvSpPr/>
+          <p:nvPr/>
+        </p:nvSpPr>
+        <p:spPr>
+          <a:xfrm>
+            <a:off x="7559980" y="2069844"/>
+            <a:ext cx="296758" cy="208280"/>
+          </a:xfrm>
+          <a:prstGeom prst="rect">
+            <a:avLst/>
+          </a:prstGeom>
+          <a:noFill/>
+          <a:ln w="28575">
+            <a:noFill/>
+          </a:ln>
+        </p:spPr>
+        <p:style>
+          <a:lnRef idx="2">
+            <a:schemeClr val="accent1">
+              <a:shade val="50000"/>
+            </a:schemeClr>
+          </a:lnRef>
+          <a:fillRef idx="1">
+            <a:schemeClr val="accent1"/>
+          </a:fillRef>
+          <a:effectRef idx="0">
+            <a:schemeClr val="accent1"/>
+          </a:effectRef>
+          <a:fontRef idx="minor">
+            <a:schemeClr val="lt1"/>
+          </a:fontRef>
+        </p:style>
+        <p:txBody>
+          <a:bodyPr rtlCol="0" anchor="ctr"/>
+          <a:lstStyle/>
+          <a:p>
+            <a:pPr algn="ctr"/>
+            <a:r>
+              <a:rPr lang="en-US" sz="1050" b="1" dirty="0">
+                <a:solidFill>
+                  <a:srgbClr val="FF0000"/>
+                </a:solidFill>
+              </a:rPr>
+              <a:t>0</a:t>
+            </a:r>
+          </a:p>
+        </p:txBody>
+      </p:sp>
+      <p:sp>
+        <p:nvSpPr>
+          <p:cNvPr id="16" name="Rectangle 15">
+            <a:extLst>
+              <a:ext uri="{FF2B5EF4-FFF2-40B4-BE49-F238E27FC236}">
+                <a16:creationId xmlns:a16="http://schemas.microsoft.com/office/drawing/2014/main" id="{8421476C-B9C2-4E5A-B47A-CB875DA8BA2A}"/>
+              </a:ext>
+            </a:extLst>
+          </p:cNvPr>
+          <p:cNvSpPr/>
+          <p:nvPr/>
+        </p:nvSpPr>
+        <p:spPr>
+          <a:xfrm>
+            <a:off x="2999930" y="2124881"/>
+            <a:ext cx="296758" cy="208280"/>
+          </a:xfrm>
+          <a:prstGeom prst="rect">
+            <a:avLst/>
+          </a:prstGeom>
+          <a:noFill/>
+          <a:ln w="28575">
+            <a:noFill/>
+          </a:ln>
+        </p:spPr>
+        <p:style>
+          <a:lnRef idx="2">
+            <a:schemeClr val="accent1">
+              <a:shade val="50000"/>
+            </a:schemeClr>
+          </a:lnRef>
+          <a:fillRef idx="1">
+            <a:schemeClr val="accent1"/>
+          </a:fillRef>
+          <a:effectRef idx="0">
+            <a:schemeClr val="accent1"/>
+          </a:effectRef>
+          <a:fontRef idx="minor">
+            <a:schemeClr val="lt1"/>
+          </a:fontRef>
+        </p:style>
+        <p:txBody>
+          <a:bodyPr rtlCol="0" anchor="ctr"/>
+          <a:lstStyle/>
+          <a:p>
+            <a:pPr algn="ctr"/>
+            <a:r>
+              <a:rPr lang="en-US" sz="1050" b="1" dirty="0">
+                <a:solidFill>
+                  <a:srgbClr val="FF0000"/>
+                </a:solidFill>
+              </a:rPr>
+              <a:t>1</a:t>
+            </a:r>
+          </a:p>
+        </p:txBody>
+      </p:sp>
+      <p:sp>
+        <p:nvSpPr>
+          <p:cNvPr id="17" name="Rectangle 16">
+            <a:extLst>
+              <a:ext uri="{FF2B5EF4-FFF2-40B4-BE49-F238E27FC236}">
+                <a16:creationId xmlns:a16="http://schemas.microsoft.com/office/drawing/2014/main" id="{4C8745B1-FA36-4EAB-B2FA-A560003E5847}"/>
+              </a:ext>
+            </a:extLst>
+          </p:cNvPr>
+          <p:cNvSpPr/>
+          <p:nvPr/>
+        </p:nvSpPr>
+        <p:spPr>
+          <a:xfrm>
+            <a:off x="4149842" y="2147490"/>
+            <a:ext cx="296758" cy="208280"/>
+          </a:xfrm>
+          <a:prstGeom prst="rect">
+            <a:avLst/>
+          </a:prstGeom>
+          <a:noFill/>
+          <a:ln w="28575">
+            <a:noFill/>
+          </a:ln>
+        </p:spPr>
+        <p:style>
+          <a:lnRef idx="2">
+            <a:schemeClr val="accent1">
+              <a:shade val="50000"/>
+            </a:schemeClr>
+          </a:lnRef>
+          <a:fillRef idx="1">
+            <a:schemeClr val="accent1"/>
+          </a:fillRef>
+          <a:effectRef idx="0">
+            <a:schemeClr val="accent1"/>
+          </a:effectRef>
+          <a:fontRef idx="minor">
+            <a:schemeClr val="lt1"/>
+          </a:fontRef>
+        </p:style>
+        <p:txBody>
+          <a:bodyPr rtlCol="0" anchor="ctr"/>
+          <a:lstStyle/>
+          <a:p>
+            <a:pPr algn="ctr"/>
+            <a:r>
+              <a:rPr lang="en-US" sz="1050" b="1" dirty="0">
+                <a:solidFill>
+                  <a:srgbClr val="FF0000"/>
+                </a:solidFill>
+              </a:rPr>
+              <a:t>1</a:t>
+            </a:r>
+          </a:p>
+        </p:txBody>
+      </p:sp>
+      <p:sp>
+        <p:nvSpPr>
+          <p:cNvPr id="18" name="Rectangle 17">
+            <a:extLst>
+              <a:ext uri="{FF2B5EF4-FFF2-40B4-BE49-F238E27FC236}">
+                <a16:creationId xmlns:a16="http://schemas.microsoft.com/office/drawing/2014/main" id="{BF6B0D9D-BE14-4F0E-8B53-0ED33B87DB15}"/>
+              </a:ext>
+            </a:extLst>
+          </p:cNvPr>
+          <p:cNvSpPr/>
+          <p:nvPr/>
+        </p:nvSpPr>
+        <p:spPr>
+          <a:xfrm>
+            <a:off x="5273964" y="2124881"/>
+            <a:ext cx="296758" cy="208280"/>
+          </a:xfrm>
+          <a:prstGeom prst="rect">
+            <a:avLst/>
+          </a:prstGeom>
+          <a:noFill/>
+          <a:ln w="28575">
+            <a:noFill/>
+          </a:ln>
+        </p:spPr>
+        <p:style>
+          <a:lnRef idx="2">
+            <a:schemeClr val="accent1">
+              <a:shade val="50000"/>
+            </a:schemeClr>
+          </a:lnRef>
+          <a:fillRef idx="1">
+            <a:schemeClr val="accent1"/>
+          </a:fillRef>
+          <a:effectRef idx="0">
+            <a:schemeClr val="accent1"/>
+          </a:effectRef>
+          <a:fontRef idx="minor">
+            <a:schemeClr val="lt1"/>
+          </a:fontRef>
+        </p:style>
+        <p:txBody>
+          <a:bodyPr rtlCol="0" anchor="ctr"/>
+          <a:lstStyle/>
+          <a:p>
+            <a:pPr algn="ctr"/>
+            <a:r>
+              <a:rPr lang="en-US" sz="1050" b="1" dirty="0">
+                <a:solidFill>
+                  <a:srgbClr val="FF0000"/>
+                </a:solidFill>
+              </a:rPr>
+              <a:t>1</a:t>
+            </a:r>
+          </a:p>
+        </p:txBody>
+      </p:sp>
+      <p:sp>
+        <p:nvSpPr>
+          <p:cNvPr id="19" name="Rectangle 18">
+            <a:extLst>
+              <a:ext uri="{FF2B5EF4-FFF2-40B4-BE49-F238E27FC236}">
+                <a16:creationId xmlns:a16="http://schemas.microsoft.com/office/drawing/2014/main" id="{1B8D0EEC-676D-4000-8EB4-022349A511A0}"/>
+              </a:ext>
+            </a:extLst>
+          </p:cNvPr>
+          <p:cNvSpPr/>
+          <p:nvPr/>
+        </p:nvSpPr>
+        <p:spPr>
+          <a:xfrm>
+            <a:off x="6438417" y="2124881"/>
+            <a:ext cx="296758" cy="208280"/>
+          </a:xfrm>
+          <a:prstGeom prst="rect">
+            <a:avLst/>
+          </a:prstGeom>
+          <a:noFill/>
+          <a:ln w="28575">
+            <a:noFill/>
+          </a:ln>
+        </p:spPr>
+        <p:style>
+          <a:lnRef idx="2">
+            <a:schemeClr val="accent1">
+              <a:shade val="50000"/>
+            </a:schemeClr>
+          </a:lnRef>
+          <a:fillRef idx="1">
+            <a:schemeClr val="accent1"/>
+          </a:fillRef>
+          <a:effectRef idx="0">
+            <a:schemeClr val="accent1"/>
+          </a:effectRef>
+          <a:fontRef idx="minor">
+            <a:schemeClr val="lt1"/>
+          </a:fontRef>
+        </p:style>
+        <p:txBody>
+          <a:bodyPr rtlCol="0" anchor="ctr"/>
+          <a:lstStyle/>
+          <a:p>
+            <a:pPr algn="ctr"/>
+            <a:r>
+              <a:rPr lang="en-US" sz="1050" b="1" dirty="0">
+                <a:solidFill>
+                  <a:srgbClr val="FF0000"/>
+                </a:solidFill>
+              </a:rPr>
+              <a:t>1</a:t>
+            </a:r>
+          </a:p>
+        </p:txBody>
+      </p:sp>
+      <p:sp>
+        <p:nvSpPr>
+          <p:cNvPr id="20" name="Rectangle 19">
+            <a:extLst>
+              <a:ext uri="{FF2B5EF4-FFF2-40B4-BE49-F238E27FC236}">
+                <a16:creationId xmlns:a16="http://schemas.microsoft.com/office/drawing/2014/main" id="{4D7728FC-EF91-4481-9E15-124531B43787}"/>
+              </a:ext>
+            </a:extLst>
+          </p:cNvPr>
+          <p:cNvSpPr/>
+          <p:nvPr/>
+        </p:nvSpPr>
+        <p:spPr>
+          <a:xfrm>
+            <a:off x="8435367" y="2124881"/>
+            <a:ext cx="296758" cy="208280"/>
+          </a:xfrm>
+          <a:prstGeom prst="rect">
+            <a:avLst/>
+          </a:prstGeom>
+          <a:noFill/>
+          <a:ln w="28575">
+            <a:noFill/>
+          </a:ln>
+        </p:spPr>
+        <p:style>
+          <a:lnRef idx="2">
+            <a:schemeClr val="accent1">
+              <a:shade val="50000"/>
+            </a:schemeClr>
+          </a:lnRef>
+          <a:fillRef idx="1">
+            <a:schemeClr val="accent1"/>
+          </a:fillRef>
+          <a:effectRef idx="0">
+            <a:schemeClr val="accent1"/>
+          </a:effectRef>
+          <a:fontRef idx="minor">
+            <a:schemeClr val="lt1"/>
+          </a:fontRef>
+        </p:style>
+        <p:txBody>
+          <a:bodyPr rtlCol="0" anchor="ctr"/>
+          <a:lstStyle/>
+          <a:p>
+            <a:pPr algn="ctr"/>
+            <a:r>
+              <a:rPr lang="en-US" sz="1050" b="1" dirty="0">
+                <a:solidFill>
+                  <a:srgbClr val="FF0000"/>
+                </a:solidFill>
+              </a:rPr>
+              <a:t>1</a:t>
+            </a:r>
+          </a:p>
+        </p:txBody>
+      </p:sp>
+      <p:sp>
+        <p:nvSpPr>
+          <p:cNvPr id="21" name="Rectangle 20">
+            <a:extLst>
+              <a:ext uri="{FF2B5EF4-FFF2-40B4-BE49-F238E27FC236}">
+                <a16:creationId xmlns:a16="http://schemas.microsoft.com/office/drawing/2014/main" id="{1061338A-BE1E-4AEB-91E9-C3135629E516}"/>
+              </a:ext>
+            </a:extLst>
+          </p:cNvPr>
+          <p:cNvSpPr/>
+          <p:nvPr/>
+        </p:nvSpPr>
+        <p:spPr>
+          <a:xfrm>
+            <a:off x="3000375" y="1818640"/>
+            <a:ext cx="296758" cy="208280"/>
+          </a:xfrm>
+          <a:prstGeom prst="rect">
+            <a:avLst/>
+          </a:prstGeom>
+          <a:noFill/>
+          <a:ln w="28575">
+            <a:noFill/>
+          </a:ln>
+        </p:spPr>
+        <p:style>
+          <a:lnRef idx="2">
+            <a:schemeClr val="accent1">
+              <a:shade val="50000"/>
+            </a:schemeClr>
+          </a:lnRef>
+          <a:fillRef idx="1">
+            <a:schemeClr val="accent1"/>
+          </a:fillRef>
+          <a:effectRef idx="0">
+            <a:schemeClr val="accent1"/>
+          </a:effectRef>
+          <a:fontRef idx="minor">
+            <a:schemeClr val="lt1"/>
+          </a:fontRef>
+        </p:style>
+        <p:txBody>
+          <a:bodyPr rtlCol="0" anchor="ctr"/>
+          <a:lstStyle/>
+          <a:p>
+            <a:pPr algn="ctr"/>
+            <a:r>
+              <a:rPr lang="en-US" sz="1050" b="1" dirty="0">
+                <a:solidFill>
+                  <a:srgbClr val="FF0000"/>
+                </a:solidFill>
+              </a:rPr>
+              <a:t>1</a:t>
+            </a:r>
+          </a:p>
+        </p:txBody>
+      </p:sp>
+      <p:sp>
+        <p:nvSpPr>
+          <p:cNvPr id="22" name="Rectangle 21">
+            <a:extLst>
+              <a:ext uri="{FF2B5EF4-FFF2-40B4-BE49-F238E27FC236}">
+                <a16:creationId xmlns:a16="http://schemas.microsoft.com/office/drawing/2014/main" id="{B0AA0379-0960-4773-8D9A-85CB57AEF63B}"/>
+              </a:ext>
+            </a:extLst>
+          </p:cNvPr>
+          <p:cNvSpPr/>
+          <p:nvPr/>
+        </p:nvSpPr>
+        <p:spPr>
+          <a:xfrm>
+            <a:off x="3484456" y="1818640"/>
+            <a:ext cx="296758" cy="208280"/>
+          </a:xfrm>
+          <a:prstGeom prst="rect">
+            <a:avLst/>
+          </a:prstGeom>
+          <a:noFill/>
+          <a:ln w="28575">
+            <a:noFill/>
+          </a:ln>
+        </p:spPr>
+        <p:style>
+          <a:lnRef idx="2">
+            <a:schemeClr val="accent1">
+              <a:shade val="50000"/>
+            </a:schemeClr>
+          </a:lnRef>
+          <a:fillRef idx="1">
+            <a:schemeClr val="accent1"/>
+          </a:fillRef>
+          <a:effectRef idx="0">
+            <a:schemeClr val="accent1"/>
+          </a:effectRef>
+          <a:fontRef idx="minor">
+            <a:schemeClr val="lt1"/>
+          </a:fontRef>
+        </p:style>
+        <p:txBody>
+          <a:bodyPr rtlCol="0" anchor="ctr"/>
+          <a:lstStyle/>
+          <a:p>
+            <a:pPr algn="ctr"/>
+            <a:r>
+              <a:rPr lang="en-US" sz="1050" b="1" dirty="0">
+                <a:solidFill>
+                  <a:srgbClr val="FF0000"/>
+                </a:solidFill>
+              </a:rPr>
+              <a:t>2</a:t>
+            </a:r>
+          </a:p>
+        </p:txBody>
+      </p:sp>
+      <p:sp>
+        <p:nvSpPr>
+          <p:cNvPr id="23" name="Rectangle 22">
+            <a:extLst>
+              <a:ext uri="{FF2B5EF4-FFF2-40B4-BE49-F238E27FC236}">
+                <a16:creationId xmlns:a16="http://schemas.microsoft.com/office/drawing/2014/main" id="{E795A367-786A-4A79-8AFD-B5E013BF5C84}"/>
+              </a:ext>
+            </a:extLst>
+          </p:cNvPr>
+          <p:cNvSpPr/>
+          <p:nvPr/>
+        </p:nvSpPr>
+        <p:spPr>
+          <a:xfrm>
+            <a:off x="4113216" y="1818247"/>
+            <a:ext cx="296758" cy="208280"/>
+          </a:xfrm>
+          <a:prstGeom prst="rect">
+            <a:avLst/>
+          </a:prstGeom>
+          <a:noFill/>
+          <a:ln w="28575">
+            <a:noFill/>
+          </a:ln>
+        </p:spPr>
+        <p:style>
+          <a:lnRef idx="2">
+            <a:schemeClr val="accent1">
+              <a:shade val="50000"/>
+            </a:schemeClr>
+          </a:lnRef>
+          <a:fillRef idx="1">
+            <a:schemeClr val="accent1"/>
+          </a:fillRef>
+          <a:effectRef idx="0">
+            <a:schemeClr val="accent1"/>
+          </a:effectRef>
+          <a:fontRef idx="minor">
+            <a:schemeClr val="lt1"/>
+          </a:fontRef>
+        </p:style>
+        <p:txBody>
+          <a:bodyPr rtlCol="0" anchor="ctr"/>
+          <a:lstStyle/>
+          <a:p>
+            <a:pPr algn="ctr"/>
+            <a:r>
+              <a:rPr lang="en-US" sz="1050" b="1" dirty="0">
+                <a:solidFill>
+                  <a:srgbClr val="FF0000"/>
+                </a:solidFill>
+              </a:rPr>
+              <a:t>3</a:t>
+            </a:r>
+          </a:p>
+        </p:txBody>
+      </p:sp>
+      <p:sp>
+        <p:nvSpPr>
+          <p:cNvPr id="24" name="Rectangle 23">
+            <a:extLst>
+              <a:ext uri="{FF2B5EF4-FFF2-40B4-BE49-F238E27FC236}">
+                <a16:creationId xmlns:a16="http://schemas.microsoft.com/office/drawing/2014/main" id="{92824F7A-9DF9-44A7-9027-03FAD0F8161D}"/>
+              </a:ext>
+            </a:extLst>
+          </p:cNvPr>
+          <p:cNvSpPr/>
+          <p:nvPr/>
+        </p:nvSpPr>
+        <p:spPr>
+          <a:xfrm>
+            <a:off x="4702179" y="1816455"/>
+            <a:ext cx="296758" cy="208280"/>
+          </a:xfrm>
+          <a:prstGeom prst="rect">
+            <a:avLst/>
+          </a:prstGeom>
+          <a:noFill/>
+          <a:ln w="28575">
+            <a:noFill/>
+          </a:ln>
+        </p:spPr>
+        <p:style>
+          <a:lnRef idx="2">
+            <a:schemeClr val="accent1">
+              <a:shade val="50000"/>
+            </a:schemeClr>
+          </a:lnRef>
+          <a:fillRef idx="1">
+            <a:schemeClr val="accent1"/>
+          </a:fillRef>
+          <a:effectRef idx="0">
+            <a:schemeClr val="accent1"/>
+          </a:effectRef>
+          <a:fontRef idx="minor">
+            <a:schemeClr val="lt1"/>
+          </a:fontRef>
+        </p:style>
+        <p:txBody>
+          <a:bodyPr rtlCol="0" anchor="ctr"/>
+          <a:lstStyle/>
+          <a:p>
+            <a:pPr algn="ctr"/>
+            <a:r>
+              <a:rPr lang="en-US" sz="1050" b="1" dirty="0">
+                <a:solidFill>
+                  <a:srgbClr val="FF0000"/>
+                </a:solidFill>
+              </a:rPr>
+              <a:t>4</a:t>
+            </a:r>
+          </a:p>
+        </p:txBody>
+      </p:sp>
+      <p:sp>
+        <p:nvSpPr>
+          <p:cNvPr id="25" name="Rectangle 24">
+            <a:extLst>
+              <a:ext uri="{FF2B5EF4-FFF2-40B4-BE49-F238E27FC236}">
+                <a16:creationId xmlns:a16="http://schemas.microsoft.com/office/drawing/2014/main" id="{242422EF-FC6B-460C-B065-EEC59D3F8D88}"/>
+              </a:ext>
+            </a:extLst>
+          </p:cNvPr>
+          <p:cNvSpPr/>
+          <p:nvPr/>
+        </p:nvSpPr>
+        <p:spPr>
+          <a:xfrm>
+            <a:off x="5243934" y="1816018"/>
+            <a:ext cx="296758" cy="208280"/>
+          </a:xfrm>
+          <a:prstGeom prst="rect">
+            <a:avLst/>
+          </a:prstGeom>
+          <a:noFill/>
+          <a:ln w="28575">
+            <a:noFill/>
+          </a:ln>
+        </p:spPr>
+        <p:style>
+          <a:lnRef idx="2">
+            <a:schemeClr val="accent1">
+              <a:shade val="50000"/>
+            </a:schemeClr>
+          </a:lnRef>
+          <a:fillRef idx="1">
+            <a:schemeClr val="accent1"/>
+          </a:fillRef>
+          <a:effectRef idx="0">
+            <a:schemeClr val="accent1"/>
+          </a:effectRef>
+          <a:fontRef idx="minor">
+            <a:schemeClr val="lt1"/>
+          </a:fontRef>
+        </p:style>
+        <p:txBody>
+          <a:bodyPr rtlCol="0" anchor="ctr"/>
+          <a:lstStyle/>
+          <a:p>
+            <a:pPr algn="ctr"/>
+            <a:r>
+              <a:rPr lang="en-US" sz="1050" b="1" dirty="0">
+                <a:solidFill>
+                  <a:srgbClr val="FF0000"/>
+                </a:solidFill>
+              </a:rPr>
+              <a:t>5</a:t>
+            </a:r>
+          </a:p>
+        </p:txBody>
+      </p:sp>
+      <p:sp>
+        <p:nvSpPr>
+          <p:cNvPr id="26" name="Rectangle 25">
+            <a:extLst>
+              <a:ext uri="{FF2B5EF4-FFF2-40B4-BE49-F238E27FC236}">
+                <a16:creationId xmlns:a16="http://schemas.microsoft.com/office/drawing/2014/main" id="{13F55498-F93C-458E-B67A-180175AFD693}"/>
+              </a:ext>
+            </a:extLst>
+          </p:cNvPr>
+          <p:cNvSpPr/>
+          <p:nvPr/>
+        </p:nvSpPr>
+        <p:spPr>
+          <a:xfrm>
+            <a:off x="5790987" y="1820614"/>
+            <a:ext cx="296758" cy="208280"/>
+          </a:xfrm>
+          <a:prstGeom prst="rect">
+            <a:avLst/>
+          </a:prstGeom>
+          <a:noFill/>
+          <a:ln w="28575">
+            <a:noFill/>
+          </a:ln>
+        </p:spPr>
+        <p:style>
+          <a:lnRef idx="2">
+            <a:schemeClr val="accent1">
+              <a:shade val="50000"/>
+            </a:schemeClr>
+          </a:lnRef>
+          <a:fillRef idx="1">
+            <a:schemeClr val="accent1"/>
+          </a:fillRef>
+          <a:effectRef idx="0">
+            <a:schemeClr val="accent1"/>
+          </a:effectRef>
+          <a:fontRef idx="minor">
+            <a:schemeClr val="lt1"/>
+          </a:fontRef>
+        </p:style>
+        <p:txBody>
+          <a:bodyPr rtlCol="0" anchor="ctr"/>
+          <a:lstStyle/>
+          <a:p>
+            <a:pPr algn="ctr"/>
+            <a:r>
+              <a:rPr lang="en-US" sz="1050" b="1" dirty="0">
+                <a:solidFill>
+                  <a:srgbClr val="FF0000"/>
+                </a:solidFill>
+              </a:rPr>
+              <a:t>6</a:t>
+            </a:r>
+          </a:p>
+        </p:txBody>
+      </p:sp>
+      <p:sp>
+        <p:nvSpPr>
+          <p:cNvPr id="27" name="Rectangle 26">
+            <a:extLst>
+              <a:ext uri="{FF2B5EF4-FFF2-40B4-BE49-F238E27FC236}">
+                <a16:creationId xmlns:a16="http://schemas.microsoft.com/office/drawing/2014/main" id="{E9309DCA-E840-49D7-A5B9-CDF9D8929F0B}"/>
+              </a:ext>
+            </a:extLst>
+          </p:cNvPr>
+          <p:cNvSpPr/>
+          <p:nvPr/>
+        </p:nvSpPr>
+        <p:spPr>
+          <a:xfrm>
+            <a:off x="6461657" y="1803332"/>
+            <a:ext cx="296758" cy="208280"/>
+          </a:xfrm>
+          <a:prstGeom prst="rect">
+            <a:avLst/>
+          </a:prstGeom>
+          <a:noFill/>
+          <a:ln w="28575">
+            <a:noFill/>
+          </a:ln>
+        </p:spPr>
+        <p:style>
+          <a:lnRef idx="2">
+            <a:schemeClr val="accent1">
+              <a:shade val="50000"/>
+            </a:schemeClr>
+          </a:lnRef>
+          <a:fillRef idx="1">
+            <a:schemeClr val="accent1"/>
+          </a:fillRef>
+          <a:effectRef idx="0">
+            <a:schemeClr val="accent1"/>
+          </a:effectRef>
+          <a:fontRef idx="minor">
+            <a:schemeClr val="lt1"/>
+          </a:fontRef>
+        </p:style>
+        <p:txBody>
+          <a:bodyPr rtlCol="0" anchor="ctr"/>
+          <a:lstStyle/>
+          <a:p>
+            <a:pPr algn="ctr"/>
+            <a:r>
+              <a:rPr lang="en-US" sz="1050" b="1" dirty="0">
+                <a:solidFill>
+                  <a:srgbClr val="FF0000"/>
+                </a:solidFill>
+              </a:rPr>
+              <a:t>7</a:t>
+            </a:r>
+          </a:p>
+        </p:txBody>
+      </p:sp>
+      <p:sp>
+        <p:nvSpPr>
+          <p:cNvPr id="28" name="Rectangle 27">
+            <a:extLst>
+              <a:ext uri="{FF2B5EF4-FFF2-40B4-BE49-F238E27FC236}">
+                <a16:creationId xmlns:a16="http://schemas.microsoft.com/office/drawing/2014/main" id="{EFF0EC2D-B97B-41B6-87B3-30EBD10D4D12}"/>
+              </a:ext>
+            </a:extLst>
+          </p:cNvPr>
+          <p:cNvSpPr/>
+          <p:nvPr/>
+        </p:nvSpPr>
+        <p:spPr>
+          <a:xfrm>
+            <a:off x="7059854" y="1828500"/>
+            <a:ext cx="296758" cy="208280"/>
+          </a:xfrm>
+          <a:prstGeom prst="rect">
+            <a:avLst/>
+          </a:prstGeom>
+          <a:noFill/>
+          <a:ln w="28575">
+            <a:noFill/>
+          </a:ln>
+        </p:spPr>
+        <p:style>
+          <a:lnRef idx="2">
+            <a:schemeClr val="accent1">
+              <a:shade val="50000"/>
+            </a:schemeClr>
+          </a:lnRef>
+          <a:fillRef idx="1">
+            <a:schemeClr val="accent1"/>
+          </a:fillRef>
+          <a:effectRef idx="0">
+            <a:schemeClr val="accent1"/>
+          </a:effectRef>
+          <a:fontRef idx="minor">
+            <a:schemeClr val="lt1"/>
+          </a:fontRef>
+        </p:style>
+        <p:txBody>
+          <a:bodyPr rtlCol="0" anchor="ctr"/>
+          <a:lstStyle/>
+          <a:p>
+            <a:pPr algn="ctr"/>
+            <a:r>
+              <a:rPr lang="en-US" sz="1050" b="1" dirty="0">
+                <a:solidFill>
+                  <a:srgbClr val="FF0000"/>
+                </a:solidFill>
+              </a:rPr>
+              <a:t>8</a:t>
+            </a:r>
+          </a:p>
+        </p:txBody>
+      </p:sp>
+      <p:sp>
+        <p:nvSpPr>
+          <p:cNvPr id="29" name="Rectangle 28">
+            <a:extLst>
+              <a:ext uri="{FF2B5EF4-FFF2-40B4-BE49-F238E27FC236}">
+                <a16:creationId xmlns:a16="http://schemas.microsoft.com/office/drawing/2014/main" id="{F7556BF4-406E-43B0-8127-2415E3630631}"/>
+              </a:ext>
+            </a:extLst>
+          </p:cNvPr>
+          <p:cNvSpPr/>
+          <p:nvPr/>
+        </p:nvSpPr>
+        <p:spPr>
+          <a:xfrm>
+            <a:off x="7647020" y="1832174"/>
+            <a:ext cx="296758" cy="208280"/>
+          </a:xfrm>
+          <a:prstGeom prst="rect">
+            <a:avLst/>
+          </a:prstGeom>
+          <a:noFill/>
+          <a:ln w="28575">
+            <a:noFill/>
+          </a:ln>
+        </p:spPr>
+        <p:style>
+          <a:lnRef idx="2">
+            <a:schemeClr val="accent1">
+              <a:shade val="50000"/>
+            </a:schemeClr>
+          </a:lnRef>
+          <a:fillRef idx="1">
+            <a:schemeClr val="accent1"/>
+          </a:fillRef>
+          <a:effectRef idx="0">
+            <a:schemeClr val="accent1"/>
+          </a:effectRef>
+          <a:fontRef idx="minor">
+            <a:schemeClr val="lt1"/>
+          </a:fontRef>
+        </p:style>
+        <p:txBody>
+          <a:bodyPr rtlCol="0" anchor="ctr"/>
+          <a:lstStyle/>
+          <a:p>
+            <a:pPr algn="ctr"/>
+            <a:r>
+              <a:rPr lang="en-US" sz="1050" b="1" dirty="0">
+                <a:solidFill>
+                  <a:srgbClr val="FF0000"/>
+                </a:solidFill>
+              </a:rPr>
+              <a:t>9</a:t>
+            </a:r>
+          </a:p>
+        </p:txBody>
+      </p:sp>
+      <p:sp>
+        <p:nvSpPr>
+          <p:cNvPr id="31" name="Rectangle 30">
+            <a:extLst>
+              <a:ext uri="{FF2B5EF4-FFF2-40B4-BE49-F238E27FC236}">
+                <a16:creationId xmlns:a16="http://schemas.microsoft.com/office/drawing/2014/main" id="{74A42809-73F1-4AB0-A791-5776FC08A3E5}"/>
+              </a:ext>
+            </a:extLst>
+          </p:cNvPr>
+          <p:cNvSpPr/>
+          <p:nvPr/>
+        </p:nvSpPr>
+        <p:spPr>
+          <a:xfrm>
+            <a:off x="8320044" y="1887127"/>
+            <a:ext cx="571087" cy="1529080"/>
+          </a:xfrm>
+          <a:prstGeom prst="rect">
+            <a:avLst/>
+          </a:prstGeom>
+          <a:noFill/>
+          <a:ln w="28575">
+            <a:solidFill>
+              <a:schemeClr val="accent4"/>
+            </a:solidFill>
+          </a:ln>
+        </p:spPr>
+        <p:style>
+          <a:lnRef idx="2">
+            <a:schemeClr val="accent1">
+              <a:shade val="50000"/>
+            </a:schemeClr>
+          </a:lnRef>
+          <a:fillRef idx="1">
+            <a:schemeClr val="accent1"/>
+          </a:fillRef>
+          <a:effectRef idx="0">
+            <a:schemeClr val="accent1"/>
+          </a:effectRef>
+          <a:fontRef idx="minor">
+            <a:schemeClr val="lt1"/>
+          </a:fontRef>
+        </p:style>
+        <p:txBody>
+          <a:bodyPr rtlCol="0" anchor="ctr"/>
+          <a:lstStyle/>
+          <a:p>
+            <a:pPr algn="ctr"/>
+            <a:endParaRPr lang="en-US"/>
+          </a:p>
+        </p:txBody>
+      </p:sp>
+      <p:sp>
+        <p:nvSpPr>
+          <p:cNvPr id="32" name="Rectangle 31">
+            <a:extLst>
+              <a:ext uri="{FF2B5EF4-FFF2-40B4-BE49-F238E27FC236}">
+                <a16:creationId xmlns:a16="http://schemas.microsoft.com/office/drawing/2014/main" id="{71CC9E44-0C88-4DFC-B6FA-1A6E6E364274}"/>
+              </a:ext>
+            </a:extLst>
+          </p:cNvPr>
+          <p:cNvSpPr/>
+          <p:nvPr/>
+        </p:nvSpPr>
+        <p:spPr>
+          <a:xfrm>
+            <a:off x="8134982" y="3657426"/>
+            <a:ext cx="783168" cy="336550"/>
+          </a:xfrm>
+          <a:prstGeom prst="rect">
+            <a:avLst/>
+          </a:prstGeom>
+        </p:spPr>
+        <p:style>
+          <a:lnRef idx="2">
+            <a:schemeClr val="accent1">
+              <a:shade val="50000"/>
+            </a:schemeClr>
+          </a:lnRef>
+          <a:fillRef idx="1">
+            <a:schemeClr val="accent1"/>
+          </a:fillRef>
+          <a:effectRef idx="0">
+            <a:schemeClr val="accent1"/>
+          </a:effectRef>
+          <a:fontRef idx="minor">
+            <a:schemeClr val="lt1"/>
+          </a:fontRef>
+        </p:style>
+        <p:txBody>
+          <a:bodyPr rtlCol="0" anchor="ctr"/>
+          <a:lstStyle/>
+          <a:p>
+            <a:r>
+              <a:rPr lang="en-US" sz="800" dirty="0"/>
+              <a:t>SCL =1</a:t>
+            </a:r>
+          </a:p>
+          <a:p>
+            <a:r>
+              <a:rPr lang="en-US" sz="800" dirty="0"/>
+              <a:t>SDA = 0 to 1</a:t>
+            </a:r>
+          </a:p>
+        </p:txBody>
+      </p:sp>
+      <p:cxnSp>
+        <p:nvCxnSpPr>
+          <p:cNvPr id="33" name="Straight Arrow Connector 32">
+            <a:extLst>
+              <a:ext uri="{FF2B5EF4-FFF2-40B4-BE49-F238E27FC236}">
+                <a16:creationId xmlns:a16="http://schemas.microsoft.com/office/drawing/2014/main" id="{1BA32346-6417-49FE-983E-B94DB18FA84F}"/>
+              </a:ext>
+            </a:extLst>
+          </p:cNvPr>
+          <p:cNvCxnSpPr>
+            <a:cxnSpLocks/>
+          </p:cNvCxnSpPr>
+          <p:nvPr/>
+        </p:nvCxnSpPr>
+        <p:spPr>
+          <a:xfrm>
+            <a:off x="8593989" y="3424609"/>
+            <a:ext cx="0" cy="244976"/>
+          </a:xfrm>
+          <a:prstGeom prst="straightConnector1">
+            <a:avLst/>
+          </a:prstGeom>
+          <a:ln w="19050">
+            <a:solidFill>
+              <a:schemeClr val="accent1"/>
+            </a:solidFill>
+            <a:tailEnd type="triangle"/>
+          </a:ln>
+        </p:spPr>
+        <p:style>
+          <a:lnRef idx="1">
+            <a:schemeClr val="accent1"/>
+          </a:lnRef>
+          <a:fillRef idx="0">
+            <a:schemeClr val="accent1"/>
+          </a:fillRef>
+          <a:effectRef idx="0">
+            <a:schemeClr val="accent1"/>
+          </a:effectRef>
+          <a:fontRef idx="minor">
+            <a:schemeClr val="tx1"/>
+          </a:fontRef>
+        </p:style>
+      </p:cxnSp>
+      <p:cxnSp>
+        <p:nvCxnSpPr>
+          <p:cNvPr id="34" name="Straight Connector 33">
+            <a:extLst>
+              <a:ext uri="{FF2B5EF4-FFF2-40B4-BE49-F238E27FC236}">
+                <a16:creationId xmlns:a16="http://schemas.microsoft.com/office/drawing/2014/main" id="{C228A0A5-D37A-4A53-95F7-B5AE965D8EF0}"/>
+              </a:ext>
+            </a:extLst>
+          </p:cNvPr>
+          <p:cNvCxnSpPr/>
+          <p:nvPr/>
+        </p:nvCxnSpPr>
+        <p:spPr>
+          <a:xfrm>
+            <a:off x="2694183" y="2201409"/>
+            <a:ext cx="0" cy="1333500"/>
+          </a:xfrm>
+          <a:prstGeom prst="line">
+            <a:avLst/>
+          </a:prstGeom>
+          <a:ln w="19050">
+            <a:solidFill>
+              <a:schemeClr val="accent4"/>
+            </a:solidFill>
+            <a:prstDash val="dash"/>
+          </a:ln>
+        </p:spPr>
+        <p:style>
+          <a:lnRef idx="1">
+            <a:schemeClr val="accent1"/>
+          </a:lnRef>
+          <a:fillRef idx="0">
+            <a:schemeClr val="accent1"/>
+          </a:fillRef>
+          <a:effectRef idx="0">
+            <a:schemeClr val="accent1"/>
+          </a:effectRef>
+          <a:fontRef idx="minor">
+            <a:schemeClr val="tx1"/>
+          </a:fontRef>
+        </p:style>
+      </p:cxnSp>
+      <p:cxnSp>
+        <p:nvCxnSpPr>
+          <p:cNvPr id="35" name="Straight Connector 34">
+            <a:extLst>
+              <a:ext uri="{FF2B5EF4-FFF2-40B4-BE49-F238E27FC236}">
+                <a16:creationId xmlns:a16="http://schemas.microsoft.com/office/drawing/2014/main" id="{21A9E267-8C93-48CB-9FC1-B8948BC122CE}"/>
+              </a:ext>
+            </a:extLst>
+          </p:cNvPr>
+          <p:cNvCxnSpPr/>
+          <p:nvPr/>
+        </p:nvCxnSpPr>
+        <p:spPr>
+          <a:xfrm>
+            <a:off x="7314496" y="2201409"/>
+            <a:ext cx="0" cy="1333500"/>
+          </a:xfrm>
+          <a:prstGeom prst="line">
+            <a:avLst/>
+          </a:prstGeom>
+          <a:ln w="19050">
+            <a:solidFill>
+              <a:schemeClr val="accent4"/>
+            </a:solidFill>
+            <a:prstDash val="dash"/>
+          </a:ln>
+        </p:spPr>
+        <p:style>
+          <a:lnRef idx="1">
+            <a:schemeClr val="accent1"/>
+          </a:lnRef>
+          <a:fillRef idx="0">
+            <a:schemeClr val="accent1"/>
+          </a:fillRef>
+          <a:effectRef idx="0">
+            <a:schemeClr val="accent1"/>
+          </a:effectRef>
+          <a:fontRef idx="minor">
+            <a:schemeClr val="tx1"/>
+          </a:fontRef>
+        </p:style>
+      </p:cxnSp>
+      <p:sp>
+        <p:nvSpPr>
+          <p:cNvPr id="36" name="Right Brace 35">
+            <a:extLst>
+              <a:ext uri="{FF2B5EF4-FFF2-40B4-BE49-F238E27FC236}">
+                <a16:creationId xmlns:a16="http://schemas.microsoft.com/office/drawing/2014/main" id="{2A3B128C-A20C-4436-BF07-7FB83F87B08E}"/>
+              </a:ext>
+            </a:extLst>
+          </p:cNvPr>
+          <p:cNvSpPr/>
+          <p:nvPr/>
+        </p:nvSpPr>
+        <p:spPr>
+          <a:xfrm rot="5400000">
+            <a:off x="4873535" y="1245257"/>
+            <a:ext cx="261610" cy="4620313"/>
+          </a:xfrm>
+          <a:prstGeom prst="rightBrace">
+            <a:avLst>
+              <a:gd name="adj1" fmla="val 0"/>
+              <a:gd name="adj2" fmla="val 51953"/>
+            </a:avLst>
+          </a:prstGeom>
+          <a:ln w="19050">
+            <a:solidFill>
+              <a:schemeClr val="accent1"/>
+            </a:solidFill>
+          </a:ln>
+        </p:spPr>
+        <p:style>
+          <a:lnRef idx="1">
+            <a:schemeClr val="accent1"/>
+          </a:lnRef>
+          <a:fillRef idx="0">
+            <a:schemeClr val="accent1"/>
+          </a:fillRef>
+          <a:effectRef idx="0">
+            <a:schemeClr val="accent1"/>
+          </a:effectRef>
+          <a:fontRef idx="minor">
+            <a:schemeClr val="tx1"/>
+          </a:fontRef>
+        </p:style>
+        <p:txBody>
+          <a:bodyPr rtlCol="0" anchor="ctr"/>
+          <a:lstStyle/>
+          <a:p>
+            <a:pPr algn="ctr"/>
+            <a:endParaRPr lang="en-US" dirty="0"/>
+          </a:p>
+        </p:txBody>
+      </p:sp>
+      <p:sp>
+        <p:nvSpPr>
+          <p:cNvPr id="37" name="Rectangle 36">
+            <a:extLst>
+              <a:ext uri="{FF2B5EF4-FFF2-40B4-BE49-F238E27FC236}">
+                <a16:creationId xmlns:a16="http://schemas.microsoft.com/office/drawing/2014/main" id="{D94AA299-9119-4C69-B52A-8E071CC61BE5}"/>
+              </a:ext>
+            </a:extLst>
+          </p:cNvPr>
+          <p:cNvSpPr/>
+          <p:nvPr/>
+        </p:nvSpPr>
+        <p:spPr>
+          <a:xfrm>
+            <a:off x="4232465" y="3768785"/>
+            <a:ext cx="1431291" cy="336550"/>
+          </a:xfrm>
+          <a:prstGeom prst="rect">
+            <a:avLst/>
+          </a:prstGeom>
+        </p:spPr>
+        <p:style>
+          <a:lnRef idx="2">
+            <a:schemeClr val="accent1">
+              <a:shade val="50000"/>
+            </a:schemeClr>
+          </a:lnRef>
+          <a:fillRef idx="1">
+            <a:schemeClr val="accent1"/>
+          </a:fillRef>
+          <a:effectRef idx="0">
+            <a:schemeClr val="accent1"/>
+          </a:effectRef>
+          <a:fontRef idx="minor">
+            <a:schemeClr val="lt1"/>
+          </a:fontRef>
+        </p:style>
+        <p:txBody>
+          <a:bodyPr rtlCol="0" anchor="ctr"/>
+          <a:lstStyle/>
+          <a:p>
+            <a:pPr algn="ctr"/>
+            <a:r>
+              <a:rPr lang="en-US" sz="1100" dirty="0"/>
+              <a:t>Data = 10101011</a:t>
+            </a:r>
+          </a:p>
+          <a:p>
+            <a:pPr algn="ctr"/>
+            <a:r>
+              <a:rPr lang="en-US" sz="1100" dirty="0"/>
+              <a:t>Pos. = 7654321</a:t>
             </a:r>
           </a:p>
         </p:txBody>
@@ -15849,7 +20768,7 @@
     </p:spTree>
     <p:extLst>
       <p:ext uri="{BB962C8B-B14F-4D97-AF65-F5344CB8AC3E}">
-        <p14:creationId xmlns:p14="http://schemas.microsoft.com/office/powerpoint/2010/main" val="3207602261"/>
+        <p14:creationId xmlns:p14="http://schemas.microsoft.com/office/powerpoint/2010/main" val="1390375350"/>
       </p:ext>
     </p:extLst>
   </p:cSld>
@@ -15860,7 +20779,7 @@
 </file>
 
 <file path=ppt/slides/slide8.xml><?xml version="1.0" encoding="utf-8"?>
-<p:sld xmlns:a="http://schemas.openxmlformats.org/drawingml/2006/main" xmlns:r="http://schemas.openxmlformats.org/officeDocument/2006/relationships" xmlns:p="http://schemas.openxmlformats.org/presentationml/2006/main" show="0">
+<p:sld xmlns:a="http://schemas.openxmlformats.org/drawingml/2006/main" xmlns:r="http://schemas.openxmlformats.org/officeDocument/2006/relationships" xmlns:p="http://schemas.openxmlformats.org/presentationml/2006/main">
   <p:cSld>
     <p:spTree>
       <p:nvGrpSpPr>
@@ -15876,473 +20795,40 @@
           <a:chExt cx="0" cy="0"/>
         </a:xfrm>
       </p:grpSpPr>
-      <p:pic>
-        <p:nvPicPr>
-          <p:cNvPr id="48" name="Picture 47">
+      <p:sp>
+        <p:nvSpPr>
+          <p:cNvPr id="2" name="Title 1">
             <a:extLst>
               <a:ext uri="{FF2B5EF4-FFF2-40B4-BE49-F238E27FC236}">
-                <a16:creationId xmlns:a16="http://schemas.microsoft.com/office/drawing/2014/main" id="{3F007213-45FE-4502-8AA0-213FCC329345}"/>
+                <a16:creationId xmlns:a16="http://schemas.microsoft.com/office/drawing/2014/main" id="{A38D5CBB-DE1C-47A1-A64B-11D31E5B8E5B}"/>
               </a:ext>
             </a:extLst>
           </p:cNvPr>
-          <p:cNvPicPr>
-            <a:picLocks noChangeAspect="1"/>
-          </p:cNvPicPr>
-          <p:nvPr/>
-        </p:nvPicPr>
-        <p:blipFill>
-          <a:blip r:embed="rId2"/>
-          <a:stretch>
-            <a:fillRect/>
-          </a:stretch>
-        </p:blipFill>
-        <p:spPr>
-          <a:xfrm>
-            <a:off x="144379" y="403079"/>
-            <a:ext cx="8855242" cy="1924240"/>
-          </a:xfrm>
-          <a:prstGeom prst="rect">
-            <a:avLst/>
-          </a:prstGeom>
-        </p:spPr>
-      </p:pic>
-      <p:sp>
-        <p:nvSpPr>
-          <p:cNvPr id="50" name="Oval 49">
+          <p:cNvSpPr>
+            <a:spLocks noGrp="1"/>
+          </p:cNvSpPr>
+          <p:nvPr>
+            <p:ph type="title"/>
+          </p:nvPr>
+        </p:nvSpPr>
+        <p:spPr/>
+        <p:txBody>
+          <a:bodyPr/>
+          <a:lstStyle/>
+          <a:p>
+            <a:r>
+              <a:rPr lang="en-US" dirty="0"/>
+              <a:t>References</a:t>
+            </a:r>
+          </a:p>
+        </p:txBody>
+      </p:sp>
+      <p:sp>
+        <p:nvSpPr>
+          <p:cNvPr id="4" name="TextBox 3">
             <a:extLst>
               <a:ext uri="{FF2B5EF4-FFF2-40B4-BE49-F238E27FC236}">
-                <a16:creationId xmlns:a16="http://schemas.microsoft.com/office/drawing/2014/main" id="{D7C3EDBE-78C4-45D4-A924-CF89BA4EE1A0}"/>
-              </a:ext>
-            </a:extLst>
-          </p:cNvPr>
-          <p:cNvSpPr/>
-          <p:nvPr/>
-        </p:nvSpPr>
-        <p:spPr>
-          <a:xfrm>
-            <a:off x="2410678" y="1016774"/>
-            <a:ext cx="215041" cy="870751"/>
-          </a:xfrm>
-          <a:prstGeom prst="ellipse">
-            <a:avLst/>
-          </a:prstGeom>
-          <a:noFill/>
-          <a:ln w="19050">
-            <a:solidFill>
-              <a:srgbClr val="FFC000"/>
-            </a:solidFill>
-          </a:ln>
-        </p:spPr>
-        <p:style>
-          <a:lnRef idx="2">
-            <a:schemeClr val="accent1">
-              <a:shade val="50000"/>
-            </a:schemeClr>
-          </a:lnRef>
-          <a:fillRef idx="1">
-            <a:schemeClr val="accent1"/>
-          </a:fillRef>
-          <a:effectRef idx="0">
-            <a:schemeClr val="accent1"/>
-          </a:effectRef>
-          <a:fontRef idx="minor">
-            <a:schemeClr val="lt1"/>
-          </a:fontRef>
-        </p:style>
-        <p:txBody>
-          <a:bodyPr rtlCol="0" anchor="t"/>
-          <a:lstStyle>
-            <a:lvl1pPr marL="0" indent="0">
-              <a:defRPr sz="1100">
-                <a:solidFill>
-                  <a:schemeClr val="lt1"/>
-                </a:solidFill>
-                <a:latin typeface="+mn-lt"/>
-                <a:ea typeface="+mn-ea"/>
-                <a:cs typeface="+mn-cs"/>
-              </a:defRPr>
-            </a:lvl1pPr>
-            <a:lvl2pPr marL="457200" indent="0">
-              <a:defRPr sz="1100">
-                <a:solidFill>
-                  <a:schemeClr val="lt1"/>
-                </a:solidFill>
-                <a:latin typeface="+mn-lt"/>
-                <a:ea typeface="+mn-ea"/>
-                <a:cs typeface="+mn-cs"/>
-              </a:defRPr>
-            </a:lvl2pPr>
-            <a:lvl3pPr marL="914400" indent="0">
-              <a:defRPr sz="1100">
-                <a:solidFill>
-                  <a:schemeClr val="lt1"/>
-                </a:solidFill>
-                <a:latin typeface="+mn-lt"/>
-                <a:ea typeface="+mn-ea"/>
-                <a:cs typeface="+mn-cs"/>
-              </a:defRPr>
-            </a:lvl3pPr>
-            <a:lvl4pPr marL="1371600" indent="0">
-              <a:defRPr sz="1100">
-                <a:solidFill>
-                  <a:schemeClr val="lt1"/>
-                </a:solidFill>
-                <a:latin typeface="+mn-lt"/>
-                <a:ea typeface="+mn-ea"/>
-                <a:cs typeface="+mn-cs"/>
-              </a:defRPr>
-            </a:lvl4pPr>
-            <a:lvl5pPr marL="1828800" indent="0">
-              <a:defRPr sz="1100">
-                <a:solidFill>
-                  <a:schemeClr val="lt1"/>
-                </a:solidFill>
-                <a:latin typeface="+mn-lt"/>
-                <a:ea typeface="+mn-ea"/>
-                <a:cs typeface="+mn-cs"/>
-              </a:defRPr>
-            </a:lvl5pPr>
-            <a:lvl6pPr marL="2286000" indent="0">
-              <a:defRPr sz="1100">
-                <a:solidFill>
-                  <a:schemeClr val="lt1"/>
-                </a:solidFill>
-                <a:latin typeface="+mn-lt"/>
-                <a:ea typeface="+mn-ea"/>
-                <a:cs typeface="+mn-cs"/>
-              </a:defRPr>
-            </a:lvl6pPr>
-            <a:lvl7pPr marL="2743200" indent="0">
-              <a:defRPr sz="1100">
-                <a:solidFill>
-                  <a:schemeClr val="lt1"/>
-                </a:solidFill>
-                <a:latin typeface="+mn-lt"/>
-                <a:ea typeface="+mn-ea"/>
-                <a:cs typeface="+mn-cs"/>
-              </a:defRPr>
-            </a:lvl7pPr>
-            <a:lvl8pPr marL="3200400" indent="0">
-              <a:defRPr sz="1100">
-                <a:solidFill>
-                  <a:schemeClr val="lt1"/>
-                </a:solidFill>
-                <a:latin typeface="+mn-lt"/>
-                <a:ea typeface="+mn-ea"/>
-                <a:cs typeface="+mn-cs"/>
-              </a:defRPr>
-            </a:lvl8pPr>
-            <a:lvl9pPr marL="3657600" indent="0">
-              <a:defRPr sz="1100">
-                <a:solidFill>
-                  <a:schemeClr val="lt1"/>
-                </a:solidFill>
-                <a:latin typeface="+mn-lt"/>
-                <a:ea typeface="+mn-ea"/>
-                <a:cs typeface="+mn-cs"/>
-              </a:defRPr>
-            </a:lvl9pPr>
-          </a:lstStyle>
-          <a:p>
-            <a:pPr algn="l"/>
-            <a:endParaRPr lang="en-IN" sz="1100"/>
-          </a:p>
-        </p:txBody>
-      </p:sp>
-      <p:sp>
-        <p:nvSpPr>
-          <p:cNvPr id="51" name="Oval 50">
-            <a:extLst>
-              <a:ext uri="{FF2B5EF4-FFF2-40B4-BE49-F238E27FC236}">
-                <a16:creationId xmlns:a16="http://schemas.microsoft.com/office/drawing/2014/main" id="{3B91B39F-3BA8-4A5A-B29D-D3FD9C8E1959}"/>
-              </a:ext>
-            </a:extLst>
-          </p:cNvPr>
-          <p:cNvSpPr/>
-          <p:nvPr/>
-        </p:nvSpPr>
-        <p:spPr>
-          <a:xfrm>
-            <a:off x="4502779" y="992405"/>
-            <a:ext cx="122421" cy="870751"/>
-          </a:xfrm>
-          <a:prstGeom prst="ellipse">
-            <a:avLst/>
-          </a:prstGeom>
-          <a:noFill/>
-          <a:ln w="19050">
-            <a:solidFill>
-              <a:srgbClr val="FFC000"/>
-            </a:solidFill>
-          </a:ln>
-        </p:spPr>
-        <p:style>
-          <a:lnRef idx="2">
-            <a:schemeClr val="accent1">
-              <a:shade val="50000"/>
-            </a:schemeClr>
-          </a:lnRef>
-          <a:fillRef idx="1">
-            <a:schemeClr val="accent1"/>
-          </a:fillRef>
-          <a:effectRef idx="0">
-            <a:schemeClr val="accent1"/>
-          </a:effectRef>
-          <a:fontRef idx="minor">
-            <a:schemeClr val="lt1"/>
-          </a:fontRef>
-        </p:style>
-        <p:txBody>
-          <a:bodyPr rtlCol="0" anchor="t"/>
-          <a:lstStyle>
-            <a:lvl1pPr marL="0" indent="0">
-              <a:defRPr sz="1100">
-                <a:solidFill>
-                  <a:schemeClr val="lt1"/>
-                </a:solidFill>
-                <a:latin typeface="+mn-lt"/>
-                <a:ea typeface="+mn-ea"/>
-                <a:cs typeface="+mn-cs"/>
-              </a:defRPr>
-            </a:lvl1pPr>
-            <a:lvl2pPr marL="457200" indent="0">
-              <a:defRPr sz="1100">
-                <a:solidFill>
-                  <a:schemeClr val="lt1"/>
-                </a:solidFill>
-                <a:latin typeface="+mn-lt"/>
-                <a:ea typeface="+mn-ea"/>
-                <a:cs typeface="+mn-cs"/>
-              </a:defRPr>
-            </a:lvl2pPr>
-            <a:lvl3pPr marL="914400" indent="0">
-              <a:defRPr sz="1100">
-                <a:solidFill>
-                  <a:schemeClr val="lt1"/>
-                </a:solidFill>
-                <a:latin typeface="+mn-lt"/>
-                <a:ea typeface="+mn-ea"/>
-                <a:cs typeface="+mn-cs"/>
-              </a:defRPr>
-            </a:lvl3pPr>
-            <a:lvl4pPr marL="1371600" indent="0">
-              <a:defRPr sz="1100">
-                <a:solidFill>
-                  <a:schemeClr val="lt1"/>
-                </a:solidFill>
-                <a:latin typeface="+mn-lt"/>
-                <a:ea typeface="+mn-ea"/>
-                <a:cs typeface="+mn-cs"/>
-              </a:defRPr>
-            </a:lvl4pPr>
-            <a:lvl5pPr marL="1828800" indent="0">
-              <a:defRPr sz="1100">
-                <a:solidFill>
-                  <a:schemeClr val="lt1"/>
-                </a:solidFill>
-                <a:latin typeface="+mn-lt"/>
-                <a:ea typeface="+mn-ea"/>
-                <a:cs typeface="+mn-cs"/>
-              </a:defRPr>
-            </a:lvl5pPr>
-            <a:lvl6pPr marL="2286000" indent="0">
-              <a:defRPr sz="1100">
-                <a:solidFill>
-                  <a:schemeClr val="lt1"/>
-                </a:solidFill>
-                <a:latin typeface="+mn-lt"/>
-                <a:ea typeface="+mn-ea"/>
-                <a:cs typeface="+mn-cs"/>
-              </a:defRPr>
-            </a:lvl6pPr>
-            <a:lvl7pPr marL="2743200" indent="0">
-              <a:defRPr sz="1100">
-                <a:solidFill>
-                  <a:schemeClr val="lt1"/>
-                </a:solidFill>
-                <a:latin typeface="+mn-lt"/>
-                <a:ea typeface="+mn-ea"/>
-                <a:cs typeface="+mn-cs"/>
-              </a:defRPr>
-            </a:lvl7pPr>
-            <a:lvl8pPr marL="3200400" indent="0">
-              <a:defRPr sz="1100">
-                <a:solidFill>
-                  <a:schemeClr val="lt1"/>
-                </a:solidFill>
-                <a:latin typeface="+mn-lt"/>
-                <a:ea typeface="+mn-ea"/>
-                <a:cs typeface="+mn-cs"/>
-              </a:defRPr>
-            </a:lvl8pPr>
-            <a:lvl9pPr marL="3657600" indent="0">
-              <a:defRPr sz="1100">
-                <a:solidFill>
-                  <a:schemeClr val="lt1"/>
-                </a:solidFill>
-                <a:latin typeface="+mn-lt"/>
-                <a:ea typeface="+mn-ea"/>
-                <a:cs typeface="+mn-cs"/>
-              </a:defRPr>
-            </a:lvl9pPr>
-          </a:lstStyle>
-          <a:p>
-            <a:pPr algn="l"/>
-            <a:endParaRPr lang="en-IN" sz="1100"/>
-          </a:p>
-        </p:txBody>
-      </p:sp>
-      <p:sp>
-        <p:nvSpPr>
-          <p:cNvPr id="54" name="Rectangle 53">
-            <a:extLst>
-              <a:ext uri="{FF2B5EF4-FFF2-40B4-BE49-F238E27FC236}">
-                <a16:creationId xmlns:a16="http://schemas.microsoft.com/office/drawing/2014/main" id="{1618BE58-B837-4998-9D02-75413A4F090F}"/>
-              </a:ext>
-            </a:extLst>
-          </p:cNvPr>
-          <p:cNvSpPr/>
-          <p:nvPr/>
-        </p:nvSpPr>
-        <p:spPr>
-          <a:xfrm>
-            <a:off x="2725336" y="1446898"/>
-            <a:ext cx="3400572" cy="243234"/>
-          </a:xfrm>
-          <a:prstGeom prst="rect">
-            <a:avLst/>
-          </a:prstGeom>
-          <a:noFill/>
-          <a:ln w="28575">
-            <a:noFill/>
-          </a:ln>
-        </p:spPr>
-        <p:style>
-          <a:lnRef idx="2">
-            <a:schemeClr val="accent4">
-              <a:shade val="50000"/>
-            </a:schemeClr>
-          </a:lnRef>
-          <a:fillRef idx="1">
-            <a:schemeClr val="accent4"/>
-          </a:fillRef>
-          <a:effectRef idx="0">
-            <a:schemeClr val="accent4"/>
-          </a:effectRef>
-          <a:fontRef idx="minor">
-            <a:schemeClr val="lt1"/>
-          </a:fontRef>
-        </p:style>
-        <p:txBody>
-          <a:bodyPr rtlCol="0" anchor="t"/>
-          <a:lstStyle>
-            <a:lvl1pPr marL="0" indent="0">
-              <a:defRPr sz="1100">
-                <a:solidFill>
-                  <a:schemeClr val="lt1"/>
-                </a:solidFill>
-                <a:latin typeface="+mn-lt"/>
-                <a:ea typeface="+mn-ea"/>
-                <a:cs typeface="+mn-cs"/>
-              </a:defRPr>
-            </a:lvl1pPr>
-            <a:lvl2pPr marL="457200" indent="0">
-              <a:defRPr sz="1100">
-                <a:solidFill>
-                  <a:schemeClr val="lt1"/>
-                </a:solidFill>
-                <a:latin typeface="+mn-lt"/>
-                <a:ea typeface="+mn-ea"/>
-                <a:cs typeface="+mn-cs"/>
-              </a:defRPr>
-            </a:lvl2pPr>
-            <a:lvl3pPr marL="914400" indent="0">
-              <a:defRPr sz="1100">
-                <a:solidFill>
-                  <a:schemeClr val="lt1"/>
-                </a:solidFill>
-                <a:latin typeface="+mn-lt"/>
-                <a:ea typeface="+mn-ea"/>
-                <a:cs typeface="+mn-cs"/>
-              </a:defRPr>
-            </a:lvl3pPr>
-            <a:lvl4pPr marL="1371600" indent="0">
-              <a:defRPr sz="1100">
-                <a:solidFill>
-                  <a:schemeClr val="lt1"/>
-                </a:solidFill>
-                <a:latin typeface="+mn-lt"/>
-                <a:ea typeface="+mn-ea"/>
-                <a:cs typeface="+mn-cs"/>
-              </a:defRPr>
-            </a:lvl4pPr>
-            <a:lvl5pPr marL="1828800" indent="0">
-              <a:defRPr sz="1100">
-                <a:solidFill>
-                  <a:schemeClr val="lt1"/>
-                </a:solidFill>
-                <a:latin typeface="+mn-lt"/>
-                <a:ea typeface="+mn-ea"/>
-                <a:cs typeface="+mn-cs"/>
-              </a:defRPr>
-            </a:lvl5pPr>
-            <a:lvl6pPr marL="2286000" indent="0">
-              <a:defRPr sz="1100">
-                <a:solidFill>
-                  <a:schemeClr val="lt1"/>
-                </a:solidFill>
-                <a:latin typeface="+mn-lt"/>
-                <a:ea typeface="+mn-ea"/>
-                <a:cs typeface="+mn-cs"/>
-              </a:defRPr>
-            </a:lvl6pPr>
-            <a:lvl7pPr marL="2743200" indent="0">
-              <a:defRPr sz="1100">
-                <a:solidFill>
-                  <a:schemeClr val="lt1"/>
-                </a:solidFill>
-                <a:latin typeface="+mn-lt"/>
-                <a:ea typeface="+mn-ea"/>
-                <a:cs typeface="+mn-cs"/>
-              </a:defRPr>
-            </a:lvl7pPr>
-            <a:lvl8pPr marL="3200400" indent="0">
-              <a:defRPr sz="1100">
-                <a:solidFill>
-                  <a:schemeClr val="lt1"/>
-                </a:solidFill>
-                <a:latin typeface="+mn-lt"/>
-                <a:ea typeface="+mn-ea"/>
-                <a:cs typeface="+mn-cs"/>
-              </a:defRPr>
-            </a:lvl8pPr>
-            <a:lvl9pPr marL="3657600" indent="0">
-              <a:defRPr sz="1100">
-                <a:solidFill>
-                  <a:schemeClr val="lt1"/>
-                </a:solidFill>
-                <a:latin typeface="+mn-lt"/>
-                <a:ea typeface="+mn-ea"/>
-                <a:cs typeface="+mn-cs"/>
-              </a:defRPr>
-            </a:lvl9pPr>
-          </a:lstStyle>
-          <a:p>
-            <a:pPr algn="l"/>
-            <a:endParaRPr lang="en-IN" sz="600" b="1" dirty="0">
-              <a:solidFill>
-                <a:schemeClr val="bg1"/>
-              </a:solidFill>
-            </a:endParaRPr>
-          </a:p>
-        </p:txBody>
-      </p:sp>
-      <p:sp>
-        <p:nvSpPr>
-          <p:cNvPr id="2" name="TextBox 1">
-            <a:extLst>
-              <a:ext uri="{FF2B5EF4-FFF2-40B4-BE49-F238E27FC236}">
-                <a16:creationId xmlns:a16="http://schemas.microsoft.com/office/drawing/2014/main" id="{F466B953-90A3-4D9F-A979-4F9D87FB025E}"/>
+                <a16:creationId xmlns:a16="http://schemas.microsoft.com/office/drawing/2014/main" id="{66E1DE56-A755-44E7-B1E8-06983E19AA55}"/>
               </a:ext>
             </a:extLst>
           </p:cNvPr>
@@ -16351,8 +20837,8 @@
         </p:nvSpPr>
         <p:spPr>
           <a:xfrm>
-            <a:off x="2601767" y="1446898"/>
-            <a:ext cx="137550" cy="200055"/>
+            <a:off x="500742" y="1268016"/>
+            <a:ext cx="7286172" cy="861774"/>
           </a:xfrm>
           <a:prstGeom prst="rect">
             <a:avLst/>
@@ -16360,2238 +20846,65 @@
           <a:noFill/>
         </p:spPr>
         <p:txBody>
-          <a:bodyPr wrap="square" rtlCol="0">
+          <a:bodyPr wrap="square">
             <a:spAutoFit/>
           </a:bodyPr>
           <a:lstStyle/>
           <a:p>
-            <a:r>
-              <a:rPr lang="en-US" sz="700" b="1" dirty="0">
-                <a:solidFill>
-                  <a:schemeClr val="bg1"/>
-                </a:solidFill>
+            <a:pPr marL="342900" indent="-342900">
+              <a:buFont typeface="+mj-lt"/>
+              <a:buAutoNum type="arabicPeriod"/>
+            </a:pPr>
+            <a:r>
+              <a:rPr lang="en-US" sz="1600" dirty="0">
                 <a:latin typeface="+mj-lt"/>
+                <a:hlinkClick r:id="rId2"/>
               </a:rPr>
-              <a:t>S</a:t>
-            </a:r>
-          </a:p>
-        </p:txBody>
-      </p:sp>
-      <p:sp>
-        <p:nvSpPr>
-          <p:cNvPr id="55" name="TextBox 54">
-            <a:extLst>
-              <a:ext uri="{FF2B5EF4-FFF2-40B4-BE49-F238E27FC236}">
-                <a16:creationId xmlns:a16="http://schemas.microsoft.com/office/drawing/2014/main" id="{929C4238-5938-4040-BDE9-FABFB2B3A8A1}"/>
-              </a:ext>
-            </a:extLst>
-          </p:cNvPr>
-          <p:cNvSpPr txBox="1"/>
-          <p:nvPr/>
-        </p:nvSpPr>
-        <p:spPr>
-          <a:xfrm>
-            <a:off x="2749482" y="1438179"/>
-            <a:ext cx="137550" cy="200055"/>
-          </a:xfrm>
-          <a:prstGeom prst="rect">
-            <a:avLst/>
-          </a:prstGeom>
-          <a:noFill/>
-        </p:spPr>
-        <p:txBody>
-          <a:bodyPr wrap="square" rtlCol="0">
-            <a:spAutoFit/>
-          </a:bodyPr>
-          <a:lstStyle/>
-          <a:p>
-            <a:r>
-              <a:rPr lang="en-US" sz="700" b="1" dirty="0">
-                <a:solidFill>
-                  <a:schemeClr val="bg1"/>
-                </a:solidFill>
+              <a:t>https://www.nxp.com/docs/en/user-guide/UM10204.pdf</a:t>
+            </a:r>
+            <a:endParaRPr lang="en-US" sz="1600" dirty="0">
+              <a:latin typeface="+mj-lt"/>
+            </a:endParaRPr>
+          </a:p>
+          <a:p>
+            <a:pPr marL="342900" indent="-342900">
+              <a:buFont typeface="+mj-lt"/>
+              <a:buAutoNum type="arabicPeriod"/>
+            </a:pPr>
+            <a:r>
+              <a:rPr lang="en-US" sz="1600" dirty="0">
                 <a:latin typeface="+mj-lt"/>
+                <a:hlinkClick r:id="rId3"/>
               </a:rPr>
-              <a:t>1</a:t>
-            </a:r>
-          </a:p>
-        </p:txBody>
-      </p:sp>
-      <p:sp>
-        <p:nvSpPr>
-          <p:cNvPr id="56" name="TextBox 55">
-            <a:extLst>
-              <a:ext uri="{FF2B5EF4-FFF2-40B4-BE49-F238E27FC236}">
-                <a16:creationId xmlns:a16="http://schemas.microsoft.com/office/drawing/2014/main" id="{A4BDD13B-C9EC-42D7-8487-00C541B901DA}"/>
-              </a:ext>
-            </a:extLst>
-          </p:cNvPr>
-          <p:cNvSpPr txBox="1"/>
-          <p:nvPr/>
-        </p:nvSpPr>
-        <p:spPr>
-          <a:xfrm>
-            <a:off x="2986649" y="1446898"/>
-            <a:ext cx="137550" cy="200055"/>
-          </a:xfrm>
-          <a:prstGeom prst="rect">
-            <a:avLst/>
-          </a:prstGeom>
-          <a:noFill/>
-        </p:spPr>
-        <p:txBody>
-          <a:bodyPr wrap="square" rtlCol="0">
-            <a:spAutoFit/>
-          </a:bodyPr>
-          <a:lstStyle/>
-          <a:p>
-            <a:r>
-              <a:rPr lang="en-US" sz="700" b="1" dirty="0">
-                <a:solidFill>
-                  <a:schemeClr val="bg1"/>
-                </a:solidFill>
+              <a:t>https://www.ti.com/lit/an/slva704/slva704.pdf?ts=1613277566754</a:t>
+            </a:r>
+            <a:endParaRPr lang="en-US" sz="1600" dirty="0">
+              <a:latin typeface="+mj-lt"/>
+            </a:endParaRPr>
+          </a:p>
+          <a:p>
+            <a:pPr marL="342900" indent="-342900">
+              <a:buFont typeface="+mj-lt"/>
+              <a:buAutoNum type="arabicPeriod"/>
+            </a:pPr>
+            <a:r>
+              <a:rPr lang="en-US" sz="1600" dirty="0">
+                <a:effectLst/>
                 <a:latin typeface="+mj-lt"/>
+                <a:hlinkClick r:id="rId4"/>
               </a:rPr>
-              <a:t>0</a:t>
-            </a:r>
-          </a:p>
-        </p:txBody>
-      </p:sp>
-      <p:sp>
-        <p:nvSpPr>
-          <p:cNvPr id="57" name="TextBox 56">
-            <a:extLst>
-              <a:ext uri="{FF2B5EF4-FFF2-40B4-BE49-F238E27FC236}">
-                <a16:creationId xmlns:a16="http://schemas.microsoft.com/office/drawing/2014/main" id="{FBF8FFE3-6850-486F-B801-1E9EE14DB917}"/>
-              </a:ext>
-            </a:extLst>
-          </p:cNvPr>
-          <p:cNvSpPr txBox="1"/>
-          <p:nvPr/>
-        </p:nvSpPr>
-        <p:spPr>
-          <a:xfrm>
-            <a:off x="3213845" y="1438369"/>
-            <a:ext cx="122421" cy="200055"/>
-          </a:xfrm>
-          <a:prstGeom prst="rect">
-            <a:avLst/>
-          </a:prstGeom>
-          <a:noFill/>
-        </p:spPr>
-        <p:txBody>
-          <a:bodyPr wrap="square" rtlCol="0">
-            <a:spAutoFit/>
-          </a:bodyPr>
-          <a:lstStyle/>
-          <a:p>
-            <a:r>
-              <a:rPr lang="en-US" sz="700" b="1" dirty="0">
-                <a:solidFill>
-                  <a:schemeClr val="bg1"/>
-                </a:solidFill>
-                <a:latin typeface="+mj-lt"/>
-              </a:rPr>
-              <a:t>1</a:t>
-            </a:r>
-          </a:p>
-        </p:txBody>
-      </p:sp>
-      <p:sp>
-        <p:nvSpPr>
-          <p:cNvPr id="58" name="TextBox 57">
-            <a:extLst>
-              <a:ext uri="{FF2B5EF4-FFF2-40B4-BE49-F238E27FC236}">
-                <a16:creationId xmlns:a16="http://schemas.microsoft.com/office/drawing/2014/main" id="{B074E43D-1035-4179-9773-0C1E8E71B3A0}"/>
-              </a:ext>
-            </a:extLst>
-          </p:cNvPr>
-          <p:cNvSpPr txBox="1"/>
-          <p:nvPr/>
-        </p:nvSpPr>
-        <p:spPr>
-          <a:xfrm>
-            <a:off x="3466542" y="1437202"/>
-            <a:ext cx="122421" cy="200055"/>
-          </a:xfrm>
-          <a:prstGeom prst="rect">
-            <a:avLst/>
-          </a:prstGeom>
-          <a:noFill/>
-        </p:spPr>
-        <p:txBody>
-          <a:bodyPr wrap="square" rtlCol="0">
-            <a:spAutoFit/>
-          </a:bodyPr>
-          <a:lstStyle/>
-          <a:p>
-            <a:r>
-              <a:rPr lang="en-US" sz="700" b="1" dirty="0">
-                <a:solidFill>
-                  <a:schemeClr val="bg1"/>
-                </a:solidFill>
-                <a:latin typeface="+mj-lt"/>
-              </a:rPr>
-              <a:t>0</a:t>
-            </a:r>
-          </a:p>
-        </p:txBody>
-      </p:sp>
-      <p:sp>
-        <p:nvSpPr>
-          <p:cNvPr id="59" name="TextBox 58">
-            <a:extLst>
-              <a:ext uri="{FF2B5EF4-FFF2-40B4-BE49-F238E27FC236}">
-                <a16:creationId xmlns:a16="http://schemas.microsoft.com/office/drawing/2014/main" id="{BE314943-3730-45E7-A80D-ADEE75389786}"/>
-              </a:ext>
-            </a:extLst>
-          </p:cNvPr>
-          <p:cNvSpPr txBox="1"/>
-          <p:nvPr/>
-        </p:nvSpPr>
-        <p:spPr>
-          <a:xfrm>
-            <a:off x="3666567" y="1427833"/>
-            <a:ext cx="122421" cy="200055"/>
-          </a:xfrm>
-          <a:prstGeom prst="rect">
-            <a:avLst/>
-          </a:prstGeom>
-          <a:noFill/>
-        </p:spPr>
-        <p:txBody>
-          <a:bodyPr wrap="square" rtlCol="0">
-            <a:spAutoFit/>
-          </a:bodyPr>
-          <a:lstStyle/>
-          <a:p>
-            <a:r>
-              <a:rPr lang="en-US" sz="700" b="1" dirty="0">
-                <a:solidFill>
-                  <a:schemeClr val="bg1"/>
-                </a:solidFill>
-                <a:latin typeface="+mj-lt"/>
-              </a:rPr>
-              <a:t>1</a:t>
-            </a:r>
-          </a:p>
-        </p:txBody>
-      </p:sp>
-      <p:sp>
-        <p:nvSpPr>
-          <p:cNvPr id="60" name="TextBox 59">
-            <a:extLst>
-              <a:ext uri="{FF2B5EF4-FFF2-40B4-BE49-F238E27FC236}">
-                <a16:creationId xmlns:a16="http://schemas.microsoft.com/office/drawing/2014/main" id="{B551D128-2C55-49E3-A5F0-49A6EA9548A6}"/>
-              </a:ext>
-            </a:extLst>
-          </p:cNvPr>
-          <p:cNvSpPr txBox="1"/>
-          <p:nvPr/>
-        </p:nvSpPr>
-        <p:spPr>
-          <a:xfrm>
-            <a:off x="3885425" y="1427782"/>
-            <a:ext cx="122421" cy="200055"/>
-          </a:xfrm>
-          <a:prstGeom prst="rect">
-            <a:avLst/>
-          </a:prstGeom>
-          <a:noFill/>
-        </p:spPr>
-        <p:txBody>
-          <a:bodyPr wrap="square" rtlCol="0">
-            <a:spAutoFit/>
-          </a:bodyPr>
-          <a:lstStyle/>
-          <a:p>
-            <a:r>
-              <a:rPr lang="en-US" sz="700" b="1" dirty="0">
-                <a:solidFill>
-                  <a:schemeClr val="bg1"/>
-                </a:solidFill>
-                <a:latin typeface="+mj-lt"/>
-              </a:rPr>
-              <a:t>0</a:t>
-            </a:r>
-          </a:p>
-        </p:txBody>
-      </p:sp>
-      <p:sp>
-        <p:nvSpPr>
-          <p:cNvPr id="61" name="TextBox 60">
-            <a:extLst>
-              <a:ext uri="{FF2B5EF4-FFF2-40B4-BE49-F238E27FC236}">
-                <a16:creationId xmlns:a16="http://schemas.microsoft.com/office/drawing/2014/main" id="{C94342FB-B268-4BAF-B350-77C04A4530EC}"/>
-              </a:ext>
-            </a:extLst>
-          </p:cNvPr>
-          <p:cNvSpPr txBox="1"/>
-          <p:nvPr/>
-        </p:nvSpPr>
-        <p:spPr>
-          <a:xfrm>
-            <a:off x="4098150" y="1427782"/>
-            <a:ext cx="122421" cy="200055"/>
-          </a:xfrm>
-          <a:prstGeom prst="rect">
-            <a:avLst/>
-          </a:prstGeom>
-          <a:noFill/>
-        </p:spPr>
-        <p:txBody>
-          <a:bodyPr wrap="square" rtlCol="0">
-            <a:spAutoFit/>
-          </a:bodyPr>
-          <a:lstStyle/>
-          <a:p>
-            <a:r>
-              <a:rPr lang="en-US" sz="700" b="1" dirty="0">
-                <a:solidFill>
-                  <a:schemeClr val="bg1"/>
-                </a:solidFill>
-                <a:latin typeface="+mj-lt"/>
-              </a:rPr>
-              <a:t>1</a:t>
-            </a:r>
-          </a:p>
-        </p:txBody>
-      </p:sp>
-      <p:sp>
-        <p:nvSpPr>
-          <p:cNvPr id="62" name="TextBox 61">
-            <a:extLst>
-              <a:ext uri="{FF2B5EF4-FFF2-40B4-BE49-F238E27FC236}">
-                <a16:creationId xmlns:a16="http://schemas.microsoft.com/office/drawing/2014/main" id="{B85B6164-FEF6-42E2-812B-2A0B7E655C1A}"/>
-              </a:ext>
-            </a:extLst>
-          </p:cNvPr>
-          <p:cNvSpPr txBox="1"/>
-          <p:nvPr/>
-        </p:nvSpPr>
-        <p:spPr>
-          <a:xfrm>
-            <a:off x="4361675" y="1427782"/>
-            <a:ext cx="122421" cy="200055"/>
-          </a:xfrm>
-          <a:prstGeom prst="rect">
-            <a:avLst/>
-          </a:prstGeom>
-          <a:noFill/>
-        </p:spPr>
-        <p:txBody>
-          <a:bodyPr wrap="square" rtlCol="0">
-            <a:spAutoFit/>
-          </a:bodyPr>
-          <a:lstStyle/>
-          <a:p>
-            <a:r>
-              <a:rPr lang="en-US" sz="700" b="1" dirty="0">
-                <a:solidFill>
-                  <a:schemeClr val="bg1"/>
-                </a:solidFill>
-                <a:latin typeface="+mj-lt"/>
-              </a:rPr>
-              <a:t>0</a:t>
-            </a:r>
-          </a:p>
-        </p:txBody>
-      </p:sp>
-      <p:sp>
-        <p:nvSpPr>
-          <p:cNvPr id="63" name="TextBox 62">
-            <a:extLst>
-              <a:ext uri="{FF2B5EF4-FFF2-40B4-BE49-F238E27FC236}">
-                <a16:creationId xmlns:a16="http://schemas.microsoft.com/office/drawing/2014/main" id="{03096877-A5D6-424E-ABE2-411AA7F1BF41}"/>
-              </a:ext>
-            </a:extLst>
-          </p:cNvPr>
-          <p:cNvSpPr txBox="1"/>
-          <p:nvPr/>
-        </p:nvSpPr>
-        <p:spPr>
-          <a:xfrm>
-            <a:off x="4493682" y="1430347"/>
-            <a:ext cx="137550" cy="200055"/>
-          </a:xfrm>
-          <a:prstGeom prst="rect">
-            <a:avLst/>
-          </a:prstGeom>
-          <a:noFill/>
-        </p:spPr>
-        <p:txBody>
-          <a:bodyPr wrap="square" rtlCol="0">
-            <a:spAutoFit/>
-          </a:bodyPr>
-          <a:lstStyle/>
-          <a:p>
-            <a:r>
-              <a:rPr lang="en-US" sz="700" b="1" dirty="0">
-                <a:solidFill>
-                  <a:schemeClr val="bg1"/>
-                </a:solidFill>
-                <a:latin typeface="+mj-lt"/>
-              </a:rPr>
-              <a:t>P</a:t>
-            </a:r>
-          </a:p>
-        </p:txBody>
-      </p:sp>
-      <p:sp>
-        <p:nvSpPr>
-          <p:cNvPr id="64" name="Oval 63">
-            <a:extLst>
-              <a:ext uri="{FF2B5EF4-FFF2-40B4-BE49-F238E27FC236}">
-                <a16:creationId xmlns:a16="http://schemas.microsoft.com/office/drawing/2014/main" id="{E52860EA-99C1-4A6B-A347-7031B0387412}"/>
-              </a:ext>
-            </a:extLst>
-          </p:cNvPr>
-          <p:cNvSpPr/>
-          <p:nvPr/>
-        </p:nvSpPr>
-        <p:spPr>
-          <a:xfrm>
-            <a:off x="4622134" y="992404"/>
-            <a:ext cx="122421" cy="870751"/>
-          </a:xfrm>
-          <a:prstGeom prst="ellipse">
-            <a:avLst/>
-          </a:prstGeom>
-          <a:noFill/>
-          <a:ln w="19050">
-            <a:solidFill>
-              <a:srgbClr val="FFC000"/>
-            </a:solidFill>
-          </a:ln>
-        </p:spPr>
-        <p:style>
-          <a:lnRef idx="2">
-            <a:schemeClr val="accent1">
-              <a:shade val="50000"/>
-            </a:schemeClr>
-          </a:lnRef>
-          <a:fillRef idx="1">
-            <a:schemeClr val="accent1"/>
-          </a:fillRef>
-          <a:effectRef idx="0">
-            <a:schemeClr val="accent1"/>
-          </a:effectRef>
-          <a:fontRef idx="minor">
-            <a:schemeClr val="lt1"/>
-          </a:fontRef>
-        </p:style>
-        <p:txBody>
-          <a:bodyPr rtlCol="0" anchor="t"/>
-          <a:lstStyle>
-            <a:lvl1pPr marL="0" indent="0">
-              <a:defRPr sz="1100">
-                <a:solidFill>
-                  <a:schemeClr val="lt1"/>
-                </a:solidFill>
-                <a:latin typeface="+mn-lt"/>
-                <a:ea typeface="+mn-ea"/>
-                <a:cs typeface="+mn-cs"/>
-              </a:defRPr>
-            </a:lvl1pPr>
-            <a:lvl2pPr marL="457200" indent="0">
-              <a:defRPr sz="1100">
-                <a:solidFill>
-                  <a:schemeClr val="lt1"/>
-                </a:solidFill>
-                <a:latin typeface="+mn-lt"/>
-                <a:ea typeface="+mn-ea"/>
-                <a:cs typeface="+mn-cs"/>
-              </a:defRPr>
-            </a:lvl2pPr>
-            <a:lvl3pPr marL="914400" indent="0">
-              <a:defRPr sz="1100">
-                <a:solidFill>
-                  <a:schemeClr val="lt1"/>
-                </a:solidFill>
-                <a:latin typeface="+mn-lt"/>
-                <a:ea typeface="+mn-ea"/>
-                <a:cs typeface="+mn-cs"/>
-              </a:defRPr>
-            </a:lvl3pPr>
-            <a:lvl4pPr marL="1371600" indent="0">
-              <a:defRPr sz="1100">
-                <a:solidFill>
-                  <a:schemeClr val="lt1"/>
-                </a:solidFill>
-                <a:latin typeface="+mn-lt"/>
-                <a:ea typeface="+mn-ea"/>
-                <a:cs typeface="+mn-cs"/>
-              </a:defRPr>
-            </a:lvl4pPr>
-            <a:lvl5pPr marL="1828800" indent="0">
-              <a:defRPr sz="1100">
-                <a:solidFill>
-                  <a:schemeClr val="lt1"/>
-                </a:solidFill>
-                <a:latin typeface="+mn-lt"/>
-                <a:ea typeface="+mn-ea"/>
-                <a:cs typeface="+mn-cs"/>
-              </a:defRPr>
-            </a:lvl5pPr>
-            <a:lvl6pPr marL="2286000" indent="0">
-              <a:defRPr sz="1100">
-                <a:solidFill>
-                  <a:schemeClr val="lt1"/>
-                </a:solidFill>
-                <a:latin typeface="+mn-lt"/>
-                <a:ea typeface="+mn-ea"/>
-                <a:cs typeface="+mn-cs"/>
-              </a:defRPr>
-            </a:lvl6pPr>
-            <a:lvl7pPr marL="2743200" indent="0">
-              <a:defRPr sz="1100">
-                <a:solidFill>
-                  <a:schemeClr val="lt1"/>
-                </a:solidFill>
-                <a:latin typeface="+mn-lt"/>
-                <a:ea typeface="+mn-ea"/>
-                <a:cs typeface="+mn-cs"/>
-              </a:defRPr>
-            </a:lvl7pPr>
-            <a:lvl8pPr marL="3200400" indent="0">
-              <a:defRPr sz="1100">
-                <a:solidFill>
-                  <a:schemeClr val="lt1"/>
-                </a:solidFill>
-                <a:latin typeface="+mn-lt"/>
-                <a:ea typeface="+mn-ea"/>
-                <a:cs typeface="+mn-cs"/>
-              </a:defRPr>
-            </a:lvl8pPr>
-            <a:lvl9pPr marL="3657600" indent="0">
-              <a:defRPr sz="1100">
-                <a:solidFill>
-                  <a:schemeClr val="lt1"/>
-                </a:solidFill>
-                <a:latin typeface="+mn-lt"/>
-                <a:ea typeface="+mn-ea"/>
-                <a:cs typeface="+mn-cs"/>
-              </a:defRPr>
-            </a:lvl9pPr>
-          </a:lstStyle>
-          <a:p>
-            <a:pPr algn="l"/>
-            <a:endParaRPr lang="en-IN" sz="1100"/>
-          </a:p>
-        </p:txBody>
-      </p:sp>
-      <p:sp>
-        <p:nvSpPr>
-          <p:cNvPr id="65" name="Oval 64">
-            <a:extLst>
-              <a:ext uri="{FF2B5EF4-FFF2-40B4-BE49-F238E27FC236}">
-                <a16:creationId xmlns:a16="http://schemas.microsoft.com/office/drawing/2014/main" id="{94B39920-087D-404E-88BA-99EC748038DA}"/>
-              </a:ext>
-            </a:extLst>
-          </p:cNvPr>
-          <p:cNvSpPr/>
-          <p:nvPr/>
-        </p:nvSpPr>
-        <p:spPr>
-          <a:xfrm>
-            <a:off x="6626475" y="992406"/>
-            <a:ext cx="122421" cy="870751"/>
-          </a:xfrm>
-          <a:prstGeom prst="ellipse">
-            <a:avLst/>
-          </a:prstGeom>
-          <a:noFill/>
-          <a:ln w="19050">
-            <a:solidFill>
-              <a:srgbClr val="FFC000"/>
-            </a:solidFill>
-          </a:ln>
-        </p:spPr>
-        <p:style>
-          <a:lnRef idx="2">
-            <a:schemeClr val="accent1">
-              <a:shade val="50000"/>
-            </a:schemeClr>
-          </a:lnRef>
-          <a:fillRef idx="1">
-            <a:schemeClr val="accent1"/>
-          </a:fillRef>
-          <a:effectRef idx="0">
-            <a:schemeClr val="accent1"/>
-          </a:effectRef>
-          <a:fontRef idx="minor">
-            <a:schemeClr val="lt1"/>
-          </a:fontRef>
-        </p:style>
-        <p:txBody>
-          <a:bodyPr rtlCol="0" anchor="t"/>
-          <a:lstStyle>
-            <a:lvl1pPr marL="0" indent="0">
-              <a:defRPr sz="1100">
-                <a:solidFill>
-                  <a:schemeClr val="lt1"/>
-                </a:solidFill>
-                <a:latin typeface="+mn-lt"/>
-                <a:ea typeface="+mn-ea"/>
-                <a:cs typeface="+mn-cs"/>
-              </a:defRPr>
-            </a:lvl1pPr>
-            <a:lvl2pPr marL="457200" indent="0">
-              <a:defRPr sz="1100">
-                <a:solidFill>
-                  <a:schemeClr val="lt1"/>
-                </a:solidFill>
-                <a:latin typeface="+mn-lt"/>
-                <a:ea typeface="+mn-ea"/>
-                <a:cs typeface="+mn-cs"/>
-              </a:defRPr>
-            </a:lvl2pPr>
-            <a:lvl3pPr marL="914400" indent="0">
-              <a:defRPr sz="1100">
-                <a:solidFill>
-                  <a:schemeClr val="lt1"/>
-                </a:solidFill>
-                <a:latin typeface="+mn-lt"/>
-                <a:ea typeface="+mn-ea"/>
-                <a:cs typeface="+mn-cs"/>
-              </a:defRPr>
-            </a:lvl3pPr>
-            <a:lvl4pPr marL="1371600" indent="0">
-              <a:defRPr sz="1100">
-                <a:solidFill>
-                  <a:schemeClr val="lt1"/>
-                </a:solidFill>
-                <a:latin typeface="+mn-lt"/>
-                <a:ea typeface="+mn-ea"/>
-                <a:cs typeface="+mn-cs"/>
-              </a:defRPr>
-            </a:lvl4pPr>
-            <a:lvl5pPr marL="1828800" indent="0">
-              <a:defRPr sz="1100">
-                <a:solidFill>
-                  <a:schemeClr val="lt1"/>
-                </a:solidFill>
-                <a:latin typeface="+mn-lt"/>
-                <a:ea typeface="+mn-ea"/>
-                <a:cs typeface="+mn-cs"/>
-              </a:defRPr>
-            </a:lvl5pPr>
-            <a:lvl6pPr marL="2286000" indent="0">
-              <a:defRPr sz="1100">
-                <a:solidFill>
-                  <a:schemeClr val="lt1"/>
-                </a:solidFill>
-                <a:latin typeface="+mn-lt"/>
-                <a:ea typeface="+mn-ea"/>
-                <a:cs typeface="+mn-cs"/>
-              </a:defRPr>
-            </a:lvl6pPr>
-            <a:lvl7pPr marL="2743200" indent="0">
-              <a:defRPr sz="1100">
-                <a:solidFill>
-                  <a:schemeClr val="lt1"/>
-                </a:solidFill>
-                <a:latin typeface="+mn-lt"/>
-                <a:ea typeface="+mn-ea"/>
-                <a:cs typeface="+mn-cs"/>
-              </a:defRPr>
-            </a:lvl7pPr>
-            <a:lvl8pPr marL="3200400" indent="0">
-              <a:defRPr sz="1100">
-                <a:solidFill>
-                  <a:schemeClr val="lt1"/>
-                </a:solidFill>
-                <a:latin typeface="+mn-lt"/>
-                <a:ea typeface="+mn-ea"/>
-                <a:cs typeface="+mn-cs"/>
-              </a:defRPr>
-            </a:lvl8pPr>
-            <a:lvl9pPr marL="3657600" indent="0">
-              <a:defRPr sz="1100">
-                <a:solidFill>
-                  <a:schemeClr val="lt1"/>
-                </a:solidFill>
-                <a:latin typeface="+mn-lt"/>
-                <a:ea typeface="+mn-ea"/>
-                <a:cs typeface="+mn-cs"/>
-              </a:defRPr>
-            </a:lvl9pPr>
-          </a:lstStyle>
-          <a:p>
-            <a:pPr algn="l"/>
-            <a:endParaRPr lang="en-IN" sz="1100"/>
-          </a:p>
-        </p:txBody>
-      </p:sp>
-      <p:sp>
-        <p:nvSpPr>
-          <p:cNvPr id="68" name="Oval 67">
-            <a:extLst>
-              <a:ext uri="{FF2B5EF4-FFF2-40B4-BE49-F238E27FC236}">
-                <a16:creationId xmlns:a16="http://schemas.microsoft.com/office/drawing/2014/main" id="{FE276EE3-B46B-467A-A6EE-A2B150D48B88}"/>
-              </a:ext>
-            </a:extLst>
-          </p:cNvPr>
-          <p:cNvSpPr/>
-          <p:nvPr/>
-        </p:nvSpPr>
-        <p:spPr>
-          <a:xfrm>
-            <a:off x="6745830" y="992405"/>
-            <a:ext cx="122421" cy="870751"/>
-          </a:xfrm>
-          <a:prstGeom prst="ellipse">
-            <a:avLst/>
-          </a:prstGeom>
-          <a:noFill/>
-          <a:ln w="19050">
-            <a:solidFill>
-              <a:srgbClr val="FFC000"/>
-            </a:solidFill>
-          </a:ln>
-        </p:spPr>
-        <p:style>
-          <a:lnRef idx="2">
-            <a:schemeClr val="accent1">
-              <a:shade val="50000"/>
-            </a:schemeClr>
-          </a:lnRef>
-          <a:fillRef idx="1">
-            <a:schemeClr val="accent1"/>
-          </a:fillRef>
-          <a:effectRef idx="0">
-            <a:schemeClr val="accent1"/>
-          </a:effectRef>
-          <a:fontRef idx="minor">
-            <a:schemeClr val="lt1"/>
-          </a:fontRef>
-        </p:style>
-        <p:txBody>
-          <a:bodyPr rtlCol="0" anchor="t"/>
-          <a:lstStyle>
-            <a:lvl1pPr marL="0" indent="0">
-              <a:defRPr sz="1100">
-                <a:solidFill>
-                  <a:schemeClr val="lt1"/>
-                </a:solidFill>
-                <a:latin typeface="+mn-lt"/>
-                <a:ea typeface="+mn-ea"/>
-                <a:cs typeface="+mn-cs"/>
-              </a:defRPr>
-            </a:lvl1pPr>
-            <a:lvl2pPr marL="457200" indent="0">
-              <a:defRPr sz="1100">
-                <a:solidFill>
-                  <a:schemeClr val="lt1"/>
-                </a:solidFill>
-                <a:latin typeface="+mn-lt"/>
-                <a:ea typeface="+mn-ea"/>
-                <a:cs typeface="+mn-cs"/>
-              </a:defRPr>
-            </a:lvl2pPr>
-            <a:lvl3pPr marL="914400" indent="0">
-              <a:defRPr sz="1100">
-                <a:solidFill>
-                  <a:schemeClr val="lt1"/>
-                </a:solidFill>
-                <a:latin typeface="+mn-lt"/>
-                <a:ea typeface="+mn-ea"/>
-                <a:cs typeface="+mn-cs"/>
-              </a:defRPr>
-            </a:lvl3pPr>
-            <a:lvl4pPr marL="1371600" indent="0">
-              <a:defRPr sz="1100">
-                <a:solidFill>
-                  <a:schemeClr val="lt1"/>
-                </a:solidFill>
-                <a:latin typeface="+mn-lt"/>
-                <a:ea typeface="+mn-ea"/>
-                <a:cs typeface="+mn-cs"/>
-              </a:defRPr>
-            </a:lvl4pPr>
-            <a:lvl5pPr marL="1828800" indent="0">
-              <a:defRPr sz="1100">
-                <a:solidFill>
-                  <a:schemeClr val="lt1"/>
-                </a:solidFill>
-                <a:latin typeface="+mn-lt"/>
-                <a:ea typeface="+mn-ea"/>
-                <a:cs typeface="+mn-cs"/>
-              </a:defRPr>
-            </a:lvl5pPr>
-            <a:lvl6pPr marL="2286000" indent="0">
-              <a:defRPr sz="1100">
-                <a:solidFill>
-                  <a:schemeClr val="lt1"/>
-                </a:solidFill>
-                <a:latin typeface="+mn-lt"/>
-                <a:ea typeface="+mn-ea"/>
-                <a:cs typeface="+mn-cs"/>
-              </a:defRPr>
-            </a:lvl6pPr>
-            <a:lvl7pPr marL="2743200" indent="0">
-              <a:defRPr sz="1100">
-                <a:solidFill>
-                  <a:schemeClr val="lt1"/>
-                </a:solidFill>
-                <a:latin typeface="+mn-lt"/>
-                <a:ea typeface="+mn-ea"/>
-                <a:cs typeface="+mn-cs"/>
-              </a:defRPr>
-            </a:lvl7pPr>
-            <a:lvl8pPr marL="3200400" indent="0">
-              <a:defRPr sz="1100">
-                <a:solidFill>
-                  <a:schemeClr val="lt1"/>
-                </a:solidFill>
-                <a:latin typeface="+mn-lt"/>
-                <a:ea typeface="+mn-ea"/>
-                <a:cs typeface="+mn-cs"/>
-              </a:defRPr>
-            </a:lvl8pPr>
-            <a:lvl9pPr marL="3657600" indent="0">
-              <a:defRPr sz="1100">
-                <a:solidFill>
-                  <a:schemeClr val="lt1"/>
-                </a:solidFill>
-                <a:latin typeface="+mn-lt"/>
-                <a:ea typeface="+mn-ea"/>
-                <a:cs typeface="+mn-cs"/>
-              </a:defRPr>
-            </a:lvl9pPr>
-          </a:lstStyle>
-          <a:p>
-            <a:pPr algn="l"/>
-            <a:endParaRPr lang="en-IN" sz="1100"/>
-          </a:p>
-        </p:txBody>
-      </p:sp>
-      <p:sp>
-        <p:nvSpPr>
-          <p:cNvPr id="69" name="TextBox 68">
-            <a:extLst>
-              <a:ext uri="{FF2B5EF4-FFF2-40B4-BE49-F238E27FC236}">
-                <a16:creationId xmlns:a16="http://schemas.microsoft.com/office/drawing/2014/main" id="{83EE6E6D-2B30-4B6C-BCCE-97803AF068E7}"/>
-              </a:ext>
-            </a:extLst>
-          </p:cNvPr>
-          <p:cNvSpPr txBox="1"/>
-          <p:nvPr/>
-        </p:nvSpPr>
-        <p:spPr>
-          <a:xfrm>
-            <a:off x="4750050" y="1449910"/>
-            <a:ext cx="137550" cy="200055"/>
-          </a:xfrm>
-          <a:prstGeom prst="rect">
-            <a:avLst/>
-          </a:prstGeom>
-          <a:noFill/>
-        </p:spPr>
-        <p:txBody>
-          <a:bodyPr wrap="square" rtlCol="0">
-            <a:spAutoFit/>
-          </a:bodyPr>
-          <a:lstStyle/>
-          <a:p>
-            <a:r>
-              <a:rPr lang="en-US" sz="700" b="1" dirty="0">
-                <a:solidFill>
-                  <a:schemeClr val="bg1"/>
-                </a:solidFill>
-                <a:latin typeface="+mj-lt"/>
-              </a:rPr>
-              <a:t>S</a:t>
-            </a:r>
-          </a:p>
-        </p:txBody>
-      </p:sp>
-      <p:sp>
-        <p:nvSpPr>
-          <p:cNvPr id="70" name="TextBox 69">
-            <a:extLst>
-              <a:ext uri="{FF2B5EF4-FFF2-40B4-BE49-F238E27FC236}">
-                <a16:creationId xmlns:a16="http://schemas.microsoft.com/office/drawing/2014/main" id="{942E37FA-AEE9-44AB-942F-10A1F03E7A73}"/>
-              </a:ext>
-            </a:extLst>
-          </p:cNvPr>
-          <p:cNvSpPr txBox="1"/>
-          <p:nvPr/>
-        </p:nvSpPr>
-        <p:spPr>
-          <a:xfrm>
-            <a:off x="4897765" y="1441191"/>
-            <a:ext cx="137550" cy="200055"/>
-          </a:xfrm>
-          <a:prstGeom prst="rect">
-            <a:avLst/>
-          </a:prstGeom>
-          <a:noFill/>
-        </p:spPr>
-        <p:txBody>
-          <a:bodyPr wrap="square" rtlCol="0">
-            <a:spAutoFit/>
-          </a:bodyPr>
-          <a:lstStyle/>
-          <a:p>
-            <a:r>
-              <a:rPr lang="en-US" sz="700" b="1" dirty="0">
-                <a:solidFill>
-                  <a:schemeClr val="bg1"/>
-                </a:solidFill>
-                <a:latin typeface="+mj-lt"/>
-              </a:rPr>
-              <a:t>1</a:t>
-            </a:r>
-          </a:p>
-        </p:txBody>
-      </p:sp>
-      <p:sp>
-        <p:nvSpPr>
-          <p:cNvPr id="71" name="TextBox 70">
-            <a:extLst>
-              <a:ext uri="{FF2B5EF4-FFF2-40B4-BE49-F238E27FC236}">
-                <a16:creationId xmlns:a16="http://schemas.microsoft.com/office/drawing/2014/main" id="{81BA7196-1AA6-4685-A091-77FDE9CDE27A}"/>
-              </a:ext>
-            </a:extLst>
-          </p:cNvPr>
-          <p:cNvSpPr txBox="1"/>
-          <p:nvPr/>
-        </p:nvSpPr>
-        <p:spPr>
-          <a:xfrm>
-            <a:off x="5134932" y="1449910"/>
-            <a:ext cx="137550" cy="200055"/>
-          </a:xfrm>
-          <a:prstGeom prst="rect">
-            <a:avLst/>
-          </a:prstGeom>
-          <a:noFill/>
-        </p:spPr>
-        <p:txBody>
-          <a:bodyPr wrap="square" rtlCol="0">
-            <a:spAutoFit/>
-          </a:bodyPr>
-          <a:lstStyle/>
-          <a:p>
-            <a:r>
-              <a:rPr lang="en-US" sz="700" b="1" dirty="0">
-                <a:solidFill>
-                  <a:schemeClr val="bg1"/>
-                </a:solidFill>
-                <a:latin typeface="+mj-lt"/>
-              </a:rPr>
-              <a:t>1</a:t>
-            </a:r>
-          </a:p>
-        </p:txBody>
-      </p:sp>
-      <p:sp>
-        <p:nvSpPr>
-          <p:cNvPr id="72" name="TextBox 71">
-            <a:extLst>
-              <a:ext uri="{FF2B5EF4-FFF2-40B4-BE49-F238E27FC236}">
-                <a16:creationId xmlns:a16="http://schemas.microsoft.com/office/drawing/2014/main" id="{2026EED4-101B-41F9-ADA7-6DAD2468E5A5}"/>
-              </a:ext>
-            </a:extLst>
-          </p:cNvPr>
-          <p:cNvSpPr txBox="1"/>
-          <p:nvPr/>
-        </p:nvSpPr>
-        <p:spPr>
-          <a:xfrm>
-            <a:off x="5362128" y="1441381"/>
-            <a:ext cx="122421" cy="200055"/>
-          </a:xfrm>
-          <a:prstGeom prst="rect">
-            <a:avLst/>
-          </a:prstGeom>
-          <a:noFill/>
-        </p:spPr>
-        <p:txBody>
-          <a:bodyPr wrap="square" rtlCol="0">
-            <a:spAutoFit/>
-          </a:bodyPr>
-          <a:lstStyle/>
-          <a:p>
-            <a:r>
-              <a:rPr lang="en-US" sz="700" b="1" dirty="0">
-                <a:solidFill>
-                  <a:schemeClr val="bg1"/>
-                </a:solidFill>
-                <a:latin typeface="+mj-lt"/>
-              </a:rPr>
-              <a:t>0</a:t>
-            </a:r>
-          </a:p>
-        </p:txBody>
-      </p:sp>
-      <p:sp>
-        <p:nvSpPr>
-          <p:cNvPr id="73" name="TextBox 72">
-            <a:extLst>
-              <a:ext uri="{FF2B5EF4-FFF2-40B4-BE49-F238E27FC236}">
-                <a16:creationId xmlns:a16="http://schemas.microsoft.com/office/drawing/2014/main" id="{38F20C3F-0883-4D3C-8E5A-7A1699C80D5B}"/>
-              </a:ext>
-            </a:extLst>
-          </p:cNvPr>
-          <p:cNvSpPr txBox="1"/>
-          <p:nvPr/>
-        </p:nvSpPr>
-        <p:spPr>
-          <a:xfrm>
-            <a:off x="5614825" y="1440214"/>
-            <a:ext cx="122421" cy="200055"/>
-          </a:xfrm>
-          <a:prstGeom prst="rect">
-            <a:avLst/>
-          </a:prstGeom>
-          <a:noFill/>
-        </p:spPr>
-        <p:txBody>
-          <a:bodyPr wrap="square" rtlCol="0">
-            <a:spAutoFit/>
-          </a:bodyPr>
-          <a:lstStyle/>
-          <a:p>
-            <a:r>
-              <a:rPr lang="en-US" sz="700" b="1" dirty="0">
-                <a:solidFill>
-                  <a:schemeClr val="bg1"/>
-                </a:solidFill>
-                <a:latin typeface="+mj-lt"/>
-              </a:rPr>
-              <a:t>0</a:t>
-            </a:r>
-          </a:p>
-        </p:txBody>
-      </p:sp>
-      <p:sp>
-        <p:nvSpPr>
-          <p:cNvPr id="74" name="TextBox 73">
-            <a:extLst>
-              <a:ext uri="{FF2B5EF4-FFF2-40B4-BE49-F238E27FC236}">
-                <a16:creationId xmlns:a16="http://schemas.microsoft.com/office/drawing/2014/main" id="{1E952677-F2AF-4C6B-A65A-C8892AFD95A9}"/>
-              </a:ext>
-            </a:extLst>
-          </p:cNvPr>
-          <p:cNvSpPr txBox="1"/>
-          <p:nvPr/>
-        </p:nvSpPr>
-        <p:spPr>
-          <a:xfrm>
-            <a:off x="5814850" y="1430845"/>
-            <a:ext cx="122421" cy="200055"/>
-          </a:xfrm>
-          <a:prstGeom prst="rect">
-            <a:avLst/>
-          </a:prstGeom>
-          <a:noFill/>
-        </p:spPr>
-        <p:txBody>
-          <a:bodyPr wrap="square" rtlCol="0">
-            <a:spAutoFit/>
-          </a:bodyPr>
-          <a:lstStyle/>
-          <a:p>
-            <a:r>
-              <a:rPr lang="en-US" sz="700" b="1" dirty="0">
-                <a:solidFill>
-                  <a:schemeClr val="bg1"/>
-                </a:solidFill>
-                <a:latin typeface="+mj-lt"/>
-              </a:rPr>
-              <a:t>1</a:t>
-            </a:r>
-          </a:p>
-        </p:txBody>
-      </p:sp>
-      <p:sp>
-        <p:nvSpPr>
-          <p:cNvPr id="75" name="TextBox 74">
-            <a:extLst>
-              <a:ext uri="{FF2B5EF4-FFF2-40B4-BE49-F238E27FC236}">
-                <a16:creationId xmlns:a16="http://schemas.microsoft.com/office/drawing/2014/main" id="{C64E8029-BA5E-4286-A71A-D1989421E435}"/>
-              </a:ext>
-            </a:extLst>
-          </p:cNvPr>
-          <p:cNvSpPr txBox="1"/>
-          <p:nvPr/>
-        </p:nvSpPr>
-        <p:spPr>
-          <a:xfrm>
-            <a:off x="6033708" y="1430794"/>
-            <a:ext cx="122421" cy="200055"/>
-          </a:xfrm>
-          <a:prstGeom prst="rect">
-            <a:avLst/>
-          </a:prstGeom>
-          <a:noFill/>
-        </p:spPr>
-        <p:txBody>
-          <a:bodyPr wrap="square" rtlCol="0">
-            <a:spAutoFit/>
-          </a:bodyPr>
-          <a:lstStyle/>
-          <a:p>
-            <a:r>
-              <a:rPr lang="en-US" sz="700" b="1" dirty="0">
-                <a:solidFill>
-                  <a:schemeClr val="bg1"/>
-                </a:solidFill>
-                <a:latin typeface="+mj-lt"/>
-              </a:rPr>
-              <a:t>1</a:t>
-            </a:r>
-          </a:p>
-        </p:txBody>
-      </p:sp>
-      <p:sp>
-        <p:nvSpPr>
-          <p:cNvPr id="76" name="TextBox 75">
-            <a:extLst>
-              <a:ext uri="{FF2B5EF4-FFF2-40B4-BE49-F238E27FC236}">
-                <a16:creationId xmlns:a16="http://schemas.microsoft.com/office/drawing/2014/main" id="{1FC17860-6C89-41D4-AE9C-8C526E075BAC}"/>
-              </a:ext>
-            </a:extLst>
-          </p:cNvPr>
-          <p:cNvSpPr txBox="1"/>
-          <p:nvPr/>
-        </p:nvSpPr>
-        <p:spPr>
-          <a:xfrm>
-            <a:off x="6246433" y="1430794"/>
-            <a:ext cx="122421" cy="200055"/>
-          </a:xfrm>
-          <a:prstGeom prst="rect">
-            <a:avLst/>
-          </a:prstGeom>
-          <a:noFill/>
-        </p:spPr>
-        <p:txBody>
-          <a:bodyPr wrap="square" rtlCol="0">
-            <a:spAutoFit/>
-          </a:bodyPr>
-          <a:lstStyle/>
-          <a:p>
-            <a:r>
-              <a:rPr lang="en-US" sz="700" b="1" dirty="0">
-                <a:solidFill>
-                  <a:schemeClr val="bg1"/>
-                </a:solidFill>
-                <a:latin typeface="+mj-lt"/>
-              </a:rPr>
-              <a:t>0</a:t>
-            </a:r>
-          </a:p>
-        </p:txBody>
-      </p:sp>
-      <p:sp>
-        <p:nvSpPr>
-          <p:cNvPr id="77" name="TextBox 76">
-            <a:extLst>
-              <a:ext uri="{FF2B5EF4-FFF2-40B4-BE49-F238E27FC236}">
-                <a16:creationId xmlns:a16="http://schemas.microsoft.com/office/drawing/2014/main" id="{DF9D40D3-B6DF-4138-BBBC-F55A38111DE7}"/>
-              </a:ext>
-            </a:extLst>
-          </p:cNvPr>
-          <p:cNvSpPr txBox="1"/>
-          <p:nvPr/>
-        </p:nvSpPr>
-        <p:spPr>
-          <a:xfrm>
-            <a:off x="6509958" y="1430794"/>
-            <a:ext cx="122421" cy="200055"/>
-          </a:xfrm>
-          <a:prstGeom prst="rect">
-            <a:avLst/>
-          </a:prstGeom>
-          <a:noFill/>
-        </p:spPr>
-        <p:txBody>
-          <a:bodyPr wrap="square" rtlCol="0">
-            <a:spAutoFit/>
-          </a:bodyPr>
-          <a:lstStyle/>
-          <a:p>
-            <a:r>
-              <a:rPr lang="en-US" sz="700" b="1" dirty="0">
-                <a:solidFill>
-                  <a:schemeClr val="bg1"/>
-                </a:solidFill>
-                <a:latin typeface="+mj-lt"/>
-              </a:rPr>
-              <a:t>0</a:t>
-            </a:r>
-          </a:p>
-        </p:txBody>
-      </p:sp>
-      <p:sp>
-        <p:nvSpPr>
-          <p:cNvPr id="78" name="TextBox 77">
-            <a:extLst>
-              <a:ext uri="{FF2B5EF4-FFF2-40B4-BE49-F238E27FC236}">
-                <a16:creationId xmlns:a16="http://schemas.microsoft.com/office/drawing/2014/main" id="{6E6F1495-6EEA-45B5-897D-929F7C2855E1}"/>
-              </a:ext>
-            </a:extLst>
-          </p:cNvPr>
-          <p:cNvSpPr txBox="1"/>
-          <p:nvPr/>
-        </p:nvSpPr>
-        <p:spPr>
-          <a:xfrm>
-            <a:off x="6641965" y="1433359"/>
-            <a:ext cx="137550" cy="200055"/>
-          </a:xfrm>
-          <a:prstGeom prst="rect">
-            <a:avLst/>
-          </a:prstGeom>
-          <a:noFill/>
-        </p:spPr>
-        <p:txBody>
-          <a:bodyPr wrap="square" rtlCol="0">
-            <a:spAutoFit/>
-          </a:bodyPr>
-          <a:lstStyle/>
-          <a:p>
-            <a:r>
-              <a:rPr lang="en-US" sz="700" b="1" dirty="0">
-                <a:solidFill>
-                  <a:schemeClr val="bg1"/>
-                </a:solidFill>
-                <a:latin typeface="+mj-lt"/>
-              </a:rPr>
-              <a:t>P</a:t>
-            </a:r>
-          </a:p>
-        </p:txBody>
-      </p:sp>
-      <p:pic>
-        <p:nvPicPr>
-          <p:cNvPr id="79" name="Picture 78">
-            <a:extLst>
-              <a:ext uri="{FF2B5EF4-FFF2-40B4-BE49-F238E27FC236}">
-                <a16:creationId xmlns:a16="http://schemas.microsoft.com/office/drawing/2014/main" id="{1F7300B5-CA31-4B03-8970-E3DD94E28900}"/>
-              </a:ext>
-            </a:extLst>
-          </p:cNvPr>
-          <p:cNvPicPr>
-            <a:picLocks noChangeAspect="1"/>
-          </p:cNvPicPr>
-          <p:nvPr/>
-        </p:nvPicPr>
-        <p:blipFill>
-          <a:blip r:embed="rId3"/>
-          <a:stretch>
-            <a:fillRect/>
-          </a:stretch>
-        </p:blipFill>
-        <p:spPr>
-          <a:xfrm>
-            <a:off x="210403" y="2709668"/>
-            <a:ext cx="8418286" cy="1440968"/>
-          </a:xfrm>
-          <a:prstGeom prst="rect">
-            <a:avLst/>
-          </a:prstGeom>
-        </p:spPr>
-      </p:pic>
-      <p:sp>
-        <p:nvSpPr>
-          <p:cNvPr id="80" name="Rectangle 79">
-            <a:extLst>
-              <a:ext uri="{FF2B5EF4-FFF2-40B4-BE49-F238E27FC236}">
-                <a16:creationId xmlns:a16="http://schemas.microsoft.com/office/drawing/2014/main" id="{07F7F060-D66E-498C-A759-C44A8D721EC1}"/>
-              </a:ext>
-            </a:extLst>
-          </p:cNvPr>
-          <p:cNvSpPr/>
-          <p:nvPr/>
-        </p:nvSpPr>
-        <p:spPr>
-          <a:xfrm>
-            <a:off x="2204595" y="2719795"/>
-            <a:ext cx="258233" cy="1734725"/>
-          </a:xfrm>
-          <a:prstGeom prst="rect">
-            <a:avLst/>
-          </a:prstGeom>
-          <a:noFill/>
-          <a:ln w="19050">
-            <a:solidFill>
-              <a:srgbClr val="FFFF00"/>
-            </a:solidFill>
-          </a:ln>
-        </p:spPr>
-        <p:style>
-          <a:lnRef idx="2">
-            <a:schemeClr val="accent1">
-              <a:shade val="50000"/>
-            </a:schemeClr>
-          </a:lnRef>
-          <a:fillRef idx="1">
-            <a:schemeClr val="accent1"/>
-          </a:fillRef>
-          <a:effectRef idx="0">
-            <a:schemeClr val="accent1"/>
-          </a:effectRef>
-          <a:fontRef idx="minor">
-            <a:schemeClr val="lt1"/>
-          </a:fontRef>
-        </p:style>
-        <p:txBody>
-          <a:bodyPr rtlCol="0" anchor="ctr"/>
-          <a:lstStyle/>
-          <a:p>
-            <a:pPr algn="ctr"/>
-            <a:endParaRPr lang="en-US"/>
-          </a:p>
-        </p:txBody>
-      </p:sp>
-      <p:sp>
-        <p:nvSpPr>
-          <p:cNvPr id="81" name="Rectangle 80">
-            <a:extLst>
-              <a:ext uri="{FF2B5EF4-FFF2-40B4-BE49-F238E27FC236}">
-                <a16:creationId xmlns:a16="http://schemas.microsoft.com/office/drawing/2014/main" id="{DC8851FE-7C01-4D2B-B818-1C88D4CCE5B2}"/>
-              </a:ext>
-            </a:extLst>
-          </p:cNvPr>
-          <p:cNvSpPr/>
-          <p:nvPr/>
-        </p:nvSpPr>
-        <p:spPr>
-          <a:xfrm>
-            <a:off x="6844624" y="2719795"/>
-            <a:ext cx="335628" cy="1712266"/>
-          </a:xfrm>
-          <a:prstGeom prst="rect">
-            <a:avLst/>
-          </a:prstGeom>
-          <a:noFill/>
-          <a:ln w="19050">
-            <a:solidFill>
-              <a:srgbClr val="FFFF00"/>
-            </a:solidFill>
-          </a:ln>
-        </p:spPr>
-        <p:style>
-          <a:lnRef idx="2">
-            <a:schemeClr val="accent1">
-              <a:shade val="50000"/>
-            </a:schemeClr>
-          </a:lnRef>
-          <a:fillRef idx="1">
-            <a:schemeClr val="accent1"/>
-          </a:fillRef>
-          <a:effectRef idx="0">
-            <a:schemeClr val="accent1"/>
-          </a:effectRef>
-          <a:fontRef idx="minor">
-            <a:schemeClr val="lt1"/>
-          </a:fontRef>
-        </p:style>
-        <p:txBody>
-          <a:bodyPr rtlCol="0" anchor="ctr"/>
-          <a:lstStyle/>
-          <a:p>
-            <a:pPr algn="ctr"/>
-            <a:endParaRPr lang="en-US"/>
-          </a:p>
-        </p:txBody>
-      </p:sp>
-      <p:sp>
-        <p:nvSpPr>
-          <p:cNvPr id="82" name="Rectangle 81">
-            <a:extLst>
-              <a:ext uri="{FF2B5EF4-FFF2-40B4-BE49-F238E27FC236}">
-                <a16:creationId xmlns:a16="http://schemas.microsoft.com/office/drawing/2014/main" id="{00CEDBF4-7E71-45CC-B319-25EA5BE628E4}"/>
-              </a:ext>
-            </a:extLst>
-          </p:cNvPr>
-          <p:cNvSpPr/>
-          <p:nvPr/>
-        </p:nvSpPr>
-        <p:spPr>
-          <a:xfrm>
-            <a:off x="1925123" y="4681065"/>
-            <a:ext cx="842010" cy="329448"/>
-          </a:xfrm>
-          <a:prstGeom prst="rect">
-            <a:avLst/>
-          </a:prstGeom>
-        </p:spPr>
-        <p:style>
-          <a:lnRef idx="2">
-            <a:schemeClr val="accent1">
-              <a:shade val="50000"/>
-            </a:schemeClr>
-          </a:lnRef>
-          <a:fillRef idx="1">
-            <a:schemeClr val="accent1"/>
-          </a:fillRef>
-          <a:effectRef idx="0">
-            <a:schemeClr val="accent1"/>
-          </a:effectRef>
-          <a:fontRef idx="minor">
-            <a:schemeClr val="lt1"/>
-          </a:fontRef>
-        </p:style>
-        <p:txBody>
-          <a:bodyPr rtlCol="0" anchor="ctr"/>
-          <a:lstStyle/>
-          <a:p>
-            <a:r>
-              <a:rPr lang="en-US" sz="800" dirty="0"/>
-              <a:t>SCL =1</a:t>
-            </a:r>
-          </a:p>
-          <a:p>
-            <a:r>
-              <a:rPr lang="en-US" sz="800" dirty="0"/>
-              <a:t>SDA = 1 to 0</a:t>
-            </a:r>
-          </a:p>
-        </p:txBody>
-      </p:sp>
-      <p:cxnSp>
-        <p:nvCxnSpPr>
-          <p:cNvPr id="83" name="Straight Arrow Connector 82">
-            <a:extLst>
-              <a:ext uri="{FF2B5EF4-FFF2-40B4-BE49-F238E27FC236}">
-                <a16:creationId xmlns:a16="http://schemas.microsoft.com/office/drawing/2014/main" id="{068A6533-1870-436D-8C94-32ABB0F45876}"/>
-              </a:ext>
-            </a:extLst>
-          </p:cNvPr>
-          <p:cNvCxnSpPr>
-            <a:cxnSpLocks/>
-          </p:cNvCxnSpPr>
-          <p:nvPr/>
-        </p:nvCxnSpPr>
-        <p:spPr>
-          <a:xfrm>
-            <a:off x="2330747" y="4461985"/>
-            <a:ext cx="0" cy="211615"/>
-          </a:xfrm>
-          <a:prstGeom prst="straightConnector1">
-            <a:avLst/>
-          </a:prstGeom>
-          <a:ln w="19050">
-            <a:solidFill>
-              <a:schemeClr val="accent1"/>
-            </a:solidFill>
-            <a:tailEnd type="triangle"/>
-          </a:ln>
-        </p:spPr>
-        <p:style>
-          <a:lnRef idx="1">
-            <a:schemeClr val="accent1"/>
-          </a:lnRef>
-          <a:fillRef idx="0">
-            <a:schemeClr val="accent1"/>
-          </a:fillRef>
-          <a:effectRef idx="0">
-            <a:schemeClr val="accent1"/>
-          </a:effectRef>
-          <a:fontRef idx="minor">
-            <a:schemeClr val="tx1"/>
-          </a:fontRef>
-        </p:style>
-      </p:cxnSp>
-      <p:sp>
-        <p:nvSpPr>
-          <p:cNvPr id="84" name="Rectangle 83">
-            <a:extLst>
-              <a:ext uri="{FF2B5EF4-FFF2-40B4-BE49-F238E27FC236}">
-                <a16:creationId xmlns:a16="http://schemas.microsoft.com/office/drawing/2014/main" id="{227C1983-5E88-431D-8654-7895692FBA61}"/>
-              </a:ext>
-            </a:extLst>
-          </p:cNvPr>
-          <p:cNvSpPr/>
-          <p:nvPr/>
-        </p:nvSpPr>
-        <p:spPr>
-          <a:xfrm>
-            <a:off x="7049655" y="4673600"/>
-            <a:ext cx="783168" cy="336550"/>
-          </a:xfrm>
-          <a:prstGeom prst="rect">
-            <a:avLst/>
-          </a:prstGeom>
-        </p:spPr>
-        <p:style>
-          <a:lnRef idx="2">
-            <a:schemeClr val="accent1">
-              <a:shade val="50000"/>
-            </a:schemeClr>
-          </a:lnRef>
-          <a:fillRef idx="1">
-            <a:schemeClr val="accent1"/>
-          </a:fillRef>
-          <a:effectRef idx="0">
-            <a:schemeClr val="accent1"/>
-          </a:effectRef>
-          <a:fontRef idx="minor">
-            <a:schemeClr val="lt1"/>
-          </a:fontRef>
-        </p:style>
-        <p:txBody>
-          <a:bodyPr rtlCol="0" anchor="ctr"/>
-          <a:lstStyle/>
-          <a:p>
-            <a:r>
-              <a:rPr lang="en-US" sz="800" dirty="0"/>
-              <a:t>SCL =1</a:t>
-            </a:r>
-          </a:p>
-          <a:p>
-            <a:r>
-              <a:rPr lang="en-US" sz="800" dirty="0"/>
-              <a:t>SDA = 0 to 1</a:t>
-            </a:r>
-          </a:p>
-        </p:txBody>
-      </p:sp>
-      <p:cxnSp>
-        <p:nvCxnSpPr>
-          <p:cNvPr id="85" name="Straight Arrow Connector 84">
-            <a:extLst>
-              <a:ext uri="{FF2B5EF4-FFF2-40B4-BE49-F238E27FC236}">
-                <a16:creationId xmlns:a16="http://schemas.microsoft.com/office/drawing/2014/main" id="{3F0C853D-EC37-4C7C-9CE9-B73FCC758703}"/>
-              </a:ext>
-            </a:extLst>
-          </p:cNvPr>
-          <p:cNvCxnSpPr>
-            <a:cxnSpLocks/>
-          </p:cNvCxnSpPr>
-          <p:nvPr/>
-        </p:nvCxnSpPr>
-        <p:spPr>
-          <a:xfrm>
-            <a:off x="7144097" y="4436089"/>
-            <a:ext cx="0" cy="244976"/>
-          </a:xfrm>
-          <a:prstGeom prst="straightConnector1">
-            <a:avLst/>
-          </a:prstGeom>
-          <a:ln w="19050">
-            <a:solidFill>
-              <a:schemeClr val="accent1"/>
-            </a:solidFill>
-            <a:tailEnd type="triangle"/>
-          </a:ln>
-        </p:spPr>
-        <p:style>
-          <a:lnRef idx="1">
-            <a:schemeClr val="accent1"/>
-          </a:lnRef>
-          <a:fillRef idx="0">
-            <a:schemeClr val="accent1"/>
-          </a:fillRef>
-          <a:effectRef idx="0">
-            <a:schemeClr val="accent1"/>
-          </a:effectRef>
-          <a:fontRef idx="minor">
-            <a:schemeClr val="tx1"/>
-          </a:fontRef>
-        </p:style>
-      </p:cxnSp>
-      <p:sp>
-        <p:nvSpPr>
-          <p:cNvPr id="86" name="TextBox 85">
-            <a:extLst>
-              <a:ext uri="{FF2B5EF4-FFF2-40B4-BE49-F238E27FC236}">
-                <a16:creationId xmlns:a16="http://schemas.microsoft.com/office/drawing/2014/main" id="{4AD5F6A5-8924-45D8-BDF2-26B3AC02D465}"/>
-              </a:ext>
-            </a:extLst>
-          </p:cNvPr>
-          <p:cNvSpPr txBox="1"/>
-          <p:nvPr/>
-        </p:nvSpPr>
-        <p:spPr>
-          <a:xfrm>
-            <a:off x="2959777" y="3457297"/>
-            <a:ext cx="203200" cy="246221"/>
-          </a:xfrm>
-          <a:prstGeom prst="rect">
-            <a:avLst/>
-          </a:prstGeom>
-          <a:noFill/>
-        </p:spPr>
-        <p:txBody>
-          <a:bodyPr wrap="square" rtlCol="0">
-            <a:spAutoFit/>
-          </a:bodyPr>
-          <a:lstStyle/>
-          <a:p>
-            <a:r>
-              <a:rPr lang="en-US" sz="1000" b="1" dirty="0">
-                <a:solidFill>
-                  <a:srgbClr val="FF0000"/>
-                </a:solidFill>
-                <a:latin typeface="+mj-lt"/>
-              </a:rPr>
-              <a:t>0</a:t>
-            </a:r>
-          </a:p>
-        </p:txBody>
-      </p:sp>
-      <p:sp>
-        <p:nvSpPr>
-          <p:cNvPr id="87" name="TextBox 86">
-            <a:extLst>
-              <a:ext uri="{FF2B5EF4-FFF2-40B4-BE49-F238E27FC236}">
-                <a16:creationId xmlns:a16="http://schemas.microsoft.com/office/drawing/2014/main" id="{44BBB37F-C286-4042-8BFC-22E88A3C01B3}"/>
-              </a:ext>
-            </a:extLst>
-          </p:cNvPr>
-          <p:cNvSpPr txBox="1"/>
-          <p:nvPr/>
-        </p:nvSpPr>
-        <p:spPr>
-          <a:xfrm>
-            <a:off x="3813217" y="3457297"/>
-            <a:ext cx="203200" cy="246221"/>
-          </a:xfrm>
-          <a:prstGeom prst="rect">
-            <a:avLst/>
-          </a:prstGeom>
-          <a:noFill/>
-        </p:spPr>
-        <p:txBody>
-          <a:bodyPr wrap="square" rtlCol="0">
-            <a:spAutoFit/>
-          </a:bodyPr>
-          <a:lstStyle/>
-          <a:p>
-            <a:r>
-              <a:rPr lang="en-US" sz="1000" b="1" dirty="0">
-                <a:solidFill>
-                  <a:srgbClr val="FF0000"/>
-                </a:solidFill>
-                <a:latin typeface="+mj-lt"/>
-              </a:rPr>
-              <a:t>0</a:t>
-            </a:r>
-          </a:p>
-        </p:txBody>
-      </p:sp>
-      <p:sp>
-        <p:nvSpPr>
-          <p:cNvPr id="88" name="TextBox 87">
-            <a:extLst>
-              <a:ext uri="{FF2B5EF4-FFF2-40B4-BE49-F238E27FC236}">
-                <a16:creationId xmlns:a16="http://schemas.microsoft.com/office/drawing/2014/main" id="{9794C77B-6B42-43E8-87F8-D96B4E7E70F6}"/>
-              </a:ext>
-            </a:extLst>
-          </p:cNvPr>
-          <p:cNvSpPr txBox="1"/>
-          <p:nvPr/>
-        </p:nvSpPr>
-        <p:spPr>
-          <a:xfrm>
-            <a:off x="4737346" y="3457296"/>
-            <a:ext cx="203200" cy="246221"/>
-          </a:xfrm>
-          <a:prstGeom prst="rect">
-            <a:avLst/>
-          </a:prstGeom>
-          <a:noFill/>
-        </p:spPr>
-        <p:txBody>
-          <a:bodyPr wrap="square" rtlCol="0">
-            <a:spAutoFit/>
-          </a:bodyPr>
-          <a:lstStyle/>
-          <a:p>
-            <a:r>
-              <a:rPr lang="en-US" sz="1000" b="1" dirty="0">
-                <a:solidFill>
-                  <a:srgbClr val="FF0000"/>
-                </a:solidFill>
-                <a:latin typeface="+mj-lt"/>
-              </a:rPr>
-              <a:t>0</a:t>
-            </a:r>
-          </a:p>
-        </p:txBody>
-      </p:sp>
-      <p:sp>
-        <p:nvSpPr>
-          <p:cNvPr id="89" name="TextBox 88">
-            <a:extLst>
-              <a:ext uri="{FF2B5EF4-FFF2-40B4-BE49-F238E27FC236}">
-                <a16:creationId xmlns:a16="http://schemas.microsoft.com/office/drawing/2014/main" id="{120017ED-BACA-4E69-B34F-C6A0C05AB6D0}"/>
-              </a:ext>
-            </a:extLst>
-          </p:cNvPr>
-          <p:cNvSpPr txBox="1"/>
-          <p:nvPr/>
-        </p:nvSpPr>
-        <p:spPr>
-          <a:xfrm>
-            <a:off x="5663185" y="3457295"/>
-            <a:ext cx="203200" cy="246221"/>
-          </a:xfrm>
-          <a:prstGeom prst="rect">
-            <a:avLst/>
-          </a:prstGeom>
-          <a:noFill/>
-        </p:spPr>
-        <p:txBody>
-          <a:bodyPr wrap="square" rtlCol="0">
-            <a:spAutoFit/>
-          </a:bodyPr>
-          <a:lstStyle/>
-          <a:p>
-            <a:r>
-              <a:rPr lang="en-US" sz="1000" b="1" dirty="0">
-                <a:solidFill>
-                  <a:srgbClr val="FF0000"/>
-                </a:solidFill>
-                <a:latin typeface="+mj-lt"/>
-              </a:rPr>
-              <a:t>0</a:t>
-            </a:r>
-          </a:p>
-        </p:txBody>
-      </p:sp>
-      <p:sp>
-        <p:nvSpPr>
-          <p:cNvPr id="90" name="TextBox 89">
-            <a:extLst>
-              <a:ext uri="{FF2B5EF4-FFF2-40B4-BE49-F238E27FC236}">
-                <a16:creationId xmlns:a16="http://schemas.microsoft.com/office/drawing/2014/main" id="{676EDB25-A05F-44EC-B560-CCFE98D3BA51}"/>
-              </a:ext>
-            </a:extLst>
-          </p:cNvPr>
-          <p:cNvSpPr txBox="1"/>
-          <p:nvPr/>
-        </p:nvSpPr>
-        <p:spPr>
-          <a:xfrm>
-            <a:off x="6626676" y="3457296"/>
-            <a:ext cx="203200" cy="246221"/>
-          </a:xfrm>
-          <a:prstGeom prst="rect">
-            <a:avLst/>
-          </a:prstGeom>
-          <a:noFill/>
-        </p:spPr>
-        <p:txBody>
-          <a:bodyPr wrap="square" rtlCol="0">
-            <a:spAutoFit/>
-          </a:bodyPr>
-          <a:lstStyle/>
-          <a:p>
-            <a:r>
-              <a:rPr lang="en-US" sz="1000" b="1" dirty="0">
-                <a:solidFill>
-                  <a:srgbClr val="FF0000"/>
-                </a:solidFill>
-                <a:latin typeface="+mj-lt"/>
-              </a:rPr>
-              <a:t>0</a:t>
-            </a:r>
-          </a:p>
-        </p:txBody>
-      </p:sp>
-      <p:sp>
-        <p:nvSpPr>
-          <p:cNvPr id="91" name="TextBox 90">
-            <a:extLst>
-              <a:ext uri="{FF2B5EF4-FFF2-40B4-BE49-F238E27FC236}">
-                <a16:creationId xmlns:a16="http://schemas.microsoft.com/office/drawing/2014/main" id="{A6E62B85-B5D5-42B1-9C8B-0AB354A3E0E6}"/>
-              </a:ext>
-            </a:extLst>
-          </p:cNvPr>
-          <p:cNvSpPr txBox="1"/>
-          <p:nvPr/>
-        </p:nvSpPr>
-        <p:spPr>
-          <a:xfrm>
-            <a:off x="3420576" y="3492856"/>
-            <a:ext cx="203200" cy="246221"/>
-          </a:xfrm>
-          <a:prstGeom prst="rect">
-            <a:avLst/>
-          </a:prstGeom>
-          <a:noFill/>
-        </p:spPr>
-        <p:txBody>
-          <a:bodyPr wrap="square" rtlCol="0">
-            <a:spAutoFit/>
-          </a:bodyPr>
-          <a:lstStyle/>
-          <a:p>
-            <a:r>
-              <a:rPr lang="en-US" sz="1000" b="1" dirty="0">
-                <a:solidFill>
-                  <a:srgbClr val="FF0000"/>
-                </a:solidFill>
-                <a:latin typeface="+mj-lt"/>
-              </a:rPr>
-              <a:t>1</a:t>
-            </a:r>
-          </a:p>
-        </p:txBody>
-      </p:sp>
-      <p:sp>
-        <p:nvSpPr>
-          <p:cNvPr id="92" name="TextBox 91">
-            <a:extLst>
-              <a:ext uri="{FF2B5EF4-FFF2-40B4-BE49-F238E27FC236}">
-                <a16:creationId xmlns:a16="http://schemas.microsoft.com/office/drawing/2014/main" id="{BEF1A33C-90CC-432A-B644-98D8980CB5B6}"/>
-              </a:ext>
-            </a:extLst>
-          </p:cNvPr>
-          <p:cNvSpPr txBox="1"/>
-          <p:nvPr/>
-        </p:nvSpPr>
-        <p:spPr>
-          <a:xfrm>
-            <a:off x="4192205" y="3492855"/>
-            <a:ext cx="203200" cy="246221"/>
-          </a:xfrm>
-          <a:prstGeom prst="rect">
-            <a:avLst/>
-          </a:prstGeom>
-          <a:noFill/>
-        </p:spPr>
-        <p:txBody>
-          <a:bodyPr wrap="square" rtlCol="0">
-            <a:spAutoFit/>
-          </a:bodyPr>
-          <a:lstStyle/>
-          <a:p>
-            <a:r>
-              <a:rPr lang="en-US" sz="1000" b="1" dirty="0">
-                <a:solidFill>
-                  <a:srgbClr val="FF0000"/>
-                </a:solidFill>
-                <a:latin typeface="+mj-lt"/>
-              </a:rPr>
-              <a:t>1</a:t>
-            </a:r>
-          </a:p>
-        </p:txBody>
-      </p:sp>
-      <p:sp>
-        <p:nvSpPr>
-          <p:cNvPr id="93" name="TextBox 92">
-            <a:extLst>
-              <a:ext uri="{FF2B5EF4-FFF2-40B4-BE49-F238E27FC236}">
-                <a16:creationId xmlns:a16="http://schemas.microsoft.com/office/drawing/2014/main" id="{0D0D6181-3677-4015-99CD-7159DEA0E0D4}"/>
-              </a:ext>
-            </a:extLst>
-          </p:cNvPr>
-          <p:cNvSpPr txBox="1"/>
-          <p:nvPr/>
-        </p:nvSpPr>
-        <p:spPr>
-          <a:xfrm>
-            <a:off x="5247454" y="3492853"/>
-            <a:ext cx="203200" cy="246221"/>
-          </a:xfrm>
-          <a:prstGeom prst="rect">
-            <a:avLst/>
-          </a:prstGeom>
-          <a:noFill/>
-        </p:spPr>
-        <p:txBody>
-          <a:bodyPr wrap="square" rtlCol="0">
-            <a:spAutoFit/>
-          </a:bodyPr>
-          <a:lstStyle/>
-          <a:p>
-            <a:r>
-              <a:rPr lang="en-US" sz="1000" b="1" dirty="0">
-                <a:solidFill>
-                  <a:srgbClr val="FF0000"/>
-                </a:solidFill>
-                <a:latin typeface="+mj-lt"/>
-              </a:rPr>
-              <a:t>1</a:t>
-            </a:r>
-          </a:p>
-        </p:txBody>
-      </p:sp>
-      <p:sp>
-        <p:nvSpPr>
-          <p:cNvPr id="94" name="TextBox 93">
-            <a:extLst>
-              <a:ext uri="{FF2B5EF4-FFF2-40B4-BE49-F238E27FC236}">
-                <a16:creationId xmlns:a16="http://schemas.microsoft.com/office/drawing/2014/main" id="{4F08BAB1-D370-4289-BFE9-038611404EC4}"/>
-              </a:ext>
-            </a:extLst>
-          </p:cNvPr>
-          <p:cNvSpPr txBox="1"/>
-          <p:nvPr/>
-        </p:nvSpPr>
-        <p:spPr>
-          <a:xfrm>
-            <a:off x="6245676" y="3492854"/>
-            <a:ext cx="203200" cy="246221"/>
-          </a:xfrm>
-          <a:prstGeom prst="rect">
-            <a:avLst/>
-          </a:prstGeom>
-          <a:noFill/>
-        </p:spPr>
-        <p:txBody>
-          <a:bodyPr wrap="square" rtlCol="0">
-            <a:spAutoFit/>
-          </a:bodyPr>
-          <a:lstStyle/>
-          <a:p>
-            <a:r>
-              <a:rPr lang="en-US" sz="1000" b="1" dirty="0">
-                <a:solidFill>
-                  <a:srgbClr val="FF0000"/>
-                </a:solidFill>
-                <a:latin typeface="+mj-lt"/>
-              </a:rPr>
-              <a:t>1</a:t>
-            </a:r>
-          </a:p>
-        </p:txBody>
-      </p:sp>
-      <p:sp>
-        <p:nvSpPr>
-          <p:cNvPr id="95" name="TextBox 94">
-            <a:extLst>
-              <a:ext uri="{FF2B5EF4-FFF2-40B4-BE49-F238E27FC236}">
-                <a16:creationId xmlns:a16="http://schemas.microsoft.com/office/drawing/2014/main" id="{640EF11E-7EA8-4079-932E-18289FBA0C27}"/>
-              </a:ext>
-            </a:extLst>
-          </p:cNvPr>
-          <p:cNvSpPr txBox="1"/>
-          <p:nvPr/>
-        </p:nvSpPr>
-        <p:spPr>
-          <a:xfrm>
-            <a:off x="7097422" y="3492853"/>
-            <a:ext cx="203200" cy="246221"/>
-          </a:xfrm>
-          <a:prstGeom prst="rect">
-            <a:avLst/>
-          </a:prstGeom>
-          <a:noFill/>
-        </p:spPr>
-        <p:txBody>
-          <a:bodyPr wrap="square" rtlCol="0">
-            <a:spAutoFit/>
-          </a:bodyPr>
-          <a:lstStyle/>
-          <a:p>
-            <a:r>
-              <a:rPr lang="en-US" sz="1000" b="1" dirty="0">
-                <a:solidFill>
-                  <a:srgbClr val="FF0000"/>
-                </a:solidFill>
-                <a:latin typeface="+mj-lt"/>
-              </a:rPr>
-              <a:t>1</a:t>
-            </a:r>
-          </a:p>
-        </p:txBody>
-      </p:sp>
-      <p:cxnSp>
-        <p:nvCxnSpPr>
-          <p:cNvPr id="96" name="Straight Connector 95">
-            <a:extLst>
-              <a:ext uri="{FF2B5EF4-FFF2-40B4-BE49-F238E27FC236}">
-                <a16:creationId xmlns:a16="http://schemas.microsoft.com/office/drawing/2014/main" id="{CCD2EE8C-B4D6-4A8D-A7C8-54F8689E4AD5}"/>
-              </a:ext>
-            </a:extLst>
-          </p:cNvPr>
-          <p:cNvCxnSpPr>
-            <a:cxnSpLocks/>
-          </p:cNvCxnSpPr>
-          <p:nvPr/>
-        </p:nvCxnSpPr>
-        <p:spPr>
-          <a:xfrm flipH="1">
-            <a:off x="3262883" y="3605390"/>
-            <a:ext cx="1" cy="953187"/>
-          </a:xfrm>
-          <a:prstGeom prst="line">
-            <a:avLst/>
-          </a:prstGeom>
-          <a:ln w="19050">
-            <a:solidFill>
-              <a:srgbClr val="FFC000"/>
-            </a:solidFill>
-            <a:prstDash val="sysDash"/>
-          </a:ln>
-        </p:spPr>
-        <p:style>
-          <a:lnRef idx="1">
-            <a:schemeClr val="accent1"/>
-          </a:lnRef>
-          <a:fillRef idx="0">
-            <a:schemeClr val="accent1"/>
-          </a:fillRef>
-          <a:effectRef idx="0">
-            <a:schemeClr val="accent1"/>
-          </a:effectRef>
-          <a:fontRef idx="minor">
-            <a:schemeClr val="tx1"/>
-          </a:fontRef>
-        </p:style>
-      </p:cxnSp>
-      <p:sp>
-        <p:nvSpPr>
-          <p:cNvPr id="98" name="Right Brace 97">
-            <a:extLst>
-              <a:ext uri="{FF2B5EF4-FFF2-40B4-BE49-F238E27FC236}">
-                <a16:creationId xmlns:a16="http://schemas.microsoft.com/office/drawing/2014/main" id="{0F1C69E3-8570-4D21-AC30-CF1C4CC09BCF}"/>
-              </a:ext>
-            </a:extLst>
-          </p:cNvPr>
-          <p:cNvSpPr/>
-          <p:nvPr/>
-        </p:nvSpPr>
-        <p:spPr>
-          <a:xfrm rot="5400000">
-            <a:off x="4976360" y="2815699"/>
-            <a:ext cx="261610" cy="3674730"/>
-          </a:xfrm>
-          <a:prstGeom prst="rightBrace">
-            <a:avLst>
-              <a:gd name="adj1" fmla="val 0"/>
-              <a:gd name="adj2" fmla="val 51953"/>
-            </a:avLst>
-          </a:prstGeom>
-          <a:ln w="19050">
-            <a:solidFill>
-              <a:schemeClr val="accent1"/>
-            </a:solidFill>
-          </a:ln>
-        </p:spPr>
-        <p:style>
-          <a:lnRef idx="1">
-            <a:schemeClr val="accent1"/>
-          </a:lnRef>
-          <a:fillRef idx="0">
-            <a:schemeClr val="accent1"/>
-          </a:fillRef>
-          <a:effectRef idx="0">
-            <a:schemeClr val="accent1"/>
-          </a:effectRef>
-          <a:fontRef idx="minor">
-            <a:schemeClr val="tx1"/>
-          </a:fontRef>
-        </p:style>
-        <p:txBody>
-          <a:bodyPr rtlCol="0" anchor="ctr"/>
-          <a:lstStyle/>
-          <a:p>
-            <a:pPr algn="ctr"/>
-            <a:endParaRPr lang="en-US" dirty="0"/>
-          </a:p>
-        </p:txBody>
-      </p:sp>
-      <p:sp>
-        <p:nvSpPr>
-          <p:cNvPr id="99" name="Rectangle 98">
-            <a:extLst>
-              <a:ext uri="{FF2B5EF4-FFF2-40B4-BE49-F238E27FC236}">
-                <a16:creationId xmlns:a16="http://schemas.microsoft.com/office/drawing/2014/main" id="{8E3B2924-018D-46B4-9C45-ECE235C7DBA7}"/>
-              </a:ext>
-            </a:extLst>
-          </p:cNvPr>
-          <p:cNvSpPr/>
-          <p:nvPr/>
-        </p:nvSpPr>
-        <p:spPr>
-          <a:xfrm>
-            <a:off x="4355203" y="4783868"/>
-            <a:ext cx="1431291" cy="336550"/>
-          </a:xfrm>
-          <a:prstGeom prst="rect">
-            <a:avLst/>
-          </a:prstGeom>
-        </p:spPr>
-        <p:style>
-          <a:lnRef idx="2">
-            <a:schemeClr val="accent1">
-              <a:shade val="50000"/>
-            </a:schemeClr>
-          </a:lnRef>
-          <a:fillRef idx="1">
-            <a:schemeClr val="accent1"/>
-          </a:fillRef>
-          <a:effectRef idx="0">
-            <a:schemeClr val="accent1"/>
-          </a:effectRef>
-          <a:fontRef idx="minor">
-            <a:schemeClr val="lt1"/>
-          </a:fontRef>
-        </p:style>
-        <p:txBody>
-          <a:bodyPr rtlCol="0" anchor="ctr"/>
-          <a:lstStyle/>
-          <a:p>
-            <a:pPr algn="ctr"/>
-            <a:r>
-              <a:rPr lang="en-US" sz="1100" dirty="0"/>
-              <a:t>Data = 10101010</a:t>
-            </a:r>
-          </a:p>
-          <a:p>
-            <a:pPr algn="ctr"/>
-            <a:r>
-              <a:rPr lang="en-US" sz="1100" dirty="0"/>
-              <a:t>Pos. = 7654321</a:t>
-            </a:r>
-          </a:p>
-        </p:txBody>
-      </p:sp>
-      <p:cxnSp>
-        <p:nvCxnSpPr>
-          <p:cNvPr id="100" name="Straight Connector 99">
-            <a:extLst>
-              <a:ext uri="{FF2B5EF4-FFF2-40B4-BE49-F238E27FC236}">
-                <a16:creationId xmlns:a16="http://schemas.microsoft.com/office/drawing/2014/main" id="{56442757-C50D-4325-A7E9-6ED4DE4EEA8E}"/>
-              </a:ext>
-            </a:extLst>
-          </p:cNvPr>
-          <p:cNvCxnSpPr>
-            <a:cxnSpLocks/>
-          </p:cNvCxnSpPr>
-          <p:nvPr/>
-        </p:nvCxnSpPr>
-        <p:spPr>
-          <a:xfrm flipH="1">
-            <a:off x="6944530" y="3590594"/>
-            <a:ext cx="1" cy="953187"/>
-          </a:xfrm>
-          <a:prstGeom prst="line">
-            <a:avLst/>
-          </a:prstGeom>
-          <a:ln w="19050">
-            <a:solidFill>
-              <a:srgbClr val="FFC000"/>
-            </a:solidFill>
-            <a:prstDash val="sysDash"/>
-          </a:ln>
-        </p:spPr>
-        <p:style>
-          <a:lnRef idx="1">
-            <a:schemeClr val="accent1"/>
-          </a:lnRef>
-          <a:fillRef idx="0">
-            <a:schemeClr val="accent1"/>
-          </a:fillRef>
-          <a:effectRef idx="0">
-            <a:schemeClr val="accent1"/>
-          </a:effectRef>
-          <a:fontRef idx="minor">
-            <a:schemeClr val="tx1"/>
-          </a:fontRef>
-        </p:style>
-      </p:cxnSp>
-      <p:sp>
-        <p:nvSpPr>
-          <p:cNvPr id="101" name="Rectangle 100">
-            <a:extLst>
-              <a:ext uri="{FF2B5EF4-FFF2-40B4-BE49-F238E27FC236}">
-                <a16:creationId xmlns:a16="http://schemas.microsoft.com/office/drawing/2014/main" id="{32D76A96-8E5F-44A1-8770-63AD3B11BF0B}"/>
-              </a:ext>
-            </a:extLst>
-          </p:cNvPr>
-          <p:cNvSpPr/>
-          <p:nvPr/>
-        </p:nvSpPr>
-        <p:spPr>
-          <a:xfrm>
-            <a:off x="3378590" y="69206"/>
-            <a:ext cx="2716328" cy="276391"/>
-          </a:xfrm>
-          <a:prstGeom prst="rect">
-            <a:avLst/>
-          </a:prstGeom>
-          <a:ln/>
-        </p:spPr>
-        <p:style>
-          <a:lnRef idx="1">
-            <a:schemeClr val="accent6"/>
-          </a:lnRef>
-          <a:fillRef idx="3">
-            <a:schemeClr val="accent6"/>
-          </a:fillRef>
-          <a:effectRef idx="2">
-            <a:schemeClr val="accent6"/>
-          </a:effectRef>
-          <a:fontRef idx="minor">
-            <a:schemeClr val="lt1"/>
-          </a:fontRef>
-        </p:style>
-        <p:txBody>
-          <a:bodyPr rtlCol="0" anchor="ctr"/>
-          <a:lstStyle/>
-          <a:p>
-            <a:pPr algn="ctr"/>
-            <a:r>
-              <a:rPr lang="en-US" sz="1600" dirty="0"/>
-              <a:t>I2C Master</a:t>
-            </a:r>
-          </a:p>
-        </p:txBody>
-      </p:sp>
-      <p:sp>
-        <p:nvSpPr>
-          <p:cNvPr id="102" name="Rectangle 101">
-            <a:extLst>
-              <a:ext uri="{FF2B5EF4-FFF2-40B4-BE49-F238E27FC236}">
-                <a16:creationId xmlns:a16="http://schemas.microsoft.com/office/drawing/2014/main" id="{A582BEBE-DDC9-4902-931F-974D469DF4A6}"/>
-              </a:ext>
-            </a:extLst>
-          </p:cNvPr>
-          <p:cNvSpPr/>
-          <p:nvPr/>
-        </p:nvSpPr>
-        <p:spPr>
-          <a:xfrm>
-            <a:off x="3317380" y="2385569"/>
-            <a:ext cx="2716328" cy="276391"/>
-          </a:xfrm>
-          <a:prstGeom prst="rect">
-            <a:avLst/>
-          </a:prstGeom>
-          <a:ln/>
-        </p:spPr>
-        <p:style>
-          <a:lnRef idx="1">
-            <a:schemeClr val="accent6"/>
-          </a:lnRef>
-          <a:fillRef idx="3">
-            <a:schemeClr val="accent6"/>
-          </a:fillRef>
-          <a:effectRef idx="2">
-            <a:schemeClr val="accent6"/>
-          </a:effectRef>
-          <a:fontRef idx="minor">
-            <a:schemeClr val="lt1"/>
-          </a:fontRef>
-        </p:style>
-        <p:txBody>
-          <a:bodyPr rtlCol="0" anchor="ctr"/>
-          <a:lstStyle/>
-          <a:p>
-            <a:pPr algn="ctr"/>
-            <a:r>
-              <a:rPr lang="en-US" sz="1600" dirty="0"/>
-              <a:t>I2C Slave</a:t>
-            </a:r>
+              <a:t>https://rheingoldheavy.com/i2c-signal-reverse-engineering/</a:t>
+            </a:r>
+            <a:endParaRPr lang="en-US" sz="1600" dirty="0">
+              <a:latin typeface="+mj-lt"/>
+            </a:endParaRPr>
           </a:p>
         </p:txBody>
       </p:sp>
     </p:spTree>
     <p:extLst>
       <p:ext uri="{BB962C8B-B14F-4D97-AF65-F5344CB8AC3E}">
-        <p14:creationId xmlns:p14="http://schemas.microsoft.com/office/powerpoint/2010/main" val="2733106043"/>
+        <p14:creationId xmlns:p14="http://schemas.microsoft.com/office/powerpoint/2010/main" val="3207602261"/>
       </p:ext>
     </p:extLst>
   </p:cSld>
